--- a/Text Albumentation.pptx
+++ b/Text Albumentation.pptx
@@ -15,11 +15,11 @@
     <p:sldId id="2462" r:id="rId6"/>
     <p:sldId id="259" r:id="rId7"/>
     <p:sldId id="2451" r:id="rId8"/>
-    <p:sldId id="2432" r:id="rId9"/>
-    <p:sldId id="2463" r:id="rId10"/>
-    <p:sldId id="2464" r:id="rId11"/>
-    <p:sldId id="2465" r:id="rId12"/>
-    <p:sldId id="2457" r:id="rId13"/>
+    <p:sldId id="2457" r:id="rId9"/>
+    <p:sldId id="2432" r:id="rId10"/>
+    <p:sldId id="2466" r:id="rId11"/>
+    <p:sldId id="2467" r:id="rId12"/>
+    <p:sldId id="2468" r:id="rId13"/>
     <p:sldId id="2456" r:id="rId14"/>
     <p:sldId id="2436" r:id="rId15"/>
   </p:sldIdLst>
@@ -251,7 +251,7 @@
           <a:p>
             <a:fld id="{966D5B4E-BF3E-3B45-A4BA-D6C3B92870D7}" type="datetimeFigureOut">
               <a:rPr lang="en-US" smtClean="0"/>
-              <a:t>10/9/2022</a:t>
+              <a:t>10/24/2022</a:t>
             </a:fld>
             <a:endParaRPr lang="en-US"/>
           </a:p>
@@ -428,7 +428,7 @@
           <a:p>
             <a:fld id="{F5A8621B-8C8E-49BA-8772-41D0FE75A082}" type="datetimeFigureOut">
               <a:rPr lang="en-US" smtClean="0"/>
-              <a:t>10/9/2022</a:t>
+              <a:t>10/24/2022</a:t>
             </a:fld>
             <a:endParaRPr lang="en-US"/>
           </a:p>
@@ -5324,9 +5324,18 @@
           <a:lstStyle/>
           <a:p>
             <a:r>
-              <a:rPr lang="en-US"/>
-              <a:t>NLP Albumentation</a:t>
-            </a:r>
+              <a:rPr lang="en-US" sz="6000" dirty="0"/>
+              <a:t>NLP</a:t>
+            </a:r>
+            <a:r>
+              <a:rPr lang="en-US" dirty="0"/>
+              <a:t> </a:t>
+            </a:r>
+            <a:r>
+              <a:rPr lang="en-US" sz="6000" dirty="0" err="1"/>
+              <a:t>Albumentation</a:t>
+            </a:r>
+            <a:endParaRPr lang="en-US" sz="6000" dirty="0"/>
           </a:p>
         </p:txBody>
       </p:sp>
@@ -5399,8 +5408,8 @@
         </p:nvSpPr>
         <p:spPr>
           <a:xfrm>
-            <a:off x="3525982" y="3608511"/>
-            <a:ext cx="5153890" cy="518795"/>
+            <a:off x="3186819" y="3608511"/>
+            <a:ext cx="6047715" cy="518795"/>
           </a:xfrm>
         </p:spPr>
         <p:txBody>
@@ -5410,8 +5419,8 @@
           <a:lstStyle/>
           <a:p>
             <a:r>
-              <a:rPr lang="en-US"/>
-              <a:t>ISM 6930 - Prior Work &amp; Data Sourcing</a:t>
+              <a:rPr lang="en-US" dirty="0"/>
+              <a:t>ISM 6930 – DATA EXPLORATION, VISUALIZATION &amp; ANALYSIS</a:t>
             </a:r>
           </a:p>
         </p:txBody>
@@ -5552,8 +5561,8 @@
               <a:defRPr/>
             </a:pPr>
             <a:r>
-              <a:rPr lang="en-US" sz="1400"/>
-              <a:t>Data Source Preparation</a:t>
+              <a:rPr lang="en-US" sz="1400" dirty="0"/>
+              <a:t>Finish the base clustering model</a:t>
             </a:r>
           </a:p>
           <a:p>
@@ -5561,25 +5570,26 @@
               <a:lnSpc>
                 <a:spcPct val="100000"/>
               </a:lnSpc>
+              <a:defRPr/>
             </a:pPr>
             <a:r>
-              <a:rPr lang="en-US" sz="1400"/>
-              <a:t>Select Algorithms/Known Practices for text augmentation</a:t>
-            </a:r>
-          </a:p>
-          <a:p>
-            <a:pPr marL="285750" indent="-285750">
-              <a:lnSpc>
-                <a:spcPct val="100000"/>
-              </a:lnSpc>
+              <a:rPr lang="en-US" sz="1400" dirty="0"/>
+              <a:t>Continue on NLP-Aug </a:t>
+            </a:r>
+            <a:r>
+              <a:rPr lang="en-US" sz="1400" dirty="0" err="1"/>
+              <a:t>Algorithmns</a:t>
+            </a:r>
+            <a:r>
+              <a:rPr lang="en-US" sz="1400" dirty="0"/>
+              <a:t>/packages</a:t>
+            </a:r>
+          </a:p>
+          <a:p>
+            <a:pPr marL="0" indent="0">
+              <a:buNone/>
             </a:pPr>
-            <a:r>
-              <a:rPr lang="en-US" sz="1400"/>
-              <a:t>Learn more about under-the-hood process</a:t>
-            </a:r>
-          </a:p>
-          <a:p>
-            <a:endParaRPr lang="en-US" sz="1400"/>
+            <a:endParaRPr lang="en-US" sz="1400" dirty="0"/>
           </a:p>
         </p:txBody>
       </p:sp>
@@ -5780,7 +5790,7 @@
           <a:lstStyle/>
           <a:p>
             <a:r>
-              <a:rPr lang="en-US"/>
+              <a:rPr lang="en-US" dirty="0"/>
               <a:t>Agenda</a:t>
             </a:r>
           </a:p>
@@ -5845,39 +5855,43 @@
           <a:lstStyle/>
           <a:p>
             <a:r>
-              <a:rPr lang="en-US"/>
+              <a:rPr lang="en-US" dirty="0"/>
               <a:t>INTRODUCTION</a:t>
             </a:r>
           </a:p>
           <a:p>
             <a:r>
-              <a:rPr lang="en-US"/>
-              <a:t>PRIOR WORK</a:t>
-            </a:r>
-            <a:endParaRPr lang="en-US">
-              <a:cs typeface="Calibri"/>
-            </a:endParaRPr>
-          </a:p>
-          <a:p>
-            <a:r>
-              <a:rPr lang="en-US">
+              <a:rPr lang="en-US" dirty="0">
                 <a:cs typeface="Calibri"/>
               </a:rPr>
-              <a:t>DATA SOURCING</a:t>
-            </a:r>
-            <a:endParaRPr lang="en-US"/>
-          </a:p>
-          <a:p>
-            <a:r>
-              <a:rPr lang="en-US"/>
-              <a:t>WHAT’S NEXT</a:t>
-            </a:r>
-            <a:endParaRPr lang="en-US">
-              <a:cs typeface="Calibri"/>
-            </a:endParaRPr>
-          </a:p>
-          <a:p>
-            <a:endParaRPr lang="en-US">
+              <a:t>ROADMAP</a:t>
+            </a:r>
+          </a:p>
+          <a:p>
+            <a:r>
+              <a:rPr lang="en-US" dirty="0">
+                <a:cs typeface="Calibri"/>
+              </a:rPr>
+              <a:t>EXPLORATION</a:t>
+            </a:r>
+            <a:endParaRPr lang="en-US" dirty="0"/>
+          </a:p>
+          <a:p>
+            <a:r>
+              <a:rPr lang="en-US" dirty="0"/>
+              <a:t>BASE MODEL</a:t>
+            </a:r>
+          </a:p>
+          <a:p>
+            <a:r>
+              <a:rPr lang="en-US" dirty="0">
+                <a:cs typeface="Calibri"/>
+              </a:rPr>
+              <a:t>NEXT STEPS</a:t>
+            </a:r>
+          </a:p>
+          <a:p>
+            <a:endParaRPr lang="en-US" dirty="0">
               <a:cs typeface="Calibri"/>
             </a:endParaRPr>
           </a:p>
@@ -5965,7 +5979,7 @@
           <a:lstStyle/>
           <a:p>
             <a:r>
-              <a:rPr lang="en-US"/>
+              <a:rPr lang="en-US" sz="5400" dirty="0"/>
               <a:t>INTRODUCTION</a:t>
             </a:r>
           </a:p>
@@ -6029,7 +6043,7 @@
         </p:nvSpPr>
         <p:spPr>
           <a:xfrm>
-            <a:off x="6225539" y="1546138"/>
+            <a:off x="6317903" y="1915510"/>
             <a:ext cx="3017520" cy="464871"/>
           </a:xfrm>
         </p:spPr>
@@ -6038,10 +6052,10 @@
           <a:lstStyle/>
           <a:p>
             <a:r>
-              <a:rPr lang="en-US">
+              <a:rPr lang="en-US" dirty="0">
                 <a:cs typeface="Calibri"/>
               </a:rPr>
-              <a:t>Why need Augmentation?</a:t>
+              <a:t>More YELP Reviews?</a:t>
             </a:r>
           </a:p>
         </p:txBody>
@@ -6070,7 +6084,7 @@
         </p:spPr>
         <p:txBody>
           <a:bodyPr vert="horz" lIns="91440" tIns="45720" rIns="91440" bIns="45720" rtlCol="0" anchor="t">
-            <a:normAutofit fontScale="92500" lnSpcReduction="10000"/>
+            <a:normAutofit/>
           </a:bodyPr>
           <a:lstStyle/>
           <a:p>
@@ -6080,10 +6094,10 @@
               </a:lnSpc>
             </a:pPr>
             <a:r>
-              <a:rPr lang="en-US">
+              <a:rPr lang="en-US" dirty="0">
                 <a:cs typeface="Biome Light"/>
               </a:rPr>
-              <a:t>Data collection is difficult and expensive</a:t>
+              <a:t>More quality data = better models</a:t>
             </a:r>
           </a:p>
           <a:p>
@@ -6093,10 +6107,10 @@
               </a:lnSpc>
             </a:pPr>
             <a:r>
-              <a:rPr lang="en-US">
+              <a:rPr lang="en-US" dirty="0">
                 <a:cs typeface="Biome Light"/>
               </a:rPr>
-              <a:t>Insufficient data causes model underfitting, which leads to poor performance of model in real world</a:t>
+              <a:t>Avoid data collection by generating synthetic data</a:t>
             </a:r>
           </a:p>
           <a:p>
@@ -6106,10 +6120,10 @@
               </a:lnSpc>
             </a:pPr>
             <a:r>
-              <a:rPr lang="en-US">
+              <a:rPr lang="en-US" dirty="0">
                 <a:cs typeface="Biome Light"/>
               </a:rPr>
-              <a:t>Data imbalance in classification leads to low accuracy and recall rate.</a:t>
+              <a:t>Boost model metrics for YELP reviews analysis</a:t>
             </a:r>
           </a:p>
           <a:p>
@@ -6118,7 +6132,7 @@
                 <a:spcPct val="100000"/>
               </a:lnSpc>
             </a:pPr>
-            <a:endParaRPr lang="en-US">
+            <a:endParaRPr lang="en-US" dirty="0">
               <a:cs typeface="Biome Light"/>
             </a:endParaRPr>
           </a:p>
@@ -6130,30 +6144,18 @@
               <a:buNone/>
             </a:pPr>
             <a:r>
-              <a:rPr lang="en-US" b="1" i="1">
+              <a:rPr lang="en-US" b="1" i="1" dirty="0">
                 <a:cs typeface="Calibri"/>
               </a:rPr>
-              <a:t>By obtaining more high-quality data, augmentation practices </a:t>
-            </a:r>
-            <a:r>
-              <a:rPr lang="en-US" sz="1600" b="1" i="1">
-                <a:cs typeface="Calibri"/>
-              </a:rPr>
-              <a:t>can </a:t>
-            </a:r>
-            <a:r>
-              <a:rPr lang="en-US" b="1" i="1">
-                <a:cs typeface="Calibri"/>
-              </a:rPr>
-              <a:t>help the model to improve its robustness</a:t>
-            </a:r>
-            <a:r>
-              <a:rPr lang="en-US" sz="1600" b="1" i="1">
+              <a:t>Hypothesis: By creating more observations we can create better clustering models that can distinguish between groups  better</a:t>
+            </a:r>
+            <a:r>
+              <a:rPr lang="en-US" sz="1600" b="1" i="1" dirty="0">
                 <a:cs typeface="Calibri"/>
               </a:rPr>
               <a:t>.</a:t>
             </a:r>
-            <a:endParaRPr lang="en-US" b="1" i="1">
+            <a:endParaRPr lang="en-US" b="1" i="1" dirty="0">
               <a:cs typeface="Calibri"/>
             </a:endParaRPr>
           </a:p>
@@ -6161,7 +6163,7 @@
             <a:pPr marL="0" indent="0">
               <a:buNone/>
             </a:pPr>
-            <a:endParaRPr lang="en-US"/>
+            <a:endParaRPr lang="en-US" dirty="0"/>
           </a:p>
         </p:txBody>
       </p:sp>
@@ -6253,10 +6255,10 @@
           <a:lstStyle/>
           <a:p>
             <a:r>
-              <a:rPr lang="en-US"/>
-              <a:t>Prior Work</a:t>
-            </a:r>
-            <a:endParaRPr lang="en-US">
+              <a:rPr lang="en-US" dirty="0"/>
+              <a:t>ROADMAP</a:t>
+            </a:r>
+            <a:endParaRPr lang="en-US" dirty="0">
               <a:cs typeface="Calibri Light"/>
             </a:endParaRPr>
           </a:p>
@@ -6524,123 +6526,7 @@
               </a:lnSpc>
               <a:buAutoNum type="arabicPeriod"/>
             </a:pPr>
-            <a:r>
-              <a:rPr lang="en-US">
-                <a:cs typeface="Calibri"/>
-              </a:rPr>
-              <a:t>Qiu, Siyuan, et al. "</a:t>
-            </a:r>
-            <a:r>
-              <a:rPr lang="en-US" err="1">
-                <a:cs typeface="Calibri"/>
-              </a:rPr>
-              <a:t>Easyaug</a:t>
-            </a:r>
-            <a:r>
-              <a:rPr lang="en-US">
-                <a:cs typeface="Calibri"/>
-              </a:rPr>
-              <a:t>: An automatic textual data augmentation platform for classification tasks." Companion Proceedings of the Web Conference 2020. 2020.</a:t>
-            </a:r>
-          </a:p>
-          <a:p>
-            <a:pPr marL="342900" indent="-342900">
-              <a:lnSpc>
-                <a:spcPct val="100000"/>
-              </a:lnSpc>
-              <a:buAutoNum type="arabicPeriod"/>
-            </a:pPr>
-            <a:r>
-              <a:rPr lang="en-US">
-                <a:cs typeface="Calibri"/>
-              </a:rPr>
-              <a:t>P. Liu, X. Wang, C. Xiang and W. Meng, "A Survey of Text Data Augmentation," 2020 International Conference on Computer Communication and Network Security (CCNS), 2020, pp. 191-195, </a:t>
-            </a:r>
-            <a:r>
-              <a:rPr lang="en-US" err="1">
-                <a:cs typeface="Calibri"/>
-              </a:rPr>
-              <a:t>doi</a:t>
-            </a:r>
-            <a:r>
-              <a:rPr lang="en-US">
-                <a:cs typeface="Calibri"/>
-              </a:rPr>
-              <a:t>: 10.1109/CCNS50731.2020.00049.</a:t>
-            </a:r>
-          </a:p>
-          <a:p>
-            <a:pPr marL="342900" indent="-342900">
-              <a:lnSpc>
-                <a:spcPct val="100000"/>
-              </a:lnSpc>
-              <a:buAutoNum type="arabicPeriod"/>
-            </a:pPr>
-            <a:r>
-              <a:rPr lang="en-US" err="1">
-                <a:cs typeface="Calibri"/>
-              </a:rPr>
-              <a:t>Issifu</a:t>
-            </a:r>
-            <a:r>
-              <a:rPr lang="en-US">
-                <a:cs typeface="Calibri"/>
-              </a:rPr>
-              <a:t>, A. M., &amp; </a:t>
-            </a:r>
-            <a:r>
-              <a:rPr lang="en-US" err="1">
-                <a:cs typeface="Calibri"/>
-              </a:rPr>
-              <a:t>Ganiz</a:t>
-            </a:r>
-            <a:r>
-              <a:rPr lang="en-US">
-                <a:cs typeface="Calibri"/>
-              </a:rPr>
-              <a:t>, M. C. (2021). A simple data augmentation method to improve the performance of named entity recognition models in   medical domain. 2021 6th International Conference on Computer Science and Engineering (UBMK). https://doi.org/10.1109/ubmk52708.2021.9558986</a:t>
-            </a:r>
-          </a:p>
-          <a:p>
-            <a:pPr marL="342900" indent="-342900">
-              <a:lnSpc>
-                <a:spcPct val="100000"/>
-              </a:lnSpc>
-              <a:buAutoNum type="arabicPeriod"/>
-            </a:pPr>
-            <a:r>
-              <a:rPr lang="en-US" err="1">
-                <a:cs typeface="Calibri"/>
-              </a:rPr>
-              <a:t>Papakipos</a:t>
-            </a:r>
-            <a:r>
-              <a:rPr lang="en-US">
-                <a:cs typeface="Calibri"/>
-              </a:rPr>
-              <a:t>, Z., &amp; Bitton, J. (2022). </a:t>
-            </a:r>
-            <a:r>
-              <a:rPr lang="en-US" err="1">
-                <a:cs typeface="Calibri"/>
-              </a:rPr>
-              <a:t>AugLy</a:t>
-            </a:r>
-            <a:r>
-              <a:rPr lang="en-US">
-                <a:cs typeface="Calibri"/>
-              </a:rPr>
-              <a:t>: Data augmentations for adversarial robustness. 2022 IEEE/CVF Conference on Computer Vision and Pattern Recognition Workshops (CVPRW). https://doi.org/10.1109/cvprw56347.2022.00027</a:t>
-            </a:r>
-          </a:p>
-          <a:p>
-            <a:pPr marL="342900" indent="-342900">
-              <a:lnSpc>
-                <a:spcPct val="100000"/>
-              </a:lnSpc>
-              <a:buAutoNum type="arabicPeriod"/>
-            </a:pPr>
-            <a:endParaRPr lang="en-US">
+            <a:endParaRPr lang="en-US" dirty="0">
               <a:cs typeface="Calibri"/>
             </a:endParaRPr>
           </a:p>
@@ -6650,7 +6536,7 @@
                 <a:spcPct val="100000"/>
               </a:lnSpc>
             </a:pPr>
-            <a:endParaRPr lang="en-US">
+            <a:endParaRPr lang="en-US" dirty="0">
               <a:cs typeface="Calibri"/>
             </a:endParaRPr>
           </a:p>
@@ -6660,12 +6546,262 @@
                 <a:spcPct val="100000"/>
               </a:lnSpc>
             </a:pPr>
-            <a:endParaRPr lang="en-US">
+            <a:endParaRPr lang="en-US" dirty="0">
               <a:cs typeface="Calibri"/>
             </a:endParaRPr>
           </a:p>
         </p:txBody>
       </p:sp>
+      <p:pic>
+        <p:nvPicPr>
+          <p:cNvPr id="4" name="Picture 3">
+            <a:extLst>
+              <a:ext uri="{FF2B5EF4-FFF2-40B4-BE49-F238E27FC236}">
+                <a16:creationId xmlns:a16="http://schemas.microsoft.com/office/drawing/2014/main" id="{2A8CAC25-D9DC-B14F-0BE1-5A5EDCE71878}"/>
+              </a:ext>
+            </a:extLst>
+          </p:cNvPr>
+          <p:cNvPicPr>
+            <a:picLocks noChangeAspect="1"/>
+          </p:cNvPicPr>
+          <p:nvPr/>
+        </p:nvPicPr>
+        <p:blipFill>
+          <a:blip r:embed="rId4"/>
+          <a:stretch>
+            <a:fillRect/>
+          </a:stretch>
+        </p:blipFill>
+        <p:spPr>
+          <a:xfrm>
+            <a:off x="5898460" y="1125550"/>
+            <a:ext cx="5848350" cy="5162550"/>
+          </a:xfrm>
+          <a:prstGeom prst="rect">
+            <a:avLst/>
+          </a:prstGeom>
+        </p:spPr>
+      </p:pic>
+      <p:cxnSp>
+        <p:nvCxnSpPr>
+          <p:cNvPr id="7" name="Straight Arrow Connector 6">
+            <a:extLst>
+              <a:ext uri="{FF2B5EF4-FFF2-40B4-BE49-F238E27FC236}">
+                <a16:creationId xmlns:a16="http://schemas.microsoft.com/office/drawing/2014/main" id="{740ABB7D-E7AB-EC6C-7C58-D436720DFB6F}"/>
+              </a:ext>
+            </a:extLst>
+          </p:cNvPr>
+          <p:cNvCxnSpPr>
+            <a:cxnSpLocks/>
+          </p:cNvCxnSpPr>
+          <p:nvPr/>
+        </p:nvCxnSpPr>
+        <p:spPr>
+          <a:xfrm>
+            <a:off x="8220364" y="2198255"/>
+            <a:ext cx="1524000" cy="0"/>
+          </a:xfrm>
+          <a:prstGeom prst="straightConnector1">
+            <a:avLst/>
+          </a:prstGeom>
+          <a:ln w="57150">
+            <a:solidFill>
+              <a:schemeClr val="accent3"/>
+            </a:solidFill>
+            <a:tailEnd type="triangle"/>
+          </a:ln>
+        </p:spPr>
+        <p:style>
+          <a:lnRef idx="1">
+            <a:schemeClr val="accent1"/>
+          </a:lnRef>
+          <a:fillRef idx="0">
+            <a:schemeClr val="accent1"/>
+          </a:fillRef>
+          <a:effectRef idx="0">
+            <a:schemeClr val="accent1"/>
+          </a:effectRef>
+          <a:fontRef idx="minor">
+            <a:schemeClr val="tx1"/>
+          </a:fontRef>
+        </p:style>
+      </p:cxnSp>
+      <p:cxnSp>
+        <p:nvCxnSpPr>
+          <p:cNvPr id="12" name="Straight Arrow Connector 11">
+            <a:extLst>
+              <a:ext uri="{FF2B5EF4-FFF2-40B4-BE49-F238E27FC236}">
+                <a16:creationId xmlns:a16="http://schemas.microsoft.com/office/drawing/2014/main" id="{588157B2-3581-E0F4-E1B7-4EBE0E7D42B4}"/>
+              </a:ext>
+            </a:extLst>
+          </p:cNvPr>
+          <p:cNvCxnSpPr>
+            <a:cxnSpLocks/>
+          </p:cNvCxnSpPr>
+          <p:nvPr/>
+        </p:nvCxnSpPr>
+        <p:spPr>
+          <a:xfrm>
+            <a:off x="8220364" y="5287818"/>
+            <a:ext cx="1764145" cy="0"/>
+          </a:xfrm>
+          <a:prstGeom prst="straightConnector1">
+            <a:avLst/>
+          </a:prstGeom>
+          <a:ln w="57150">
+            <a:solidFill>
+              <a:schemeClr val="accent3"/>
+            </a:solidFill>
+            <a:tailEnd type="triangle"/>
+          </a:ln>
+        </p:spPr>
+        <p:style>
+          <a:lnRef idx="1">
+            <a:schemeClr val="accent1"/>
+          </a:lnRef>
+          <a:fillRef idx="0">
+            <a:schemeClr val="accent1"/>
+          </a:fillRef>
+          <a:effectRef idx="0">
+            <a:schemeClr val="accent1"/>
+          </a:effectRef>
+          <a:fontRef idx="minor">
+            <a:schemeClr val="tx1"/>
+          </a:fontRef>
+        </p:style>
+      </p:cxnSp>
+      <p:cxnSp>
+        <p:nvCxnSpPr>
+          <p:cNvPr id="14" name="Straight Arrow Connector 13">
+            <a:extLst>
+              <a:ext uri="{FF2B5EF4-FFF2-40B4-BE49-F238E27FC236}">
+                <a16:creationId xmlns:a16="http://schemas.microsoft.com/office/drawing/2014/main" id="{CD2AC70C-D0F2-2751-4A5E-3DA8FFC74B2C}"/>
+              </a:ext>
+            </a:extLst>
+          </p:cNvPr>
+          <p:cNvCxnSpPr>
+            <a:cxnSpLocks/>
+          </p:cNvCxnSpPr>
+          <p:nvPr/>
+        </p:nvCxnSpPr>
+        <p:spPr>
+          <a:xfrm>
+            <a:off x="10178473" y="2632364"/>
+            <a:ext cx="0" cy="796636"/>
+          </a:xfrm>
+          <a:prstGeom prst="straightConnector1">
+            <a:avLst/>
+          </a:prstGeom>
+          <a:ln w="57150">
+            <a:solidFill>
+              <a:schemeClr val="accent3"/>
+            </a:solidFill>
+            <a:tailEnd type="triangle"/>
+          </a:ln>
+        </p:spPr>
+        <p:style>
+          <a:lnRef idx="1">
+            <a:schemeClr val="accent1"/>
+          </a:lnRef>
+          <a:fillRef idx="0">
+            <a:schemeClr val="accent1"/>
+          </a:fillRef>
+          <a:effectRef idx="0">
+            <a:schemeClr val="accent1"/>
+          </a:effectRef>
+          <a:fontRef idx="minor">
+            <a:schemeClr val="tx1"/>
+          </a:fontRef>
+        </p:style>
+      </p:cxnSp>
+      <p:cxnSp>
+        <p:nvCxnSpPr>
+          <p:cNvPr id="20" name="Straight Arrow Connector 19">
+            <a:extLst>
+              <a:ext uri="{FF2B5EF4-FFF2-40B4-BE49-F238E27FC236}">
+                <a16:creationId xmlns:a16="http://schemas.microsoft.com/office/drawing/2014/main" id="{EC7B2BBF-AF2C-FDDC-35E6-5B0666C3B8FD}"/>
+              </a:ext>
+            </a:extLst>
+          </p:cNvPr>
+          <p:cNvCxnSpPr>
+            <a:cxnSpLocks/>
+          </p:cNvCxnSpPr>
+          <p:nvPr/>
+        </p:nvCxnSpPr>
+        <p:spPr>
+          <a:xfrm flipH="1">
+            <a:off x="8146473" y="3706825"/>
+            <a:ext cx="1671782" cy="0"/>
+          </a:xfrm>
+          <a:prstGeom prst="straightConnector1">
+            <a:avLst/>
+          </a:prstGeom>
+          <a:ln w="57150">
+            <a:solidFill>
+              <a:schemeClr val="accent3"/>
+            </a:solidFill>
+            <a:tailEnd type="triangle"/>
+          </a:ln>
+        </p:spPr>
+        <p:style>
+          <a:lnRef idx="1">
+            <a:schemeClr val="accent1"/>
+          </a:lnRef>
+          <a:fillRef idx="0">
+            <a:schemeClr val="accent1"/>
+          </a:fillRef>
+          <a:effectRef idx="0">
+            <a:schemeClr val="accent1"/>
+          </a:effectRef>
+          <a:fontRef idx="minor">
+            <a:schemeClr val="tx1"/>
+          </a:fontRef>
+        </p:style>
+      </p:cxnSp>
+      <p:cxnSp>
+        <p:nvCxnSpPr>
+          <p:cNvPr id="23" name="Straight Arrow Connector 22">
+            <a:extLst>
+              <a:ext uri="{FF2B5EF4-FFF2-40B4-BE49-F238E27FC236}">
+                <a16:creationId xmlns:a16="http://schemas.microsoft.com/office/drawing/2014/main" id="{BD843FB9-C2E9-10F0-85A1-5974C4DDF978}"/>
+              </a:ext>
+            </a:extLst>
+          </p:cNvPr>
+          <p:cNvCxnSpPr>
+            <a:cxnSpLocks/>
+          </p:cNvCxnSpPr>
+          <p:nvPr/>
+        </p:nvCxnSpPr>
+        <p:spPr>
+          <a:xfrm>
+            <a:off x="7758546" y="4066857"/>
+            <a:ext cx="0" cy="865361"/>
+          </a:xfrm>
+          <a:prstGeom prst="straightConnector1">
+            <a:avLst/>
+          </a:prstGeom>
+          <a:ln w="57150">
+            <a:solidFill>
+              <a:schemeClr val="accent3"/>
+            </a:solidFill>
+            <a:tailEnd type="triangle"/>
+          </a:ln>
+        </p:spPr>
+        <p:style>
+          <a:lnRef idx="1">
+            <a:schemeClr val="accent1"/>
+          </a:lnRef>
+          <a:fillRef idx="0">
+            <a:schemeClr val="accent1"/>
+          </a:fillRef>
+          <a:effectRef idx="0">
+            <a:schemeClr val="accent1"/>
+          </a:effectRef>
+          <a:fontRef idx="minor">
+            <a:schemeClr val="tx1"/>
+          </a:fontRef>
+        </p:style>
+      </p:cxnSp>
     </p:spTree>
     <p:extLst>
       <p:ext uri="{BB962C8B-B14F-4D97-AF65-F5344CB8AC3E}">
@@ -6682,14 +6818,6 @@
 <file path=ppt/slides/slide5.xml><?xml version="1.0" encoding="utf-8"?>
 <p:sld xmlns:a="http://schemas.openxmlformats.org/drawingml/2006/main" xmlns:r="http://schemas.openxmlformats.org/officeDocument/2006/relationships" xmlns:p="http://schemas.openxmlformats.org/presentationml/2006/main">
   <p:cSld>
-    <p:bg>
-      <p:bgPr>
-        <a:solidFill>
-          <a:schemeClr val="bg1"/>
-        </a:solidFill>
-        <a:effectLst/>
-      </p:bgPr>
-    </p:bg>
     <p:spTree>
       <p:nvGrpSpPr>
         <p:cNvPr id="1" name=""/>
@@ -6706,73 +6834,10 @@
       </p:grpSpPr>
       <p:sp>
         <p:nvSpPr>
-          <p:cNvPr id="10" name="Rectangle 9">
-            <a:extLst>
-              <a:ext uri="{FF2B5EF4-FFF2-40B4-BE49-F238E27FC236}">
-                <a16:creationId xmlns:a16="http://schemas.microsoft.com/office/drawing/2014/main" id="{2B566528-1B12-4246-9431-5C2D7D081168}"/>
-              </a:ext>
-              <a:ext uri="{C183D7F6-B498-43B3-948B-1728B52AA6E4}">
-                <adec:decorative xmlns:adec="http://schemas.microsoft.com/office/drawing/2017/decorative" val="1"/>
-              </a:ext>
-            </a:extLst>
-          </p:cNvPr>
-          <p:cNvSpPr>
-            <a:spLocks noGrp="1" noRot="1" noChangeAspect="1" noMove="1" noResize="1" noEditPoints="1" noAdjustHandles="1" noChangeArrowheads="1" noChangeShapeType="1" noTextEdit="1"/>
-          </p:cNvSpPr>
-          <p:nvPr>
-            <p:extLst>
-              <p:ext uri="{386F3935-93C4-4BCD-93E2-E3B085C9AB24}">
-                <p16:designElem xmlns:p16="http://schemas.microsoft.com/office/powerpoint/2015/main" val="1"/>
-              </p:ext>
-            </p:extLst>
-          </p:nvPr>
-        </p:nvSpPr>
-        <p:spPr>
-          <a:xfrm>
-            <a:off x="0" y="0"/>
-            <a:ext cx="12192000" cy="6858000"/>
-          </a:xfrm>
-          <a:prstGeom prst="rect">
-            <a:avLst/>
-          </a:prstGeom>
-          <a:solidFill>
-            <a:schemeClr val="bg1"/>
-          </a:solidFill>
-          <a:ln>
-            <a:noFill/>
-          </a:ln>
-        </p:spPr>
-        <p:style>
-          <a:lnRef idx="2">
-            <a:schemeClr val="accent1">
-              <a:shade val="50000"/>
-            </a:schemeClr>
-          </a:lnRef>
-          <a:fillRef idx="1">
-            <a:schemeClr val="accent1"/>
-          </a:fillRef>
-          <a:effectRef idx="0">
-            <a:schemeClr val="accent1"/>
-          </a:effectRef>
-          <a:fontRef idx="minor">
-            <a:schemeClr val="lt1"/>
-          </a:fontRef>
-        </p:style>
-        <p:txBody>
-          <a:bodyPr rtlCol="0" anchor="ctr"/>
-          <a:lstStyle/>
-          <a:p>
-            <a:pPr algn="ctr"/>
-            <a:endParaRPr lang="en-US"/>
-          </a:p>
-        </p:txBody>
-      </p:sp>
-      <p:sp>
-        <p:nvSpPr>
-          <p:cNvPr id="2" name="Title 1">
-            <a:extLst>
-              <a:ext uri="{FF2B5EF4-FFF2-40B4-BE49-F238E27FC236}">
-                <a16:creationId xmlns:a16="http://schemas.microsoft.com/office/drawing/2014/main" id="{603DA247-2F35-4FB8-903D-FB32D7B852D9}"/>
+          <p:cNvPr id="3" name="Title 2">
+            <a:extLst>
+              <a:ext uri="{FF2B5EF4-FFF2-40B4-BE49-F238E27FC236}">
+                <a16:creationId xmlns:a16="http://schemas.microsoft.com/office/drawing/2014/main" id="{1D24B42B-925B-494C-A986-BD85E8117E1E}"/>
               </a:ext>
             </a:extLst>
           </p:cNvPr>
@@ -6785,3691 +6850,19 @@
         </p:nvSpPr>
         <p:spPr>
           <a:xfrm>
-            <a:off x="643467" y="321734"/>
-            <a:ext cx="10905066" cy="1135737"/>
-          </a:xfrm>
-        </p:spPr>
-        <p:txBody>
-          <a:bodyPr vert="horz" lIns="91440" tIns="45720" rIns="91440" bIns="45720" rtlCol="0" anchor="ctr">
+            <a:off x="6096000" y="412300"/>
+            <a:ext cx="5251450" cy="1171440"/>
+          </a:xfrm>
+        </p:spPr>
+        <p:txBody>
+          <a:bodyPr>
             <a:normAutofit/>
           </a:bodyPr>
           <a:lstStyle/>
           <a:p>
-            <a:pPr algn="l">
-              <a:lnSpc>
-                <a:spcPct val="90000"/>
-              </a:lnSpc>
-            </a:pPr>
-            <a:r>
-              <a:rPr lang="en-US" sz="1600" b="1">
-                <a:ea typeface="+mj-lt"/>
-                <a:cs typeface="+mj-lt"/>
-              </a:rPr>
-              <a:t>[1]</a:t>
-            </a:r>
-            <a:r>
-              <a:rPr lang="en-US" sz="1600">
-                <a:ea typeface="+mj-lt"/>
-                <a:cs typeface="+mj-lt"/>
-              </a:rPr>
-              <a:t>. Qiu, Siyuan, et al. "</a:t>
-            </a:r>
-            <a:r>
-              <a:rPr lang="en-US" sz="1600" err="1">
-                <a:ea typeface="+mj-lt"/>
-                <a:cs typeface="+mj-lt"/>
-              </a:rPr>
-              <a:t>Easyaug</a:t>
-            </a:r>
-            <a:r>
-              <a:rPr lang="en-US" sz="1600">
-                <a:ea typeface="+mj-lt"/>
-                <a:cs typeface="+mj-lt"/>
-              </a:rPr>
-              <a:t>: An automatic textual data augmentation platform for classification tasks." Companion Proceedings of the Web Conference 2020. 2020.</a:t>
-            </a:r>
-            <a:endParaRPr lang="en-US" sz="1600">
-              <a:cs typeface="Calibri Light"/>
-            </a:endParaRPr>
-          </a:p>
-        </p:txBody>
-      </p:sp>
-      <p:sp>
-        <p:nvSpPr>
-          <p:cNvPr id="4" name="TextBox 3">
-            <a:extLst>
-              <a:ext uri="{FF2B5EF4-FFF2-40B4-BE49-F238E27FC236}">
-                <a16:creationId xmlns:a16="http://schemas.microsoft.com/office/drawing/2014/main" id="{73C65A46-997E-0FA7-1898-24504BBFDA55}"/>
-              </a:ext>
-            </a:extLst>
-          </p:cNvPr>
-          <p:cNvSpPr txBox="1"/>
-          <p:nvPr/>
-        </p:nvSpPr>
-        <p:spPr>
-          <a:xfrm>
-            <a:off x="643469" y="1782981"/>
-            <a:ext cx="5970534" cy="4513044"/>
-          </a:xfrm>
-          <a:prstGeom prst="rect">
-            <a:avLst/>
-          </a:prstGeom>
-        </p:spPr>
-        <p:txBody>
-          <a:bodyPr rot="0" spcFirstLastPara="0" vertOverflow="overflow" horzOverflow="overflow" vert="horz" wrap="square" lIns="91440" tIns="45720" rIns="91440" bIns="45720" numCol="1" spcCol="0" rtlCol="0" fromWordArt="0" anchor="t" anchorCtr="0" forceAA="0" compatLnSpc="1">
-            <a:prstTxWarp prst="textNoShape">
-              <a:avLst/>
-            </a:prstTxWarp>
-            <a:noAutofit/>
-          </a:bodyPr>
-          <a:lstStyle/>
-          <a:p>
-            <a:pPr>
-              <a:lnSpc>
-                <a:spcPct val="90000"/>
-              </a:lnSpc>
-              <a:spcAft>
-                <a:spcPts val="600"/>
-              </a:spcAft>
-            </a:pPr>
-            <a:r>
-              <a:rPr lang="en-US" sz="1400" b="1"/>
-              <a:t>Motivation</a:t>
-            </a:r>
-            <a:endParaRPr lang="en-US" sz="1400">
-              <a:cs typeface="Calibri"/>
-            </a:endParaRPr>
-          </a:p>
-          <a:p>
-            <a:pPr marL="171450" indent="-228600">
-              <a:lnSpc>
-                <a:spcPct val="90000"/>
-              </a:lnSpc>
-              <a:spcAft>
-                <a:spcPts val="600"/>
-              </a:spcAft>
-              <a:buFont typeface="Arial" panose="020B0604020202020204" pitchFamily="34" charset="0"/>
-              <a:buChar char="•"/>
-            </a:pPr>
-            <a:endParaRPr lang="en-US" sz="1400">
-              <a:cs typeface="Calibri"/>
-            </a:endParaRPr>
-          </a:p>
-          <a:p>
-            <a:pPr marL="171450" indent="-228600">
-              <a:lnSpc>
-                <a:spcPct val="90000"/>
-              </a:lnSpc>
-              <a:spcAft>
-                <a:spcPts val="600"/>
-              </a:spcAft>
-              <a:buFont typeface="Arial" panose="020B0604020202020204" pitchFamily="34" charset="0"/>
-              <a:buChar char="•"/>
-            </a:pPr>
-            <a:r>
-              <a:rPr lang="en-US" sz="1400"/>
-              <a:t>An augmentation approach that works on one dataset may not work on another.</a:t>
-            </a:r>
-            <a:endParaRPr lang="en-US" sz="1400">
-              <a:cs typeface="Calibri"/>
-            </a:endParaRPr>
-          </a:p>
-          <a:p>
-            <a:pPr marL="171450" indent="-228600">
-              <a:lnSpc>
-                <a:spcPct val="90000"/>
-              </a:lnSpc>
-              <a:spcAft>
-                <a:spcPts val="600"/>
-              </a:spcAft>
-              <a:buFont typeface="Arial" panose="020B0604020202020204" pitchFamily="34" charset="0"/>
-              <a:buChar char="•"/>
-            </a:pPr>
-            <a:r>
-              <a:rPr lang="en-US" sz="1400"/>
-              <a:t>Generative methods do not have evaluation tools co compare effectiveness.</a:t>
-            </a:r>
-            <a:endParaRPr lang="en-US" sz="1400">
-              <a:cs typeface="Calibri"/>
-            </a:endParaRPr>
-          </a:p>
-          <a:p>
-            <a:pPr indent="-228600">
-              <a:lnSpc>
-                <a:spcPct val="90000"/>
-              </a:lnSpc>
-              <a:spcAft>
-                <a:spcPts val="600"/>
-              </a:spcAft>
-              <a:buFont typeface="Arial" panose="020B0604020202020204" pitchFamily="34" charset="0"/>
-              <a:buChar char="•"/>
-            </a:pPr>
-            <a:endParaRPr lang="en-US" sz="1400">
-              <a:cs typeface="Calibri"/>
-            </a:endParaRPr>
-          </a:p>
-          <a:p>
-            <a:pPr>
-              <a:lnSpc>
-                <a:spcPct val="90000"/>
-              </a:lnSpc>
-              <a:spcAft>
-                <a:spcPts val="600"/>
-              </a:spcAft>
-            </a:pPr>
-            <a:r>
-              <a:rPr lang="en-US" sz="1400" b="1"/>
-              <a:t>Solution</a:t>
-            </a:r>
-            <a:r>
-              <a:rPr lang="en-US" sz="1400"/>
-              <a:t> </a:t>
-            </a:r>
-            <a:endParaRPr lang="en-US" sz="1400">
-              <a:cs typeface="Calibri"/>
-            </a:endParaRPr>
-          </a:p>
-          <a:p>
-            <a:pPr indent="-228600">
-              <a:lnSpc>
-                <a:spcPct val="90000"/>
-              </a:lnSpc>
-              <a:spcAft>
-                <a:spcPts val="600"/>
-              </a:spcAft>
-              <a:buFont typeface="Arial" panose="020B0604020202020204" pitchFamily="34" charset="0"/>
-              <a:buChar char="•"/>
-            </a:pPr>
-            <a:endParaRPr lang="en-US" sz="1400">
-              <a:cs typeface="Calibri"/>
-            </a:endParaRPr>
-          </a:p>
-          <a:p>
-            <a:pPr>
-              <a:lnSpc>
-                <a:spcPct val="90000"/>
-              </a:lnSpc>
-              <a:spcAft>
-                <a:spcPts val="600"/>
-              </a:spcAft>
-            </a:pPr>
-            <a:r>
-              <a:rPr lang="en-US" sz="1400"/>
-              <a:t>Incorporate augmentation approaches and evaluate effectiveness of each model using </a:t>
-            </a:r>
-            <a:r>
-              <a:rPr lang="en-US" sz="1400" err="1"/>
-              <a:t>EasyAug</a:t>
-            </a:r>
-            <a:r>
-              <a:rPr lang="en-US" sz="1400"/>
-              <a:t> architecture.</a:t>
-            </a:r>
-            <a:endParaRPr lang="en-US" sz="1400">
-              <a:cs typeface="Calibri"/>
-            </a:endParaRPr>
-          </a:p>
-          <a:p>
-            <a:pPr indent="-228600">
-              <a:lnSpc>
-                <a:spcPct val="90000"/>
-              </a:lnSpc>
-              <a:spcAft>
-                <a:spcPts val="600"/>
-              </a:spcAft>
-              <a:buFont typeface="Arial" panose="020B0604020202020204" pitchFamily="34" charset="0"/>
-              <a:buChar char="•"/>
-            </a:pPr>
-            <a:endParaRPr lang="en-US" sz="1400">
-              <a:cs typeface="Calibri"/>
-            </a:endParaRPr>
-          </a:p>
-          <a:p>
-            <a:pPr>
-              <a:lnSpc>
-                <a:spcPct val="90000"/>
-              </a:lnSpc>
-              <a:spcAft>
-                <a:spcPts val="600"/>
-              </a:spcAft>
-            </a:pPr>
-            <a:r>
-              <a:rPr lang="en-US" sz="1400" b="1"/>
-              <a:t>Augmentation Approaches</a:t>
-            </a:r>
-            <a:endParaRPr lang="en-US" sz="1400" b="1">
-              <a:cs typeface="Calibri"/>
-            </a:endParaRPr>
-          </a:p>
-          <a:p>
-            <a:pPr indent="-228600">
-              <a:lnSpc>
-                <a:spcPct val="90000"/>
-              </a:lnSpc>
-              <a:spcAft>
-                <a:spcPts val="600"/>
-              </a:spcAft>
-              <a:buFont typeface="Arial" panose="020B0604020202020204" pitchFamily="34" charset="0"/>
-              <a:buChar char="•"/>
-            </a:pPr>
-            <a:endParaRPr lang="en-US" sz="1400" b="1">
-              <a:cs typeface="Calibri"/>
-            </a:endParaRPr>
-          </a:p>
-          <a:p>
-            <a:pPr marL="171450" indent="-228600">
-              <a:lnSpc>
-                <a:spcPct val="90000"/>
-              </a:lnSpc>
-              <a:spcAft>
-                <a:spcPts val="600"/>
-              </a:spcAft>
-              <a:buFont typeface="Arial" panose="020B0604020202020204" pitchFamily="34" charset="0"/>
-              <a:buChar char="•"/>
-            </a:pPr>
-            <a:r>
-              <a:rPr lang="en-US" sz="1400"/>
-              <a:t>Random-Resampling</a:t>
-            </a:r>
-            <a:endParaRPr lang="en-US" sz="1400" b="1">
-              <a:cs typeface="Calibri"/>
-            </a:endParaRPr>
-          </a:p>
-          <a:p>
-            <a:pPr marL="171450" indent="-228600">
-              <a:lnSpc>
-                <a:spcPct val="90000"/>
-              </a:lnSpc>
-              <a:spcAft>
-                <a:spcPts val="600"/>
-              </a:spcAft>
-              <a:buFont typeface="Arial" panose="020B0604020202020204" pitchFamily="34" charset="0"/>
-              <a:buChar char="•"/>
-            </a:pPr>
-            <a:r>
-              <a:rPr lang="en-US" sz="1400"/>
-              <a:t>World-level transformations</a:t>
-            </a:r>
-            <a:endParaRPr lang="en-US" sz="1400">
-              <a:cs typeface="Calibri"/>
-            </a:endParaRPr>
-          </a:p>
-          <a:p>
-            <a:pPr marL="171450" indent="-228600">
-              <a:lnSpc>
-                <a:spcPct val="90000"/>
-              </a:lnSpc>
-              <a:spcAft>
-                <a:spcPts val="600"/>
-              </a:spcAft>
-              <a:buFont typeface="Arial" panose="020B0604020202020204" pitchFamily="34" charset="0"/>
-              <a:buChar char="•"/>
-            </a:pPr>
-            <a:r>
-              <a:rPr lang="en-US" sz="1400"/>
-              <a:t>Variation Auto-Encoders (VAEs)</a:t>
-            </a:r>
-            <a:endParaRPr lang="en-US" sz="1400">
-              <a:cs typeface="Calibri"/>
-            </a:endParaRPr>
-          </a:p>
-          <a:p>
-            <a:pPr marL="171450" indent="-228600">
-              <a:lnSpc>
-                <a:spcPct val="90000"/>
-              </a:lnSpc>
-              <a:spcAft>
-                <a:spcPts val="600"/>
-              </a:spcAft>
-              <a:buFont typeface="Arial" panose="020B0604020202020204" pitchFamily="34" charset="0"/>
-              <a:buChar char="•"/>
-            </a:pPr>
-            <a:r>
-              <a:rPr lang="en-US" sz="1400" err="1"/>
-              <a:t>Ensembling</a:t>
-            </a:r>
-            <a:r>
-              <a:rPr lang="en-US" sz="1400"/>
-              <a:t> (incorporates models such as </a:t>
-            </a:r>
-            <a:r>
-              <a:rPr lang="en-US" sz="1400" err="1"/>
-              <a:t>BiLSTM</a:t>
-            </a:r>
-            <a:r>
-              <a:rPr lang="en-US" sz="1400"/>
-              <a:t>, </a:t>
-            </a:r>
-            <a:r>
-              <a:rPr lang="en-US" sz="1400" err="1"/>
-              <a:t>TextCNN</a:t>
-            </a:r>
-            <a:r>
-              <a:rPr lang="en-US" sz="1400"/>
-              <a:t>, </a:t>
-            </a:r>
-            <a:r>
-              <a:rPr lang="en-US" sz="1400" err="1"/>
-              <a:t>TextRCNN</a:t>
-            </a:r>
-            <a:r>
-              <a:rPr lang="en-US" sz="1400"/>
-              <a:t>, and </a:t>
-            </a:r>
-            <a:r>
-              <a:rPr lang="en-US" sz="1400" err="1"/>
-              <a:t>FastText</a:t>
-            </a:r>
-            <a:r>
-              <a:rPr lang="en-US" sz="1400"/>
-              <a:t>)</a:t>
-            </a:r>
-            <a:endParaRPr lang="en-US" sz="1400">
-              <a:cs typeface="Calibri"/>
-            </a:endParaRPr>
-          </a:p>
-        </p:txBody>
-      </p:sp>
-      <p:grpSp>
-        <p:nvGrpSpPr>
-          <p:cNvPr id="12" name="Group 11">
-            <a:extLst>
-              <a:ext uri="{FF2B5EF4-FFF2-40B4-BE49-F238E27FC236}">
-                <a16:creationId xmlns:a16="http://schemas.microsoft.com/office/drawing/2014/main" id="{828A5161-06F1-46CF-8AD7-844680A59E13}"/>
-              </a:ext>
-              <a:ext uri="{C183D7F6-B498-43B3-948B-1728B52AA6E4}">
-                <adec:decorative xmlns:adec="http://schemas.microsoft.com/office/drawing/2017/decorative" val="1"/>
-              </a:ext>
-            </a:extLst>
-          </p:cNvPr>
-          <p:cNvGrpSpPr>
-            <a:grpSpLocks noGrp="1" noUngrp="1" noRot="1" noChangeAspect="1" noMove="1" noResize="1"/>
-          </p:cNvGrpSpPr>
-          <p:nvPr>
-            <p:extLst>
-              <p:ext uri="{386F3935-93C4-4BCD-93E2-E3B085C9AB24}">
-                <p16:designElem xmlns:p16="http://schemas.microsoft.com/office/powerpoint/2015/main" val="1"/>
-              </p:ext>
-            </p:extLst>
-          </p:nvPr>
-        </p:nvGrpSpPr>
-        <p:grpSpPr>
-          <a:xfrm>
-            <a:off x="0" y="4601497"/>
-            <a:ext cx="1014060" cy="2017580"/>
-            <a:chOff x="0" y="4601497"/>
-            <a:chExt cx="1014060" cy="2017580"/>
-          </a:xfrm>
-        </p:grpSpPr>
-        <p:sp>
-          <p:nvSpPr>
-            <p:cNvPr id="13" name="Isosceles Triangle 12">
-              <a:extLst>
-                <a:ext uri="{FF2B5EF4-FFF2-40B4-BE49-F238E27FC236}">
-                  <a16:creationId xmlns:a16="http://schemas.microsoft.com/office/drawing/2014/main" id="{D3F51FEB-38FB-4F6C-9F7B-2F2AFAB65463}"/>
-                </a:ext>
-                <a:ext uri="{C183D7F6-B498-43B3-948B-1728B52AA6E4}">
-                  <adec:decorative xmlns:adec="http://schemas.microsoft.com/office/drawing/2017/decorative" val="1"/>
-                </a:ext>
-              </a:extLst>
-            </p:cNvPr>
-            <p:cNvSpPr/>
-            <p:nvPr>
-              <p:extLst>
-                <p:ext uri="{386F3935-93C4-4BCD-93E2-E3B085C9AB24}">
-                  <p16:designElem xmlns:p16="http://schemas.microsoft.com/office/powerpoint/2015/main" val="1"/>
-                </p:ext>
-              </p:extLst>
-            </p:nvPr>
-          </p:nvSpPr>
-          <p:spPr>
-            <a:xfrm rot="5400000">
-              <a:off x="-501760" y="5103257"/>
-              <a:ext cx="2017580" cy="1014060"/>
-            </a:xfrm>
-            <a:prstGeom prst="triangle">
-              <a:avLst>
-                <a:gd name="adj" fmla="val 50000"/>
-              </a:avLst>
-            </a:prstGeom>
-            <a:solidFill>
-              <a:schemeClr val="accent1">
-                <a:alpha val="30000"/>
-              </a:schemeClr>
-            </a:solidFill>
-            <a:ln>
-              <a:noFill/>
-            </a:ln>
-          </p:spPr>
-          <p:style>
-            <a:lnRef idx="2">
-              <a:schemeClr val="accent1">
-                <a:shade val="50000"/>
-              </a:schemeClr>
-            </a:lnRef>
-            <a:fillRef idx="1">
-              <a:schemeClr val="accent1"/>
-            </a:fillRef>
-            <a:effectRef idx="0">
-              <a:schemeClr val="accent1"/>
-            </a:effectRef>
-            <a:fontRef idx="minor">
-              <a:schemeClr val="lt1"/>
-            </a:fontRef>
-          </p:style>
-          <p:txBody>
-            <a:bodyPr rtlCol="0" anchor="ctr"/>
-            <a:lstStyle/>
-            <a:p>
-              <a:pPr algn="ctr"/>
-              <a:endParaRPr lang="en-US"/>
-            </a:p>
-          </p:txBody>
-        </p:sp>
-        <p:sp>
-          <p:nvSpPr>
-            <p:cNvPr id="14" name="Rectangle 13">
-              <a:extLst>
-                <a:ext uri="{FF2B5EF4-FFF2-40B4-BE49-F238E27FC236}">
-                  <a16:creationId xmlns:a16="http://schemas.microsoft.com/office/drawing/2014/main" id="{1E547BA6-BAE0-43BB-A7CA-60F69CE252F0}"/>
-                </a:ext>
-                <a:ext uri="{C183D7F6-B498-43B3-948B-1728B52AA6E4}">
-                  <adec:decorative xmlns:adec="http://schemas.microsoft.com/office/drawing/2017/decorative" val="1"/>
-                </a:ext>
-              </a:extLst>
-            </p:cNvPr>
-            <p:cNvSpPr/>
-            <p:nvPr>
-              <p:extLst>
-                <p:ext uri="{386F3935-93C4-4BCD-93E2-E3B085C9AB24}">
-                  <p16:designElem xmlns:p16="http://schemas.microsoft.com/office/powerpoint/2015/main" val="1"/>
-                </p:ext>
-              </p:extLst>
-            </p:nvPr>
-          </p:nvSpPr>
-          <p:spPr>
-            <a:xfrm rot="2700000">
-              <a:off x="427916" y="5728708"/>
-              <a:ext cx="485578" cy="485578"/>
-            </a:xfrm>
-            <a:prstGeom prst="rect">
-              <a:avLst/>
-            </a:prstGeom>
-            <a:solidFill>
-              <a:schemeClr val="accent1">
-                <a:alpha val="30000"/>
-              </a:schemeClr>
-            </a:solidFill>
-            <a:ln>
-              <a:noFill/>
-            </a:ln>
-          </p:spPr>
-          <p:style>
-            <a:lnRef idx="2">
-              <a:schemeClr val="accent1">
-                <a:shade val="50000"/>
-              </a:schemeClr>
-            </a:lnRef>
-            <a:fillRef idx="1">
-              <a:schemeClr val="accent1"/>
-            </a:fillRef>
-            <a:effectRef idx="0">
-              <a:schemeClr val="accent1"/>
-            </a:effectRef>
-            <a:fontRef idx="minor">
-              <a:schemeClr val="lt1"/>
-            </a:fontRef>
-          </p:style>
-          <p:txBody>
-            <a:bodyPr rtlCol="0" anchor="ctr"/>
-            <a:lstStyle/>
-            <a:p>
-              <a:pPr algn="ctr"/>
-              <a:endParaRPr lang="en-US"/>
-            </a:p>
-          </p:txBody>
-        </p:sp>
-      </p:grpSp>
-      <p:pic>
-        <p:nvPicPr>
-          <p:cNvPr id="5" name="Picture 6" descr="Diagram&#10;&#10;Description automatically generated">
-            <a:extLst>
-              <a:ext uri="{FF2B5EF4-FFF2-40B4-BE49-F238E27FC236}">
-                <a16:creationId xmlns:a16="http://schemas.microsoft.com/office/drawing/2014/main" id="{8D91B311-BE4E-8766-1E86-856D49B265E8}"/>
-              </a:ext>
-            </a:extLst>
-          </p:cNvPr>
-          <p:cNvPicPr>
-            <a:picLocks noChangeAspect="1"/>
-          </p:cNvPicPr>
-          <p:nvPr/>
-        </p:nvPicPr>
-        <p:blipFill>
-          <a:blip r:embed="rId2"/>
-          <a:stretch>
-            <a:fillRect/>
-          </a:stretch>
-        </p:blipFill>
-        <p:spPr>
-          <a:xfrm>
-            <a:off x="6928177" y="2041064"/>
-            <a:ext cx="4620355" cy="2844240"/>
-          </a:xfrm>
-          <a:prstGeom prst="rect">
-            <a:avLst/>
-          </a:prstGeom>
-        </p:spPr>
-      </p:pic>
-      <p:grpSp>
-        <p:nvGrpSpPr>
-          <p:cNvPr id="16" name="Group 15">
-            <a:extLst>
-              <a:ext uri="{FF2B5EF4-FFF2-40B4-BE49-F238E27FC236}">
-                <a16:creationId xmlns:a16="http://schemas.microsoft.com/office/drawing/2014/main" id="{5995D10D-E9C9-47DB-AE7E-801FEF38F5C9}"/>
-              </a:ext>
-              <a:ext uri="{C183D7F6-B498-43B3-948B-1728B52AA6E4}">
-                <adec:decorative xmlns:adec="http://schemas.microsoft.com/office/drawing/2017/decorative" val="1"/>
-              </a:ext>
-            </a:extLst>
-          </p:cNvPr>
-          <p:cNvGrpSpPr>
-            <a:grpSpLocks noGrp="1" noUngrp="1" noRot="1" noChangeAspect="1" noMove="1" noResize="1"/>
-          </p:cNvGrpSpPr>
-          <p:nvPr>
-            <p:extLst>
-              <p:ext uri="{386F3935-93C4-4BCD-93E2-E3B085C9AB24}">
-                <p16:designElem xmlns:p16="http://schemas.microsoft.com/office/powerpoint/2015/main" val="1"/>
-              </p:ext>
-            </p:extLst>
-          </p:nvPr>
-        </p:nvGrpSpPr>
-        <p:grpSpPr>
-          <a:xfrm>
-            <a:off x="11219290" y="1"/>
-            <a:ext cx="972709" cy="1935307"/>
-            <a:chOff x="10918968" y="713127"/>
-            <a:chExt cx="1273032" cy="2532832"/>
-          </a:xfrm>
-        </p:grpSpPr>
-        <p:sp>
-          <p:nvSpPr>
-            <p:cNvPr id="17" name="Rectangle 16">
-              <a:extLst>
-                <a:ext uri="{FF2B5EF4-FFF2-40B4-BE49-F238E27FC236}">
-                  <a16:creationId xmlns:a16="http://schemas.microsoft.com/office/drawing/2014/main" id="{CC1A72C6-3DE4-4EC3-9AD5-9E0D40D8CE8A}"/>
-                </a:ext>
-                <a:ext uri="{C183D7F6-B498-43B3-948B-1728B52AA6E4}">
-                  <adec:decorative xmlns:adec="http://schemas.microsoft.com/office/drawing/2017/decorative" val="1"/>
-                </a:ext>
-              </a:extLst>
-            </p:cNvPr>
-            <p:cNvSpPr/>
-            <p:nvPr>
-              <p:extLst>
-                <p:ext uri="{386F3935-93C4-4BCD-93E2-E3B085C9AB24}">
-                  <p16:designElem xmlns:p16="http://schemas.microsoft.com/office/powerpoint/2015/main" val="1"/>
-                </p:ext>
-              </p:extLst>
-            </p:nvPr>
-          </p:nvSpPr>
-          <p:spPr>
-            <a:xfrm rot="2700000">
-              <a:off x="11052629" y="2120024"/>
-              <a:ext cx="645368" cy="645368"/>
-            </a:xfrm>
-            <a:prstGeom prst="rect">
-              <a:avLst/>
-            </a:prstGeom>
-            <a:solidFill>
-              <a:schemeClr val="accent4">
-                <a:alpha val="30000"/>
-              </a:schemeClr>
-            </a:solidFill>
-            <a:ln>
-              <a:noFill/>
-            </a:ln>
-          </p:spPr>
-          <p:style>
-            <a:lnRef idx="2">
-              <a:schemeClr val="accent1">
-                <a:shade val="50000"/>
-              </a:schemeClr>
-            </a:lnRef>
-            <a:fillRef idx="1">
-              <a:schemeClr val="accent1"/>
-            </a:fillRef>
-            <a:effectRef idx="0">
-              <a:schemeClr val="accent1"/>
-            </a:effectRef>
-            <a:fontRef idx="minor">
-              <a:schemeClr val="lt1"/>
-            </a:fontRef>
-          </p:style>
-          <p:txBody>
-            <a:bodyPr rtlCol="0" anchor="ctr"/>
-            <a:lstStyle/>
-            <a:p>
-              <a:pPr algn="ctr"/>
-              <a:endParaRPr lang="en-US"/>
-            </a:p>
-          </p:txBody>
-        </p:sp>
-        <p:sp>
-          <p:nvSpPr>
-            <p:cNvPr id="18" name="Isosceles Triangle 17">
-              <a:extLst>
-                <a:ext uri="{FF2B5EF4-FFF2-40B4-BE49-F238E27FC236}">
-                  <a16:creationId xmlns:a16="http://schemas.microsoft.com/office/drawing/2014/main" id="{0B0DA1F1-C391-4EDF-9FE0-23E86E137765}"/>
-                </a:ext>
-                <a:ext uri="{C183D7F6-B498-43B3-948B-1728B52AA6E4}">
-                  <adec:decorative xmlns:adec="http://schemas.microsoft.com/office/drawing/2017/decorative" val="1"/>
-                </a:ext>
-              </a:extLst>
-            </p:cNvPr>
-            <p:cNvSpPr/>
-            <p:nvPr>
-              <p:extLst>
-                <p:ext uri="{386F3935-93C4-4BCD-93E2-E3B085C9AB24}">
-                  <p16:designElem xmlns:p16="http://schemas.microsoft.com/office/powerpoint/2015/main" val="1"/>
-                </p:ext>
-              </p:extLst>
-            </p:nvPr>
-          </p:nvSpPr>
-          <p:spPr>
-            <a:xfrm rot="16200000">
-              <a:off x="10289068" y="1343027"/>
-              <a:ext cx="2532832" cy="1273032"/>
-            </a:xfrm>
-            <a:prstGeom prst="triangle">
-              <a:avLst>
-                <a:gd name="adj" fmla="val 50000"/>
-              </a:avLst>
-            </a:prstGeom>
-            <a:solidFill>
-              <a:schemeClr val="accent4">
-                <a:alpha val="30000"/>
-              </a:schemeClr>
-            </a:solidFill>
-            <a:ln>
-              <a:noFill/>
-            </a:ln>
-          </p:spPr>
-          <p:style>
-            <a:lnRef idx="2">
-              <a:schemeClr val="accent1">
-                <a:shade val="50000"/>
-              </a:schemeClr>
-            </a:lnRef>
-            <a:fillRef idx="1">
-              <a:schemeClr val="accent1"/>
-            </a:fillRef>
-            <a:effectRef idx="0">
-              <a:schemeClr val="accent1"/>
-            </a:effectRef>
-            <a:fontRef idx="minor">
-              <a:schemeClr val="lt1"/>
-            </a:fontRef>
-          </p:style>
-          <p:txBody>
-            <a:bodyPr rtlCol="0" anchor="ctr"/>
-            <a:lstStyle/>
-            <a:p>
-              <a:pPr algn="ctr"/>
-              <a:endParaRPr lang="en-US"/>
-            </a:p>
-          </p:txBody>
-        </p:sp>
-      </p:grpSp>
-      <p:sp>
-        <p:nvSpPr>
-          <p:cNvPr id="3" name="Slide Number Placeholder 2">
-            <a:extLst>
-              <a:ext uri="{FF2B5EF4-FFF2-40B4-BE49-F238E27FC236}">
-                <a16:creationId xmlns:a16="http://schemas.microsoft.com/office/drawing/2014/main" id="{FBDE7135-9153-4AEB-AC1F-4B951B7A76F2}"/>
-              </a:ext>
-            </a:extLst>
-          </p:cNvPr>
-          <p:cNvSpPr>
-            <a:spLocks noGrp="1"/>
-          </p:cNvSpPr>
-          <p:nvPr>
-            <p:ph type="sldNum" sz="quarter" idx="11"/>
-          </p:nvPr>
-        </p:nvSpPr>
-        <p:spPr>
-          <a:xfrm>
-            <a:off x="8805333" y="6356350"/>
-            <a:ext cx="2743200" cy="365125"/>
-          </a:xfrm>
-        </p:spPr>
-        <p:txBody>
-          <a:bodyPr vert="horz" lIns="91440" tIns="45720" rIns="91440" bIns="45720" rtlCol="0" anchor="ctr">
-            <a:normAutofit/>
-          </a:bodyPr>
-          <a:lstStyle/>
-          <a:p>
-            <a:pPr>
-              <a:spcAft>
-                <a:spcPts val="600"/>
-              </a:spcAft>
-            </a:pPr>
-            <a:fld id="{8C2E478F-E849-4A8C-AF1F-CBCC78A7CBFA}" type="slidenum">
-              <a:rPr lang="en-US" smtClean="0"/>
-              <a:pPr>
-                <a:spcAft>
-                  <a:spcPts val="600"/>
-                </a:spcAft>
-              </a:pPr>
-              <a:t>5</a:t>
-            </a:fld>
-            <a:endParaRPr lang="en-US"/>
-          </a:p>
-        </p:txBody>
-      </p:sp>
-    </p:spTree>
-    <p:extLst>
-      <p:ext uri="{BB962C8B-B14F-4D97-AF65-F5344CB8AC3E}">
-        <p14:creationId xmlns:p14="http://schemas.microsoft.com/office/powerpoint/2010/main" val="869470413"/>
-      </p:ext>
-    </p:extLst>
-  </p:cSld>
-  <p:clrMapOvr>
-    <a:masterClrMapping/>
-  </p:clrMapOvr>
-</p:sld>
-</file>
-
-<file path=ppt/slides/slide6.xml><?xml version="1.0" encoding="utf-8"?>
-<p:sld xmlns:a="http://schemas.openxmlformats.org/drawingml/2006/main" xmlns:r="http://schemas.openxmlformats.org/officeDocument/2006/relationships" xmlns:p="http://schemas.openxmlformats.org/presentationml/2006/main">
-  <p:cSld>
-    <p:bg>
-      <p:bgPr>
-        <a:solidFill>
-          <a:schemeClr val="bg1"/>
-        </a:solidFill>
-        <a:effectLst/>
-      </p:bgPr>
-    </p:bg>
-    <p:spTree>
-      <p:nvGrpSpPr>
-        <p:cNvPr id="1" name=""/>
-        <p:cNvGrpSpPr/>
-        <p:nvPr/>
-      </p:nvGrpSpPr>
-      <p:grpSpPr>
-        <a:xfrm>
-          <a:off x="0" y="0"/>
-          <a:ext cx="0" cy="0"/>
-          <a:chOff x="0" y="0"/>
-          <a:chExt cx="0" cy="0"/>
-        </a:xfrm>
-      </p:grpSpPr>
-      <p:sp>
-        <p:nvSpPr>
-          <p:cNvPr id="23" name="Rectangle 22">
-            <a:extLst>
-              <a:ext uri="{FF2B5EF4-FFF2-40B4-BE49-F238E27FC236}">
-                <a16:creationId xmlns:a16="http://schemas.microsoft.com/office/drawing/2014/main" id="{2B566528-1B12-4246-9431-5C2D7D081168}"/>
-              </a:ext>
-              <a:ext uri="{C183D7F6-B498-43B3-948B-1728B52AA6E4}">
-                <adec:decorative xmlns:adec="http://schemas.microsoft.com/office/drawing/2017/decorative" val="1"/>
-              </a:ext>
-            </a:extLst>
-          </p:cNvPr>
-          <p:cNvSpPr>
-            <a:spLocks noGrp="1" noRot="1" noChangeAspect="1" noMove="1" noResize="1" noEditPoints="1" noAdjustHandles="1" noChangeArrowheads="1" noChangeShapeType="1" noTextEdit="1"/>
-          </p:cNvSpPr>
-          <p:nvPr>
-            <p:extLst>
-              <p:ext uri="{386F3935-93C4-4BCD-93E2-E3B085C9AB24}">
-                <p16:designElem xmlns:p16="http://schemas.microsoft.com/office/powerpoint/2015/main" val="1"/>
-              </p:ext>
-            </p:extLst>
-          </p:nvPr>
-        </p:nvSpPr>
-        <p:spPr>
-          <a:xfrm>
-            <a:off x="0" y="0"/>
-            <a:ext cx="12192000" cy="6858000"/>
-          </a:xfrm>
-          <a:prstGeom prst="rect">
-            <a:avLst/>
-          </a:prstGeom>
-          <a:solidFill>
-            <a:schemeClr val="bg1"/>
-          </a:solidFill>
-          <a:ln>
-            <a:noFill/>
-          </a:ln>
-        </p:spPr>
-        <p:style>
-          <a:lnRef idx="2">
-            <a:schemeClr val="accent1">
-              <a:shade val="50000"/>
-            </a:schemeClr>
-          </a:lnRef>
-          <a:fillRef idx="1">
-            <a:schemeClr val="accent1"/>
-          </a:fillRef>
-          <a:effectRef idx="0">
-            <a:schemeClr val="accent1"/>
-          </a:effectRef>
-          <a:fontRef idx="minor">
-            <a:schemeClr val="lt1"/>
-          </a:fontRef>
-        </p:style>
-        <p:txBody>
-          <a:bodyPr rtlCol="0" anchor="ctr"/>
-          <a:lstStyle/>
-          <a:p>
-            <a:pPr algn="ctr"/>
-            <a:endParaRPr lang="en-US"/>
-          </a:p>
-        </p:txBody>
-      </p:sp>
-      <p:sp>
-        <p:nvSpPr>
-          <p:cNvPr id="2" name="Title 1">
-            <a:extLst>
-              <a:ext uri="{FF2B5EF4-FFF2-40B4-BE49-F238E27FC236}">
-                <a16:creationId xmlns:a16="http://schemas.microsoft.com/office/drawing/2014/main" id="{603DA247-2F35-4FB8-903D-FB32D7B852D9}"/>
-              </a:ext>
-            </a:extLst>
-          </p:cNvPr>
-          <p:cNvSpPr>
-            <a:spLocks noGrp="1"/>
-          </p:cNvSpPr>
-          <p:nvPr>
-            <p:ph type="title"/>
-          </p:nvPr>
-        </p:nvSpPr>
-        <p:spPr>
-          <a:xfrm>
-            <a:off x="643467" y="321734"/>
-            <a:ext cx="10905066" cy="1135737"/>
-          </a:xfrm>
-        </p:spPr>
-        <p:txBody>
-          <a:bodyPr vert="horz" lIns="91440" tIns="45720" rIns="91440" bIns="45720" rtlCol="0" anchor="ctr">
-            <a:normAutofit/>
-          </a:bodyPr>
-          <a:lstStyle/>
-          <a:p>
-            <a:pPr algn="l">
-              <a:lnSpc>
-                <a:spcPct val="90000"/>
-              </a:lnSpc>
-            </a:pPr>
-            <a:r>
-              <a:rPr lang="en-US" sz="1700" b="1" kern="1200">
-                <a:solidFill>
-                  <a:schemeClr val="tx1"/>
-                </a:solidFill>
-                <a:latin typeface="+mj-lt"/>
-                <a:ea typeface="+mj-ea"/>
-                <a:cs typeface="+mj-cs"/>
-              </a:rPr>
-              <a:t>[2]</a:t>
-            </a:r>
-            <a:r>
-              <a:rPr lang="en-US" sz="1700" kern="1200">
-                <a:solidFill>
-                  <a:schemeClr val="tx1"/>
-                </a:solidFill>
-                <a:latin typeface="+mj-lt"/>
-                <a:ea typeface="+mj-ea"/>
-                <a:cs typeface="+mj-cs"/>
-              </a:rPr>
-              <a:t>. P. Liu, X. Wang, C. Xiang and W. Meng, "A Survey of Text Data Augmentation," 2020 International Conference on Computer Communication and Network Security (CCNS), 2020, pp. 191-195, doi: 10.1109/CCNS50731.2020.00049.</a:t>
-            </a:r>
-          </a:p>
-        </p:txBody>
-      </p:sp>
-      <p:sp>
-        <p:nvSpPr>
-          <p:cNvPr id="4" name="TextBox 3">
-            <a:extLst>
-              <a:ext uri="{FF2B5EF4-FFF2-40B4-BE49-F238E27FC236}">
-                <a16:creationId xmlns:a16="http://schemas.microsoft.com/office/drawing/2014/main" id="{73C65A46-997E-0FA7-1898-24504BBFDA55}"/>
-              </a:ext>
-            </a:extLst>
-          </p:cNvPr>
-          <p:cNvSpPr txBox="1"/>
-          <p:nvPr/>
-        </p:nvSpPr>
-        <p:spPr>
-          <a:xfrm>
-            <a:off x="643469" y="1782981"/>
-            <a:ext cx="6377727" cy="4393982"/>
-          </a:xfrm>
-          <a:prstGeom prst="rect">
-            <a:avLst/>
-          </a:prstGeom>
-        </p:spPr>
-        <p:txBody>
-          <a:bodyPr rot="0" spcFirstLastPara="0" vertOverflow="overflow" horzOverflow="overflow" vert="horz" lIns="91440" tIns="45720" rIns="91440" bIns="45720" numCol="1" spcCol="0" rtlCol="0" fromWordArt="0" anchor="t" anchorCtr="0" forceAA="0" compatLnSpc="1">
-            <a:prstTxWarp prst="textNoShape">
-              <a:avLst/>
-            </a:prstTxWarp>
-            <a:normAutofit/>
-          </a:bodyPr>
-          <a:lstStyle/>
-          <a:p>
-            <a:pPr>
-              <a:lnSpc>
-                <a:spcPct val="90000"/>
-              </a:lnSpc>
-              <a:spcAft>
-                <a:spcPts val="600"/>
-              </a:spcAft>
-            </a:pPr>
-            <a:r>
-              <a:rPr lang="en-US" sz="1400" b="1"/>
-              <a:t>Inspiration</a:t>
-            </a:r>
-            <a:endParaRPr lang="en-US" sz="1400">
-              <a:cs typeface="Calibri"/>
-            </a:endParaRPr>
-          </a:p>
-          <a:p>
-            <a:pPr marL="171450" indent="-228600">
-              <a:lnSpc>
-                <a:spcPct val="90000"/>
-              </a:lnSpc>
-              <a:spcAft>
-                <a:spcPts val="600"/>
-              </a:spcAft>
-              <a:buFont typeface="Arial" panose="020B0604020202020204" pitchFamily="34" charset="0"/>
-              <a:buChar char="•"/>
-            </a:pPr>
-            <a:endParaRPr lang="en-US" sz="1400">
-              <a:cs typeface="Calibri"/>
-            </a:endParaRPr>
-          </a:p>
-          <a:p>
-            <a:pPr marL="171450" indent="-228600">
-              <a:lnSpc>
-                <a:spcPct val="90000"/>
-              </a:lnSpc>
-              <a:spcAft>
-                <a:spcPts val="600"/>
-              </a:spcAft>
-              <a:buFont typeface="Arial" panose="020B0604020202020204" pitchFamily="34" charset="0"/>
-              <a:buChar char="•"/>
-            </a:pPr>
-            <a:r>
-              <a:rPr lang="en-US" sz="1400"/>
-              <a:t>Inspired from techniques used in computer vision such as translating, rotating, compressing, and adjusting colors of images.</a:t>
-            </a:r>
-            <a:endParaRPr lang="en-US" sz="1400">
-              <a:cs typeface="Calibri"/>
-            </a:endParaRPr>
-          </a:p>
-          <a:p>
-            <a:pPr marL="171450" indent="-228600">
-              <a:lnSpc>
-                <a:spcPct val="90000"/>
-              </a:lnSpc>
-              <a:spcAft>
-                <a:spcPts val="600"/>
-              </a:spcAft>
-              <a:buFont typeface="Arial" panose="020B0604020202020204" pitchFamily="34" charset="0"/>
-              <a:buChar char="•"/>
-            </a:pPr>
-            <a:r>
-              <a:rPr lang="en-US" sz="1400"/>
-              <a:t>Generative methods do not have evaluation tools co compare effectiveness.</a:t>
-            </a:r>
-            <a:endParaRPr lang="en-US" sz="1400">
-              <a:cs typeface="Calibri"/>
-            </a:endParaRPr>
-          </a:p>
-          <a:p>
-            <a:pPr indent="-228600">
-              <a:lnSpc>
-                <a:spcPct val="90000"/>
-              </a:lnSpc>
-              <a:spcAft>
-                <a:spcPts val="600"/>
-              </a:spcAft>
-              <a:buFont typeface="Arial" panose="020B0604020202020204" pitchFamily="34" charset="0"/>
-              <a:buChar char="•"/>
-            </a:pPr>
-            <a:endParaRPr lang="en-US" sz="1400">
-              <a:cs typeface="Calibri"/>
-            </a:endParaRPr>
-          </a:p>
-          <a:p>
-            <a:pPr>
-              <a:lnSpc>
-                <a:spcPct val="90000"/>
-              </a:lnSpc>
-              <a:spcAft>
-                <a:spcPts val="600"/>
-              </a:spcAft>
-            </a:pPr>
-            <a:r>
-              <a:rPr lang="en-US" sz="1400" b="1"/>
-              <a:t>Techniques in Text Augmentation</a:t>
-            </a:r>
-            <a:r>
-              <a:rPr lang="en-US" sz="1400"/>
-              <a:t> </a:t>
-            </a:r>
-            <a:endParaRPr lang="en-US" sz="1400">
-              <a:cs typeface="Calibri"/>
-            </a:endParaRPr>
-          </a:p>
-          <a:p>
-            <a:pPr indent="-228600">
-              <a:lnSpc>
-                <a:spcPct val="90000"/>
-              </a:lnSpc>
-              <a:spcAft>
-                <a:spcPts val="600"/>
-              </a:spcAft>
-              <a:buFont typeface="Arial" panose="020B0604020202020204" pitchFamily="34" charset="0"/>
-              <a:buChar char="•"/>
-            </a:pPr>
-            <a:endParaRPr lang="en-US" sz="1400">
-              <a:cs typeface="Calibri"/>
-            </a:endParaRPr>
-          </a:p>
-          <a:p>
-            <a:pPr marL="285750" indent="-228600">
-              <a:lnSpc>
-                <a:spcPct val="90000"/>
-              </a:lnSpc>
-              <a:spcAft>
-                <a:spcPts val="600"/>
-              </a:spcAft>
-              <a:buFont typeface="Arial" panose="020B0604020202020204" pitchFamily="34" charset="0"/>
-              <a:buChar char="•"/>
-            </a:pPr>
-            <a:r>
-              <a:rPr lang="en-US" sz="1400"/>
-              <a:t>Adding noise</a:t>
-            </a:r>
-            <a:endParaRPr lang="en-US" sz="1400">
-              <a:cs typeface="Calibri"/>
-            </a:endParaRPr>
-          </a:p>
-          <a:p>
-            <a:pPr marL="285750" indent="-228600">
-              <a:lnSpc>
-                <a:spcPct val="90000"/>
-              </a:lnSpc>
-              <a:spcAft>
-                <a:spcPts val="600"/>
-              </a:spcAft>
-              <a:buFont typeface="Arial" panose="020B0604020202020204" pitchFamily="34" charset="0"/>
-              <a:buChar char="•"/>
-            </a:pPr>
-            <a:r>
-              <a:rPr lang="en-US" sz="1400"/>
-              <a:t>Back translation</a:t>
-            </a:r>
-            <a:endParaRPr lang="en-US" sz="1400">
-              <a:cs typeface="Calibri"/>
-            </a:endParaRPr>
-          </a:p>
-          <a:p>
-            <a:pPr indent="-228600">
-              <a:lnSpc>
-                <a:spcPct val="90000"/>
-              </a:lnSpc>
-              <a:spcAft>
-                <a:spcPts val="600"/>
-              </a:spcAft>
-              <a:buFont typeface="Arial" panose="020B0604020202020204" pitchFamily="34" charset="0"/>
-              <a:buChar char="•"/>
-            </a:pPr>
-            <a:endParaRPr lang="en-US" sz="1400">
-              <a:cs typeface="Calibri"/>
-            </a:endParaRPr>
-          </a:p>
-          <a:p>
-            <a:pPr>
-              <a:lnSpc>
-                <a:spcPct val="90000"/>
-              </a:lnSpc>
-              <a:spcAft>
-                <a:spcPts val="600"/>
-              </a:spcAft>
-            </a:pPr>
-            <a:r>
-              <a:rPr lang="en-US" sz="1400" b="1"/>
-              <a:t>Augmentation Approaches</a:t>
-            </a:r>
-            <a:endParaRPr lang="en-US" sz="1400" b="1">
-              <a:cs typeface="Calibri"/>
-            </a:endParaRPr>
-          </a:p>
-          <a:p>
-            <a:pPr indent="-228600">
-              <a:lnSpc>
-                <a:spcPct val="90000"/>
-              </a:lnSpc>
-              <a:spcAft>
-                <a:spcPts val="600"/>
-              </a:spcAft>
-              <a:buFont typeface="Arial" panose="020B0604020202020204" pitchFamily="34" charset="0"/>
-              <a:buChar char="•"/>
-            </a:pPr>
-            <a:endParaRPr lang="en-US" sz="1400" b="1">
-              <a:cs typeface="Calibri"/>
-            </a:endParaRPr>
-          </a:p>
-          <a:p>
-            <a:pPr marL="171450" indent="-228600">
-              <a:lnSpc>
-                <a:spcPct val="90000"/>
-              </a:lnSpc>
-              <a:spcAft>
-                <a:spcPts val="600"/>
-              </a:spcAft>
-              <a:buFont typeface="Arial" panose="020B0604020202020204" pitchFamily="34" charset="0"/>
-              <a:buChar char="•"/>
-            </a:pPr>
-            <a:r>
-              <a:rPr lang="en-US" sz="1400"/>
-              <a:t>Back-Translation</a:t>
-            </a:r>
-            <a:endParaRPr lang="en-US" sz="1400" b="1">
-              <a:cs typeface="Calibri"/>
-            </a:endParaRPr>
-          </a:p>
-          <a:p>
-            <a:pPr marL="171450" indent="-228600">
-              <a:lnSpc>
-                <a:spcPct val="90000"/>
-              </a:lnSpc>
-              <a:spcAft>
-                <a:spcPts val="600"/>
-              </a:spcAft>
-              <a:buFont typeface="Arial" panose="020B0604020202020204" pitchFamily="34" charset="0"/>
-              <a:buChar char="•"/>
-            </a:pPr>
-            <a:r>
-              <a:rPr lang="en-US" sz="1400"/>
-              <a:t>Lexical Substitution</a:t>
-            </a:r>
-            <a:endParaRPr lang="en-US" sz="1400">
-              <a:cs typeface="Calibri"/>
-            </a:endParaRPr>
-          </a:p>
-          <a:p>
-            <a:pPr marL="171450" indent="-228600">
-              <a:lnSpc>
-                <a:spcPct val="90000"/>
-              </a:lnSpc>
-              <a:spcAft>
-                <a:spcPts val="600"/>
-              </a:spcAft>
-              <a:buFont typeface="Arial" panose="020B0604020202020204" pitchFamily="34" charset="0"/>
-              <a:buChar char="•"/>
-            </a:pPr>
-            <a:r>
-              <a:rPr lang="en-US" sz="1400"/>
-              <a:t>Conditional Data Augmentation</a:t>
-            </a:r>
-            <a:endParaRPr lang="en-US" sz="1400">
-              <a:cs typeface="Calibri"/>
-            </a:endParaRPr>
-          </a:p>
-        </p:txBody>
-      </p:sp>
-      <p:grpSp>
-        <p:nvGrpSpPr>
-          <p:cNvPr id="25" name="Group 24">
-            <a:extLst>
-              <a:ext uri="{FF2B5EF4-FFF2-40B4-BE49-F238E27FC236}">
-                <a16:creationId xmlns:a16="http://schemas.microsoft.com/office/drawing/2014/main" id="{828A5161-06F1-46CF-8AD7-844680A59E13}"/>
-              </a:ext>
-              <a:ext uri="{C183D7F6-B498-43B3-948B-1728B52AA6E4}">
-                <adec:decorative xmlns:adec="http://schemas.microsoft.com/office/drawing/2017/decorative" val="1"/>
-              </a:ext>
-            </a:extLst>
-          </p:cNvPr>
-          <p:cNvGrpSpPr>
-            <a:grpSpLocks noGrp="1" noUngrp="1" noRot="1" noChangeAspect="1" noMove="1" noResize="1"/>
-          </p:cNvGrpSpPr>
-          <p:nvPr>
-            <p:extLst>
-              <p:ext uri="{386F3935-93C4-4BCD-93E2-E3B085C9AB24}">
-                <p16:designElem xmlns:p16="http://schemas.microsoft.com/office/powerpoint/2015/main" val="1"/>
-              </p:ext>
-            </p:extLst>
-          </p:nvPr>
-        </p:nvGrpSpPr>
-        <p:grpSpPr>
-          <a:xfrm>
-            <a:off x="0" y="4601497"/>
-            <a:ext cx="1014060" cy="2017580"/>
-            <a:chOff x="0" y="4601497"/>
-            <a:chExt cx="1014060" cy="2017580"/>
-          </a:xfrm>
-        </p:grpSpPr>
-        <p:sp>
-          <p:nvSpPr>
-            <p:cNvPr id="26" name="Isosceles Triangle 25">
-              <a:extLst>
-                <a:ext uri="{FF2B5EF4-FFF2-40B4-BE49-F238E27FC236}">
-                  <a16:creationId xmlns:a16="http://schemas.microsoft.com/office/drawing/2014/main" id="{D3F51FEB-38FB-4F6C-9F7B-2F2AFAB65463}"/>
-                </a:ext>
-                <a:ext uri="{C183D7F6-B498-43B3-948B-1728B52AA6E4}">
-                  <adec:decorative xmlns:adec="http://schemas.microsoft.com/office/drawing/2017/decorative" val="1"/>
-                </a:ext>
-              </a:extLst>
-            </p:cNvPr>
-            <p:cNvSpPr/>
-            <p:nvPr>
-              <p:extLst>
-                <p:ext uri="{386F3935-93C4-4BCD-93E2-E3B085C9AB24}">
-                  <p16:designElem xmlns:p16="http://schemas.microsoft.com/office/powerpoint/2015/main" val="1"/>
-                </p:ext>
-              </p:extLst>
-            </p:nvPr>
-          </p:nvSpPr>
-          <p:spPr>
-            <a:xfrm rot="5400000">
-              <a:off x="-501760" y="5103257"/>
-              <a:ext cx="2017580" cy="1014060"/>
-            </a:xfrm>
-            <a:prstGeom prst="triangle">
-              <a:avLst>
-                <a:gd name="adj" fmla="val 50000"/>
-              </a:avLst>
-            </a:prstGeom>
-            <a:solidFill>
-              <a:schemeClr val="accent1">
-                <a:alpha val="30000"/>
-              </a:schemeClr>
-            </a:solidFill>
-            <a:ln>
-              <a:noFill/>
-            </a:ln>
-          </p:spPr>
-          <p:style>
-            <a:lnRef idx="2">
-              <a:schemeClr val="accent1">
-                <a:shade val="50000"/>
-              </a:schemeClr>
-            </a:lnRef>
-            <a:fillRef idx="1">
-              <a:schemeClr val="accent1"/>
-            </a:fillRef>
-            <a:effectRef idx="0">
-              <a:schemeClr val="accent1"/>
-            </a:effectRef>
-            <a:fontRef idx="minor">
-              <a:schemeClr val="lt1"/>
-            </a:fontRef>
-          </p:style>
-          <p:txBody>
-            <a:bodyPr rtlCol="0" anchor="ctr"/>
-            <a:lstStyle/>
-            <a:p>
-              <a:pPr algn="ctr"/>
-              <a:endParaRPr lang="en-US"/>
-            </a:p>
-          </p:txBody>
-        </p:sp>
-        <p:sp>
-          <p:nvSpPr>
-            <p:cNvPr id="27" name="Rectangle 26">
-              <a:extLst>
-                <a:ext uri="{FF2B5EF4-FFF2-40B4-BE49-F238E27FC236}">
-                  <a16:creationId xmlns:a16="http://schemas.microsoft.com/office/drawing/2014/main" id="{1E547BA6-BAE0-43BB-A7CA-60F69CE252F0}"/>
-                </a:ext>
-                <a:ext uri="{C183D7F6-B498-43B3-948B-1728B52AA6E4}">
-                  <adec:decorative xmlns:adec="http://schemas.microsoft.com/office/drawing/2017/decorative" val="1"/>
-                </a:ext>
-              </a:extLst>
-            </p:cNvPr>
-            <p:cNvSpPr/>
-            <p:nvPr>
-              <p:extLst>
-                <p:ext uri="{386F3935-93C4-4BCD-93E2-E3B085C9AB24}">
-                  <p16:designElem xmlns:p16="http://schemas.microsoft.com/office/powerpoint/2015/main" val="1"/>
-                </p:ext>
-              </p:extLst>
-            </p:nvPr>
-          </p:nvSpPr>
-          <p:spPr>
-            <a:xfrm rot="2700000">
-              <a:off x="427916" y="5728708"/>
-              <a:ext cx="485578" cy="485578"/>
-            </a:xfrm>
-            <a:prstGeom prst="rect">
-              <a:avLst/>
-            </a:prstGeom>
-            <a:solidFill>
-              <a:schemeClr val="accent1">
-                <a:alpha val="30000"/>
-              </a:schemeClr>
-            </a:solidFill>
-            <a:ln>
-              <a:noFill/>
-            </a:ln>
-          </p:spPr>
-          <p:style>
-            <a:lnRef idx="2">
-              <a:schemeClr val="accent1">
-                <a:shade val="50000"/>
-              </a:schemeClr>
-            </a:lnRef>
-            <a:fillRef idx="1">
-              <a:schemeClr val="accent1"/>
-            </a:fillRef>
-            <a:effectRef idx="0">
-              <a:schemeClr val="accent1"/>
-            </a:effectRef>
-            <a:fontRef idx="minor">
-              <a:schemeClr val="lt1"/>
-            </a:fontRef>
-          </p:style>
-          <p:txBody>
-            <a:bodyPr rtlCol="0" anchor="ctr"/>
-            <a:lstStyle/>
-            <a:p>
-              <a:pPr algn="ctr"/>
-              <a:endParaRPr lang="en-US"/>
-            </a:p>
-          </p:txBody>
-        </p:sp>
-      </p:grpSp>
-      <p:pic>
-        <p:nvPicPr>
-          <p:cNvPr id="7" name="Picture 7" descr="Diagram&#10;&#10;Description automatically generated">
-            <a:extLst>
-              <a:ext uri="{FF2B5EF4-FFF2-40B4-BE49-F238E27FC236}">
-                <a16:creationId xmlns:a16="http://schemas.microsoft.com/office/drawing/2014/main" id="{E685E4FA-24AE-1516-7FFE-2CC5CBC67064}"/>
-              </a:ext>
-            </a:extLst>
-          </p:cNvPr>
-          <p:cNvPicPr>
-            <a:picLocks noChangeAspect="1"/>
-          </p:cNvPicPr>
-          <p:nvPr/>
-        </p:nvPicPr>
-        <p:blipFill>
-          <a:blip r:embed="rId2"/>
-          <a:stretch>
-            <a:fillRect/>
-          </a:stretch>
-        </p:blipFill>
-        <p:spPr>
-          <a:xfrm>
-            <a:off x="7021726" y="2087964"/>
-            <a:ext cx="4526806" cy="2716083"/>
-          </a:xfrm>
-          <a:prstGeom prst="rect">
-            <a:avLst/>
-          </a:prstGeom>
-        </p:spPr>
-      </p:pic>
-      <p:grpSp>
-        <p:nvGrpSpPr>
-          <p:cNvPr id="29" name="Group 28">
-            <a:extLst>
-              <a:ext uri="{FF2B5EF4-FFF2-40B4-BE49-F238E27FC236}">
-                <a16:creationId xmlns:a16="http://schemas.microsoft.com/office/drawing/2014/main" id="{5995D10D-E9C9-47DB-AE7E-801FEF38F5C9}"/>
-              </a:ext>
-              <a:ext uri="{C183D7F6-B498-43B3-948B-1728B52AA6E4}">
-                <adec:decorative xmlns:adec="http://schemas.microsoft.com/office/drawing/2017/decorative" val="1"/>
-              </a:ext>
-            </a:extLst>
-          </p:cNvPr>
-          <p:cNvGrpSpPr>
-            <a:grpSpLocks noGrp="1" noUngrp="1" noRot="1" noChangeAspect="1" noMove="1" noResize="1"/>
-          </p:cNvGrpSpPr>
-          <p:nvPr>
-            <p:extLst>
-              <p:ext uri="{386F3935-93C4-4BCD-93E2-E3B085C9AB24}">
-                <p16:designElem xmlns:p16="http://schemas.microsoft.com/office/powerpoint/2015/main" val="1"/>
-              </p:ext>
-            </p:extLst>
-          </p:nvPr>
-        </p:nvGrpSpPr>
-        <p:grpSpPr>
-          <a:xfrm>
-            <a:off x="11219290" y="1"/>
-            <a:ext cx="972709" cy="1935307"/>
-            <a:chOff x="10918968" y="713127"/>
-            <a:chExt cx="1273032" cy="2532832"/>
-          </a:xfrm>
-        </p:grpSpPr>
-        <p:sp>
-          <p:nvSpPr>
-            <p:cNvPr id="30" name="Rectangle 29">
-              <a:extLst>
-                <a:ext uri="{FF2B5EF4-FFF2-40B4-BE49-F238E27FC236}">
-                  <a16:creationId xmlns:a16="http://schemas.microsoft.com/office/drawing/2014/main" id="{CC1A72C6-3DE4-4EC3-9AD5-9E0D40D8CE8A}"/>
-                </a:ext>
-                <a:ext uri="{C183D7F6-B498-43B3-948B-1728B52AA6E4}">
-                  <adec:decorative xmlns:adec="http://schemas.microsoft.com/office/drawing/2017/decorative" val="1"/>
-                </a:ext>
-              </a:extLst>
-            </p:cNvPr>
-            <p:cNvSpPr/>
-            <p:nvPr>
-              <p:extLst>
-                <p:ext uri="{386F3935-93C4-4BCD-93E2-E3B085C9AB24}">
-                  <p16:designElem xmlns:p16="http://schemas.microsoft.com/office/powerpoint/2015/main" val="1"/>
-                </p:ext>
-              </p:extLst>
-            </p:nvPr>
-          </p:nvSpPr>
-          <p:spPr>
-            <a:xfrm rot="2700000">
-              <a:off x="11052629" y="2120024"/>
-              <a:ext cx="645368" cy="645368"/>
-            </a:xfrm>
-            <a:prstGeom prst="rect">
-              <a:avLst/>
-            </a:prstGeom>
-            <a:solidFill>
-              <a:schemeClr val="accent4">
-                <a:alpha val="30000"/>
-              </a:schemeClr>
-            </a:solidFill>
-            <a:ln>
-              <a:noFill/>
-            </a:ln>
-          </p:spPr>
-          <p:style>
-            <a:lnRef idx="2">
-              <a:schemeClr val="accent1">
-                <a:shade val="50000"/>
-              </a:schemeClr>
-            </a:lnRef>
-            <a:fillRef idx="1">
-              <a:schemeClr val="accent1"/>
-            </a:fillRef>
-            <a:effectRef idx="0">
-              <a:schemeClr val="accent1"/>
-            </a:effectRef>
-            <a:fontRef idx="minor">
-              <a:schemeClr val="lt1"/>
-            </a:fontRef>
-          </p:style>
-          <p:txBody>
-            <a:bodyPr rtlCol="0" anchor="ctr"/>
-            <a:lstStyle/>
-            <a:p>
-              <a:pPr algn="ctr"/>
-              <a:endParaRPr lang="en-US"/>
-            </a:p>
-          </p:txBody>
-        </p:sp>
-        <p:sp>
-          <p:nvSpPr>
-            <p:cNvPr id="31" name="Isosceles Triangle 30">
-              <a:extLst>
-                <a:ext uri="{FF2B5EF4-FFF2-40B4-BE49-F238E27FC236}">
-                  <a16:creationId xmlns:a16="http://schemas.microsoft.com/office/drawing/2014/main" id="{0B0DA1F1-C391-4EDF-9FE0-23E86E137765}"/>
-                </a:ext>
-                <a:ext uri="{C183D7F6-B498-43B3-948B-1728B52AA6E4}">
-                  <adec:decorative xmlns:adec="http://schemas.microsoft.com/office/drawing/2017/decorative" val="1"/>
-                </a:ext>
-              </a:extLst>
-            </p:cNvPr>
-            <p:cNvSpPr/>
-            <p:nvPr>
-              <p:extLst>
-                <p:ext uri="{386F3935-93C4-4BCD-93E2-E3B085C9AB24}">
-                  <p16:designElem xmlns:p16="http://schemas.microsoft.com/office/powerpoint/2015/main" val="1"/>
-                </p:ext>
-              </p:extLst>
-            </p:nvPr>
-          </p:nvSpPr>
-          <p:spPr>
-            <a:xfrm rot="16200000">
-              <a:off x="10289068" y="1343027"/>
-              <a:ext cx="2532832" cy="1273032"/>
-            </a:xfrm>
-            <a:prstGeom prst="triangle">
-              <a:avLst>
-                <a:gd name="adj" fmla="val 50000"/>
-              </a:avLst>
-            </a:prstGeom>
-            <a:solidFill>
-              <a:schemeClr val="accent4">
-                <a:alpha val="30000"/>
-              </a:schemeClr>
-            </a:solidFill>
-            <a:ln>
-              <a:noFill/>
-            </a:ln>
-          </p:spPr>
-          <p:style>
-            <a:lnRef idx="2">
-              <a:schemeClr val="accent1">
-                <a:shade val="50000"/>
-              </a:schemeClr>
-            </a:lnRef>
-            <a:fillRef idx="1">
-              <a:schemeClr val="accent1"/>
-            </a:fillRef>
-            <a:effectRef idx="0">
-              <a:schemeClr val="accent1"/>
-            </a:effectRef>
-            <a:fontRef idx="minor">
-              <a:schemeClr val="lt1"/>
-            </a:fontRef>
-          </p:style>
-          <p:txBody>
-            <a:bodyPr rtlCol="0" anchor="ctr"/>
-            <a:lstStyle/>
-            <a:p>
-              <a:pPr algn="ctr"/>
-              <a:endParaRPr lang="en-US"/>
-            </a:p>
-          </p:txBody>
-        </p:sp>
-      </p:grpSp>
-      <p:sp>
-        <p:nvSpPr>
-          <p:cNvPr id="3" name="Slide Number Placeholder 2">
-            <a:extLst>
-              <a:ext uri="{FF2B5EF4-FFF2-40B4-BE49-F238E27FC236}">
-                <a16:creationId xmlns:a16="http://schemas.microsoft.com/office/drawing/2014/main" id="{FBDE7135-9153-4AEB-AC1F-4B951B7A76F2}"/>
-              </a:ext>
-            </a:extLst>
-          </p:cNvPr>
-          <p:cNvSpPr>
-            <a:spLocks noGrp="1"/>
-          </p:cNvSpPr>
-          <p:nvPr>
-            <p:ph type="sldNum" sz="quarter" idx="11"/>
-          </p:nvPr>
-        </p:nvSpPr>
-        <p:spPr>
-          <a:xfrm>
-            <a:off x="8805333" y="6356350"/>
-            <a:ext cx="2743200" cy="365125"/>
-          </a:xfrm>
-        </p:spPr>
-        <p:txBody>
-          <a:bodyPr vert="horz" lIns="91440" tIns="45720" rIns="91440" bIns="45720" rtlCol="0" anchor="ctr">
-            <a:normAutofit/>
-          </a:bodyPr>
-          <a:lstStyle/>
-          <a:p>
-            <a:pPr>
-              <a:spcAft>
-                <a:spcPts val="600"/>
-              </a:spcAft>
-            </a:pPr>
-            <a:fld id="{8C2E478F-E849-4A8C-AF1F-CBCC78A7CBFA}" type="slidenum">
-              <a:rPr lang="en-US" smtClean="0"/>
-              <a:pPr>
-                <a:spcAft>
-                  <a:spcPts val="600"/>
-                </a:spcAft>
-              </a:pPr>
-              <a:t>6</a:t>
-            </a:fld>
-            <a:endParaRPr lang="en-US"/>
-          </a:p>
-        </p:txBody>
-      </p:sp>
-    </p:spTree>
-    <p:extLst>
-      <p:ext uri="{BB962C8B-B14F-4D97-AF65-F5344CB8AC3E}">
-        <p14:creationId xmlns:p14="http://schemas.microsoft.com/office/powerpoint/2010/main" val="3997383948"/>
-      </p:ext>
-    </p:extLst>
-  </p:cSld>
-  <p:clrMapOvr>
-    <a:masterClrMapping/>
-  </p:clrMapOvr>
-</p:sld>
-</file>
-
-<file path=ppt/slides/slide7.xml><?xml version="1.0" encoding="utf-8"?>
-<p:sld xmlns:a="http://schemas.openxmlformats.org/drawingml/2006/main" xmlns:r="http://schemas.openxmlformats.org/officeDocument/2006/relationships" xmlns:p="http://schemas.openxmlformats.org/presentationml/2006/main">
-  <p:cSld>
-    <p:bg>
-      <p:bgPr>
-        <a:solidFill>
-          <a:schemeClr val="bg1"/>
-        </a:solidFill>
-        <a:effectLst/>
-      </p:bgPr>
-    </p:bg>
-    <p:spTree>
-      <p:nvGrpSpPr>
-        <p:cNvPr id="1" name=""/>
-        <p:cNvGrpSpPr/>
-        <p:nvPr/>
-      </p:nvGrpSpPr>
-      <p:grpSpPr>
-        <a:xfrm>
-          <a:off x="0" y="0"/>
-          <a:ext cx="0" cy="0"/>
-          <a:chOff x="0" y="0"/>
-          <a:chExt cx="0" cy="0"/>
-        </a:xfrm>
-      </p:grpSpPr>
-      <p:sp>
-        <p:nvSpPr>
-          <p:cNvPr id="23" name="Rectangle 22">
-            <a:extLst>
-              <a:ext uri="{FF2B5EF4-FFF2-40B4-BE49-F238E27FC236}">
-                <a16:creationId xmlns:a16="http://schemas.microsoft.com/office/drawing/2014/main" id="{2B566528-1B12-4246-9431-5C2D7D081168}"/>
-              </a:ext>
-              <a:ext uri="{C183D7F6-B498-43B3-948B-1728B52AA6E4}">
-                <adec:decorative xmlns:adec="http://schemas.microsoft.com/office/drawing/2017/decorative" val="1"/>
-              </a:ext>
-            </a:extLst>
-          </p:cNvPr>
-          <p:cNvSpPr>
-            <a:spLocks noGrp="1" noRot="1" noChangeAspect="1" noMove="1" noResize="1" noEditPoints="1" noAdjustHandles="1" noChangeArrowheads="1" noChangeShapeType="1" noTextEdit="1"/>
-          </p:cNvSpPr>
-          <p:nvPr>
-            <p:extLst>
-              <p:ext uri="{386F3935-93C4-4BCD-93E2-E3B085C9AB24}">
-                <p16:designElem xmlns:p16="http://schemas.microsoft.com/office/powerpoint/2015/main" val="1"/>
-              </p:ext>
-            </p:extLst>
-          </p:nvPr>
-        </p:nvSpPr>
-        <p:spPr>
-          <a:xfrm>
-            <a:off x="0" y="0"/>
-            <a:ext cx="12192000" cy="6858000"/>
-          </a:xfrm>
-          <a:prstGeom prst="rect">
-            <a:avLst/>
-          </a:prstGeom>
-          <a:solidFill>
-            <a:schemeClr val="bg1"/>
-          </a:solidFill>
-          <a:ln>
-            <a:noFill/>
-          </a:ln>
-        </p:spPr>
-        <p:style>
-          <a:lnRef idx="2">
-            <a:schemeClr val="accent1">
-              <a:shade val="50000"/>
-            </a:schemeClr>
-          </a:lnRef>
-          <a:fillRef idx="1">
-            <a:schemeClr val="accent1"/>
-          </a:fillRef>
-          <a:effectRef idx="0">
-            <a:schemeClr val="accent1"/>
-          </a:effectRef>
-          <a:fontRef idx="minor">
-            <a:schemeClr val="lt1"/>
-          </a:fontRef>
-        </p:style>
-        <p:txBody>
-          <a:bodyPr rtlCol="0" anchor="ctr"/>
-          <a:lstStyle/>
-          <a:p>
-            <a:pPr algn="ctr"/>
-            <a:endParaRPr lang="en-US"/>
-          </a:p>
-        </p:txBody>
-      </p:sp>
-      <p:sp>
-        <p:nvSpPr>
-          <p:cNvPr id="2" name="Title 1">
-            <a:extLst>
-              <a:ext uri="{FF2B5EF4-FFF2-40B4-BE49-F238E27FC236}">
-                <a16:creationId xmlns:a16="http://schemas.microsoft.com/office/drawing/2014/main" id="{603DA247-2F35-4FB8-903D-FB32D7B852D9}"/>
-              </a:ext>
-            </a:extLst>
-          </p:cNvPr>
-          <p:cNvSpPr>
-            <a:spLocks noGrp="1"/>
-          </p:cNvSpPr>
-          <p:nvPr>
-            <p:ph type="title"/>
-          </p:nvPr>
-        </p:nvSpPr>
-        <p:spPr>
-          <a:xfrm>
-            <a:off x="643467" y="321734"/>
-            <a:ext cx="10905066" cy="1135737"/>
-          </a:xfrm>
-        </p:spPr>
-        <p:txBody>
-          <a:bodyPr vert="horz" lIns="91440" tIns="45720" rIns="91440" bIns="45720" rtlCol="0" anchor="ctr">
-            <a:normAutofit/>
-          </a:bodyPr>
-          <a:lstStyle/>
-          <a:p>
-            <a:pPr algn="l">
-              <a:lnSpc>
-                <a:spcPct val="90000"/>
-              </a:lnSpc>
-            </a:pPr>
-            <a:r>
-              <a:rPr lang="en-US" sz="1700" b="1"/>
-              <a:t>[3]</a:t>
-            </a:r>
-            <a:r>
-              <a:rPr lang="en-US" sz="1700"/>
-              <a:t>.</a:t>
-            </a:r>
-            <a:r>
-              <a:rPr lang="en-US" sz="1700" kern="1200">
-                <a:latin typeface="+mj-lt"/>
-                <a:ea typeface="+mj-ea"/>
-                <a:cs typeface="+mj-cs"/>
-              </a:rPr>
-              <a:t> </a:t>
-            </a:r>
-            <a:r>
-              <a:rPr lang="en-US" sz="1700" err="1"/>
-              <a:t>Issifu</a:t>
-            </a:r>
-            <a:r>
-              <a:rPr lang="en-US" sz="1700" kern="1200">
-                <a:latin typeface="+mj-lt"/>
-                <a:ea typeface="+mj-ea"/>
-                <a:cs typeface="+mj-cs"/>
-              </a:rPr>
-              <a:t>, </a:t>
-            </a:r>
-            <a:r>
-              <a:rPr lang="en-US" sz="1700"/>
-              <a:t>A</a:t>
-            </a:r>
-            <a:r>
-              <a:rPr lang="en-US" sz="1700" kern="1200">
-                <a:latin typeface="+mj-lt"/>
-                <a:ea typeface="+mj-ea"/>
-                <a:cs typeface="+mj-cs"/>
-              </a:rPr>
-              <a:t>. </a:t>
-            </a:r>
-            <a:r>
-              <a:rPr lang="en-US" sz="1700"/>
-              <a:t>M., &amp; </a:t>
-            </a:r>
-            <a:r>
-              <a:rPr lang="en-US" sz="1700" err="1"/>
-              <a:t>Ganiz</a:t>
-            </a:r>
-            <a:r>
-              <a:rPr lang="en-US" sz="1700" kern="1200">
-                <a:latin typeface="+mj-lt"/>
-                <a:ea typeface="+mj-ea"/>
-                <a:cs typeface="+mj-cs"/>
-              </a:rPr>
-              <a:t>, </a:t>
-            </a:r>
-            <a:r>
-              <a:rPr lang="en-US" sz="1700"/>
-              <a:t>M. </a:t>
-            </a:r>
-            <a:r>
-              <a:rPr lang="en-US" sz="1700" kern="1200">
-                <a:latin typeface="+mj-lt"/>
-                <a:ea typeface="+mj-ea"/>
-                <a:cs typeface="+mj-cs"/>
-              </a:rPr>
-              <a:t>C. </a:t>
-            </a:r>
-            <a:r>
-              <a:rPr lang="en-US" sz="1700"/>
-              <a:t>(2021). </a:t>
-            </a:r>
-            <a:r>
-              <a:rPr lang="en-US" sz="1700" kern="1200">
-                <a:latin typeface="+mj-lt"/>
-                <a:ea typeface="+mj-ea"/>
-                <a:cs typeface="+mj-cs"/>
-              </a:rPr>
-              <a:t>A </a:t>
-            </a:r>
-            <a:r>
-              <a:rPr lang="en-US" sz="1700"/>
-              <a:t>simple data augmentation method to improve the performance </a:t>
-            </a:r>
-            <a:r>
-              <a:rPr lang="en-US" sz="1700" kern="1200">
-                <a:latin typeface="+mj-lt"/>
-                <a:ea typeface="+mj-ea"/>
-                <a:cs typeface="+mj-cs"/>
-              </a:rPr>
-              <a:t>of </a:t>
-            </a:r>
-            <a:r>
-              <a:rPr lang="en-US" sz="1700"/>
-              <a:t>named entity recognition models in   medical domain. 2021 6th </a:t>
-            </a:r>
-            <a:r>
-              <a:rPr lang="en-US" sz="1700" kern="1200">
-                <a:latin typeface="+mj-lt"/>
-                <a:ea typeface="+mj-ea"/>
-                <a:cs typeface="+mj-cs"/>
-              </a:rPr>
-              <a:t>International Conference on Computer </a:t>
-            </a:r>
-            <a:r>
-              <a:rPr lang="en-US" sz="1700"/>
-              <a:t>Science </a:t>
-            </a:r>
-            <a:r>
-              <a:rPr lang="en-US" sz="1700" kern="1200">
-                <a:latin typeface="+mj-lt"/>
-                <a:ea typeface="+mj-ea"/>
-                <a:cs typeface="+mj-cs"/>
-              </a:rPr>
-              <a:t>and </a:t>
-            </a:r>
-            <a:r>
-              <a:rPr lang="en-US" sz="1700"/>
-              <a:t>Engineering </a:t>
-            </a:r>
-            <a:r>
-              <a:rPr lang="en-US" sz="1700" kern="1200">
-                <a:latin typeface="+mj-lt"/>
-                <a:ea typeface="+mj-ea"/>
-                <a:cs typeface="+mj-cs"/>
-              </a:rPr>
-              <a:t>(</a:t>
-            </a:r>
-            <a:r>
-              <a:rPr lang="en-US" sz="1700"/>
-              <a:t>UBMK). https://</a:t>
-            </a:r>
-            <a:r>
-              <a:rPr lang="en-US" sz="1700" kern="1200">
-                <a:latin typeface="+mj-lt"/>
-                <a:ea typeface="+mj-ea"/>
-                <a:cs typeface="+mj-cs"/>
-              </a:rPr>
-              <a:t>doi</a:t>
-            </a:r>
-            <a:r>
-              <a:rPr lang="en-US" sz="1700"/>
-              <a:t>.org/</a:t>
-            </a:r>
-            <a:r>
-              <a:rPr lang="en-US" sz="1700" kern="1200">
-                <a:latin typeface="+mj-lt"/>
-                <a:ea typeface="+mj-ea"/>
-                <a:cs typeface="+mj-cs"/>
-              </a:rPr>
-              <a:t>10.1109/</a:t>
-            </a:r>
-            <a:r>
-              <a:rPr lang="en-US" sz="1700"/>
-              <a:t>ubmk52708.2021.9558986</a:t>
-            </a:r>
-            <a:endParaRPr lang="en-US"/>
-          </a:p>
-          <a:p>
-            <a:pPr algn="l">
-              <a:lnSpc>
-                <a:spcPct val="90000"/>
-              </a:lnSpc>
-            </a:pPr>
-            <a:endParaRPr lang="en-US" sz="1700" kern="1200">
-              <a:latin typeface="+mj-lt"/>
-              <a:cs typeface="Calibri Light"/>
-            </a:endParaRPr>
-          </a:p>
-        </p:txBody>
-      </p:sp>
-      <p:sp>
-        <p:nvSpPr>
-          <p:cNvPr id="4" name="TextBox 3">
-            <a:extLst>
-              <a:ext uri="{FF2B5EF4-FFF2-40B4-BE49-F238E27FC236}">
-                <a16:creationId xmlns:a16="http://schemas.microsoft.com/office/drawing/2014/main" id="{73C65A46-997E-0FA7-1898-24504BBFDA55}"/>
-              </a:ext>
-            </a:extLst>
-          </p:cNvPr>
-          <p:cNvSpPr txBox="1"/>
-          <p:nvPr/>
-        </p:nvSpPr>
-        <p:spPr>
-          <a:xfrm>
-            <a:off x="643469" y="1782981"/>
-            <a:ext cx="5018092" cy="4393982"/>
-          </a:xfrm>
-          <a:prstGeom prst="rect">
-            <a:avLst/>
-          </a:prstGeom>
-        </p:spPr>
-        <p:txBody>
-          <a:bodyPr rot="0" spcFirstLastPara="0" vertOverflow="overflow" horzOverflow="overflow" vert="horz" lIns="91440" tIns="45720" rIns="91440" bIns="45720" numCol="1" spcCol="0" rtlCol="0" fromWordArt="0" anchor="t" anchorCtr="0" forceAA="0" compatLnSpc="1">
-            <a:prstTxWarp prst="textNoShape">
-              <a:avLst/>
-            </a:prstTxWarp>
-            <a:normAutofit/>
-          </a:bodyPr>
-          <a:lstStyle/>
-          <a:p>
-            <a:pPr>
-              <a:lnSpc>
-                <a:spcPct val="90000"/>
-              </a:lnSpc>
-              <a:spcAft>
-                <a:spcPts val="600"/>
-              </a:spcAft>
-            </a:pPr>
-            <a:r>
-              <a:rPr lang="en-US" sz="1400" b="1" dirty="0">
-                <a:ea typeface="+mn-lt"/>
-                <a:cs typeface="+mn-lt"/>
-              </a:rPr>
-              <a:t>The Problem</a:t>
-            </a:r>
-            <a:endParaRPr lang="en-US" sz="1400" dirty="0">
-              <a:cs typeface="Calibri" panose="020F0502020204030204"/>
-            </a:endParaRPr>
-          </a:p>
-          <a:p>
-            <a:pPr indent="-228600">
-              <a:lnSpc>
-                <a:spcPct val="90000"/>
-              </a:lnSpc>
-              <a:spcAft>
-                <a:spcPts val="600"/>
-              </a:spcAft>
-              <a:buFont typeface="Arial" panose="020B0604020202020204" pitchFamily="34" charset="0"/>
-              <a:buChar char="•"/>
-            </a:pPr>
-            <a:r>
-              <a:rPr lang="en-US" sz="1400" dirty="0" err="1"/>
-              <a:t>Issifu</a:t>
-            </a:r>
-            <a:r>
-              <a:rPr lang="en-US" sz="1400" dirty="0"/>
-              <a:t> &amp; </a:t>
-            </a:r>
-            <a:r>
-              <a:rPr lang="en-US" sz="1400" dirty="0" err="1"/>
-              <a:t>Ganiz</a:t>
-            </a:r>
-            <a:r>
-              <a:rPr lang="en-US" sz="1400" dirty="0"/>
-              <a:t> (2021) performed augmentation on medical domain data to improve Named Entity Recognition models.</a:t>
-            </a:r>
-            <a:endParaRPr lang="en-US" sz="1400">
-              <a:cs typeface="Calibri"/>
-            </a:endParaRPr>
-          </a:p>
-          <a:p>
-            <a:pPr indent="-228600">
-              <a:lnSpc>
-                <a:spcPct val="90000"/>
-              </a:lnSpc>
-              <a:spcAft>
-                <a:spcPts val="600"/>
-              </a:spcAft>
-              <a:buFont typeface="Arial" panose="020B0604020202020204" pitchFamily="34" charset="0"/>
-              <a:buChar char="•"/>
-            </a:pPr>
-            <a:endParaRPr lang="en-US" sz="1400"/>
-          </a:p>
-          <a:p>
-            <a:pPr>
-              <a:lnSpc>
-                <a:spcPct val="90000"/>
-              </a:lnSpc>
-              <a:spcAft>
-                <a:spcPts val="600"/>
-              </a:spcAft>
-            </a:pPr>
-            <a:r>
-              <a:rPr lang="en-US" sz="1400" b="1" dirty="0">
-                <a:cs typeface="Calibri"/>
-              </a:rPr>
-              <a:t>Approach</a:t>
-            </a:r>
-          </a:p>
-          <a:p>
-            <a:pPr>
-              <a:lnSpc>
-                <a:spcPct val="90000"/>
-              </a:lnSpc>
-              <a:spcAft>
-                <a:spcPts val="600"/>
-              </a:spcAft>
-            </a:pPr>
-            <a:r>
-              <a:rPr lang="en-US" sz="1400" dirty="0"/>
-              <a:t>They employed 4 basic methods:</a:t>
-            </a:r>
-            <a:endParaRPr lang="en-US" sz="1400" dirty="0">
-              <a:cs typeface="Calibri"/>
-            </a:endParaRPr>
-          </a:p>
-          <a:p>
-            <a:pPr lvl="1" indent="-228600">
-              <a:lnSpc>
-                <a:spcPct val="90000"/>
-              </a:lnSpc>
-              <a:spcAft>
-                <a:spcPts val="600"/>
-              </a:spcAft>
-              <a:buFont typeface="Arial" panose="020B0604020202020204" pitchFamily="34" charset="0"/>
-              <a:buChar char="•"/>
-            </a:pPr>
-            <a:r>
-              <a:rPr lang="en-US" sz="1400" dirty="0">
-                <a:cs typeface="Calibri"/>
-              </a:rPr>
-              <a:t>Synonym Replacement</a:t>
-            </a:r>
-          </a:p>
-          <a:p>
-            <a:pPr lvl="1" indent="-228600">
-              <a:lnSpc>
-                <a:spcPct val="90000"/>
-              </a:lnSpc>
-              <a:spcAft>
-                <a:spcPts val="600"/>
-              </a:spcAft>
-              <a:buFont typeface="Arial" panose="020B0604020202020204" pitchFamily="34" charset="0"/>
-              <a:buChar char="•"/>
-            </a:pPr>
-            <a:r>
-              <a:rPr lang="en-US" sz="1400" dirty="0"/>
-              <a:t>Random Insertion</a:t>
-            </a:r>
-            <a:endParaRPr lang="en-US" sz="1400" dirty="0">
-              <a:cs typeface="Calibri" panose="020F0502020204030204"/>
-            </a:endParaRPr>
-          </a:p>
-          <a:p>
-            <a:pPr lvl="1" indent="-228600">
-              <a:lnSpc>
-                <a:spcPct val="90000"/>
-              </a:lnSpc>
-              <a:spcAft>
-                <a:spcPts val="600"/>
-              </a:spcAft>
-              <a:buFont typeface="Arial" panose="020B0604020202020204" pitchFamily="34" charset="0"/>
-              <a:buChar char="•"/>
-            </a:pPr>
-            <a:r>
-              <a:rPr lang="en-US" sz="1400" dirty="0">
-                <a:cs typeface="Calibri" panose="020F0502020204030204"/>
-              </a:rPr>
-              <a:t>Random Deletion</a:t>
-            </a:r>
-          </a:p>
-          <a:p>
-            <a:pPr lvl="1" indent="-228600">
-              <a:lnSpc>
-                <a:spcPct val="90000"/>
-              </a:lnSpc>
-              <a:spcAft>
-                <a:spcPts val="600"/>
-              </a:spcAft>
-              <a:buFont typeface="Arial" panose="020B0604020202020204" pitchFamily="34" charset="0"/>
-              <a:buChar char="•"/>
-            </a:pPr>
-            <a:r>
-              <a:rPr lang="en-US" sz="1400" dirty="0"/>
-              <a:t>Random Swap</a:t>
-            </a:r>
-            <a:endParaRPr lang="en-US" sz="1400" dirty="0">
-              <a:cs typeface="Calibri" panose="020F0502020204030204"/>
-            </a:endParaRPr>
-          </a:p>
-          <a:p>
-            <a:pPr lvl="1" indent="-228600">
-              <a:lnSpc>
-                <a:spcPct val="90000"/>
-              </a:lnSpc>
-              <a:spcAft>
-                <a:spcPts val="600"/>
-              </a:spcAft>
-              <a:buFont typeface="Arial" panose="020B0604020202020204" pitchFamily="34" charset="0"/>
-              <a:buChar char="•"/>
-            </a:pPr>
-            <a:endParaRPr lang="en-US" sz="1400">
-              <a:cs typeface="Calibri" panose="020F0502020204030204"/>
-            </a:endParaRPr>
-          </a:p>
-          <a:p>
-            <a:pPr>
-              <a:lnSpc>
-                <a:spcPct val="90000"/>
-              </a:lnSpc>
-              <a:spcAft>
-                <a:spcPts val="600"/>
-              </a:spcAft>
-            </a:pPr>
-            <a:r>
-              <a:rPr lang="en-US" sz="1400" b="1" dirty="0">
-                <a:cs typeface="Calibri" panose="020F0502020204030204"/>
-              </a:rPr>
-              <a:t>Outcome</a:t>
-            </a:r>
-          </a:p>
-          <a:p>
-            <a:pPr indent="-228600">
-              <a:lnSpc>
-                <a:spcPct val="90000"/>
-              </a:lnSpc>
-              <a:spcAft>
-                <a:spcPts val="600"/>
-              </a:spcAft>
-              <a:buFont typeface="Arial" panose="020B0604020202020204" pitchFamily="34" charset="0"/>
-              <a:buChar char="•"/>
-            </a:pPr>
-            <a:r>
-              <a:rPr lang="en-US" sz="1400" dirty="0">
-                <a:cs typeface="Calibri" panose="020F0502020204030204"/>
-              </a:rPr>
-              <a:t>They found that, while it was taxing, NLP </a:t>
-            </a:r>
-            <a:r>
-              <a:rPr lang="en-US" sz="1400" dirty="0" err="1">
-                <a:cs typeface="Calibri"/>
-              </a:rPr>
-              <a:t>albumentation</a:t>
-            </a:r>
-            <a:r>
-              <a:rPr lang="en-US" sz="1400" dirty="0">
-                <a:cs typeface="Calibri"/>
-              </a:rPr>
-              <a:t> for NER significantly improved model performance</a:t>
-            </a:r>
-            <a:r>
-              <a:rPr lang="en-US" sz="1400" dirty="0"/>
-              <a:t>.</a:t>
-            </a:r>
-            <a:endParaRPr lang="en-US" sz="1400" dirty="0">
-              <a:cs typeface="Calibri"/>
-            </a:endParaRPr>
-          </a:p>
-          <a:p>
-            <a:pPr indent="-228600">
-              <a:lnSpc>
-                <a:spcPct val="90000"/>
-              </a:lnSpc>
-              <a:spcAft>
-                <a:spcPts val="600"/>
-              </a:spcAft>
-              <a:buFont typeface="Arial" panose="020B0604020202020204" pitchFamily="34" charset="0"/>
-              <a:buChar char="•"/>
-            </a:pPr>
-            <a:endParaRPr lang="en-US" sz="1400" b="1">
-              <a:cs typeface="Calibri"/>
-            </a:endParaRPr>
-          </a:p>
-        </p:txBody>
-      </p:sp>
-      <p:grpSp>
-        <p:nvGrpSpPr>
-          <p:cNvPr id="25" name="Group 24">
-            <a:extLst>
-              <a:ext uri="{FF2B5EF4-FFF2-40B4-BE49-F238E27FC236}">
-                <a16:creationId xmlns:a16="http://schemas.microsoft.com/office/drawing/2014/main" id="{828A5161-06F1-46CF-8AD7-844680A59E13}"/>
-              </a:ext>
-              <a:ext uri="{C183D7F6-B498-43B3-948B-1728B52AA6E4}">
-                <adec:decorative xmlns:adec="http://schemas.microsoft.com/office/drawing/2017/decorative" val="1"/>
-              </a:ext>
-            </a:extLst>
-          </p:cNvPr>
-          <p:cNvGrpSpPr>
-            <a:grpSpLocks noGrp="1" noUngrp="1" noRot="1" noChangeAspect="1" noMove="1" noResize="1"/>
-          </p:cNvGrpSpPr>
-          <p:nvPr>
-            <p:extLst>
-              <p:ext uri="{386F3935-93C4-4BCD-93E2-E3B085C9AB24}">
-                <p16:designElem xmlns:p16="http://schemas.microsoft.com/office/powerpoint/2015/main" val="1"/>
-              </p:ext>
-            </p:extLst>
-          </p:nvPr>
-        </p:nvGrpSpPr>
-        <p:grpSpPr>
-          <a:xfrm>
-            <a:off x="0" y="4601497"/>
-            <a:ext cx="1014060" cy="2017580"/>
-            <a:chOff x="0" y="4601497"/>
-            <a:chExt cx="1014060" cy="2017580"/>
-          </a:xfrm>
-        </p:grpSpPr>
-        <p:sp>
-          <p:nvSpPr>
-            <p:cNvPr id="26" name="Isosceles Triangle 25">
-              <a:extLst>
-                <a:ext uri="{FF2B5EF4-FFF2-40B4-BE49-F238E27FC236}">
-                  <a16:creationId xmlns:a16="http://schemas.microsoft.com/office/drawing/2014/main" id="{D3F51FEB-38FB-4F6C-9F7B-2F2AFAB65463}"/>
-                </a:ext>
-                <a:ext uri="{C183D7F6-B498-43B3-948B-1728B52AA6E4}">
-                  <adec:decorative xmlns:adec="http://schemas.microsoft.com/office/drawing/2017/decorative" val="1"/>
-                </a:ext>
-              </a:extLst>
-            </p:cNvPr>
-            <p:cNvSpPr/>
-            <p:nvPr>
-              <p:extLst>
-                <p:ext uri="{386F3935-93C4-4BCD-93E2-E3B085C9AB24}">
-                  <p16:designElem xmlns:p16="http://schemas.microsoft.com/office/powerpoint/2015/main" val="1"/>
-                </p:ext>
-              </p:extLst>
-            </p:nvPr>
-          </p:nvSpPr>
-          <p:spPr>
-            <a:xfrm rot="5400000">
-              <a:off x="-501760" y="5103257"/>
-              <a:ext cx="2017580" cy="1014060"/>
-            </a:xfrm>
-            <a:prstGeom prst="triangle">
-              <a:avLst>
-                <a:gd name="adj" fmla="val 50000"/>
-              </a:avLst>
-            </a:prstGeom>
-            <a:solidFill>
-              <a:schemeClr val="accent1">
-                <a:alpha val="30000"/>
-              </a:schemeClr>
-            </a:solidFill>
-            <a:ln>
-              <a:noFill/>
-            </a:ln>
-          </p:spPr>
-          <p:style>
-            <a:lnRef idx="2">
-              <a:schemeClr val="accent1">
-                <a:shade val="50000"/>
-              </a:schemeClr>
-            </a:lnRef>
-            <a:fillRef idx="1">
-              <a:schemeClr val="accent1"/>
-            </a:fillRef>
-            <a:effectRef idx="0">
-              <a:schemeClr val="accent1"/>
-            </a:effectRef>
-            <a:fontRef idx="minor">
-              <a:schemeClr val="lt1"/>
-            </a:fontRef>
-          </p:style>
-          <p:txBody>
-            <a:bodyPr rtlCol="0" anchor="ctr"/>
-            <a:lstStyle/>
-            <a:p>
-              <a:pPr algn="ctr"/>
-              <a:endParaRPr lang="en-US"/>
-            </a:p>
-          </p:txBody>
-        </p:sp>
-        <p:sp>
-          <p:nvSpPr>
-            <p:cNvPr id="27" name="Rectangle 26">
-              <a:extLst>
-                <a:ext uri="{FF2B5EF4-FFF2-40B4-BE49-F238E27FC236}">
-                  <a16:creationId xmlns:a16="http://schemas.microsoft.com/office/drawing/2014/main" id="{1E547BA6-BAE0-43BB-A7CA-60F69CE252F0}"/>
-                </a:ext>
-                <a:ext uri="{C183D7F6-B498-43B3-948B-1728B52AA6E4}">
-                  <adec:decorative xmlns:adec="http://schemas.microsoft.com/office/drawing/2017/decorative" val="1"/>
-                </a:ext>
-              </a:extLst>
-            </p:cNvPr>
-            <p:cNvSpPr/>
-            <p:nvPr>
-              <p:extLst>
-                <p:ext uri="{386F3935-93C4-4BCD-93E2-E3B085C9AB24}">
-                  <p16:designElem xmlns:p16="http://schemas.microsoft.com/office/powerpoint/2015/main" val="1"/>
-                </p:ext>
-              </p:extLst>
-            </p:nvPr>
-          </p:nvSpPr>
-          <p:spPr>
-            <a:xfrm rot="2700000">
-              <a:off x="427916" y="5728708"/>
-              <a:ext cx="485578" cy="485578"/>
-            </a:xfrm>
-            <a:prstGeom prst="rect">
-              <a:avLst/>
-            </a:prstGeom>
-            <a:solidFill>
-              <a:schemeClr val="accent1">
-                <a:alpha val="30000"/>
-              </a:schemeClr>
-            </a:solidFill>
-            <a:ln>
-              <a:noFill/>
-            </a:ln>
-          </p:spPr>
-          <p:style>
-            <a:lnRef idx="2">
-              <a:schemeClr val="accent1">
-                <a:shade val="50000"/>
-              </a:schemeClr>
-            </a:lnRef>
-            <a:fillRef idx="1">
-              <a:schemeClr val="accent1"/>
-            </a:fillRef>
-            <a:effectRef idx="0">
-              <a:schemeClr val="accent1"/>
-            </a:effectRef>
-            <a:fontRef idx="minor">
-              <a:schemeClr val="lt1"/>
-            </a:fontRef>
-          </p:style>
-          <p:txBody>
-            <a:bodyPr rtlCol="0" anchor="ctr"/>
-            <a:lstStyle/>
-            <a:p>
-              <a:pPr algn="ctr"/>
-              <a:endParaRPr lang="en-US"/>
-            </a:p>
-          </p:txBody>
-        </p:sp>
-      </p:grpSp>
-      <p:grpSp>
-        <p:nvGrpSpPr>
-          <p:cNvPr id="29" name="Group 28">
-            <a:extLst>
-              <a:ext uri="{FF2B5EF4-FFF2-40B4-BE49-F238E27FC236}">
-                <a16:creationId xmlns:a16="http://schemas.microsoft.com/office/drawing/2014/main" id="{5995D10D-E9C9-47DB-AE7E-801FEF38F5C9}"/>
-              </a:ext>
-              <a:ext uri="{C183D7F6-B498-43B3-948B-1728B52AA6E4}">
-                <adec:decorative xmlns:adec="http://schemas.microsoft.com/office/drawing/2017/decorative" val="1"/>
-              </a:ext>
-            </a:extLst>
-          </p:cNvPr>
-          <p:cNvGrpSpPr>
-            <a:grpSpLocks noGrp="1" noUngrp="1" noRot="1" noChangeAspect="1" noMove="1" noResize="1"/>
-          </p:cNvGrpSpPr>
-          <p:nvPr>
-            <p:extLst>
-              <p:ext uri="{386F3935-93C4-4BCD-93E2-E3B085C9AB24}">
-                <p16:designElem xmlns:p16="http://schemas.microsoft.com/office/powerpoint/2015/main" val="1"/>
-              </p:ext>
-            </p:extLst>
-          </p:nvPr>
-        </p:nvGrpSpPr>
-        <p:grpSpPr>
-          <a:xfrm>
-            <a:off x="11219290" y="1"/>
-            <a:ext cx="972709" cy="1935307"/>
-            <a:chOff x="10918968" y="713127"/>
-            <a:chExt cx="1273032" cy="2532832"/>
-          </a:xfrm>
-        </p:grpSpPr>
-        <p:sp>
-          <p:nvSpPr>
-            <p:cNvPr id="30" name="Rectangle 29">
-              <a:extLst>
-                <a:ext uri="{FF2B5EF4-FFF2-40B4-BE49-F238E27FC236}">
-                  <a16:creationId xmlns:a16="http://schemas.microsoft.com/office/drawing/2014/main" id="{CC1A72C6-3DE4-4EC3-9AD5-9E0D40D8CE8A}"/>
-                </a:ext>
-                <a:ext uri="{C183D7F6-B498-43B3-948B-1728B52AA6E4}">
-                  <adec:decorative xmlns:adec="http://schemas.microsoft.com/office/drawing/2017/decorative" val="1"/>
-                </a:ext>
-              </a:extLst>
-            </p:cNvPr>
-            <p:cNvSpPr/>
-            <p:nvPr>
-              <p:extLst>
-                <p:ext uri="{386F3935-93C4-4BCD-93E2-E3B085C9AB24}">
-                  <p16:designElem xmlns:p16="http://schemas.microsoft.com/office/powerpoint/2015/main" val="1"/>
-                </p:ext>
-              </p:extLst>
-            </p:nvPr>
-          </p:nvSpPr>
-          <p:spPr>
-            <a:xfrm rot="2700000">
-              <a:off x="11052629" y="2120024"/>
-              <a:ext cx="645368" cy="645368"/>
-            </a:xfrm>
-            <a:prstGeom prst="rect">
-              <a:avLst/>
-            </a:prstGeom>
-            <a:solidFill>
-              <a:schemeClr val="accent4">
-                <a:alpha val="30000"/>
-              </a:schemeClr>
-            </a:solidFill>
-            <a:ln>
-              <a:noFill/>
-            </a:ln>
-          </p:spPr>
-          <p:style>
-            <a:lnRef idx="2">
-              <a:schemeClr val="accent1">
-                <a:shade val="50000"/>
-              </a:schemeClr>
-            </a:lnRef>
-            <a:fillRef idx="1">
-              <a:schemeClr val="accent1"/>
-            </a:fillRef>
-            <a:effectRef idx="0">
-              <a:schemeClr val="accent1"/>
-            </a:effectRef>
-            <a:fontRef idx="minor">
-              <a:schemeClr val="lt1"/>
-            </a:fontRef>
-          </p:style>
-          <p:txBody>
-            <a:bodyPr rtlCol="0" anchor="ctr"/>
-            <a:lstStyle/>
-            <a:p>
-              <a:pPr algn="ctr"/>
-              <a:endParaRPr lang="en-US"/>
-            </a:p>
-          </p:txBody>
-        </p:sp>
-        <p:sp>
-          <p:nvSpPr>
-            <p:cNvPr id="31" name="Isosceles Triangle 30">
-              <a:extLst>
-                <a:ext uri="{FF2B5EF4-FFF2-40B4-BE49-F238E27FC236}">
-                  <a16:creationId xmlns:a16="http://schemas.microsoft.com/office/drawing/2014/main" id="{0B0DA1F1-C391-4EDF-9FE0-23E86E137765}"/>
-                </a:ext>
-                <a:ext uri="{C183D7F6-B498-43B3-948B-1728B52AA6E4}">
-                  <adec:decorative xmlns:adec="http://schemas.microsoft.com/office/drawing/2017/decorative" val="1"/>
-                </a:ext>
-              </a:extLst>
-            </p:cNvPr>
-            <p:cNvSpPr/>
-            <p:nvPr>
-              <p:extLst>
-                <p:ext uri="{386F3935-93C4-4BCD-93E2-E3B085C9AB24}">
-                  <p16:designElem xmlns:p16="http://schemas.microsoft.com/office/powerpoint/2015/main" val="1"/>
-                </p:ext>
-              </p:extLst>
-            </p:nvPr>
-          </p:nvSpPr>
-          <p:spPr>
-            <a:xfrm rot="16200000">
-              <a:off x="10289068" y="1343027"/>
-              <a:ext cx="2532832" cy="1273032"/>
-            </a:xfrm>
-            <a:prstGeom prst="triangle">
-              <a:avLst>
-                <a:gd name="adj" fmla="val 50000"/>
-              </a:avLst>
-            </a:prstGeom>
-            <a:solidFill>
-              <a:schemeClr val="accent4">
-                <a:alpha val="30000"/>
-              </a:schemeClr>
-            </a:solidFill>
-            <a:ln>
-              <a:noFill/>
-            </a:ln>
-          </p:spPr>
-          <p:style>
-            <a:lnRef idx="2">
-              <a:schemeClr val="accent1">
-                <a:shade val="50000"/>
-              </a:schemeClr>
-            </a:lnRef>
-            <a:fillRef idx="1">
-              <a:schemeClr val="accent1"/>
-            </a:fillRef>
-            <a:effectRef idx="0">
-              <a:schemeClr val="accent1"/>
-            </a:effectRef>
-            <a:fontRef idx="minor">
-              <a:schemeClr val="lt1"/>
-            </a:fontRef>
-          </p:style>
-          <p:txBody>
-            <a:bodyPr rtlCol="0" anchor="ctr"/>
-            <a:lstStyle/>
-            <a:p>
-              <a:pPr algn="ctr"/>
-              <a:endParaRPr lang="en-US"/>
-            </a:p>
-          </p:txBody>
-        </p:sp>
-      </p:grpSp>
-      <p:sp>
-        <p:nvSpPr>
-          <p:cNvPr id="3" name="Slide Number Placeholder 2">
-            <a:extLst>
-              <a:ext uri="{FF2B5EF4-FFF2-40B4-BE49-F238E27FC236}">
-                <a16:creationId xmlns:a16="http://schemas.microsoft.com/office/drawing/2014/main" id="{FBDE7135-9153-4AEB-AC1F-4B951B7A76F2}"/>
-              </a:ext>
-            </a:extLst>
-          </p:cNvPr>
-          <p:cNvSpPr>
-            <a:spLocks noGrp="1"/>
-          </p:cNvSpPr>
-          <p:nvPr>
-            <p:ph type="sldNum" sz="quarter" idx="11"/>
-          </p:nvPr>
-        </p:nvSpPr>
-        <p:spPr>
-          <a:xfrm>
-            <a:off x="8805333" y="6356350"/>
-            <a:ext cx="2743200" cy="365125"/>
-          </a:xfrm>
-        </p:spPr>
-        <p:txBody>
-          <a:bodyPr vert="horz" lIns="91440" tIns="45720" rIns="91440" bIns="45720" rtlCol="0" anchor="ctr">
-            <a:normAutofit/>
-          </a:bodyPr>
-          <a:lstStyle/>
-          <a:p>
-            <a:pPr>
-              <a:spcAft>
-                <a:spcPts val="600"/>
-              </a:spcAft>
-            </a:pPr>
-            <a:fld id="{8C2E478F-E849-4A8C-AF1F-CBCC78A7CBFA}" type="slidenum">
-              <a:rPr lang="en-US" smtClean="0"/>
-              <a:pPr>
-                <a:spcAft>
-                  <a:spcPts val="600"/>
-                </a:spcAft>
-              </a:pPr>
-              <a:t>7</a:t>
-            </a:fld>
-            <a:endParaRPr lang="en-US"/>
-          </a:p>
-        </p:txBody>
-      </p:sp>
-      <p:pic>
-        <p:nvPicPr>
-          <p:cNvPr id="5" name="Picture 5" descr="Diagram&#10;&#10;Description automatically generated">
-            <a:extLst>
-              <a:ext uri="{FF2B5EF4-FFF2-40B4-BE49-F238E27FC236}">
-                <a16:creationId xmlns:a16="http://schemas.microsoft.com/office/drawing/2014/main" id="{6D0306B8-6BF7-FC1F-B9F6-D9D3C7E020BC}"/>
-              </a:ext>
-            </a:extLst>
-          </p:cNvPr>
-          <p:cNvPicPr>
-            <a:picLocks noChangeAspect="1"/>
-          </p:cNvPicPr>
-          <p:nvPr/>
-        </p:nvPicPr>
-        <p:blipFill>
-          <a:blip r:embed="rId2"/>
-          <a:stretch>
-            <a:fillRect/>
-          </a:stretch>
-        </p:blipFill>
-        <p:spPr>
-          <a:xfrm>
-            <a:off x="5347011" y="2466708"/>
-            <a:ext cx="6729759" cy="2584363"/>
-          </a:xfrm>
-          <a:prstGeom prst="rect">
-            <a:avLst/>
-          </a:prstGeom>
-        </p:spPr>
-      </p:pic>
-    </p:spTree>
-    <p:extLst>
-      <p:ext uri="{BB962C8B-B14F-4D97-AF65-F5344CB8AC3E}">
-        <p14:creationId xmlns:p14="http://schemas.microsoft.com/office/powerpoint/2010/main" val="2017641758"/>
-      </p:ext>
-    </p:extLst>
-  </p:cSld>
-  <p:clrMapOvr>
-    <a:masterClrMapping/>
-  </p:clrMapOvr>
-</p:sld>
-</file>
-
-<file path=ppt/slides/slide8.xml><?xml version="1.0" encoding="utf-8"?>
-<p:sld xmlns:a="http://schemas.openxmlformats.org/drawingml/2006/main" xmlns:r="http://schemas.openxmlformats.org/officeDocument/2006/relationships" xmlns:p="http://schemas.openxmlformats.org/presentationml/2006/main">
-  <p:cSld>
-    <p:bg>
-      <p:bgPr>
-        <a:solidFill>
-          <a:schemeClr val="bg1"/>
-        </a:solidFill>
-        <a:effectLst/>
-      </p:bgPr>
-    </p:bg>
-    <p:spTree>
-      <p:nvGrpSpPr>
-        <p:cNvPr id="1" name=""/>
-        <p:cNvGrpSpPr/>
-        <p:nvPr/>
-      </p:nvGrpSpPr>
-      <p:grpSpPr>
-        <a:xfrm>
-          <a:off x="0" y="0"/>
-          <a:ext cx="0" cy="0"/>
-          <a:chOff x="0" y="0"/>
-          <a:chExt cx="0" cy="0"/>
-        </a:xfrm>
-      </p:grpSpPr>
-      <p:sp>
-        <p:nvSpPr>
-          <p:cNvPr id="23" name="Rectangle 22">
-            <a:extLst>
-              <a:ext uri="{FF2B5EF4-FFF2-40B4-BE49-F238E27FC236}">
-                <a16:creationId xmlns:a16="http://schemas.microsoft.com/office/drawing/2014/main" id="{2B566528-1B12-4246-9431-5C2D7D081168}"/>
-              </a:ext>
-              <a:ext uri="{C183D7F6-B498-43B3-948B-1728B52AA6E4}">
-                <adec:decorative xmlns:adec="http://schemas.microsoft.com/office/drawing/2017/decorative" val="1"/>
-              </a:ext>
-            </a:extLst>
-          </p:cNvPr>
-          <p:cNvSpPr>
-            <a:spLocks noGrp="1" noRot="1" noChangeAspect="1" noMove="1" noResize="1" noEditPoints="1" noAdjustHandles="1" noChangeArrowheads="1" noChangeShapeType="1" noTextEdit="1"/>
-          </p:cNvSpPr>
-          <p:nvPr>
-            <p:extLst>
-              <p:ext uri="{386F3935-93C4-4BCD-93E2-E3B085C9AB24}">
-                <p16:designElem xmlns:p16="http://schemas.microsoft.com/office/powerpoint/2015/main" val="1"/>
-              </p:ext>
-            </p:extLst>
-          </p:nvPr>
-        </p:nvSpPr>
-        <p:spPr>
-          <a:xfrm>
-            <a:off x="0" y="0"/>
-            <a:ext cx="12192000" cy="6858000"/>
-          </a:xfrm>
-          <a:prstGeom prst="rect">
-            <a:avLst/>
-          </a:prstGeom>
-          <a:solidFill>
-            <a:schemeClr val="bg1"/>
-          </a:solidFill>
-          <a:ln>
-            <a:noFill/>
-          </a:ln>
-        </p:spPr>
-        <p:style>
-          <a:lnRef idx="2">
-            <a:schemeClr val="accent1">
-              <a:shade val="50000"/>
-            </a:schemeClr>
-          </a:lnRef>
-          <a:fillRef idx="1">
-            <a:schemeClr val="accent1"/>
-          </a:fillRef>
-          <a:effectRef idx="0">
-            <a:schemeClr val="accent1"/>
-          </a:effectRef>
-          <a:fontRef idx="minor">
-            <a:schemeClr val="lt1"/>
-          </a:fontRef>
-        </p:style>
-        <p:txBody>
-          <a:bodyPr rtlCol="0" anchor="ctr"/>
-          <a:lstStyle/>
-          <a:p>
-            <a:pPr algn="ctr"/>
-            <a:endParaRPr lang="en-US"/>
-          </a:p>
-        </p:txBody>
-      </p:sp>
-      <p:sp>
-        <p:nvSpPr>
-          <p:cNvPr id="2" name="Title 1">
-            <a:extLst>
-              <a:ext uri="{FF2B5EF4-FFF2-40B4-BE49-F238E27FC236}">
-                <a16:creationId xmlns:a16="http://schemas.microsoft.com/office/drawing/2014/main" id="{603DA247-2F35-4FB8-903D-FB32D7B852D9}"/>
-              </a:ext>
-            </a:extLst>
-          </p:cNvPr>
-          <p:cNvSpPr>
-            <a:spLocks noGrp="1"/>
-          </p:cNvSpPr>
-          <p:nvPr>
-            <p:ph type="title"/>
-          </p:nvPr>
-        </p:nvSpPr>
-        <p:spPr>
-          <a:xfrm>
-            <a:off x="643467" y="321734"/>
-            <a:ext cx="10905066" cy="1135737"/>
-          </a:xfrm>
-        </p:spPr>
-        <p:txBody>
-          <a:bodyPr vert="horz" lIns="91440" tIns="45720" rIns="91440" bIns="45720" rtlCol="0" anchor="ctr">
-            <a:normAutofit/>
-          </a:bodyPr>
-          <a:lstStyle/>
-          <a:p>
-            <a:pPr algn="l">
-              <a:lnSpc>
-                <a:spcPct val="90000"/>
-              </a:lnSpc>
-            </a:pPr>
-            <a:r>
-              <a:rPr lang="en-US" sz="1700" b="1"/>
-              <a:t>[4]</a:t>
-            </a:r>
-            <a:r>
-              <a:rPr lang="en-US" sz="1700"/>
-              <a:t>.</a:t>
-            </a:r>
-            <a:r>
-              <a:rPr lang="en-US" sz="1700" kern="1200">
-                <a:latin typeface="+mj-lt"/>
-                <a:ea typeface="+mj-ea"/>
-                <a:cs typeface="+mj-cs"/>
-              </a:rPr>
-              <a:t> </a:t>
-            </a:r>
-            <a:r>
-              <a:rPr lang="en-US" sz="1700" err="1"/>
-              <a:t>Papakipos</a:t>
-            </a:r>
-            <a:r>
-              <a:rPr lang="en-US" sz="1700" kern="1200">
-                <a:latin typeface="+mj-lt"/>
-                <a:ea typeface="+mj-ea"/>
-                <a:cs typeface="+mj-cs"/>
-              </a:rPr>
-              <a:t>, </a:t>
-            </a:r>
-            <a:r>
-              <a:rPr lang="en-US" sz="1700"/>
-              <a:t>Z., &amp; Bitton</a:t>
-            </a:r>
-            <a:r>
-              <a:rPr lang="en-US" sz="1700" kern="1200">
-                <a:latin typeface="+mj-lt"/>
-                <a:ea typeface="+mj-ea"/>
-                <a:cs typeface="+mj-cs"/>
-              </a:rPr>
-              <a:t>, </a:t>
-            </a:r>
-            <a:r>
-              <a:rPr lang="en-US" sz="1700"/>
-              <a:t>J</a:t>
-            </a:r>
-            <a:r>
-              <a:rPr lang="en-US" sz="1700" kern="1200">
-                <a:latin typeface="+mj-lt"/>
-                <a:ea typeface="+mj-ea"/>
-                <a:cs typeface="+mj-cs"/>
-              </a:rPr>
-              <a:t>. </a:t>
-            </a:r>
-            <a:r>
-              <a:rPr lang="en-US" sz="1700"/>
-              <a:t>(2022). </a:t>
-            </a:r>
-            <a:r>
-              <a:rPr lang="en-US" sz="1700" err="1"/>
-              <a:t>AugLy</a:t>
-            </a:r>
-            <a:r>
-              <a:rPr lang="en-US" sz="1700"/>
-              <a:t>: Data augmentations for adversarial robustness. 2022 IEEE/CVF </a:t>
-            </a:r>
-            <a:r>
-              <a:rPr lang="en-US" sz="1700" kern="1200">
-                <a:latin typeface="+mj-lt"/>
-                <a:ea typeface="+mj-ea"/>
-                <a:cs typeface="+mj-cs"/>
-              </a:rPr>
-              <a:t>Conference on Computer </a:t>
-            </a:r>
-            <a:r>
-              <a:rPr lang="en-US" sz="1700"/>
-              <a:t>Vision </a:t>
-            </a:r>
-            <a:r>
-              <a:rPr lang="en-US" sz="1700" kern="1200">
-                <a:latin typeface="+mj-lt"/>
-                <a:ea typeface="+mj-ea"/>
-                <a:cs typeface="+mj-cs"/>
-              </a:rPr>
-              <a:t>and </a:t>
-            </a:r>
-            <a:r>
-              <a:rPr lang="en-US" sz="1700"/>
-              <a:t>Pattern Recognition Workshops </a:t>
-            </a:r>
-            <a:r>
-              <a:rPr lang="en-US" sz="1700" kern="1200">
-                <a:latin typeface="+mj-lt"/>
-                <a:ea typeface="+mj-ea"/>
-                <a:cs typeface="+mj-cs"/>
-              </a:rPr>
-              <a:t>(</a:t>
-            </a:r>
-            <a:r>
-              <a:rPr lang="en-US" sz="1700"/>
-              <a:t>CVPRW). https://</a:t>
-            </a:r>
-            <a:r>
-              <a:rPr lang="en-US" sz="1700" kern="1200">
-                <a:latin typeface="+mj-lt"/>
-                <a:ea typeface="+mj-ea"/>
-                <a:cs typeface="+mj-cs"/>
-              </a:rPr>
-              <a:t>doi</a:t>
-            </a:r>
-            <a:r>
-              <a:rPr lang="en-US" sz="1700"/>
-              <a:t>.org/</a:t>
-            </a:r>
-            <a:r>
-              <a:rPr lang="en-US" sz="1700" kern="1200">
-                <a:latin typeface="+mj-lt"/>
-                <a:ea typeface="+mj-ea"/>
-                <a:cs typeface="+mj-cs"/>
-              </a:rPr>
-              <a:t>10.1109/</a:t>
-            </a:r>
-            <a:r>
-              <a:rPr lang="en-US" sz="1700"/>
-              <a:t>cvprw56347.2022.00027</a:t>
-            </a:r>
-            <a:endParaRPr lang="en-US"/>
-          </a:p>
-          <a:p>
-            <a:pPr algn="l">
-              <a:lnSpc>
-                <a:spcPct val="90000"/>
-              </a:lnSpc>
-            </a:pPr>
-            <a:endParaRPr lang="en-US" sz="1700">
-              <a:cs typeface="Calibri Light"/>
-            </a:endParaRPr>
-          </a:p>
-          <a:p>
-            <a:pPr algn="l">
-              <a:lnSpc>
-                <a:spcPct val="90000"/>
-              </a:lnSpc>
-            </a:pPr>
-            <a:endParaRPr lang="en-US" sz="1700" kern="1200">
-              <a:latin typeface="+mj-lt"/>
-              <a:cs typeface="Calibri Light"/>
-            </a:endParaRPr>
-          </a:p>
-        </p:txBody>
-      </p:sp>
-      <p:sp>
-        <p:nvSpPr>
-          <p:cNvPr id="4" name="TextBox 3">
-            <a:extLst>
-              <a:ext uri="{FF2B5EF4-FFF2-40B4-BE49-F238E27FC236}">
-                <a16:creationId xmlns:a16="http://schemas.microsoft.com/office/drawing/2014/main" id="{73C65A46-997E-0FA7-1898-24504BBFDA55}"/>
-              </a:ext>
-            </a:extLst>
-          </p:cNvPr>
-          <p:cNvSpPr txBox="1"/>
-          <p:nvPr/>
-        </p:nvSpPr>
-        <p:spPr>
-          <a:xfrm>
-            <a:off x="643469" y="1782981"/>
-            <a:ext cx="6068165" cy="4393982"/>
-          </a:xfrm>
-          <a:prstGeom prst="rect">
-            <a:avLst/>
-          </a:prstGeom>
-        </p:spPr>
-        <p:txBody>
-          <a:bodyPr rot="0" spcFirstLastPara="0" vertOverflow="overflow" horzOverflow="overflow" vert="horz" lIns="91440" tIns="45720" rIns="91440" bIns="45720" numCol="1" spcCol="0" rtlCol="0" fromWordArt="0" anchor="t" anchorCtr="0" forceAA="0" compatLnSpc="1">
-            <a:prstTxWarp prst="textNoShape">
-              <a:avLst/>
-            </a:prstTxWarp>
-            <a:normAutofit/>
-          </a:bodyPr>
-          <a:lstStyle/>
-          <a:p>
-            <a:pPr>
-              <a:lnSpc>
-                <a:spcPct val="90000"/>
-              </a:lnSpc>
-              <a:spcAft>
-                <a:spcPts val="600"/>
-              </a:spcAft>
-            </a:pPr>
-            <a:r>
-              <a:rPr lang="en-US" sz="1400" b="1" dirty="0" err="1">
-                <a:cs typeface="Calibri"/>
-              </a:rPr>
-              <a:t>AugLy</a:t>
-            </a:r>
-            <a:r>
-              <a:rPr lang="en-US" sz="1400" b="1" dirty="0">
-                <a:cs typeface="Calibri"/>
-              </a:rPr>
-              <a:t>, the Text Augmentation Library</a:t>
-            </a:r>
-          </a:p>
-          <a:p>
-            <a:pPr indent="-228600">
-              <a:lnSpc>
-                <a:spcPct val="90000"/>
-              </a:lnSpc>
-              <a:spcAft>
-                <a:spcPts val="600"/>
-              </a:spcAft>
-              <a:buFont typeface="Arial" panose="020B0604020202020204" pitchFamily="34" charset="0"/>
-              <a:buChar char="•"/>
-            </a:pPr>
-            <a:r>
-              <a:rPr lang="en-US" sz="1400" dirty="0" err="1"/>
-              <a:t>Papakipos</a:t>
-            </a:r>
-            <a:r>
-              <a:rPr lang="en-US" sz="1400" dirty="0"/>
-              <a:t> &amp; Bitton (2022) introduced a text augmentation library (</a:t>
-            </a:r>
-            <a:r>
-              <a:rPr lang="en-US" sz="1400" b="1" dirty="0" err="1"/>
-              <a:t>AugLy</a:t>
-            </a:r>
-            <a:r>
-              <a:rPr lang="en-US" sz="1400" dirty="0"/>
-              <a:t>), as a substitute for existing libraries.</a:t>
-            </a:r>
-            <a:endParaRPr lang="en-US" sz="1400" dirty="0">
-              <a:cs typeface="Calibri"/>
-            </a:endParaRPr>
-          </a:p>
-          <a:p>
-            <a:pPr indent="-228600">
-              <a:lnSpc>
-                <a:spcPct val="90000"/>
-              </a:lnSpc>
-              <a:spcAft>
-                <a:spcPts val="600"/>
-              </a:spcAft>
-              <a:buFont typeface="Arial" panose="020B0604020202020204" pitchFamily="34" charset="0"/>
-              <a:buChar char="•"/>
-            </a:pPr>
-            <a:endParaRPr lang="en-US" sz="1400">
-              <a:cs typeface="Calibri"/>
-            </a:endParaRPr>
-          </a:p>
-          <a:p>
-            <a:pPr>
-              <a:lnSpc>
-                <a:spcPct val="90000"/>
-              </a:lnSpc>
-              <a:spcAft>
-                <a:spcPts val="600"/>
-              </a:spcAft>
-            </a:pPr>
-            <a:r>
-              <a:rPr lang="en-US" sz="1400" b="1" dirty="0">
-                <a:cs typeface="Calibri"/>
-              </a:rPr>
-              <a:t>How it Works</a:t>
-            </a:r>
-          </a:p>
-          <a:p>
-            <a:pPr indent="-228600">
-              <a:lnSpc>
-                <a:spcPct val="90000"/>
-              </a:lnSpc>
-              <a:spcAft>
-                <a:spcPts val="600"/>
-              </a:spcAft>
-              <a:buFont typeface="Arial" panose="020B0604020202020204" pitchFamily="34" charset="0"/>
-              <a:buChar char="•"/>
-            </a:pPr>
-            <a:r>
-              <a:rPr lang="en-US" sz="1400" dirty="0" err="1">
-                <a:cs typeface="Calibri"/>
-              </a:rPr>
-              <a:t>AugLy</a:t>
-            </a:r>
-            <a:r>
-              <a:rPr lang="en-US" sz="1400" dirty="0">
-                <a:cs typeface="Calibri"/>
-              </a:rPr>
-              <a:t> is different from other libraries in that </a:t>
-            </a:r>
-            <a:r>
-              <a:rPr lang="en-US" sz="1400" b="1" dirty="0">
-                <a:cs typeface="Calibri"/>
-              </a:rPr>
-              <a:t>syntactic </a:t>
-            </a:r>
-            <a:r>
-              <a:rPr lang="en-US" sz="1400" dirty="0">
-                <a:cs typeface="Calibri"/>
-              </a:rPr>
-              <a:t>augmentation prevails over </a:t>
-            </a:r>
-            <a:r>
-              <a:rPr lang="en-US" sz="1400" b="1" dirty="0">
-                <a:cs typeface="Calibri"/>
-              </a:rPr>
-              <a:t>semantic </a:t>
-            </a:r>
-            <a:r>
-              <a:rPr lang="en-US" sz="1400" dirty="0">
-                <a:cs typeface="Calibri"/>
-              </a:rPr>
-              <a:t>augmentation (i.e., character-level versus word-level) in the package.</a:t>
-            </a:r>
-          </a:p>
-          <a:p>
-            <a:pPr indent="-228600">
-              <a:lnSpc>
-                <a:spcPct val="90000"/>
-              </a:lnSpc>
-              <a:spcAft>
-                <a:spcPts val="600"/>
-              </a:spcAft>
-              <a:buFont typeface="Arial" panose="020B0604020202020204" pitchFamily="34" charset="0"/>
-              <a:buChar char="•"/>
-            </a:pPr>
-            <a:r>
-              <a:rPr lang="en-US" sz="1400" dirty="0"/>
-              <a:t>This approach to NLP augmentation seeks to replace </a:t>
-            </a:r>
-            <a:r>
-              <a:rPr lang="en-US" sz="1400" b="1" dirty="0"/>
-              <a:t>characters </a:t>
-            </a:r>
-            <a:r>
-              <a:rPr lang="en-US" sz="1400" dirty="0"/>
-              <a:t>as opposed to </a:t>
-            </a:r>
-            <a:r>
-              <a:rPr lang="en-US" sz="1400" b="1" dirty="0"/>
-              <a:t>words </a:t>
-            </a:r>
-            <a:r>
-              <a:rPr lang="en-US" sz="1400" dirty="0"/>
-              <a:t>in sentences.</a:t>
-            </a:r>
-            <a:endParaRPr lang="en-US" sz="1400" dirty="0">
-              <a:cs typeface="Calibri" panose="020F0502020204030204"/>
-            </a:endParaRPr>
-          </a:p>
-          <a:p>
-            <a:pPr indent="-228600">
-              <a:lnSpc>
-                <a:spcPct val="90000"/>
-              </a:lnSpc>
-              <a:spcAft>
-                <a:spcPts val="600"/>
-              </a:spcAft>
-              <a:buFont typeface="Arial" panose="020B0604020202020204" pitchFamily="34" charset="0"/>
-              <a:buChar char="•"/>
-            </a:pPr>
-            <a:endParaRPr lang="en-US" sz="1400">
-              <a:cs typeface="Calibri" panose="020F0502020204030204"/>
-            </a:endParaRPr>
-          </a:p>
-          <a:p>
-            <a:pPr>
-              <a:lnSpc>
-                <a:spcPct val="90000"/>
-              </a:lnSpc>
-              <a:spcAft>
-                <a:spcPts val="600"/>
-              </a:spcAft>
-            </a:pPr>
-            <a:r>
-              <a:rPr lang="en-US" sz="1400" b="1" dirty="0">
-                <a:cs typeface="Calibri"/>
-              </a:rPr>
-              <a:t>Benchmark Comparisons</a:t>
-            </a:r>
-          </a:p>
-          <a:p>
-            <a:pPr indent="-228600">
-              <a:lnSpc>
-                <a:spcPct val="90000"/>
-              </a:lnSpc>
-              <a:spcAft>
-                <a:spcPts val="600"/>
-              </a:spcAft>
-              <a:buFont typeface="Arial" panose="020B0604020202020204" pitchFamily="34" charset="0"/>
-              <a:buChar char="•"/>
-            </a:pPr>
-            <a:r>
-              <a:rPr lang="en-US" sz="1400" dirty="0" err="1">
-                <a:cs typeface="Calibri"/>
-              </a:rPr>
-              <a:t>AugLy</a:t>
-            </a:r>
-            <a:r>
-              <a:rPr lang="en-US" sz="1400" dirty="0">
-                <a:cs typeface="Calibri"/>
-              </a:rPr>
-              <a:t> is more </a:t>
-            </a:r>
-            <a:r>
-              <a:rPr lang="en-US" sz="1400" b="1" dirty="0">
-                <a:cs typeface="Calibri"/>
-              </a:rPr>
-              <a:t>robust </a:t>
-            </a:r>
-            <a:r>
-              <a:rPr lang="en-US" sz="1400" dirty="0">
-                <a:cs typeface="Calibri"/>
-              </a:rPr>
-              <a:t>compared to the already available text augmentation libraries (</a:t>
-            </a:r>
-            <a:r>
-              <a:rPr lang="en-US" sz="1400" dirty="0" err="1">
-                <a:cs typeface="Calibri"/>
-              </a:rPr>
-              <a:t>nlpaug</a:t>
-            </a:r>
-            <a:r>
-              <a:rPr lang="en-US" sz="1400" dirty="0">
-                <a:cs typeface="Calibri"/>
-              </a:rPr>
-              <a:t>, </a:t>
-            </a:r>
-            <a:r>
-              <a:rPr lang="en-US" sz="1400" dirty="0" err="1">
-                <a:cs typeface="Calibri"/>
-              </a:rPr>
-              <a:t>TextAttack</a:t>
-            </a:r>
-            <a:r>
-              <a:rPr lang="en-US" sz="1400" dirty="0">
-                <a:cs typeface="Calibri"/>
-              </a:rPr>
-              <a:t> &amp; </a:t>
-            </a:r>
-            <a:r>
-              <a:rPr lang="en-US" sz="1400" dirty="0" err="1">
-                <a:cs typeface="Calibri"/>
-              </a:rPr>
-              <a:t>textflint</a:t>
-            </a:r>
-            <a:r>
-              <a:rPr lang="en-US" sz="1400" dirty="0">
-                <a:cs typeface="Calibri"/>
-              </a:rPr>
-              <a:t>), a testament that this approach is promising in NLP </a:t>
-            </a:r>
-            <a:r>
-              <a:rPr lang="en-US" sz="1400" dirty="0" err="1">
-                <a:cs typeface="Calibri"/>
-              </a:rPr>
-              <a:t>Albumentation</a:t>
-            </a:r>
-            <a:r>
-              <a:rPr lang="en-US" sz="1400" dirty="0"/>
-              <a:t>.</a:t>
-            </a:r>
-            <a:endParaRPr lang="en-US" sz="1400" dirty="0">
-              <a:cs typeface="Calibri"/>
-            </a:endParaRPr>
-          </a:p>
-          <a:p>
-            <a:pPr indent="-228600">
-              <a:lnSpc>
-                <a:spcPct val="90000"/>
-              </a:lnSpc>
-              <a:spcAft>
-                <a:spcPts val="600"/>
-              </a:spcAft>
-              <a:buFont typeface="Arial" panose="020B0604020202020204" pitchFamily="34" charset="0"/>
-              <a:buChar char="•"/>
-            </a:pPr>
-            <a:endParaRPr lang="en-US" sz="1400">
-              <a:cs typeface="Calibri"/>
-            </a:endParaRPr>
-          </a:p>
-        </p:txBody>
-      </p:sp>
-      <p:grpSp>
-        <p:nvGrpSpPr>
-          <p:cNvPr id="25" name="Group 24">
-            <a:extLst>
-              <a:ext uri="{FF2B5EF4-FFF2-40B4-BE49-F238E27FC236}">
-                <a16:creationId xmlns:a16="http://schemas.microsoft.com/office/drawing/2014/main" id="{828A5161-06F1-46CF-8AD7-844680A59E13}"/>
-              </a:ext>
-              <a:ext uri="{C183D7F6-B498-43B3-948B-1728B52AA6E4}">
-                <adec:decorative xmlns:adec="http://schemas.microsoft.com/office/drawing/2017/decorative" val="1"/>
-              </a:ext>
-            </a:extLst>
-          </p:cNvPr>
-          <p:cNvGrpSpPr>
-            <a:grpSpLocks noGrp="1" noUngrp="1" noRot="1" noChangeAspect="1" noMove="1" noResize="1"/>
-          </p:cNvGrpSpPr>
-          <p:nvPr>
-            <p:extLst>
-              <p:ext uri="{386F3935-93C4-4BCD-93E2-E3B085C9AB24}">
-                <p16:designElem xmlns:p16="http://schemas.microsoft.com/office/powerpoint/2015/main" val="1"/>
-              </p:ext>
-            </p:extLst>
-          </p:nvPr>
-        </p:nvGrpSpPr>
-        <p:grpSpPr>
-          <a:xfrm>
-            <a:off x="0" y="4601497"/>
-            <a:ext cx="1014060" cy="2017580"/>
-            <a:chOff x="0" y="4601497"/>
-            <a:chExt cx="1014060" cy="2017580"/>
-          </a:xfrm>
-        </p:grpSpPr>
-        <p:sp>
-          <p:nvSpPr>
-            <p:cNvPr id="26" name="Isosceles Triangle 25">
-              <a:extLst>
-                <a:ext uri="{FF2B5EF4-FFF2-40B4-BE49-F238E27FC236}">
-                  <a16:creationId xmlns:a16="http://schemas.microsoft.com/office/drawing/2014/main" id="{D3F51FEB-38FB-4F6C-9F7B-2F2AFAB65463}"/>
-                </a:ext>
-                <a:ext uri="{C183D7F6-B498-43B3-948B-1728B52AA6E4}">
-                  <adec:decorative xmlns:adec="http://schemas.microsoft.com/office/drawing/2017/decorative" val="1"/>
-                </a:ext>
-              </a:extLst>
-            </p:cNvPr>
-            <p:cNvSpPr/>
-            <p:nvPr>
-              <p:extLst>
-                <p:ext uri="{386F3935-93C4-4BCD-93E2-E3B085C9AB24}">
-                  <p16:designElem xmlns:p16="http://schemas.microsoft.com/office/powerpoint/2015/main" val="1"/>
-                </p:ext>
-              </p:extLst>
-            </p:nvPr>
-          </p:nvSpPr>
-          <p:spPr>
-            <a:xfrm rot="5400000">
-              <a:off x="-501760" y="5103257"/>
-              <a:ext cx="2017580" cy="1014060"/>
-            </a:xfrm>
-            <a:prstGeom prst="triangle">
-              <a:avLst>
-                <a:gd name="adj" fmla="val 50000"/>
-              </a:avLst>
-            </a:prstGeom>
-            <a:solidFill>
-              <a:schemeClr val="accent1">
-                <a:alpha val="30000"/>
-              </a:schemeClr>
-            </a:solidFill>
-            <a:ln>
-              <a:noFill/>
-            </a:ln>
-          </p:spPr>
-          <p:style>
-            <a:lnRef idx="2">
-              <a:schemeClr val="accent1">
-                <a:shade val="50000"/>
-              </a:schemeClr>
-            </a:lnRef>
-            <a:fillRef idx="1">
-              <a:schemeClr val="accent1"/>
-            </a:fillRef>
-            <a:effectRef idx="0">
-              <a:schemeClr val="accent1"/>
-            </a:effectRef>
-            <a:fontRef idx="minor">
-              <a:schemeClr val="lt1"/>
-            </a:fontRef>
-          </p:style>
-          <p:txBody>
-            <a:bodyPr rtlCol="0" anchor="ctr"/>
-            <a:lstStyle/>
-            <a:p>
-              <a:pPr algn="ctr"/>
-              <a:endParaRPr lang="en-US"/>
-            </a:p>
-          </p:txBody>
-        </p:sp>
-        <p:sp>
-          <p:nvSpPr>
-            <p:cNvPr id="27" name="Rectangle 26">
-              <a:extLst>
-                <a:ext uri="{FF2B5EF4-FFF2-40B4-BE49-F238E27FC236}">
-                  <a16:creationId xmlns:a16="http://schemas.microsoft.com/office/drawing/2014/main" id="{1E547BA6-BAE0-43BB-A7CA-60F69CE252F0}"/>
-                </a:ext>
-                <a:ext uri="{C183D7F6-B498-43B3-948B-1728B52AA6E4}">
-                  <adec:decorative xmlns:adec="http://schemas.microsoft.com/office/drawing/2017/decorative" val="1"/>
-                </a:ext>
-              </a:extLst>
-            </p:cNvPr>
-            <p:cNvSpPr/>
-            <p:nvPr>
-              <p:extLst>
-                <p:ext uri="{386F3935-93C4-4BCD-93E2-E3B085C9AB24}">
-                  <p16:designElem xmlns:p16="http://schemas.microsoft.com/office/powerpoint/2015/main" val="1"/>
-                </p:ext>
-              </p:extLst>
-            </p:nvPr>
-          </p:nvSpPr>
-          <p:spPr>
-            <a:xfrm rot="2700000">
-              <a:off x="427916" y="5728708"/>
-              <a:ext cx="485578" cy="485578"/>
-            </a:xfrm>
-            <a:prstGeom prst="rect">
-              <a:avLst/>
-            </a:prstGeom>
-            <a:solidFill>
-              <a:schemeClr val="accent1">
-                <a:alpha val="30000"/>
-              </a:schemeClr>
-            </a:solidFill>
-            <a:ln>
-              <a:noFill/>
-            </a:ln>
-          </p:spPr>
-          <p:style>
-            <a:lnRef idx="2">
-              <a:schemeClr val="accent1">
-                <a:shade val="50000"/>
-              </a:schemeClr>
-            </a:lnRef>
-            <a:fillRef idx="1">
-              <a:schemeClr val="accent1"/>
-            </a:fillRef>
-            <a:effectRef idx="0">
-              <a:schemeClr val="accent1"/>
-            </a:effectRef>
-            <a:fontRef idx="minor">
-              <a:schemeClr val="lt1"/>
-            </a:fontRef>
-          </p:style>
-          <p:txBody>
-            <a:bodyPr rtlCol="0" anchor="ctr"/>
-            <a:lstStyle/>
-            <a:p>
-              <a:pPr algn="ctr"/>
-              <a:endParaRPr lang="en-US"/>
-            </a:p>
-          </p:txBody>
-        </p:sp>
-      </p:grpSp>
-      <p:grpSp>
-        <p:nvGrpSpPr>
-          <p:cNvPr id="29" name="Group 28">
-            <a:extLst>
-              <a:ext uri="{FF2B5EF4-FFF2-40B4-BE49-F238E27FC236}">
-                <a16:creationId xmlns:a16="http://schemas.microsoft.com/office/drawing/2014/main" id="{5995D10D-E9C9-47DB-AE7E-801FEF38F5C9}"/>
-              </a:ext>
-              <a:ext uri="{C183D7F6-B498-43B3-948B-1728B52AA6E4}">
-                <adec:decorative xmlns:adec="http://schemas.microsoft.com/office/drawing/2017/decorative" val="1"/>
-              </a:ext>
-            </a:extLst>
-          </p:cNvPr>
-          <p:cNvGrpSpPr>
-            <a:grpSpLocks noGrp="1" noUngrp="1" noRot="1" noChangeAspect="1" noMove="1" noResize="1"/>
-          </p:cNvGrpSpPr>
-          <p:nvPr>
-            <p:extLst>
-              <p:ext uri="{386F3935-93C4-4BCD-93E2-E3B085C9AB24}">
-                <p16:designElem xmlns:p16="http://schemas.microsoft.com/office/powerpoint/2015/main" val="1"/>
-              </p:ext>
-            </p:extLst>
-          </p:nvPr>
-        </p:nvGrpSpPr>
-        <p:grpSpPr>
-          <a:xfrm>
-            <a:off x="11219290" y="1"/>
-            <a:ext cx="972709" cy="1935307"/>
-            <a:chOff x="10918968" y="713127"/>
-            <a:chExt cx="1273032" cy="2532832"/>
-          </a:xfrm>
-        </p:grpSpPr>
-        <p:sp>
-          <p:nvSpPr>
-            <p:cNvPr id="30" name="Rectangle 29">
-              <a:extLst>
-                <a:ext uri="{FF2B5EF4-FFF2-40B4-BE49-F238E27FC236}">
-                  <a16:creationId xmlns:a16="http://schemas.microsoft.com/office/drawing/2014/main" id="{CC1A72C6-3DE4-4EC3-9AD5-9E0D40D8CE8A}"/>
-                </a:ext>
-                <a:ext uri="{C183D7F6-B498-43B3-948B-1728B52AA6E4}">
-                  <adec:decorative xmlns:adec="http://schemas.microsoft.com/office/drawing/2017/decorative" val="1"/>
-                </a:ext>
-              </a:extLst>
-            </p:cNvPr>
-            <p:cNvSpPr/>
-            <p:nvPr>
-              <p:extLst>
-                <p:ext uri="{386F3935-93C4-4BCD-93E2-E3B085C9AB24}">
-                  <p16:designElem xmlns:p16="http://schemas.microsoft.com/office/powerpoint/2015/main" val="1"/>
-                </p:ext>
-              </p:extLst>
-            </p:nvPr>
-          </p:nvSpPr>
-          <p:spPr>
-            <a:xfrm rot="2700000">
-              <a:off x="11052629" y="2120024"/>
-              <a:ext cx="645368" cy="645368"/>
-            </a:xfrm>
-            <a:prstGeom prst="rect">
-              <a:avLst/>
-            </a:prstGeom>
-            <a:solidFill>
-              <a:schemeClr val="accent4">
-                <a:alpha val="30000"/>
-              </a:schemeClr>
-            </a:solidFill>
-            <a:ln>
-              <a:noFill/>
-            </a:ln>
-          </p:spPr>
-          <p:style>
-            <a:lnRef idx="2">
-              <a:schemeClr val="accent1">
-                <a:shade val="50000"/>
-              </a:schemeClr>
-            </a:lnRef>
-            <a:fillRef idx="1">
-              <a:schemeClr val="accent1"/>
-            </a:fillRef>
-            <a:effectRef idx="0">
-              <a:schemeClr val="accent1"/>
-            </a:effectRef>
-            <a:fontRef idx="minor">
-              <a:schemeClr val="lt1"/>
-            </a:fontRef>
-          </p:style>
-          <p:txBody>
-            <a:bodyPr rtlCol="0" anchor="ctr"/>
-            <a:lstStyle/>
-            <a:p>
-              <a:pPr algn="ctr"/>
-              <a:endParaRPr lang="en-US"/>
-            </a:p>
-          </p:txBody>
-        </p:sp>
-        <p:sp>
-          <p:nvSpPr>
-            <p:cNvPr id="31" name="Isosceles Triangle 30">
-              <a:extLst>
-                <a:ext uri="{FF2B5EF4-FFF2-40B4-BE49-F238E27FC236}">
-                  <a16:creationId xmlns:a16="http://schemas.microsoft.com/office/drawing/2014/main" id="{0B0DA1F1-C391-4EDF-9FE0-23E86E137765}"/>
-                </a:ext>
-                <a:ext uri="{C183D7F6-B498-43B3-948B-1728B52AA6E4}">
-                  <adec:decorative xmlns:adec="http://schemas.microsoft.com/office/drawing/2017/decorative" val="1"/>
-                </a:ext>
-              </a:extLst>
-            </p:cNvPr>
-            <p:cNvSpPr/>
-            <p:nvPr>
-              <p:extLst>
-                <p:ext uri="{386F3935-93C4-4BCD-93E2-E3B085C9AB24}">
-                  <p16:designElem xmlns:p16="http://schemas.microsoft.com/office/powerpoint/2015/main" val="1"/>
-                </p:ext>
-              </p:extLst>
-            </p:nvPr>
-          </p:nvSpPr>
-          <p:spPr>
-            <a:xfrm rot="16200000">
-              <a:off x="10289068" y="1343027"/>
-              <a:ext cx="2532832" cy="1273032"/>
-            </a:xfrm>
-            <a:prstGeom prst="triangle">
-              <a:avLst>
-                <a:gd name="adj" fmla="val 50000"/>
-              </a:avLst>
-            </a:prstGeom>
-            <a:solidFill>
-              <a:schemeClr val="accent4">
-                <a:alpha val="30000"/>
-              </a:schemeClr>
-            </a:solidFill>
-            <a:ln>
-              <a:noFill/>
-            </a:ln>
-          </p:spPr>
-          <p:style>
-            <a:lnRef idx="2">
-              <a:schemeClr val="accent1">
-                <a:shade val="50000"/>
-              </a:schemeClr>
-            </a:lnRef>
-            <a:fillRef idx="1">
-              <a:schemeClr val="accent1"/>
-            </a:fillRef>
-            <a:effectRef idx="0">
-              <a:schemeClr val="accent1"/>
-            </a:effectRef>
-            <a:fontRef idx="minor">
-              <a:schemeClr val="lt1"/>
-            </a:fontRef>
-          </p:style>
-          <p:txBody>
-            <a:bodyPr rtlCol="0" anchor="ctr"/>
-            <a:lstStyle/>
-            <a:p>
-              <a:pPr algn="ctr"/>
-              <a:endParaRPr lang="en-US"/>
-            </a:p>
-          </p:txBody>
-        </p:sp>
-      </p:grpSp>
-      <p:sp>
-        <p:nvSpPr>
-          <p:cNvPr id="3" name="Slide Number Placeholder 2">
-            <a:extLst>
-              <a:ext uri="{FF2B5EF4-FFF2-40B4-BE49-F238E27FC236}">
-                <a16:creationId xmlns:a16="http://schemas.microsoft.com/office/drawing/2014/main" id="{FBDE7135-9153-4AEB-AC1F-4B951B7A76F2}"/>
-              </a:ext>
-            </a:extLst>
-          </p:cNvPr>
-          <p:cNvSpPr>
-            <a:spLocks noGrp="1"/>
-          </p:cNvSpPr>
-          <p:nvPr>
-            <p:ph type="sldNum" sz="quarter" idx="11"/>
-          </p:nvPr>
-        </p:nvSpPr>
-        <p:spPr>
-          <a:xfrm>
-            <a:off x="8805333" y="6356350"/>
-            <a:ext cx="2743200" cy="365125"/>
-          </a:xfrm>
-        </p:spPr>
-        <p:txBody>
-          <a:bodyPr vert="horz" lIns="91440" tIns="45720" rIns="91440" bIns="45720" rtlCol="0" anchor="ctr">
-            <a:normAutofit/>
-          </a:bodyPr>
-          <a:lstStyle/>
-          <a:p>
-            <a:pPr>
-              <a:spcAft>
-                <a:spcPts val="600"/>
-              </a:spcAft>
-            </a:pPr>
-            <a:fld id="{8C2E478F-E849-4A8C-AF1F-CBCC78A7CBFA}" type="slidenum">
-              <a:rPr lang="en-US" smtClean="0"/>
-              <a:pPr>
-                <a:spcAft>
-                  <a:spcPts val="600"/>
-                </a:spcAft>
-              </a:pPr>
-              <a:t>8</a:t>
-            </a:fld>
-            <a:endParaRPr lang="en-US"/>
-          </a:p>
-        </p:txBody>
-      </p:sp>
-      <p:pic>
-        <p:nvPicPr>
-          <p:cNvPr id="5" name="Picture 5" descr="Table&#10;&#10;Description automatically generated">
-            <a:extLst>
-              <a:ext uri="{FF2B5EF4-FFF2-40B4-BE49-F238E27FC236}">
-                <a16:creationId xmlns:a16="http://schemas.microsoft.com/office/drawing/2014/main" id="{1A0BD0DF-E869-5A7D-FDCB-4EB74249BC6D}"/>
-              </a:ext>
-            </a:extLst>
-          </p:cNvPr>
-          <p:cNvPicPr>
-            <a:picLocks noChangeAspect="1"/>
-          </p:cNvPicPr>
-          <p:nvPr/>
-        </p:nvPicPr>
-        <p:blipFill>
-          <a:blip r:embed="rId2"/>
-          <a:stretch>
-            <a:fillRect/>
-          </a:stretch>
-        </p:blipFill>
-        <p:spPr>
-          <a:xfrm>
-            <a:off x="6930484" y="2254042"/>
-            <a:ext cx="4518102" cy="3176329"/>
-          </a:xfrm>
-          <a:prstGeom prst="rect">
-            <a:avLst/>
-          </a:prstGeom>
-        </p:spPr>
-      </p:pic>
-    </p:spTree>
-    <p:extLst>
-      <p:ext uri="{BB962C8B-B14F-4D97-AF65-F5344CB8AC3E}">
-        <p14:creationId xmlns:p14="http://schemas.microsoft.com/office/powerpoint/2010/main" val="3170522524"/>
-      </p:ext>
-    </p:extLst>
-  </p:cSld>
-  <p:clrMapOvr>
-    <a:masterClrMapping/>
-  </p:clrMapOvr>
-</p:sld>
-</file>
-
-<file path=ppt/slides/slide9.xml><?xml version="1.0" encoding="utf-8"?>
-<p:sld xmlns:a="http://schemas.openxmlformats.org/drawingml/2006/main" xmlns:r="http://schemas.openxmlformats.org/officeDocument/2006/relationships" xmlns:p="http://schemas.openxmlformats.org/presentationml/2006/main">
-  <p:cSld>
-    <p:spTree>
-      <p:nvGrpSpPr>
-        <p:cNvPr id="1" name=""/>
-        <p:cNvGrpSpPr/>
-        <p:nvPr/>
-      </p:nvGrpSpPr>
-      <p:grpSpPr>
-        <a:xfrm>
-          <a:off x="0" y="0"/>
-          <a:ext cx="0" cy="0"/>
-          <a:chOff x="0" y="0"/>
-          <a:chExt cx="0" cy="0"/>
-        </a:xfrm>
-      </p:grpSpPr>
-      <p:sp>
-        <p:nvSpPr>
-          <p:cNvPr id="3" name="Title 2">
-            <a:extLst>
-              <a:ext uri="{FF2B5EF4-FFF2-40B4-BE49-F238E27FC236}">
-                <a16:creationId xmlns:a16="http://schemas.microsoft.com/office/drawing/2014/main" id="{1D24B42B-925B-494C-A986-BD85E8117E1E}"/>
-              </a:ext>
-            </a:extLst>
-          </p:cNvPr>
-          <p:cNvSpPr>
-            <a:spLocks noGrp="1"/>
-          </p:cNvSpPr>
-          <p:nvPr>
-            <p:ph type="title"/>
-          </p:nvPr>
-        </p:nvSpPr>
-        <p:spPr>
-          <a:xfrm>
-            <a:off x="6096000" y="412300"/>
-            <a:ext cx="5251450" cy="1171440"/>
-          </a:xfrm>
-        </p:spPr>
-        <p:txBody>
-          <a:bodyPr>
-            <a:normAutofit fontScale="90000"/>
-          </a:bodyPr>
-          <a:lstStyle/>
-          <a:p>
-            <a:r>
-              <a:rPr lang="en-US"/>
-              <a:t>Data Sourcing</a:t>
+            <a:r>
+              <a:rPr lang="en-US" dirty="0"/>
+              <a:t>THE Data</a:t>
             </a:r>
           </a:p>
         </p:txBody>
@@ -10535,7 +6928,7 @@
           <a:p>
             <a:fld id="{8C2E478F-E849-4A8C-AF1F-CBCC78A7CBFA}" type="slidenum">
               <a:rPr lang="en-US" smtClean="0"/>
-              <a:t>9</a:t>
+              <a:t>5</a:t>
             </a:fld>
             <a:endParaRPr lang="en-US"/>
           </a:p>
@@ -10818,10 +7211,2707 @@
           </a:prstGeom>
         </p:spPr>
       </p:pic>
+      <p:sp>
+        <p:nvSpPr>
+          <p:cNvPr id="4" name="Rectangle 3">
+            <a:extLst>
+              <a:ext uri="{FF2B5EF4-FFF2-40B4-BE49-F238E27FC236}">
+                <a16:creationId xmlns:a16="http://schemas.microsoft.com/office/drawing/2014/main" id="{CEA42E00-5767-4A3B-84B4-A351E2C5B46F}"/>
+              </a:ext>
+            </a:extLst>
+          </p:cNvPr>
+          <p:cNvSpPr/>
+          <p:nvPr/>
+        </p:nvSpPr>
+        <p:spPr>
+          <a:xfrm>
+            <a:off x="5292436" y="2456721"/>
+            <a:ext cx="1727200" cy="4239844"/>
+          </a:xfrm>
+          <a:prstGeom prst="rect">
+            <a:avLst/>
+          </a:prstGeom>
+          <a:solidFill>
+            <a:schemeClr val="accent1">
+              <a:alpha val="44000"/>
+            </a:schemeClr>
+          </a:solidFill>
+        </p:spPr>
+        <p:style>
+          <a:lnRef idx="2">
+            <a:schemeClr val="accent1">
+              <a:shade val="50000"/>
+            </a:schemeClr>
+          </a:lnRef>
+          <a:fillRef idx="1">
+            <a:schemeClr val="accent1"/>
+          </a:fillRef>
+          <a:effectRef idx="0">
+            <a:schemeClr val="accent1"/>
+          </a:effectRef>
+          <a:fontRef idx="minor">
+            <a:schemeClr val="lt1"/>
+          </a:fontRef>
+        </p:style>
+        <p:txBody>
+          <a:bodyPr rtlCol="0" anchor="ctr"/>
+          <a:lstStyle/>
+          <a:p>
+            <a:pPr algn="ctr"/>
+            <a:endParaRPr lang="en-KE"/>
+          </a:p>
+        </p:txBody>
+      </p:sp>
     </p:spTree>
     <p:extLst>
       <p:ext uri="{BB962C8B-B14F-4D97-AF65-F5344CB8AC3E}">
         <p14:creationId xmlns:p14="http://schemas.microsoft.com/office/powerpoint/2010/main" val="3164405530"/>
+      </p:ext>
+    </p:extLst>
+  </p:cSld>
+  <p:clrMapOvr>
+    <a:masterClrMapping/>
+  </p:clrMapOvr>
+</p:sld>
+</file>
+
+<file path=ppt/slides/slide6.xml><?xml version="1.0" encoding="utf-8"?>
+<p:sld xmlns:a="http://schemas.openxmlformats.org/drawingml/2006/main" xmlns:r="http://schemas.openxmlformats.org/officeDocument/2006/relationships" xmlns:p="http://schemas.openxmlformats.org/presentationml/2006/main">
+  <p:cSld>
+    <p:bg>
+      <p:bgPr>
+        <a:solidFill>
+          <a:schemeClr val="bg1"/>
+        </a:solidFill>
+        <a:effectLst/>
+      </p:bgPr>
+    </p:bg>
+    <p:spTree>
+      <p:nvGrpSpPr>
+        <p:cNvPr id="1" name=""/>
+        <p:cNvGrpSpPr/>
+        <p:nvPr/>
+      </p:nvGrpSpPr>
+      <p:grpSpPr>
+        <a:xfrm>
+          <a:off x="0" y="0"/>
+          <a:ext cx="0" cy="0"/>
+          <a:chOff x="0" y="0"/>
+          <a:chExt cx="0" cy="0"/>
+        </a:xfrm>
+      </p:grpSpPr>
+      <p:sp>
+        <p:nvSpPr>
+          <p:cNvPr id="10" name="Rectangle 9">
+            <a:extLst>
+              <a:ext uri="{FF2B5EF4-FFF2-40B4-BE49-F238E27FC236}">
+                <a16:creationId xmlns:a16="http://schemas.microsoft.com/office/drawing/2014/main" id="{2B566528-1B12-4246-9431-5C2D7D081168}"/>
+              </a:ext>
+              <a:ext uri="{C183D7F6-B498-43B3-948B-1728B52AA6E4}">
+                <adec:decorative xmlns:adec="http://schemas.microsoft.com/office/drawing/2017/decorative" val="1"/>
+              </a:ext>
+            </a:extLst>
+          </p:cNvPr>
+          <p:cNvSpPr>
+            <a:spLocks noGrp="1" noRot="1" noChangeAspect="1" noMove="1" noResize="1" noEditPoints="1" noAdjustHandles="1" noChangeArrowheads="1" noChangeShapeType="1" noTextEdit="1"/>
+          </p:cNvSpPr>
+          <p:nvPr>
+            <p:extLst>
+              <p:ext uri="{386F3935-93C4-4BCD-93E2-E3B085C9AB24}">
+                <p16:designElem xmlns:p16="http://schemas.microsoft.com/office/powerpoint/2015/main" val="1"/>
+              </p:ext>
+            </p:extLst>
+          </p:nvPr>
+        </p:nvSpPr>
+        <p:spPr>
+          <a:xfrm>
+            <a:off x="0" y="0"/>
+            <a:ext cx="12192000" cy="6858000"/>
+          </a:xfrm>
+          <a:prstGeom prst="rect">
+            <a:avLst/>
+          </a:prstGeom>
+          <a:solidFill>
+            <a:schemeClr val="bg1"/>
+          </a:solidFill>
+          <a:ln>
+            <a:noFill/>
+          </a:ln>
+        </p:spPr>
+        <p:style>
+          <a:lnRef idx="2">
+            <a:schemeClr val="accent1">
+              <a:shade val="50000"/>
+            </a:schemeClr>
+          </a:lnRef>
+          <a:fillRef idx="1">
+            <a:schemeClr val="accent1"/>
+          </a:fillRef>
+          <a:effectRef idx="0">
+            <a:schemeClr val="accent1"/>
+          </a:effectRef>
+          <a:fontRef idx="minor">
+            <a:schemeClr val="lt1"/>
+          </a:fontRef>
+        </p:style>
+        <p:txBody>
+          <a:bodyPr rtlCol="0" anchor="ctr"/>
+          <a:lstStyle/>
+          <a:p>
+            <a:pPr algn="ctr"/>
+            <a:endParaRPr lang="en-US"/>
+          </a:p>
+        </p:txBody>
+      </p:sp>
+      <p:grpSp>
+        <p:nvGrpSpPr>
+          <p:cNvPr id="12" name="Group 11">
+            <a:extLst>
+              <a:ext uri="{FF2B5EF4-FFF2-40B4-BE49-F238E27FC236}">
+                <a16:creationId xmlns:a16="http://schemas.microsoft.com/office/drawing/2014/main" id="{828A5161-06F1-46CF-8AD7-844680A59E13}"/>
+              </a:ext>
+              <a:ext uri="{C183D7F6-B498-43B3-948B-1728B52AA6E4}">
+                <adec:decorative xmlns:adec="http://schemas.microsoft.com/office/drawing/2017/decorative" val="1"/>
+              </a:ext>
+            </a:extLst>
+          </p:cNvPr>
+          <p:cNvGrpSpPr>
+            <a:grpSpLocks noGrp="1" noUngrp="1" noRot="1" noChangeAspect="1" noMove="1" noResize="1"/>
+          </p:cNvGrpSpPr>
+          <p:nvPr>
+            <p:extLst>
+              <p:ext uri="{386F3935-93C4-4BCD-93E2-E3B085C9AB24}">
+                <p16:designElem xmlns:p16="http://schemas.microsoft.com/office/powerpoint/2015/main" val="1"/>
+              </p:ext>
+            </p:extLst>
+          </p:nvPr>
+        </p:nvGrpSpPr>
+        <p:grpSpPr>
+          <a:xfrm>
+            <a:off x="0" y="4601497"/>
+            <a:ext cx="1014060" cy="2017580"/>
+            <a:chOff x="0" y="4601497"/>
+            <a:chExt cx="1014060" cy="2017580"/>
+          </a:xfrm>
+        </p:grpSpPr>
+        <p:sp>
+          <p:nvSpPr>
+            <p:cNvPr id="13" name="Isosceles Triangle 12">
+              <a:extLst>
+                <a:ext uri="{FF2B5EF4-FFF2-40B4-BE49-F238E27FC236}">
+                  <a16:creationId xmlns:a16="http://schemas.microsoft.com/office/drawing/2014/main" id="{D3F51FEB-38FB-4F6C-9F7B-2F2AFAB65463}"/>
+                </a:ext>
+                <a:ext uri="{C183D7F6-B498-43B3-948B-1728B52AA6E4}">
+                  <adec:decorative xmlns:adec="http://schemas.microsoft.com/office/drawing/2017/decorative" val="1"/>
+                </a:ext>
+              </a:extLst>
+            </p:cNvPr>
+            <p:cNvSpPr/>
+            <p:nvPr>
+              <p:extLst>
+                <p:ext uri="{386F3935-93C4-4BCD-93E2-E3B085C9AB24}">
+                  <p16:designElem xmlns:p16="http://schemas.microsoft.com/office/powerpoint/2015/main" val="1"/>
+                </p:ext>
+              </p:extLst>
+            </p:nvPr>
+          </p:nvSpPr>
+          <p:spPr>
+            <a:xfrm rot="5400000">
+              <a:off x="-501760" y="5103257"/>
+              <a:ext cx="2017580" cy="1014060"/>
+            </a:xfrm>
+            <a:prstGeom prst="triangle">
+              <a:avLst>
+                <a:gd name="adj" fmla="val 50000"/>
+              </a:avLst>
+            </a:prstGeom>
+            <a:solidFill>
+              <a:schemeClr val="accent1">
+                <a:alpha val="30000"/>
+              </a:schemeClr>
+            </a:solidFill>
+            <a:ln>
+              <a:noFill/>
+            </a:ln>
+          </p:spPr>
+          <p:style>
+            <a:lnRef idx="2">
+              <a:schemeClr val="accent1">
+                <a:shade val="50000"/>
+              </a:schemeClr>
+            </a:lnRef>
+            <a:fillRef idx="1">
+              <a:schemeClr val="accent1"/>
+            </a:fillRef>
+            <a:effectRef idx="0">
+              <a:schemeClr val="accent1"/>
+            </a:effectRef>
+            <a:fontRef idx="minor">
+              <a:schemeClr val="lt1"/>
+            </a:fontRef>
+          </p:style>
+          <p:txBody>
+            <a:bodyPr rtlCol="0" anchor="ctr"/>
+            <a:lstStyle/>
+            <a:p>
+              <a:pPr algn="ctr"/>
+              <a:endParaRPr lang="en-US"/>
+            </a:p>
+          </p:txBody>
+        </p:sp>
+        <p:sp>
+          <p:nvSpPr>
+            <p:cNvPr id="14" name="Rectangle 13">
+              <a:extLst>
+                <a:ext uri="{FF2B5EF4-FFF2-40B4-BE49-F238E27FC236}">
+                  <a16:creationId xmlns:a16="http://schemas.microsoft.com/office/drawing/2014/main" id="{1E547BA6-BAE0-43BB-A7CA-60F69CE252F0}"/>
+                </a:ext>
+                <a:ext uri="{C183D7F6-B498-43B3-948B-1728B52AA6E4}">
+                  <adec:decorative xmlns:adec="http://schemas.microsoft.com/office/drawing/2017/decorative" val="1"/>
+                </a:ext>
+              </a:extLst>
+            </p:cNvPr>
+            <p:cNvSpPr/>
+            <p:nvPr>
+              <p:extLst>
+                <p:ext uri="{386F3935-93C4-4BCD-93E2-E3B085C9AB24}">
+                  <p16:designElem xmlns:p16="http://schemas.microsoft.com/office/powerpoint/2015/main" val="1"/>
+                </p:ext>
+              </p:extLst>
+            </p:nvPr>
+          </p:nvSpPr>
+          <p:spPr>
+            <a:xfrm rot="2700000">
+              <a:off x="427916" y="5728708"/>
+              <a:ext cx="485578" cy="485578"/>
+            </a:xfrm>
+            <a:prstGeom prst="rect">
+              <a:avLst/>
+            </a:prstGeom>
+            <a:solidFill>
+              <a:schemeClr val="accent1">
+                <a:alpha val="30000"/>
+              </a:schemeClr>
+            </a:solidFill>
+            <a:ln>
+              <a:noFill/>
+            </a:ln>
+          </p:spPr>
+          <p:style>
+            <a:lnRef idx="2">
+              <a:schemeClr val="accent1">
+                <a:shade val="50000"/>
+              </a:schemeClr>
+            </a:lnRef>
+            <a:fillRef idx="1">
+              <a:schemeClr val="accent1"/>
+            </a:fillRef>
+            <a:effectRef idx="0">
+              <a:schemeClr val="accent1"/>
+            </a:effectRef>
+            <a:fontRef idx="minor">
+              <a:schemeClr val="lt1"/>
+            </a:fontRef>
+          </p:style>
+          <p:txBody>
+            <a:bodyPr rtlCol="0" anchor="ctr"/>
+            <a:lstStyle/>
+            <a:p>
+              <a:pPr algn="ctr"/>
+              <a:endParaRPr lang="en-US"/>
+            </a:p>
+          </p:txBody>
+        </p:sp>
+      </p:grpSp>
+      <p:grpSp>
+        <p:nvGrpSpPr>
+          <p:cNvPr id="16" name="Group 15">
+            <a:extLst>
+              <a:ext uri="{FF2B5EF4-FFF2-40B4-BE49-F238E27FC236}">
+                <a16:creationId xmlns:a16="http://schemas.microsoft.com/office/drawing/2014/main" id="{5995D10D-E9C9-47DB-AE7E-801FEF38F5C9}"/>
+              </a:ext>
+              <a:ext uri="{C183D7F6-B498-43B3-948B-1728B52AA6E4}">
+                <adec:decorative xmlns:adec="http://schemas.microsoft.com/office/drawing/2017/decorative" val="1"/>
+              </a:ext>
+            </a:extLst>
+          </p:cNvPr>
+          <p:cNvGrpSpPr>
+            <a:grpSpLocks noGrp="1" noUngrp="1" noRot="1" noChangeAspect="1" noMove="1" noResize="1"/>
+          </p:cNvGrpSpPr>
+          <p:nvPr>
+            <p:extLst>
+              <p:ext uri="{386F3935-93C4-4BCD-93E2-E3B085C9AB24}">
+                <p16:designElem xmlns:p16="http://schemas.microsoft.com/office/powerpoint/2015/main" val="1"/>
+              </p:ext>
+            </p:extLst>
+          </p:nvPr>
+        </p:nvGrpSpPr>
+        <p:grpSpPr>
+          <a:xfrm>
+            <a:off x="11219290" y="1"/>
+            <a:ext cx="972709" cy="1935307"/>
+            <a:chOff x="10918968" y="713127"/>
+            <a:chExt cx="1273032" cy="2532832"/>
+          </a:xfrm>
+        </p:grpSpPr>
+        <p:sp>
+          <p:nvSpPr>
+            <p:cNvPr id="17" name="Rectangle 16">
+              <a:extLst>
+                <a:ext uri="{FF2B5EF4-FFF2-40B4-BE49-F238E27FC236}">
+                  <a16:creationId xmlns:a16="http://schemas.microsoft.com/office/drawing/2014/main" id="{CC1A72C6-3DE4-4EC3-9AD5-9E0D40D8CE8A}"/>
+                </a:ext>
+                <a:ext uri="{C183D7F6-B498-43B3-948B-1728B52AA6E4}">
+                  <adec:decorative xmlns:adec="http://schemas.microsoft.com/office/drawing/2017/decorative" val="1"/>
+                </a:ext>
+              </a:extLst>
+            </p:cNvPr>
+            <p:cNvSpPr/>
+            <p:nvPr>
+              <p:extLst>
+                <p:ext uri="{386F3935-93C4-4BCD-93E2-E3B085C9AB24}">
+                  <p16:designElem xmlns:p16="http://schemas.microsoft.com/office/powerpoint/2015/main" val="1"/>
+                </p:ext>
+              </p:extLst>
+            </p:nvPr>
+          </p:nvSpPr>
+          <p:spPr>
+            <a:xfrm rot="2700000">
+              <a:off x="11052629" y="2120024"/>
+              <a:ext cx="645368" cy="645368"/>
+            </a:xfrm>
+            <a:prstGeom prst="rect">
+              <a:avLst/>
+            </a:prstGeom>
+            <a:solidFill>
+              <a:schemeClr val="accent4">
+                <a:alpha val="30000"/>
+              </a:schemeClr>
+            </a:solidFill>
+            <a:ln>
+              <a:noFill/>
+            </a:ln>
+          </p:spPr>
+          <p:style>
+            <a:lnRef idx="2">
+              <a:schemeClr val="accent1">
+                <a:shade val="50000"/>
+              </a:schemeClr>
+            </a:lnRef>
+            <a:fillRef idx="1">
+              <a:schemeClr val="accent1"/>
+            </a:fillRef>
+            <a:effectRef idx="0">
+              <a:schemeClr val="accent1"/>
+            </a:effectRef>
+            <a:fontRef idx="minor">
+              <a:schemeClr val="lt1"/>
+            </a:fontRef>
+          </p:style>
+          <p:txBody>
+            <a:bodyPr rtlCol="0" anchor="ctr"/>
+            <a:lstStyle/>
+            <a:p>
+              <a:pPr algn="ctr"/>
+              <a:endParaRPr lang="en-US"/>
+            </a:p>
+          </p:txBody>
+        </p:sp>
+        <p:sp>
+          <p:nvSpPr>
+            <p:cNvPr id="18" name="Isosceles Triangle 17">
+              <a:extLst>
+                <a:ext uri="{FF2B5EF4-FFF2-40B4-BE49-F238E27FC236}">
+                  <a16:creationId xmlns:a16="http://schemas.microsoft.com/office/drawing/2014/main" id="{0B0DA1F1-C391-4EDF-9FE0-23E86E137765}"/>
+                </a:ext>
+                <a:ext uri="{C183D7F6-B498-43B3-948B-1728B52AA6E4}">
+                  <adec:decorative xmlns:adec="http://schemas.microsoft.com/office/drawing/2017/decorative" val="1"/>
+                </a:ext>
+              </a:extLst>
+            </p:cNvPr>
+            <p:cNvSpPr/>
+            <p:nvPr>
+              <p:extLst>
+                <p:ext uri="{386F3935-93C4-4BCD-93E2-E3B085C9AB24}">
+                  <p16:designElem xmlns:p16="http://schemas.microsoft.com/office/powerpoint/2015/main" val="1"/>
+                </p:ext>
+              </p:extLst>
+            </p:nvPr>
+          </p:nvSpPr>
+          <p:spPr>
+            <a:xfrm rot="16200000">
+              <a:off x="10289068" y="1343027"/>
+              <a:ext cx="2532832" cy="1273032"/>
+            </a:xfrm>
+            <a:prstGeom prst="triangle">
+              <a:avLst>
+                <a:gd name="adj" fmla="val 50000"/>
+              </a:avLst>
+            </a:prstGeom>
+            <a:solidFill>
+              <a:schemeClr val="accent4">
+                <a:alpha val="30000"/>
+              </a:schemeClr>
+            </a:solidFill>
+            <a:ln>
+              <a:noFill/>
+            </a:ln>
+          </p:spPr>
+          <p:style>
+            <a:lnRef idx="2">
+              <a:schemeClr val="accent1">
+                <a:shade val="50000"/>
+              </a:schemeClr>
+            </a:lnRef>
+            <a:fillRef idx="1">
+              <a:schemeClr val="accent1"/>
+            </a:fillRef>
+            <a:effectRef idx="0">
+              <a:schemeClr val="accent1"/>
+            </a:effectRef>
+            <a:fontRef idx="minor">
+              <a:schemeClr val="lt1"/>
+            </a:fontRef>
+          </p:style>
+          <p:txBody>
+            <a:bodyPr rtlCol="0" anchor="ctr"/>
+            <a:lstStyle/>
+            <a:p>
+              <a:pPr algn="ctr"/>
+              <a:endParaRPr lang="en-US"/>
+            </a:p>
+          </p:txBody>
+        </p:sp>
+      </p:grpSp>
+      <p:sp>
+        <p:nvSpPr>
+          <p:cNvPr id="3" name="Slide Number Placeholder 2">
+            <a:extLst>
+              <a:ext uri="{FF2B5EF4-FFF2-40B4-BE49-F238E27FC236}">
+                <a16:creationId xmlns:a16="http://schemas.microsoft.com/office/drawing/2014/main" id="{FBDE7135-9153-4AEB-AC1F-4B951B7A76F2}"/>
+              </a:ext>
+            </a:extLst>
+          </p:cNvPr>
+          <p:cNvSpPr>
+            <a:spLocks noGrp="1"/>
+          </p:cNvSpPr>
+          <p:nvPr>
+            <p:ph type="sldNum" sz="quarter" idx="11"/>
+          </p:nvPr>
+        </p:nvSpPr>
+        <p:spPr>
+          <a:xfrm>
+            <a:off x="8805333" y="6356350"/>
+            <a:ext cx="2743200" cy="365125"/>
+          </a:xfrm>
+        </p:spPr>
+        <p:txBody>
+          <a:bodyPr vert="horz" lIns="91440" tIns="45720" rIns="91440" bIns="45720" rtlCol="0" anchor="ctr">
+            <a:normAutofit/>
+          </a:bodyPr>
+          <a:lstStyle/>
+          <a:p>
+            <a:pPr>
+              <a:spcAft>
+                <a:spcPts val="600"/>
+              </a:spcAft>
+            </a:pPr>
+            <a:fld id="{8C2E478F-E849-4A8C-AF1F-CBCC78A7CBFA}" type="slidenum">
+              <a:rPr lang="en-US" smtClean="0"/>
+              <a:pPr>
+                <a:spcAft>
+                  <a:spcPts val="600"/>
+                </a:spcAft>
+              </a:pPr>
+              <a:t>6</a:t>
+            </a:fld>
+            <a:endParaRPr lang="en-US"/>
+          </a:p>
+        </p:txBody>
+      </p:sp>
+      <p:sp>
+        <p:nvSpPr>
+          <p:cNvPr id="8" name="Title 7">
+            <a:extLst>
+              <a:ext uri="{FF2B5EF4-FFF2-40B4-BE49-F238E27FC236}">
+                <a16:creationId xmlns:a16="http://schemas.microsoft.com/office/drawing/2014/main" id="{F8DB2305-A4BB-ED16-560A-F163014025D2}"/>
+              </a:ext>
+            </a:extLst>
+          </p:cNvPr>
+          <p:cNvSpPr>
+            <a:spLocks noGrp="1"/>
+          </p:cNvSpPr>
+          <p:nvPr>
+            <p:ph type="title"/>
+          </p:nvPr>
+        </p:nvSpPr>
+        <p:spPr>
+          <a:xfrm>
+            <a:off x="6095999" y="612037"/>
+            <a:ext cx="5897218" cy="884238"/>
+          </a:xfrm>
+        </p:spPr>
+        <p:txBody>
+          <a:bodyPr/>
+          <a:lstStyle/>
+          <a:p>
+            <a:r>
+              <a:rPr lang="en-US" dirty="0"/>
+              <a:t>EXPLORATION</a:t>
+            </a:r>
+          </a:p>
+        </p:txBody>
+      </p:sp>
+      <p:pic>
+        <p:nvPicPr>
+          <p:cNvPr id="21" name="Picture 20">
+            <a:extLst>
+              <a:ext uri="{FF2B5EF4-FFF2-40B4-BE49-F238E27FC236}">
+                <a16:creationId xmlns:a16="http://schemas.microsoft.com/office/drawing/2014/main" id="{A6C62735-EC46-90C3-ABAA-22E139D243BA}"/>
+              </a:ext>
+            </a:extLst>
+          </p:cNvPr>
+          <p:cNvPicPr>
+            <a:picLocks noChangeAspect="1"/>
+          </p:cNvPicPr>
+          <p:nvPr/>
+        </p:nvPicPr>
+        <p:blipFill>
+          <a:blip r:embed="rId2"/>
+          <a:stretch>
+            <a:fillRect/>
+          </a:stretch>
+        </p:blipFill>
+        <p:spPr>
+          <a:xfrm>
+            <a:off x="6389754" y="2547344"/>
+            <a:ext cx="5263747" cy="2689674"/>
+          </a:xfrm>
+          <a:prstGeom prst="rect">
+            <a:avLst/>
+          </a:prstGeom>
+        </p:spPr>
+      </p:pic>
+      <p:pic>
+        <p:nvPicPr>
+          <p:cNvPr id="23" name="Picture 22">
+            <a:extLst>
+              <a:ext uri="{FF2B5EF4-FFF2-40B4-BE49-F238E27FC236}">
+                <a16:creationId xmlns:a16="http://schemas.microsoft.com/office/drawing/2014/main" id="{656D26CC-324E-2CAD-4C19-433EDA9BFD88}"/>
+              </a:ext>
+            </a:extLst>
+          </p:cNvPr>
+          <p:cNvPicPr>
+            <a:picLocks noChangeAspect="1"/>
+          </p:cNvPicPr>
+          <p:nvPr/>
+        </p:nvPicPr>
+        <p:blipFill>
+          <a:blip r:embed="rId3"/>
+          <a:stretch>
+            <a:fillRect/>
+          </a:stretch>
+        </p:blipFill>
+        <p:spPr>
+          <a:xfrm>
+            <a:off x="1304561" y="2217861"/>
+            <a:ext cx="4338287" cy="3305507"/>
+          </a:xfrm>
+          <a:prstGeom prst="rect">
+            <a:avLst/>
+          </a:prstGeom>
+        </p:spPr>
+      </p:pic>
+      <p:sp>
+        <p:nvSpPr>
+          <p:cNvPr id="24" name="TextBox 23">
+            <a:extLst>
+              <a:ext uri="{FF2B5EF4-FFF2-40B4-BE49-F238E27FC236}">
+                <a16:creationId xmlns:a16="http://schemas.microsoft.com/office/drawing/2014/main" id="{9B79D318-1B1F-9ECC-54BB-780E5D004766}"/>
+              </a:ext>
+            </a:extLst>
+          </p:cNvPr>
+          <p:cNvSpPr txBox="1"/>
+          <p:nvPr/>
+        </p:nvSpPr>
+        <p:spPr>
+          <a:xfrm>
+            <a:off x="7018352" y="1853103"/>
+            <a:ext cx="3573961" cy="430887"/>
+          </a:xfrm>
+          <a:prstGeom prst="rect">
+            <a:avLst/>
+          </a:prstGeom>
+          <a:noFill/>
+        </p:spPr>
+        <p:txBody>
+          <a:bodyPr rot="0" spcFirstLastPara="0" vertOverflow="overflow" horzOverflow="overflow" vert="horz" wrap="square" lIns="91440" tIns="45720" rIns="91440" bIns="45720" numCol="1" spcCol="0" rtlCol="0" fromWordArt="0" anchor="t" anchorCtr="0" forceAA="0" compatLnSpc="1">
+            <a:prstTxWarp prst="textNoShape">
+              <a:avLst/>
+            </a:prstTxWarp>
+            <a:spAutoFit/>
+          </a:bodyPr>
+          <a:lstStyle/>
+          <a:p>
+            <a:r>
+              <a:rPr lang="en-US" sz="2200" dirty="0">
+                <a:cs typeface="Calibri"/>
+              </a:rPr>
+              <a:t>Word cloud (top 100 words)</a:t>
+            </a:r>
+            <a:endParaRPr lang="en-US" sz="2200" dirty="0"/>
+          </a:p>
+        </p:txBody>
+      </p:sp>
+      <p:sp>
+        <p:nvSpPr>
+          <p:cNvPr id="25" name="TextBox 24">
+            <a:extLst>
+              <a:ext uri="{FF2B5EF4-FFF2-40B4-BE49-F238E27FC236}">
+                <a16:creationId xmlns:a16="http://schemas.microsoft.com/office/drawing/2014/main" id="{C9979569-83F4-DBB9-54E6-B55FAEEF7D53}"/>
+              </a:ext>
+            </a:extLst>
+          </p:cNvPr>
+          <p:cNvSpPr txBox="1"/>
+          <p:nvPr/>
+        </p:nvSpPr>
+        <p:spPr>
+          <a:xfrm>
+            <a:off x="2371266" y="1739063"/>
+            <a:ext cx="2366989" cy="430887"/>
+          </a:xfrm>
+          <a:prstGeom prst="rect">
+            <a:avLst/>
+          </a:prstGeom>
+          <a:noFill/>
+        </p:spPr>
+        <p:txBody>
+          <a:bodyPr rot="0" spcFirstLastPara="0" vertOverflow="overflow" horzOverflow="overflow" vert="horz" wrap="square" lIns="91440" tIns="45720" rIns="91440" bIns="45720" numCol="1" spcCol="0" rtlCol="0" fromWordArt="0" anchor="t" anchorCtr="0" forceAA="0" compatLnSpc="1">
+            <a:prstTxWarp prst="textNoShape">
+              <a:avLst/>
+            </a:prstTxWarp>
+            <a:spAutoFit/>
+          </a:bodyPr>
+          <a:lstStyle/>
+          <a:p>
+            <a:r>
+              <a:rPr lang="en-US" sz="2200" dirty="0">
+                <a:cs typeface="Calibri"/>
+              </a:rPr>
+              <a:t>Overall sentiment</a:t>
+            </a:r>
+            <a:endParaRPr lang="en-US" sz="2200" dirty="0"/>
+          </a:p>
+        </p:txBody>
+      </p:sp>
+    </p:spTree>
+    <p:extLst>
+      <p:ext uri="{BB962C8B-B14F-4D97-AF65-F5344CB8AC3E}">
+        <p14:creationId xmlns:p14="http://schemas.microsoft.com/office/powerpoint/2010/main" val="869470413"/>
+      </p:ext>
+    </p:extLst>
+  </p:cSld>
+  <p:clrMapOvr>
+    <a:masterClrMapping/>
+  </p:clrMapOvr>
+</p:sld>
+</file>
+
+<file path=ppt/slides/slide7.xml><?xml version="1.0" encoding="utf-8"?>
+<p:sld xmlns:a="http://schemas.openxmlformats.org/drawingml/2006/main" xmlns:r="http://schemas.openxmlformats.org/officeDocument/2006/relationships" xmlns:p="http://schemas.openxmlformats.org/presentationml/2006/main">
+  <p:cSld>
+    <p:bg>
+      <p:bgPr>
+        <a:solidFill>
+          <a:schemeClr val="bg1"/>
+        </a:solidFill>
+        <a:effectLst/>
+      </p:bgPr>
+    </p:bg>
+    <p:spTree>
+      <p:nvGrpSpPr>
+        <p:cNvPr id="1" name=""/>
+        <p:cNvGrpSpPr/>
+        <p:nvPr/>
+      </p:nvGrpSpPr>
+      <p:grpSpPr>
+        <a:xfrm>
+          <a:off x="0" y="0"/>
+          <a:ext cx="0" cy="0"/>
+          <a:chOff x="0" y="0"/>
+          <a:chExt cx="0" cy="0"/>
+        </a:xfrm>
+      </p:grpSpPr>
+      <p:sp>
+        <p:nvSpPr>
+          <p:cNvPr id="10" name="Rectangle 9">
+            <a:extLst>
+              <a:ext uri="{FF2B5EF4-FFF2-40B4-BE49-F238E27FC236}">
+                <a16:creationId xmlns:a16="http://schemas.microsoft.com/office/drawing/2014/main" id="{2B566528-1B12-4246-9431-5C2D7D081168}"/>
+              </a:ext>
+              <a:ext uri="{C183D7F6-B498-43B3-948B-1728B52AA6E4}">
+                <adec:decorative xmlns:adec="http://schemas.microsoft.com/office/drawing/2017/decorative" val="1"/>
+              </a:ext>
+            </a:extLst>
+          </p:cNvPr>
+          <p:cNvSpPr>
+            <a:spLocks noGrp="1" noRot="1" noChangeAspect="1" noMove="1" noResize="1" noEditPoints="1" noAdjustHandles="1" noChangeArrowheads="1" noChangeShapeType="1" noTextEdit="1"/>
+          </p:cNvSpPr>
+          <p:nvPr>
+            <p:extLst>
+              <p:ext uri="{386F3935-93C4-4BCD-93E2-E3B085C9AB24}">
+                <p16:designElem xmlns:p16="http://schemas.microsoft.com/office/powerpoint/2015/main" val="1"/>
+              </p:ext>
+            </p:extLst>
+          </p:nvPr>
+        </p:nvSpPr>
+        <p:spPr>
+          <a:xfrm>
+            <a:off x="0" y="0"/>
+            <a:ext cx="12192000" cy="6858000"/>
+          </a:xfrm>
+          <a:prstGeom prst="rect">
+            <a:avLst/>
+          </a:prstGeom>
+          <a:solidFill>
+            <a:schemeClr val="bg1"/>
+          </a:solidFill>
+          <a:ln>
+            <a:noFill/>
+          </a:ln>
+        </p:spPr>
+        <p:style>
+          <a:lnRef idx="2">
+            <a:schemeClr val="accent1">
+              <a:shade val="50000"/>
+            </a:schemeClr>
+          </a:lnRef>
+          <a:fillRef idx="1">
+            <a:schemeClr val="accent1"/>
+          </a:fillRef>
+          <a:effectRef idx="0">
+            <a:schemeClr val="accent1"/>
+          </a:effectRef>
+          <a:fontRef idx="minor">
+            <a:schemeClr val="lt1"/>
+          </a:fontRef>
+        </p:style>
+        <p:txBody>
+          <a:bodyPr rtlCol="0" anchor="ctr"/>
+          <a:lstStyle/>
+          <a:p>
+            <a:pPr algn="ctr"/>
+            <a:endParaRPr lang="en-US"/>
+          </a:p>
+        </p:txBody>
+      </p:sp>
+      <p:grpSp>
+        <p:nvGrpSpPr>
+          <p:cNvPr id="12" name="Group 11">
+            <a:extLst>
+              <a:ext uri="{FF2B5EF4-FFF2-40B4-BE49-F238E27FC236}">
+                <a16:creationId xmlns:a16="http://schemas.microsoft.com/office/drawing/2014/main" id="{828A5161-06F1-46CF-8AD7-844680A59E13}"/>
+              </a:ext>
+              <a:ext uri="{C183D7F6-B498-43B3-948B-1728B52AA6E4}">
+                <adec:decorative xmlns:adec="http://schemas.microsoft.com/office/drawing/2017/decorative" val="1"/>
+              </a:ext>
+            </a:extLst>
+          </p:cNvPr>
+          <p:cNvGrpSpPr>
+            <a:grpSpLocks noGrp="1" noUngrp="1" noRot="1" noChangeAspect="1" noMove="1" noResize="1"/>
+          </p:cNvGrpSpPr>
+          <p:nvPr>
+            <p:extLst>
+              <p:ext uri="{386F3935-93C4-4BCD-93E2-E3B085C9AB24}">
+                <p16:designElem xmlns:p16="http://schemas.microsoft.com/office/powerpoint/2015/main" val="1"/>
+              </p:ext>
+            </p:extLst>
+          </p:nvPr>
+        </p:nvGrpSpPr>
+        <p:grpSpPr>
+          <a:xfrm>
+            <a:off x="0" y="4601497"/>
+            <a:ext cx="1014060" cy="2017580"/>
+            <a:chOff x="0" y="4601497"/>
+            <a:chExt cx="1014060" cy="2017580"/>
+          </a:xfrm>
+        </p:grpSpPr>
+        <p:sp>
+          <p:nvSpPr>
+            <p:cNvPr id="13" name="Isosceles Triangle 12">
+              <a:extLst>
+                <a:ext uri="{FF2B5EF4-FFF2-40B4-BE49-F238E27FC236}">
+                  <a16:creationId xmlns:a16="http://schemas.microsoft.com/office/drawing/2014/main" id="{D3F51FEB-38FB-4F6C-9F7B-2F2AFAB65463}"/>
+                </a:ext>
+                <a:ext uri="{C183D7F6-B498-43B3-948B-1728B52AA6E4}">
+                  <adec:decorative xmlns:adec="http://schemas.microsoft.com/office/drawing/2017/decorative" val="1"/>
+                </a:ext>
+              </a:extLst>
+            </p:cNvPr>
+            <p:cNvSpPr/>
+            <p:nvPr>
+              <p:extLst>
+                <p:ext uri="{386F3935-93C4-4BCD-93E2-E3B085C9AB24}">
+                  <p16:designElem xmlns:p16="http://schemas.microsoft.com/office/powerpoint/2015/main" val="1"/>
+                </p:ext>
+              </p:extLst>
+            </p:nvPr>
+          </p:nvSpPr>
+          <p:spPr>
+            <a:xfrm rot="5400000">
+              <a:off x="-501760" y="5103257"/>
+              <a:ext cx="2017580" cy="1014060"/>
+            </a:xfrm>
+            <a:prstGeom prst="triangle">
+              <a:avLst>
+                <a:gd name="adj" fmla="val 50000"/>
+              </a:avLst>
+            </a:prstGeom>
+            <a:solidFill>
+              <a:schemeClr val="accent1">
+                <a:alpha val="30000"/>
+              </a:schemeClr>
+            </a:solidFill>
+            <a:ln>
+              <a:noFill/>
+            </a:ln>
+          </p:spPr>
+          <p:style>
+            <a:lnRef idx="2">
+              <a:schemeClr val="accent1">
+                <a:shade val="50000"/>
+              </a:schemeClr>
+            </a:lnRef>
+            <a:fillRef idx="1">
+              <a:schemeClr val="accent1"/>
+            </a:fillRef>
+            <a:effectRef idx="0">
+              <a:schemeClr val="accent1"/>
+            </a:effectRef>
+            <a:fontRef idx="minor">
+              <a:schemeClr val="lt1"/>
+            </a:fontRef>
+          </p:style>
+          <p:txBody>
+            <a:bodyPr rtlCol="0" anchor="ctr"/>
+            <a:lstStyle/>
+            <a:p>
+              <a:pPr algn="ctr"/>
+              <a:endParaRPr lang="en-US"/>
+            </a:p>
+          </p:txBody>
+        </p:sp>
+        <p:sp>
+          <p:nvSpPr>
+            <p:cNvPr id="14" name="Rectangle 13">
+              <a:extLst>
+                <a:ext uri="{FF2B5EF4-FFF2-40B4-BE49-F238E27FC236}">
+                  <a16:creationId xmlns:a16="http://schemas.microsoft.com/office/drawing/2014/main" id="{1E547BA6-BAE0-43BB-A7CA-60F69CE252F0}"/>
+                </a:ext>
+                <a:ext uri="{C183D7F6-B498-43B3-948B-1728B52AA6E4}">
+                  <adec:decorative xmlns:adec="http://schemas.microsoft.com/office/drawing/2017/decorative" val="1"/>
+                </a:ext>
+              </a:extLst>
+            </p:cNvPr>
+            <p:cNvSpPr/>
+            <p:nvPr>
+              <p:extLst>
+                <p:ext uri="{386F3935-93C4-4BCD-93E2-E3B085C9AB24}">
+                  <p16:designElem xmlns:p16="http://schemas.microsoft.com/office/powerpoint/2015/main" val="1"/>
+                </p:ext>
+              </p:extLst>
+            </p:nvPr>
+          </p:nvSpPr>
+          <p:spPr>
+            <a:xfrm rot="2700000">
+              <a:off x="427916" y="5728708"/>
+              <a:ext cx="485578" cy="485578"/>
+            </a:xfrm>
+            <a:prstGeom prst="rect">
+              <a:avLst/>
+            </a:prstGeom>
+            <a:solidFill>
+              <a:schemeClr val="accent1">
+                <a:alpha val="30000"/>
+              </a:schemeClr>
+            </a:solidFill>
+            <a:ln>
+              <a:noFill/>
+            </a:ln>
+          </p:spPr>
+          <p:style>
+            <a:lnRef idx="2">
+              <a:schemeClr val="accent1">
+                <a:shade val="50000"/>
+              </a:schemeClr>
+            </a:lnRef>
+            <a:fillRef idx="1">
+              <a:schemeClr val="accent1"/>
+            </a:fillRef>
+            <a:effectRef idx="0">
+              <a:schemeClr val="accent1"/>
+            </a:effectRef>
+            <a:fontRef idx="minor">
+              <a:schemeClr val="lt1"/>
+            </a:fontRef>
+          </p:style>
+          <p:txBody>
+            <a:bodyPr rtlCol="0" anchor="ctr"/>
+            <a:lstStyle/>
+            <a:p>
+              <a:pPr algn="ctr"/>
+              <a:endParaRPr lang="en-US"/>
+            </a:p>
+          </p:txBody>
+        </p:sp>
+      </p:grpSp>
+      <p:grpSp>
+        <p:nvGrpSpPr>
+          <p:cNvPr id="16" name="Group 15">
+            <a:extLst>
+              <a:ext uri="{FF2B5EF4-FFF2-40B4-BE49-F238E27FC236}">
+                <a16:creationId xmlns:a16="http://schemas.microsoft.com/office/drawing/2014/main" id="{5995D10D-E9C9-47DB-AE7E-801FEF38F5C9}"/>
+              </a:ext>
+              <a:ext uri="{C183D7F6-B498-43B3-948B-1728B52AA6E4}">
+                <adec:decorative xmlns:adec="http://schemas.microsoft.com/office/drawing/2017/decorative" val="1"/>
+              </a:ext>
+            </a:extLst>
+          </p:cNvPr>
+          <p:cNvGrpSpPr>
+            <a:grpSpLocks noGrp="1" noUngrp="1" noRot="1" noChangeAspect="1" noMove="1" noResize="1"/>
+          </p:cNvGrpSpPr>
+          <p:nvPr>
+            <p:extLst>
+              <p:ext uri="{386F3935-93C4-4BCD-93E2-E3B085C9AB24}">
+                <p16:designElem xmlns:p16="http://schemas.microsoft.com/office/powerpoint/2015/main" val="1"/>
+              </p:ext>
+            </p:extLst>
+          </p:nvPr>
+        </p:nvGrpSpPr>
+        <p:grpSpPr>
+          <a:xfrm>
+            <a:off x="11219290" y="1"/>
+            <a:ext cx="972709" cy="1935307"/>
+            <a:chOff x="10918968" y="713127"/>
+            <a:chExt cx="1273032" cy="2532832"/>
+          </a:xfrm>
+        </p:grpSpPr>
+        <p:sp>
+          <p:nvSpPr>
+            <p:cNvPr id="17" name="Rectangle 16">
+              <a:extLst>
+                <a:ext uri="{FF2B5EF4-FFF2-40B4-BE49-F238E27FC236}">
+                  <a16:creationId xmlns:a16="http://schemas.microsoft.com/office/drawing/2014/main" id="{CC1A72C6-3DE4-4EC3-9AD5-9E0D40D8CE8A}"/>
+                </a:ext>
+                <a:ext uri="{C183D7F6-B498-43B3-948B-1728B52AA6E4}">
+                  <adec:decorative xmlns:adec="http://schemas.microsoft.com/office/drawing/2017/decorative" val="1"/>
+                </a:ext>
+              </a:extLst>
+            </p:cNvPr>
+            <p:cNvSpPr/>
+            <p:nvPr>
+              <p:extLst>
+                <p:ext uri="{386F3935-93C4-4BCD-93E2-E3B085C9AB24}">
+                  <p16:designElem xmlns:p16="http://schemas.microsoft.com/office/powerpoint/2015/main" val="1"/>
+                </p:ext>
+              </p:extLst>
+            </p:nvPr>
+          </p:nvSpPr>
+          <p:spPr>
+            <a:xfrm rot="2700000">
+              <a:off x="11052629" y="2120024"/>
+              <a:ext cx="645368" cy="645368"/>
+            </a:xfrm>
+            <a:prstGeom prst="rect">
+              <a:avLst/>
+            </a:prstGeom>
+            <a:solidFill>
+              <a:schemeClr val="accent4">
+                <a:alpha val="30000"/>
+              </a:schemeClr>
+            </a:solidFill>
+            <a:ln>
+              <a:noFill/>
+            </a:ln>
+          </p:spPr>
+          <p:style>
+            <a:lnRef idx="2">
+              <a:schemeClr val="accent1">
+                <a:shade val="50000"/>
+              </a:schemeClr>
+            </a:lnRef>
+            <a:fillRef idx="1">
+              <a:schemeClr val="accent1"/>
+            </a:fillRef>
+            <a:effectRef idx="0">
+              <a:schemeClr val="accent1"/>
+            </a:effectRef>
+            <a:fontRef idx="minor">
+              <a:schemeClr val="lt1"/>
+            </a:fontRef>
+          </p:style>
+          <p:txBody>
+            <a:bodyPr rtlCol="0" anchor="ctr"/>
+            <a:lstStyle/>
+            <a:p>
+              <a:pPr algn="ctr"/>
+              <a:endParaRPr lang="en-US"/>
+            </a:p>
+          </p:txBody>
+        </p:sp>
+        <p:sp>
+          <p:nvSpPr>
+            <p:cNvPr id="18" name="Isosceles Triangle 17">
+              <a:extLst>
+                <a:ext uri="{FF2B5EF4-FFF2-40B4-BE49-F238E27FC236}">
+                  <a16:creationId xmlns:a16="http://schemas.microsoft.com/office/drawing/2014/main" id="{0B0DA1F1-C391-4EDF-9FE0-23E86E137765}"/>
+                </a:ext>
+                <a:ext uri="{C183D7F6-B498-43B3-948B-1728B52AA6E4}">
+                  <adec:decorative xmlns:adec="http://schemas.microsoft.com/office/drawing/2017/decorative" val="1"/>
+                </a:ext>
+              </a:extLst>
+            </p:cNvPr>
+            <p:cNvSpPr/>
+            <p:nvPr>
+              <p:extLst>
+                <p:ext uri="{386F3935-93C4-4BCD-93E2-E3B085C9AB24}">
+                  <p16:designElem xmlns:p16="http://schemas.microsoft.com/office/powerpoint/2015/main" val="1"/>
+                </p:ext>
+              </p:extLst>
+            </p:nvPr>
+          </p:nvSpPr>
+          <p:spPr>
+            <a:xfrm rot="16200000">
+              <a:off x="10289068" y="1343027"/>
+              <a:ext cx="2532832" cy="1273032"/>
+            </a:xfrm>
+            <a:prstGeom prst="triangle">
+              <a:avLst>
+                <a:gd name="adj" fmla="val 50000"/>
+              </a:avLst>
+            </a:prstGeom>
+            <a:solidFill>
+              <a:schemeClr val="accent4">
+                <a:alpha val="30000"/>
+              </a:schemeClr>
+            </a:solidFill>
+            <a:ln>
+              <a:noFill/>
+            </a:ln>
+          </p:spPr>
+          <p:style>
+            <a:lnRef idx="2">
+              <a:schemeClr val="accent1">
+                <a:shade val="50000"/>
+              </a:schemeClr>
+            </a:lnRef>
+            <a:fillRef idx="1">
+              <a:schemeClr val="accent1"/>
+            </a:fillRef>
+            <a:effectRef idx="0">
+              <a:schemeClr val="accent1"/>
+            </a:effectRef>
+            <a:fontRef idx="minor">
+              <a:schemeClr val="lt1"/>
+            </a:fontRef>
+          </p:style>
+          <p:txBody>
+            <a:bodyPr rtlCol="0" anchor="ctr"/>
+            <a:lstStyle/>
+            <a:p>
+              <a:pPr algn="ctr"/>
+              <a:endParaRPr lang="en-US"/>
+            </a:p>
+          </p:txBody>
+        </p:sp>
+      </p:grpSp>
+      <p:sp>
+        <p:nvSpPr>
+          <p:cNvPr id="3" name="Slide Number Placeholder 2">
+            <a:extLst>
+              <a:ext uri="{FF2B5EF4-FFF2-40B4-BE49-F238E27FC236}">
+                <a16:creationId xmlns:a16="http://schemas.microsoft.com/office/drawing/2014/main" id="{FBDE7135-9153-4AEB-AC1F-4B951B7A76F2}"/>
+              </a:ext>
+            </a:extLst>
+          </p:cNvPr>
+          <p:cNvSpPr>
+            <a:spLocks noGrp="1"/>
+          </p:cNvSpPr>
+          <p:nvPr>
+            <p:ph type="sldNum" sz="quarter" idx="11"/>
+          </p:nvPr>
+        </p:nvSpPr>
+        <p:spPr>
+          <a:xfrm>
+            <a:off x="8805333" y="6356350"/>
+            <a:ext cx="2743200" cy="365125"/>
+          </a:xfrm>
+        </p:spPr>
+        <p:txBody>
+          <a:bodyPr vert="horz" lIns="91440" tIns="45720" rIns="91440" bIns="45720" rtlCol="0" anchor="ctr">
+            <a:normAutofit/>
+          </a:bodyPr>
+          <a:lstStyle/>
+          <a:p>
+            <a:pPr>
+              <a:spcAft>
+                <a:spcPts val="600"/>
+              </a:spcAft>
+            </a:pPr>
+            <a:fld id="{8C2E478F-E849-4A8C-AF1F-CBCC78A7CBFA}" type="slidenum">
+              <a:rPr lang="en-US" smtClean="0"/>
+              <a:pPr>
+                <a:spcAft>
+                  <a:spcPts val="600"/>
+                </a:spcAft>
+              </a:pPr>
+              <a:t>7</a:t>
+            </a:fld>
+            <a:endParaRPr lang="en-US"/>
+          </a:p>
+        </p:txBody>
+      </p:sp>
+      <p:sp>
+        <p:nvSpPr>
+          <p:cNvPr id="8" name="Title 7">
+            <a:extLst>
+              <a:ext uri="{FF2B5EF4-FFF2-40B4-BE49-F238E27FC236}">
+                <a16:creationId xmlns:a16="http://schemas.microsoft.com/office/drawing/2014/main" id="{F8DB2305-A4BB-ED16-560A-F163014025D2}"/>
+              </a:ext>
+            </a:extLst>
+          </p:cNvPr>
+          <p:cNvSpPr>
+            <a:spLocks noGrp="1"/>
+          </p:cNvSpPr>
+          <p:nvPr>
+            <p:ph type="title"/>
+          </p:nvPr>
+        </p:nvSpPr>
+        <p:spPr>
+          <a:xfrm>
+            <a:off x="6095999" y="612037"/>
+            <a:ext cx="5897218" cy="884238"/>
+          </a:xfrm>
+        </p:spPr>
+        <p:txBody>
+          <a:bodyPr/>
+          <a:lstStyle/>
+          <a:p>
+            <a:r>
+              <a:rPr lang="en-US" dirty="0"/>
+              <a:t>TOPICS</a:t>
+            </a:r>
+          </a:p>
+        </p:txBody>
+      </p:sp>
+      <p:pic>
+        <p:nvPicPr>
+          <p:cNvPr id="11" name="Picture 10" descr="Chart, bubble chart&#10;&#10;Description automatically generated">
+            <a:extLst>
+              <a:ext uri="{FF2B5EF4-FFF2-40B4-BE49-F238E27FC236}">
+                <a16:creationId xmlns:a16="http://schemas.microsoft.com/office/drawing/2014/main" id="{ED4674F2-4087-DC83-74BE-37142E5B5802}"/>
+              </a:ext>
+            </a:extLst>
+          </p:cNvPr>
+          <p:cNvPicPr>
+            <a:picLocks noChangeAspect="1"/>
+          </p:cNvPicPr>
+          <p:nvPr/>
+        </p:nvPicPr>
+        <p:blipFill>
+          <a:blip r:embed="rId2"/>
+          <a:stretch>
+            <a:fillRect/>
+          </a:stretch>
+        </p:blipFill>
+        <p:spPr>
+          <a:xfrm>
+            <a:off x="978124" y="1402305"/>
+            <a:ext cx="9336875" cy="5455695"/>
+          </a:xfrm>
+          <a:prstGeom prst="rect">
+            <a:avLst/>
+          </a:prstGeom>
+        </p:spPr>
+      </p:pic>
+    </p:spTree>
+    <p:extLst>
+      <p:ext uri="{BB962C8B-B14F-4D97-AF65-F5344CB8AC3E}">
+        <p14:creationId xmlns:p14="http://schemas.microsoft.com/office/powerpoint/2010/main" val="1301487660"/>
+      </p:ext>
+    </p:extLst>
+  </p:cSld>
+  <p:clrMapOvr>
+    <a:masterClrMapping/>
+  </p:clrMapOvr>
+</p:sld>
+</file>
+
+<file path=ppt/slides/slide8.xml><?xml version="1.0" encoding="utf-8"?>
+<p:sld xmlns:a="http://schemas.openxmlformats.org/drawingml/2006/main" xmlns:r="http://schemas.openxmlformats.org/officeDocument/2006/relationships" xmlns:p="http://schemas.openxmlformats.org/presentationml/2006/main">
+  <p:cSld>
+    <p:bg>
+      <p:bgPr>
+        <a:solidFill>
+          <a:schemeClr val="bg1"/>
+        </a:solidFill>
+        <a:effectLst/>
+      </p:bgPr>
+    </p:bg>
+    <p:spTree>
+      <p:nvGrpSpPr>
+        <p:cNvPr id="1" name=""/>
+        <p:cNvGrpSpPr/>
+        <p:nvPr/>
+      </p:nvGrpSpPr>
+      <p:grpSpPr>
+        <a:xfrm>
+          <a:off x="0" y="0"/>
+          <a:ext cx="0" cy="0"/>
+          <a:chOff x="0" y="0"/>
+          <a:chExt cx="0" cy="0"/>
+        </a:xfrm>
+      </p:grpSpPr>
+      <p:sp>
+        <p:nvSpPr>
+          <p:cNvPr id="10" name="Rectangle 9">
+            <a:extLst>
+              <a:ext uri="{FF2B5EF4-FFF2-40B4-BE49-F238E27FC236}">
+                <a16:creationId xmlns:a16="http://schemas.microsoft.com/office/drawing/2014/main" id="{2B566528-1B12-4246-9431-5C2D7D081168}"/>
+              </a:ext>
+              <a:ext uri="{C183D7F6-B498-43B3-948B-1728B52AA6E4}">
+                <adec:decorative xmlns:adec="http://schemas.microsoft.com/office/drawing/2017/decorative" val="1"/>
+              </a:ext>
+            </a:extLst>
+          </p:cNvPr>
+          <p:cNvSpPr>
+            <a:spLocks noGrp="1" noRot="1" noChangeAspect="1" noMove="1" noResize="1" noEditPoints="1" noAdjustHandles="1" noChangeArrowheads="1" noChangeShapeType="1" noTextEdit="1"/>
+          </p:cNvSpPr>
+          <p:nvPr>
+            <p:extLst>
+              <p:ext uri="{386F3935-93C4-4BCD-93E2-E3B085C9AB24}">
+                <p16:designElem xmlns:p16="http://schemas.microsoft.com/office/powerpoint/2015/main" val="1"/>
+              </p:ext>
+            </p:extLst>
+          </p:nvPr>
+        </p:nvSpPr>
+        <p:spPr>
+          <a:xfrm>
+            <a:off x="0" y="0"/>
+            <a:ext cx="12192000" cy="6858000"/>
+          </a:xfrm>
+          <a:prstGeom prst="rect">
+            <a:avLst/>
+          </a:prstGeom>
+          <a:solidFill>
+            <a:schemeClr val="bg1"/>
+          </a:solidFill>
+          <a:ln>
+            <a:noFill/>
+          </a:ln>
+        </p:spPr>
+        <p:style>
+          <a:lnRef idx="2">
+            <a:schemeClr val="accent1">
+              <a:shade val="50000"/>
+            </a:schemeClr>
+          </a:lnRef>
+          <a:fillRef idx="1">
+            <a:schemeClr val="accent1"/>
+          </a:fillRef>
+          <a:effectRef idx="0">
+            <a:schemeClr val="accent1"/>
+          </a:effectRef>
+          <a:fontRef idx="minor">
+            <a:schemeClr val="lt1"/>
+          </a:fontRef>
+        </p:style>
+        <p:txBody>
+          <a:bodyPr rtlCol="0" anchor="ctr"/>
+          <a:lstStyle/>
+          <a:p>
+            <a:pPr algn="ctr"/>
+            <a:endParaRPr lang="en-US"/>
+          </a:p>
+        </p:txBody>
+      </p:sp>
+      <p:grpSp>
+        <p:nvGrpSpPr>
+          <p:cNvPr id="12" name="Group 11">
+            <a:extLst>
+              <a:ext uri="{FF2B5EF4-FFF2-40B4-BE49-F238E27FC236}">
+                <a16:creationId xmlns:a16="http://schemas.microsoft.com/office/drawing/2014/main" id="{828A5161-06F1-46CF-8AD7-844680A59E13}"/>
+              </a:ext>
+              <a:ext uri="{C183D7F6-B498-43B3-948B-1728B52AA6E4}">
+                <adec:decorative xmlns:adec="http://schemas.microsoft.com/office/drawing/2017/decorative" val="1"/>
+              </a:ext>
+            </a:extLst>
+          </p:cNvPr>
+          <p:cNvGrpSpPr>
+            <a:grpSpLocks noGrp="1" noUngrp="1" noRot="1" noChangeAspect="1" noMove="1" noResize="1"/>
+          </p:cNvGrpSpPr>
+          <p:nvPr>
+            <p:extLst>
+              <p:ext uri="{386F3935-93C4-4BCD-93E2-E3B085C9AB24}">
+                <p16:designElem xmlns:p16="http://schemas.microsoft.com/office/powerpoint/2015/main" val="1"/>
+              </p:ext>
+            </p:extLst>
+          </p:nvPr>
+        </p:nvGrpSpPr>
+        <p:grpSpPr>
+          <a:xfrm>
+            <a:off x="0" y="4601497"/>
+            <a:ext cx="1014060" cy="2017580"/>
+            <a:chOff x="0" y="4601497"/>
+            <a:chExt cx="1014060" cy="2017580"/>
+          </a:xfrm>
+        </p:grpSpPr>
+        <p:sp>
+          <p:nvSpPr>
+            <p:cNvPr id="13" name="Isosceles Triangle 12">
+              <a:extLst>
+                <a:ext uri="{FF2B5EF4-FFF2-40B4-BE49-F238E27FC236}">
+                  <a16:creationId xmlns:a16="http://schemas.microsoft.com/office/drawing/2014/main" id="{D3F51FEB-38FB-4F6C-9F7B-2F2AFAB65463}"/>
+                </a:ext>
+                <a:ext uri="{C183D7F6-B498-43B3-948B-1728B52AA6E4}">
+                  <adec:decorative xmlns:adec="http://schemas.microsoft.com/office/drawing/2017/decorative" val="1"/>
+                </a:ext>
+              </a:extLst>
+            </p:cNvPr>
+            <p:cNvSpPr/>
+            <p:nvPr>
+              <p:extLst>
+                <p:ext uri="{386F3935-93C4-4BCD-93E2-E3B085C9AB24}">
+                  <p16:designElem xmlns:p16="http://schemas.microsoft.com/office/powerpoint/2015/main" val="1"/>
+                </p:ext>
+              </p:extLst>
+            </p:nvPr>
+          </p:nvSpPr>
+          <p:spPr>
+            <a:xfrm rot="5400000">
+              <a:off x="-501760" y="5103257"/>
+              <a:ext cx="2017580" cy="1014060"/>
+            </a:xfrm>
+            <a:prstGeom prst="triangle">
+              <a:avLst>
+                <a:gd name="adj" fmla="val 50000"/>
+              </a:avLst>
+            </a:prstGeom>
+            <a:solidFill>
+              <a:schemeClr val="accent1">
+                <a:alpha val="30000"/>
+              </a:schemeClr>
+            </a:solidFill>
+            <a:ln>
+              <a:noFill/>
+            </a:ln>
+          </p:spPr>
+          <p:style>
+            <a:lnRef idx="2">
+              <a:schemeClr val="accent1">
+                <a:shade val="50000"/>
+              </a:schemeClr>
+            </a:lnRef>
+            <a:fillRef idx="1">
+              <a:schemeClr val="accent1"/>
+            </a:fillRef>
+            <a:effectRef idx="0">
+              <a:schemeClr val="accent1"/>
+            </a:effectRef>
+            <a:fontRef idx="minor">
+              <a:schemeClr val="lt1"/>
+            </a:fontRef>
+          </p:style>
+          <p:txBody>
+            <a:bodyPr rtlCol="0" anchor="ctr"/>
+            <a:lstStyle/>
+            <a:p>
+              <a:pPr algn="ctr"/>
+              <a:endParaRPr lang="en-US"/>
+            </a:p>
+          </p:txBody>
+        </p:sp>
+        <p:sp>
+          <p:nvSpPr>
+            <p:cNvPr id="14" name="Rectangle 13">
+              <a:extLst>
+                <a:ext uri="{FF2B5EF4-FFF2-40B4-BE49-F238E27FC236}">
+                  <a16:creationId xmlns:a16="http://schemas.microsoft.com/office/drawing/2014/main" id="{1E547BA6-BAE0-43BB-A7CA-60F69CE252F0}"/>
+                </a:ext>
+                <a:ext uri="{C183D7F6-B498-43B3-948B-1728B52AA6E4}">
+                  <adec:decorative xmlns:adec="http://schemas.microsoft.com/office/drawing/2017/decorative" val="1"/>
+                </a:ext>
+              </a:extLst>
+            </p:cNvPr>
+            <p:cNvSpPr/>
+            <p:nvPr>
+              <p:extLst>
+                <p:ext uri="{386F3935-93C4-4BCD-93E2-E3B085C9AB24}">
+                  <p16:designElem xmlns:p16="http://schemas.microsoft.com/office/powerpoint/2015/main" val="1"/>
+                </p:ext>
+              </p:extLst>
+            </p:nvPr>
+          </p:nvSpPr>
+          <p:spPr>
+            <a:xfrm rot="2700000">
+              <a:off x="427916" y="5728708"/>
+              <a:ext cx="485578" cy="485578"/>
+            </a:xfrm>
+            <a:prstGeom prst="rect">
+              <a:avLst/>
+            </a:prstGeom>
+            <a:solidFill>
+              <a:schemeClr val="accent1">
+                <a:alpha val="30000"/>
+              </a:schemeClr>
+            </a:solidFill>
+            <a:ln>
+              <a:noFill/>
+            </a:ln>
+          </p:spPr>
+          <p:style>
+            <a:lnRef idx="2">
+              <a:schemeClr val="accent1">
+                <a:shade val="50000"/>
+              </a:schemeClr>
+            </a:lnRef>
+            <a:fillRef idx="1">
+              <a:schemeClr val="accent1"/>
+            </a:fillRef>
+            <a:effectRef idx="0">
+              <a:schemeClr val="accent1"/>
+            </a:effectRef>
+            <a:fontRef idx="minor">
+              <a:schemeClr val="lt1"/>
+            </a:fontRef>
+          </p:style>
+          <p:txBody>
+            <a:bodyPr rtlCol="0" anchor="ctr"/>
+            <a:lstStyle/>
+            <a:p>
+              <a:pPr algn="ctr"/>
+              <a:endParaRPr lang="en-US"/>
+            </a:p>
+          </p:txBody>
+        </p:sp>
+      </p:grpSp>
+      <p:grpSp>
+        <p:nvGrpSpPr>
+          <p:cNvPr id="16" name="Group 15">
+            <a:extLst>
+              <a:ext uri="{FF2B5EF4-FFF2-40B4-BE49-F238E27FC236}">
+                <a16:creationId xmlns:a16="http://schemas.microsoft.com/office/drawing/2014/main" id="{5995D10D-E9C9-47DB-AE7E-801FEF38F5C9}"/>
+              </a:ext>
+              <a:ext uri="{C183D7F6-B498-43B3-948B-1728B52AA6E4}">
+                <adec:decorative xmlns:adec="http://schemas.microsoft.com/office/drawing/2017/decorative" val="1"/>
+              </a:ext>
+            </a:extLst>
+          </p:cNvPr>
+          <p:cNvGrpSpPr>
+            <a:grpSpLocks noGrp="1" noUngrp="1" noRot="1" noChangeAspect="1" noMove="1" noResize="1"/>
+          </p:cNvGrpSpPr>
+          <p:nvPr>
+            <p:extLst>
+              <p:ext uri="{386F3935-93C4-4BCD-93E2-E3B085C9AB24}">
+                <p16:designElem xmlns:p16="http://schemas.microsoft.com/office/powerpoint/2015/main" val="1"/>
+              </p:ext>
+            </p:extLst>
+          </p:nvPr>
+        </p:nvGrpSpPr>
+        <p:grpSpPr>
+          <a:xfrm>
+            <a:off x="11219290" y="1"/>
+            <a:ext cx="972709" cy="1935307"/>
+            <a:chOff x="10918968" y="713127"/>
+            <a:chExt cx="1273032" cy="2532832"/>
+          </a:xfrm>
+        </p:grpSpPr>
+        <p:sp>
+          <p:nvSpPr>
+            <p:cNvPr id="17" name="Rectangle 16">
+              <a:extLst>
+                <a:ext uri="{FF2B5EF4-FFF2-40B4-BE49-F238E27FC236}">
+                  <a16:creationId xmlns:a16="http://schemas.microsoft.com/office/drawing/2014/main" id="{CC1A72C6-3DE4-4EC3-9AD5-9E0D40D8CE8A}"/>
+                </a:ext>
+                <a:ext uri="{C183D7F6-B498-43B3-948B-1728B52AA6E4}">
+                  <adec:decorative xmlns:adec="http://schemas.microsoft.com/office/drawing/2017/decorative" val="1"/>
+                </a:ext>
+              </a:extLst>
+            </p:cNvPr>
+            <p:cNvSpPr/>
+            <p:nvPr>
+              <p:extLst>
+                <p:ext uri="{386F3935-93C4-4BCD-93E2-E3B085C9AB24}">
+                  <p16:designElem xmlns:p16="http://schemas.microsoft.com/office/powerpoint/2015/main" val="1"/>
+                </p:ext>
+              </p:extLst>
+            </p:nvPr>
+          </p:nvSpPr>
+          <p:spPr>
+            <a:xfrm rot="2700000">
+              <a:off x="11052629" y="2120024"/>
+              <a:ext cx="645368" cy="645368"/>
+            </a:xfrm>
+            <a:prstGeom prst="rect">
+              <a:avLst/>
+            </a:prstGeom>
+            <a:solidFill>
+              <a:schemeClr val="accent4">
+                <a:alpha val="30000"/>
+              </a:schemeClr>
+            </a:solidFill>
+            <a:ln>
+              <a:noFill/>
+            </a:ln>
+          </p:spPr>
+          <p:style>
+            <a:lnRef idx="2">
+              <a:schemeClr val="accent1">
+                <a:shade val="50000"/>
+              </a:schemeClr>
+            </a:lnRef>
+            <a:fillRef idx="1">
+              <a:schemeClr val="accent1"/>
+            </a:fillRef>
+            <a:effectRef idx="0">
+              <a:schemeClr val="accent1"/>
+            </a:effectRef>
+            <a:fontRef idx="minor">
+              <a:schemeClr val="lt1"/>
+            </a:fontRef>
+          </p:style>
+          <p:txBody>
+            <a:bodyPr rtlCol="0" anchor="ctr"/>
+            <a:lstStyle/>
+            <a:p>
+              <a:pPr algn="ctr"/>
+              <a:endParaRPr lang="en-US"/>
+            </a:p>
+          </p:txBody>
+        </p:sp>
+        <p:sp>
+          <p:nvSpPr>
+            <p:cNvPr id="18" name="Isosceles Triangle 17">
+              <a:extLst>
+                <a:ext uri="{FF2B5EF4-FFF2-40B4-BE49-F238E27FC236}">
+                  <a16:creationId xmlns:a16="http://schemas.microsoft.com/office/drawing/2014/main" id="{0B0DA1F1-C391-4EDF-9FE0-23E86E137765}"/>
+                </a:ext>
+                <a:ext uri="{C183D7F6-B498-43B3-948B-1728B52AA6E4}">
+                  <adec:decorative xmlns:adec="http://schemas.microsoft.com/office/drawing/2017/decorative" val="1"/>
+                </a:ext>
+              </a:extLst>
+            </p:cNvPr>
+            <p:cNvSpPr/>
+            <p:nvPr>
+              <p:extLst>
+                <p:ext uri="{386F3935-93C4-4BCD-93E2-E3B085C9AB24}">
+                  <p16:designElem xmlns:p16="http://schemas.microsoft.com/office/powerpoint/2015/main" val="1"/>
+                </p:ext>
+              </p:extLst>
+            </p:nvPr>
+          </p:nvSpPr>
+          <p:spPr>
+            <a:xfrm rot="16200000">
+              <a:off x="10289068" y="1343027"/>
+              <a:ext cx="2532832" cy="1273032"/>
+            </a:xfrm>
+            <a:prstGeom prst="triangle">
+              <a:avLst>
+                <a:gd name="adj" fmla="val 50000"/>
+              </a:avLst>
+            </a:prstGeom>
+            <a:solidFill>
+              <a:schemeClr val="accent4">
+                <a:alpha val="30000"/>
+              </a:schemeClr>
+            </a:solidFill>
+            <a:ln>
+              <a:noFill/>
+            </a:ln>
+          </p:spPr>
+          <p:style>
+            <a:lnRef idx="2">
+              <a:schemeClr val="accent1">
+                <a:shade val="50000"/>
+              </a:schemeClr>
+            </a:lnRef>
+            <a:fillRef idx="1">
+              <a:schemeClr val="accent1"/>
+            </a:fillRef>
+            <a:effectRef idx="0">
+              <a:schemeClr val="accent1"/>
+            </a:effectRef>
+            <a:fontRef idx="minor">
+              <a:schemeClr val="lt1"/>
+            </a:fontRef>
+          </p:style>
+          <p:txBody>
+            <a:bodyPr rtlCol="0" anchor="ctr"/>
+            <a:lstStyle/>
+            <a:p>
+              <a:pPr algn="ctr"/>
+              <a:endParaRPr lang="en-US"/>
+            </a:p>
+          </p:txBody>
+        </p:sp>
+      </p:grpSp>
+      <p:sp>
+        <p:nvSpPr>
+          <p:cNvPr id="3" name="Slide Number Placeholder 2">
+            <a:extLst>
+              <a:ext uri="{FF2B5EF4-FFF2-40B4-BE49-F238E27FC236}">
+                <a16:creationId xmlns:a16="http://schemas.microsoft.com/office/drawing/2014/main" id="{FBDE7135-9153-4AEB-AC1F-4B951B7A76F2}"/>
+              </a:ext>
+            </a:extLst>
+          </p:cNvPr>
+          <p:cNvSpPr>
+            <a:spLocks noGrp="1"/>
+          </p:cNvSpPr>
+          <p:nvPr>
+            <p:ph type="sldNum" sz="quarter" idx="11"/>
+          </p:nvPr>
+        </p:nvSpPr>
+        <p:spPr>
+          <a:xfrm>
+            <a:off x="8805333" y="6356350"/>
+            <a:ext cx="2743200" cy="365125"/>
+          </a:xfrm>
+        </p:spPr>
+        <p:txBody>
+          <a:bodyPr vert="horz" lIns="91440" tIns="45720" rIns="91440" bIns="45720" rtlCol="0" anchor="ctr">
+            <a:normAutofit/>
+          </a:bodyPr>
+          <a:lstStyle/>
+          <a:p>
+            <a:pPr>
+              <a:spcAft>
+                <a:spcPts val="600"/>
+              </a:spcAft>
+            </a:pPr>
+            <a:fld id="{8C2E478F-E849-4A8C-AF1F-CBCC78A7CBFA}" type="slidenum">
+              <a:rPr lang="en-US" smtClean="0"/>
+              <a:pPr>
+                <a:spcAft>
+                  <a:spcPts val="600"/>
+                </a:spcAft>
+              </a:pPr>
+              <a:t>8</a:t>
+            </a:fld>
+            <a:endParaRPr lang="en-US"/>
+          </a:p>
+        </p:txBody>
+      </p:sp>
+      <p:sp>
+        <p:nvSpPr>
+          <p:cNvPr id="8" name="Title 7">
+            <a:extLst>
+              <a:ext uri="{FF2B5EF4-FFF2-40B4-BE49-F238E27FC236}">
+                <a16:creationId xmlns:a16="http://schemas.microsoft.com/office/drawing/2014/main" id="{F8DB2305-A4BB-ED16-560A-F163014025D2}"/>
+              </a:ext>
+            </a:extLst>
+          </p:cNvPr>
+          <p:cNvSpPr>
+            <a:spLocks noGrp="1"/>
+          </p:cNvSpPr>
+          <p:nvPr>
+            <p:ph type="title"/>
+          </p:nvPr>
+        </p:nvSpPr>
+        <p:spPr>
+          <a:xfrm>
+            <a:off x="5215812" y="612037"/>
+            <a:ext cx="6777405" cy="884238"/>
+          </a:xfrm>
+        </p:spPr>
+        <p:txBody>
+          <a:bodyPr/>
+          <a:lstStyle/>
+          <a:p>
+            <a:r>
+              <a:rPr lang="en-US" dirty="0"/>
+              <a:t>NER Distribution</a:t>
+            </a:r>
+          </a:p>
+        </p:txBody>
+      </p:sp>
+      <p:pic>
+        <p:nvPicPr>
+          <p:cNvPr id="4" name="Picture 3">
+            <a:extLst>
+              <a:ext uri="{FF2B5EF4-FFF2-40B4-BE49-F238E27FC236}">
+                <a16:creationId xmlns:a16="http://schemas.microsoft.com/office/drawing/2014/main" id="{8B54775C-0FEA-9B6F-4299-0BD06C300A71}"/>
+              </a:ext>
+            </a:extLst>
+          </p:cNvPr>
+          <p:cNvPicPr>
+            <a:picLocks noChangeAspect="1"/>
+          </p:cNvPicPr>
+          <p:nvPr/>
+        </p:nvPicPr>
+        <p:blipFill>
+          <a:blip r:embed="rId2"/>
+          <a:stretch>
+            <a:fillRect/>
+          </a:stretch>
+        </p:blipFill>
+        <p:spPr>
+          <a:xfrm>
+            <a:off x="413296" y="2227985"/>
+            <a:ext cx="5468423" cy="3161233"/>
+          </a:xfrm>
+          <a:prstGeom prst="rect">
+            <a:avLst/>
+          </a:prstGeom>
+        </p:spPr>
+      </p:pic>
+      <p:pic>
+        <p:nvPicPr>
+          <p:cNvPr id="6" name="Picture 5">
+            <a:extLst>
+              <a:ext uri="{FF2B5EF4-FFF2-40B4-BE49-F238E27FC236}">
+                <a16:creationId xmlns:a16="http://schemas.microsoft.com/office/drawing/2014/main" id="{80DCF4F8-28C7-D3BF-0DAD-08822186A4B9}"/>
+              </a:ext>
+            </a:extLst>
+          </p:cNvPr>
+          <p:cNvPicPr>
+            <a:picLocks noChangeAspect="1"/>
+          </p:cNvPicPr>
+          <p:nvPr/>
+        </p:nvPicPr>
+        <p:blipFill>
+          <a:blip r:embed="rId3"/>
+          <a:stretch>
+            <a:fillRect/>
+          </a:stretch>
+        </p:blipFill>
+        <p:spPr>
+          <a:xfrm>
+            <a:off x="6578410" y="2227985"/>
+            <a:ext cx="5364947" cy="3313833"/>
+          </a:xfrm>
+          <a:prstGeom prst="rect">
+            <a:avLst/>
+          </a:prstGeom>
+        </p:spPr>
+      </p:pic>
+      <p:cxnSp>
+        <p:nvCxnSpPr>
+          <p:cNvPr id="9" name="Straight Arrow Connector 8">
+            <a:extLst>
+              <a:ext uri="{FF2B5EF4-FFF2-40B4-BE49-F238E27FC236}">
+                <a16:creationId xmlns:a16="http://schemas.microsoft.com/office/drawing/2014/main" id="{1C405E49-66EC-C06A-ABD2-0BD766AB46ED}"/>
+              </a:ext>
+            </a:extLst>
+          </p:cNvPr>
+          <p:cNvCxnSpPr>
+            <a:cxnSpLocks/>
+          </p:cNvCxnSpPr>
+          <p:nvPr/>
+        </p:nvCxnSpPr>
+        <p:spPr>
+          <a:xfrm>
+            <a:off x="5135418" y="2364509"/>
+            <a:ext cx="1616364" cy="1237673"/>
+          </a:xfrm>
+          <a:prstGeom prst="straightConnector1">
+            <a:avLst/>
+          </a:prstGeom>
+          <a:ln w="130175">
+            <a:solidFill>
+              <a:schemeClr val="accent5"/>
+            </a:solidFill>
+            <a:tailEnd type="triangle"/>
+          </a:ln>
+        </p:spPr>
+        <p:style>
+          <a:lnRef idx="1">
+            <a:schemeClr val="accent1"/>
+          </a:lnRef>
+          <a:fillRef idx="0">
+            <a:schemeClr val="accent1"/>
+          </a:fillRef>
+          <a:effectRef idx="0">
+            <a:schemeClr val="accent1"/>
+          </a:effectRef>
+          <a:fontRef idx="minor">
+            <a:schemeClr val="tx1"/>
+          </a:fontRef>
+        </p:style>
+      </p:cxnSp>
+      <p:sp>
+        <p:nvSpPr>
+          <p:cNvPr id="21" name="TextBox 20">
+            <a:extLst>
+              <a:ext uri="{FF2B5EF4-FFF2-40B4-BE49-F238E27FC236}">
+                <a16:creationId xmlns:a16="http://schemas.microsoft.com/office/drawing/2014/main" id="{EE167727-B1DF-B725-265C-2B004C11FBE1}"/>
+              </a:ext>
+            </a:extLst>
+          </p:cNvPr>
+          <p:cNvSpPr txBox="1"/>
+          <p:nvPr/>
+        </p:nvSpPr>
+        <p:spPr>
+          <a:xfrm>
+            <a:off x="1493812" y="1719864"/>
+            <a:ext cx="5389756" cy="430887"/>
+          </a:xfrm>
+          <a:prstGeom prst="rect">
+            <a:avLst/>
+          </a:prstGeom>
+          <a:noFill/>
+        </p:spPr>
+        <p:txBody>
+          <a:bodyPr rot="0" spcFirstLastPara="0" vertOverflow="overflow" horzOverflow="overflow" vert="horz" wrap="square" lIns="91440" tIns="45720" rIns="91440" bIns="45720" numCol="1" spcCol="0" rtlCol="0" fromWordArt="0" anchor="t" anchorCtr="0" forceAA="0" compatLnSpc="1">
+            <a:prstTxWarp prst="textNoShape">
+              <a:avLst/>
+            </a:prstTxWarp>
+            <a:spAutoFit/>
+          </a:bodyPr>
+          <a:lstStyle/>
+          <a:p>
+            <a:r>
+              <a:rPr lang="en-US" sz="2200" dirty="0">
+                <a:cs typeface="Calibri"/>
+              </a:rPr>
+              <a:t>Overall NER entities</a:t>
+            </a:r>
+            <a:endParaRPr lang="en-US" sz="2200" dirty="0"/>
+          </a:p>
+        </p:txBody>
+      </p:sp>
+      <p:sp>
+        <p:nvSpPr>
+          <p:cNvPr id="22" name="TextBox 21">
+            <a:extLst>
+              <a:ext uri="{FF2B5EF4-FFF2-40B4-BE49-F238E27FC236}">
+                <a16:creationId xmlns:a16="http://schemas.microsoft.com/office/drawing/2014/main" id="{014B2F0B-EA3C-4928-C446-7DBCB29BF415}"/>
+              </a:ext>
+            </a:extLst>
+          </p:cNvPr>
+          <p:cNvSpPr txBox="1"/>
+          <p:nvPr/>
+        </p:nvSpPr>
+        <p:spPr>
+          <a:xfrm>
+            <a:off x="7482055" y="1747475"/>
+            <a:ext cx="5389756" cy="430887"/>
+          </a:xfrm>
+          <a:prstGeom prst="rect">
+            <a:avLst/>
+          </a:prstGeom>
+          <a:noFill/>
+        </p:spPr>
+        <p:txBody>
+          <a:bodyPr rot="0" spcFirstLastPara="0" vertOverflow="overflow" horzOverflow="overflow" vert="horz" wrap="square" lIns="91440" tIns="45720" rIns="91440" bIns="45720" numCol="1" spcCol="0" rtlCol="0" fromWordArt="0" anchor="t" anchorCtr="0" forceAA="0" compatLnSpc="1">
+            <a:prstTxWarp prst="textNoShape">
+              <a:avLst/>
+            </a:prstTxWarp>
+            <a:spAutoFit/>
+          </a:bodyPr>
+          <a:lstStyle/>
+          <a:p>
+            <a:r>
+              <a:rPr lang="en-US" sz="2200" dirty="0">
+                <a:cs typeface="Calibri"/>
+              </a:rPr>
+              <a:t>Organizations</a:t>
+            </a:r>
+            <a:endParaRPr lang="en-US" sz="2200" dirty="0"/>
+          </a:p>
+        </p:txBody>
+      </p:sp>
+    </p:spTree>
+    <p:extLst>
+      <p:ext uri="{BB962C8B-B14F-4D97-AF65-F5344CB8AC3E}">
+        <p14:creationId xmlns:p14="http://schemas.microsoft.com/office/powerpoint/2010/main" val="2869215878"/>
+      </p:ext>
+    </p:extLst>
+  </p:cSld>
+  <p:clrMapOvr>
+    <a:masterClrMapping/>
+  </p:clrMapOvr>
+</p:sld>
+</file>
+
+<file path=ppt/slides/slide9.xml><?xml version="1.0" encoding="utf-8"?>
+<p:sld xmlns:a="http://schemas.openxmlformats.org/drawingml/2006/main" xmlns:r="http://schemas.openxmlformats.org/officeDocument/2006/relationships" xmlns:p="http://schemas.openxmlformats.org/presentationml/2006/main">
+  <p:cSld>
+    <p:bg>
+      <p:bgPr>
+        <a:solidFill>
+          <a:schemeClr val="bg1"/>
+        </a:solidFill>
+        <a:effectLst/>
+      </p:bgPr>
+    </p:bg>
+    <p:spTree>
+      <p:nvGrpSpPr>
+        <p:cNvPr id="1" name=""/>
+        <p:cNvGrpSpPr/>
+        <p:nvPr/>
+      </p:nvGrpSpPr>
+      <p:grpSpPr>
+        <a:xfrm>
+          <a:off x="0" y="0"/>
+          <a:ext cx="0" cy="0"/>
+          <a:chOff x="0" y="0"/>
+          <a:chExt cx="0" cy="0"/>
+        </a:xfrm>
+      </p:grpSpPr>
+      <p:sp>
+        <p:nvSpPr>
+          <p:cNvPr id="10" name="Rectangle 9">
+            <a:extLst>
+              <a:ext uri="{FF2B5EF4-FFF2-40B4-BE49-F238E27FC236}">
+                <a16:creationId xmlns:a16="http://schemas.microsoft.com/office/drawing/2014/main" id="{2B566528-1B12-4246-9431-5C2D7D081168}"/>
+              </a:ext>
+              <a:ext uri="{C183D7F6-B498-43B3-948B-1728B52AA6E4}">
+                <adec:decorative xmlns:adec="http://schemas.microsoft.com/office/drawing/2017/decorative" val="1"/>
+              </a:ext>
+            </a:extLst>
+          </p:cNvPr>
+          <p:cNvSpPr>
+            <a:spLocks noGrp="1" noRot="1" noChangeAspect="1" noMove="1" noResize="1" noEditPoints="1" noAdjustHandles="1" noChangeArrowheads="1" noChangeShapeType="1" noTextEdit="1"/>
+          </p:cNvSpPr>
+          <p:nvPr>
+            <p:extLst>
+              <p:ext uri="{386F3935-93C4-4BCD-93E2-E3B085C9AB24}">
+                <p16:designElem xmlns:p16="http://schemas.microsoft.com/office/powerpoint/2015/main" val="1"/>
+              </p:ext>
+            </p:extLst>
+          </p:nvPr>
+        </p:nvSpPr>
+        <p:spPr>
+          <a:xfrm>
+            <a:off x="0" y="0"/>
+            <a:ext cx="12192000" cy="6858000"/>
+          </a:xfrm>
+          <a:prstGeom prst="rect">
+            <a:avLst/>
+          </a:prstGeom>
+          <a:solidFill>
+            <a:schemeClr val="bg1"/>
+          </a:solidFill>
+          <a:ln>
+            <a:noFill/>
+          </a:ln>
+        </p:spPr>
+        <p:style>
+          <a:lnRef idx="2">
+            <a:schemeClr val="accent1">
+              <a:shade val="50000"/>
+            </a:schemeClr>
+          </a:lnRef>
+          <a:fillRef idx="1">
+            <a:schemeClr val="accent1"/>
+          </a:fillRef>
+          <a:effectRef idx="0">
+            <a:schemeClr val="accent1"/>
+          </a:effectRef>
+          <a:fontRef idx="minor">
+            <a:schemeClr val="lt1"/>
+          </a:fontRef>
+        </p:style>
+        <p:txBody>
+          <a:bodyPr rtlCol="0" anchor="ctr"/>
+          <a:lstStyle/>
+          <a:p>
+            <a:pPr algn="ctr"/>
+            <a:endParaRPr lang="en-US"/>
+          </a:p>
+        </p:txBody>
+      </p:sp>
+      <p:grpSp>
+        <p:nvGrpSpPr>
+          <p:cNvPr id="12" name="Group 11">
+            <a:extLst>
+              <a:ext uri="{FF2B5EF4-FFF2-40B4-BE49-F238E27FC236}">
+                <a16:creationId xmlns:a16="http://schemas.microsoft.com/office/drawing/2014/main" id="{828A5161-06F1-46CF-8AD7-844680A59E13}"/>
+              </a:ext>
+              <a:ext uri="{C183D7F6-B498-43B3-948B-1728B52AA6E4}">
+                <adec:decorative xmlns:adec="http://schemas.microsoft.com/office/drawing/2017/decorative" val="1"/>
+              </a:ext>
+            </a:extLst>
+          </p:cNvPr>
+          <p:cNvGrpSpPr>
+            <a:grpSpLocks noGrp="1" noUngrp="1" noRot="1" noChangeAspect="1" noMove="1" noResize="1"/>
+          </p:cNvGrpSpPr>
+          <p:nvPr>
+            <p:extLst>
+              <p:ext uri="{386F3935-93C4-4BCD-93E2-E3B085C9AB24}">
+                <p16:designElem xmlns:p16="http://schemas.microsoft.com/office/powerpoint/2015/main" val="1"/>
+              </p:ext>
+            </p:extLst>
+          </p:nvPr>
+        </p:nvGrpSpPr>
+        <p:grpSpPr>
+          <a:xfrm>
+            <a:off x="0" y="4601497"/>
+            <a:ext cx="1014060" cy="2017580"/>
+            <a:chOff x="0" y="4601497"/>
+            <a:chExt cx="1014060" cy="2017580"/>
+          </a:xfrm>
+        </p:grpSpPr>
+        <p:sp>
+          <p:nvSpPr>
+            <p:cNvPr id="13" name="Isosceles Triangle 12">
+              <a:extLst>
+                <a:ext uri="{FF2B5EF4-FFF2-40B4-BE49-F238E27FC236}">
+                  <a16:creationId xmlns:a16="http://schemas.microsoft.com/office/drawing/2014/main" id="{D3F51FEB-38FB-4F6C-9F7B-2F2AFAB65463}"/>
+                </a:ext>
+                <a:ext uri="{C183D7F6-B498-43B3-948B-1728B52AA6E4}">
+                  <adec:decorative xmlns:adec="http://schemas.microsoft.com/office/drawing/2017/decorative" val="1"/>
+                </a:ext>
+              </a:extLst>
+            </p:cNvPr>
+            <p:cNvSpPr/>
+            <p:nvPr>
+              <p:extLst>
+                <p:ext uri="{386F3935-93C4-4BCD-93E2-E3B085C9AB24}">
+                  <p16:designElem xmlns:p16="http://schemas.microsoft.com/office/powerpoint/2015/main" val="1"/>
+                </p:ext>
+              </p:extLst>
+            </p:nvPr>
+          </p:nvSpPr>
+          <p:spPr>
+            <a:xfrm rot="5400000">
+              <a:off x="-501760" y="5103257"/>
+              <a:ext cx="2017580" cy="1014060"/>
+            </a:xfrm>
+            <a:prstGeom prst="triangle">
+              <a:avLst>
+                <a:gd name="adj" fmla="val 50000"/>
+              </a:avLst>
+            </a:prstGeom>
+            <a:solidFill>
+              <a:schemeClr val="accent1">
+                <a:alpha val="30000"/>
+              </a:schemeClr>
+            </a:solidFill>
+            <a:ln>
+              <a:noFill/>
+            </a:ln>
+          </p:spPr>
+          <p:style>
+            <a:lnRef idx="2">
+              <a:schemeClr val="accent1">
+                <a:shade val="50000"/>
+              </a:schemeClr>
+            </a:lnRef>
+            <a:fillRef idx="1">
+              <a:schemeClr val="accent1"/>
+            </a:fillRef>
+            <a:effectRef idx="0">
+              <a:schemeClr val="accent1"/>
+            </a:effectRef>
+            <a:fontRef idx="minor">
+              <a:schemeClr val="lt1"/>
+            </a:fontRef>
+          </p:style>
+          <p:txBody>
+            <a:bodyPr rtlCol="0" anchor="ctr"/>
+            <a:lstStyle/>
+            <a:p>
+              <a:pPr algn="ctr"/>
+              <a:endParaRPr lang="en-US"/>
+            </a:p>
+          </p:txBody>
+        </p:sp>
+        <p:sp>
+          <p:nvSpPr>
+            <p:cNvPr id="14" name="Rectangle 13">
+              <a:extLst>
+                <a:ext uri="{FF2B5EF4-FFF2-40B4-BE49-F238E27FC236}">
+                  <a16:creationId xmlns:a16="http://schemas.microsoft.com/office/drawing/2014/main" id="{1E547BA6-BAE0-43BB-A7CA-60F69CE252F0}"/>
+                </a:ext>
+                <a:ext uri="{C183D7F6-B498-43B3-948B-1728B52AA6E4}">
+                  <adec:decorative xmlns:adec="http://schemas.microsoft.com/office/drawing/2017/decorative" val="1"/>
+                </a:ext>
+              </a:extLst>
+            </p:cNvPr>
+            <p:cNvSpPr/>
+            <p:nvPr>
+              <p:extLst>
+                <p:ext uri="{386F3935-93C4-4BCD-93E2-E3B085C9AB24}">
+                  <p16:designElem xmlns:p16="http://schemas.microsoft.com/office/powerpoint/2015/main" val="1"/>
+                </p:ext>
+              </p:extLst>
+            </p:nvPr>
+          </p:nvSpPr>
+          <p:spPr>
+            <a:xfrm rot="2700000">
+              <a:off x="427916" y="5728708"/>
+              <a:ext cx="485578" cy="485578"/>
+            </a:xfrm>
+            <a:prstGeom prst="rect">
+              <a:avLst/>
+            </a:prstGeom>
+            <a:solidFill>
+              <a:schemeClr val="accent1">
+                <a:alpha val="30000"/>
+              </a:schemeClr>
+            </a:solidFill>
+            <a:ln>
+              <a:noFill/>
+            </a:ln>
+          </p:spPr>
+          <p:style>
+            <a:lnRef idx="2">
+              <a:schemeClr val="accent1">
+                <a:shade val="50000"/>
+              </a:schemeClr>
+            </a:lnRef>
+            <a:fillRef idx="1">
+              <a:schemeClr val="accent1"/>
+            </a:fillRef>
+            <a:effectRef idx="0">
+              <a:schemeClr val="accent1"/>
+            </a:effectRef>
+            <a:fontRef idx="minor">
+              <a:schemeClr val="lt1"/>
+            </a:fontRef>
+          </p:style>
+          <p:txBody>
+            <a:bodyPr rtlCol="0" anchor="ctr"/>
+            <a:lstStyle/>
+            <a:p>
+              <a:pPr algn="ctr"/>
+              <a:endParaRPr lang="en-US"/>
+            </a:p>
+          </p:txBody>
+        </p:sp>
+      </p:grpSp>
+      <p:grpSp>
+        <p:nvGrpSpPr>
+          <p:cNvPr id="16" name="Group 15">
+            <a:extLst>
+              <a:ext uri="{FF2B5EF4-FFF2-40B4-BE49-F238E27FC236}">
+                <a16:creationId xmlns:a16="http://schemas.microsoft.com/office/drawing/2014/main" id="{5995D10D-E9C9-47DB-AE7E-801FEF38F5C9}"/>
+              </a:ext>
+              <a:ext uri="{C183D7F6-B498-43B3-948B-1728B52AA6E4}">
+                <adec:decorative xmlns:adec="http://schemas.microsoft.com/office/drawing/2017/decorative" val="1"/>
+              </a:ext>
+            </a:extLst>
+          </p:cNvPr>
+          <p:cNvGrpSpPr>
+            <a:grpSpLocks noGrp="1" noUngrp="1" noRot="1" noChangeAspect="1" noMove="1" noResize="1"/>
+          </p:cNvGrpSpPr>
+          <p:nvPr>
+            <p:extLst>
+              <p:ext uri="{386F3935-93C4-4BCD-93E2-E3B085C9AB24}">
+                <p16:designElem xmlns:p16="http://schemas.microsoft.com/office/powerpoint/2015/main" val="1"/>
+              </p:ext>
+            </p:extLst>
+          </p:nvPr>
+        </p:nvGrpSpPr>
+        <p:grpSpPr>
+          <a:xfrm>
+            <a:off x="11219290" y="1"/>
+            <a:ext cx="972709" cy="1935307"/>
+            <a:chOff x="10918968" y="713127"/>
+            <a:chExt cx="1273032" cy="2532832"/>
+          </a:xfrm>
+        </p:grpSpPr>
+        <p:sp>
+          <p:nvSpPr>
+            <p:cNvPr id="17" name="Rectangle 16">
+              <a:extLst>
+                <a:ext uri="{FF2B5EF4-FFF2-40B4-BE49-F238E27FC236}">
+                  <a16:creationId xmlns:a16="http://schemas.microsoft.com/office/drawing/2014/main" id="{CC1A72C6-3DE4-4EC3-9AD5-9E0D40D8CE8A}"/>
+                </a:ext>
+                <a:ext uri="{C183D7F6-B498-43B3-948B-1728B52AA6E4}">
+                  <adec:decorative xmlns:adec="http://schemas.microsoft.com/office/drawing/2017/decorative" val="1"/>
+                </a:ext>
+              </a:extLst>
+            </p:cNvPr>
+            <p:cNvSpPr/>
+            <p:nvPr>
+              <p:extLst>
+                <p:ext uri="{386F3935-93C4-4BCD-93E2-E3B085C9AB24}">
+                  <p16:designElem xmlns:p16="http://schemas.microsoft.com/office/powerpoint/2015/main" val="1"/>
+                </p:ext>
+              </p:extLst>
+            </p:nvPr>
+          </p:nvSpPr>
+          <p:spPr>
+            <a:xfrm rot="2700000">
+              <a:off x="11052629" y="2120024"/>
+              <a:ext cx="645368" cy="645368"/>
+            </a:xfrm>
+            <a:prstGeom prst="rect">
+              <a:avLst/>
+            </a:prstGeom>
+            <a:solidFill>
+              <a:schemeClr val="accent4">
+                <a:alpha val="30000"/>
+              </a:schemeClr>
+            </a:solidFill>
+            <a:ln>
+              <a:noFill/>
+            </a:ln>
+          </p:spPr>
+          <p:style>
+            <a:lnRef idx="2">
+              <a:schemeClr val="accent1">
+                <a:shade val="50000"/>
+              </a:schemeClr>
+            </a:lnRef>
+            <a:fillRef idx="1">
+              <a:schemeClr val="accent1"/>
+            </a:fillRef>
+            <a:effectRef idx="0">
+              <a:schemeClr val="accent1"/>
+            </a:effectRef>
+            <a:fontRef idx="minor">
+              <a:schemeClr val="lt1"/>
+            </a:fontRef>
+          </p:style>
+          <p:txBody>
+            <a:bodyPr rtlCol="0" anchor="ctr"/>
+            <a:lstStyle/>
+            <a:p>
+              <a:pPr algn="ctr"/>
+              <a:endParaRPr lang="en-US"/>
+            </a:p>
+          </p:txBody>
+        </p:sp>
+        <p:sp>
+          <p:nvSpPr>
+            <p:cNvPr id="18" name="Isosceles Triangle 17">
+              <a:extLst>
+                <a:ext uri="{FF2B5EF4-FFF2-40B4-BE49-F238E27FC236}">
+                  <a16:creationId xmlns:a16="http://schemas.microsoft.com/office/drawing/2014/main" id="{0B0DA1F1-C391-4EDF-9FE0-23E86E137765}"/>
+                </a:ext>
+                <a:ext uri="{C183D7F6-B498-43B3-948B-1728B52AA6E4}">
+                  <adec:decorative xmlns:adec="http://schemas.microsoft.com/office/drawing/2017/decorative" val="1"/>
+                </a:ext>
+              </a:extLst>
+            </p:cNvPr>
+            <p:cNvSpPr/>
+            <p:nvPr>
+              <p:extLst>
+                <p:ext uri="{386F3935-93C4-4BCD-93E2-E3B085C9AB24}">
+                  <p16:designElem xmlns:p16="http://schemas.microsoft.com/office/powerpoint/2015/main" val="1"/>
+                </p:ext>
+              </p:extLst>
+            </p:nvPr>
+          </p:nvSpPr>
+          <p:spPr>
+            <a:xfrm rot="16200000">
+              <a:off x="10289068" y="1343027"/>
+              <a:ext cx="2532832" cy="1273032"/>
+            </a:xfrm>
+            <a:prstGeom prst="triangle">
+              <a:avLst>
+                <a:gd name="adj" fmla="val 50000"/>
+              </a:avLst>
+            </a:prstGeom>
+            <a:solidFill>
+              <a:schemeClr val="accent4">
+                <a:alpha val="30000"/>
+              </a:schemeClr>
+            </a:solidFill>
+            <a:ln>
+              <a:noFill/>
+            </a:ln>
+          </p:spPr>
+          <p:style>
+            <a:lnRef idx="2">
+              <a:schemeClr val="accent1">
+                <a:shade val="50000"/>
+              </a:schemeClr>
+            </a:lnRef>
+            <a:fillRef idx="1">
+              <a:schemeClr val="accent1"/>
+            </a:fillRef>
+            <a:effectRef idx="0">
+              <a:schemeClr val="accent1"/>
+            </a:effectRef>
+            <a:fontRef idx="minor">
+              <a:schemeClr val="lt1"/>
+            </a:fontRef>
+          </p:style>
+          <p:txBody>
+            <a:bodyPr rtlCol="0" anchor="ctr"/>
+            <a:lstStyle/>
+            <a:p>
+              <a:pPr algn="ctr"/>
+              <a:endParaRPr lang="en-US"/>
+            </a:p>
+          </p:txBody>
+        </p:sp>
+      </p:grpSp>
+      <p:sp>
+        <p:nvSpPr>
+          <p:cNvPr id="3" name="Slide Number Placeholder 2">
+            <a:extLst>
+              <a:ext uri="{FF2B5EF4-FFF2-40B4-BE49-F238E27FC236}">
+                <a16:creationId xmlns:a16="http://schemas.microsoft.com/office/drawing/2014/main" id="{FBDE7135-9153-4AEB-AC1F-4B951B7A76F2}"/>
+              </a:ext>
+            </a:extLst>
+          </p:cNvPr>
+          <p:cNvSpPr>
+            <a:spLocks noGrp="1"/>
+          </p:cNvSpPr>
+          <p:nvPr>
+            <p:ph type="sldNum" sz="quarter" idx="11"/>
+          </p:nvPr>
+        </p:nvSpPr>
+        <p:spPr>
+          <a:xfrm>
+            <a:off x="8805333" y="6356350"/>
+            <a:ext cx="2743200" cy="365125"/>
+          </a:xfrm>
+        </p:spPr>
+        <p:txBody>
+          <a:bodyPr vert="horz" lIns="91440" tIns="45720" rIns="91440" bIns="45720" rtlCol="0" anchor="ctr">
+            <a:normAutofit/>
+          </a:bodyPr>
+          <a:lstStyle/>
+          <a:p>
+            <a:pPr>
+              <a:spcAft>
+                <a:spcPts val="600"/>
+              </a:spcAft>
+            </a:pPr>
+            <a:fld id="{8C2E478F-E849-4A8C-AF1F-CBCC78A7CBFA}" type="slidenum">
+              <a:rPr lang="en-US" smtClean="0"/>
+              <a:pPr>
+                <a:spcAft>
+                  <a:spcPts val="600"/>
+                </a:spcAft>
+              </a:pPr>
+              <a:t>9</a:t>
+            </a:fld>
+            <a:endParaRPr lang="en-US"/>
+          </a:p>
+        </p:txBody>
+      </p:sp>
+      <p:sp>
+        <p:nvSpPr>
+          <p:cNvPr id="8" name="Title 7">
+            <a:extLst>
+              <a:ext uri="{FF2B5EF4-FFF2-40B4-BE49-F238E27FC236}">
+                <a16:creationId xmlns:a16="http://schemas.microsoft.com/office/drawing/2014/main" id="{F8DB2305-A4BB-ED16-560A-F163014025D2}"/>
+              </a:ext>
+            </a:extLst>
+          </p:cNvPr>
+          <p:cNvSpPr>
+            <a:spLocks noGrp="1"/>
+          </p:cNvSpPr>
+          <p:nvPr>
+            <p:ph type="title"/>
+          </p:nvPr>
+        </p:nvSpPr>
+        <p:spPr>
+          <a:xfrm>
+            <a:off x="5215812" y="612037"/>
+            <a:ext cx="6777405" cy="884238"/>
+          </a:xfrm>
+        </p:spPr>
+        <p:txBody>
+          <a:bodyPr/>
+          <a:lstStyle/>
+          <a:p>
+            <a:r>
+              <a:rPr lang="en-US" dirty="0"/>
+              <a:t>POS Distribution</a:t>
+            </a:r>
+          </a:p>
+        </p:txBody>
+      </p:sp>
+      <p:sp>
+        <p:nvSpPr>
+          <p:cNvPr id="21" name="TextBox 20">
+            <a:extLst>
+              <a:ext uri="{FF2B5EF4-FFF2-40B4-BE49-F238E27FC236}">
+                <a16:creationId xmlns:a16="http://schemas.microsoft.com/office/drawing/2014/main" id="{EE167727-B1DF-B725-265C-2B004C11FBE1}"/>
+              </a:ext>
+            </a:extLst>
+          </p:cNvPr>
+          <p:cNvSpPr txBox="1"/>
+          <p:nvPr/>
+        </p:nvSpPr>
+        <p:spPr>
+          <a:xfrm>
+            <a:off x="1941682" y="1691871"/>
+            <a:ext cx="2387723" cy="430887"/>
+          </a:xfrm>
+          <a:prstGeom prst="rect">
+            <a:avLst/>
+          </a:prstGeom>
+          <a:noFill/>
+        </p:spPr>
+        <p:txBody>
+          <a:bodyPr rot="0" spcFirstLastPara="0" vertOverflow="overflow" horzOverflow="overflow" vert="horz" wrap="square" lIns="91440" tIns="45720" rIns="91440" bIns="45720" numCol="1" spcCol="0" rtlCol="0" fromWordArt="0" anchor="t" anchorCtr="0" forceAA="0" compatLnSpc="1">
+            <a:prstTxWarp prst="textNoShape">
+              <a:avLst/>
+            </a:prstTxWarp>
+            <a:spAutoFit/>
+          </a:bodyPr>
+          <a:lstStyle/>
+          <a:p>
+            <a:r>
+              <a:rPr lang="en-US" sz="2200" dirty="0">
+                <a:cs typeface="Calibri"/>
+              </a:rPr>
+              <a:t>POS tags overall</a:t>
+            </a:r>
+            <a:endParaRPr lang="en-US" sz="2200" dirty="0"/>
+          </a:p>
+        </p:txBody>
+      </p:sp>
+      <p:sp>
+        <p:nvSpPr>
+          <p:cNvPr id="22" name="TextBox 21">
+            <a:extLst>
+              <a:ext uri="{FF2B5EF4-FFF2-40B4-BE49-F238E27FC236}">
+                <a16:creationId xmlns:a16="http://schemas.microsoft.com/office/drawing/2014/main" id="{014B2F0B-EA3C-4928-C446-7DBCB29BF415}"/>
+              </a:ext>
+            </a:extLst>
+          </p:cNvPr>
+          <p:cNvSpPr txBox="1"/>
+          <p:nvPr/>
+        </p:nvSpPr>
+        <p:spPr>
+          <a:xfrm>
+            <a:off x="7482055" y="1747475"/>
+            <a:ext cx="5389756" cy="430887"/>
+          </a:xfrm>
+          <a:prstGeom prst="rect">
+            <a:avLst/>
+          </a:prstGeom>
+          <a:noFill/>
+        </p:spPr>
+        <p:txBody>
+          <a:bodyPr rot="0" spcFirstLastPara="0" vertOverflow="overflow" horzOverflow="overflow" vert="horz" wrap="square" lIns="91440" tIns="45720" rIns="91440" bIns="45720" numCol="1" spcCol="0" rtlCol="0" fromWordArt="0" anchor="t" anchorCtr="0" forceAA="0" compatLnSpc="1">
+            <a:prstTxWarp prst="textNoShape">
+              <a:avLst/>
+            </a:prstTxWarp>
+            <a:spAutoFit/>
+          </a:bodyPr>
+          <a:lstStyle/>
+          <a:p>
+            <a:r>
+              <a:rPr lang="en-US" sz="2200" dirty="0">
+                <a:cs typeface="Calibri"/>
+              </a:rPr>
+              <a:t>Nouns (NN)</a:t>
+            </a:r>
+            <a:endParaRPr lang="en-US" sz="2200" dirty="0"/>
+          </a:p>
+        </p:txBody>
+      </p:sp>
+      <p:pic>
+        <p:nvPicPr>
+          <p:cNvPr id="5" name="Picture 4">
+            <a:extLst>
+              <a:ext uri="{FF2B5EF4-FFF2-40B4-BE49-F238E27FC236}">
+                <a16:creationId xmlns:a16="http://schemas.microsoft.com/office/drawing/2014/main" id="{6F2CF0D9-48FA-651A-E1D7-045FDD339867}"/>
+              </a:ext>
+            </a:extLst>
+          </p:cNvPr>
+          <p:cNvPicPr>
+            <a:picLocks noChangeAspect="1"/>
+          </p:cNvPicPr>
+          <p:nvPr/>
+        </p:nvPicPr>
+        <p:blipFill>
+          <a:blip r:embed="rId2"/>
+          <a:stretch>
+            <a:fillRect/>
+          </a:stretch>
+        </p:blipFill>
+        <p:spPr>
+          <a:xfrm>
+            <a:off x="1014060" y="2225044"/>
+            <a:ext cx="4920209" cy="3253898"/>
+          </a:xfrm>
+          <a:prstGeom prst="rect">
+            <a:avLst/>
+          </a:prstGeom>
+        </p:spPr>
+      </p:pic>
+      <p:pic>
+        <p:nvPicPr>
+          <p:cNvPr id="11" name="Picture 10">
+            <a:extLst>
+              <a:ext uri="{FF2B5EF4-FFF2-40B4-BE49-F238E27FC236}">
+                <a16:creationId xmlns:a16="http://schemas.microsoft.com/office/drawing/2014/main" id="{137B2189-9C7D-57B0-5270-0C61B8884F32}"/>
+              </a:ext>
+            </a:extLst>
+          </p:cNvPr>
+          <p:cNvPicPr>
+            <a:picLocks noChangeAspect="1"/>
+          </p:cNvPicPr>
+          <p:nvPr/>
+        </p:nvPicPr>
+        <p:blipFill>
+          <a:blip r:embed="rId3"/>
+          <a:stretch>
+            <a:fillRect/>
+          </a:stretch>
+        </p:blipFill>
+        <p:spPr>
+          <a:xfrm>
+            <a:off x="6485910" y="2224280"/>
+            <a:ext cx="5262178" cy="3198579"/>
+          </a:xfrm>
+          <a:prstGeom prst="rect">
+            <a:avLst/>
+          </a:prstGeom>
+        </p:spPr>
+      </p:pic>
+      <p:cxnSp>
+        <p:nvCxnSpPr>
+          <p:cNvPr id="15" name="Straight Arrow Connector 14">
+            <a:extLst>
+              <a:ext uri="{FF2B5EF4-FFF2-40B4-BE49-F238E27FC236}">
+                <a16:creationId xmlns:a16="http://schemas.microsoft.com/office/drawing/2014/main" id="{66794627-B153-DD07-0A3D-B07E4832CA41}"/>
+              </a:ext>
+            </a:extLst>
+          </p:cNvPr>
+          <p:cNvCxnSpPr>
+            <a:cxnSpLocks/>
+          </p:cNvCxnSpPr>
+          <p:nvPr/>
+        </p:nvCxnSpPr>
+        <p:spPr>
+          <a:xfrm>
+            <a:off x="4593726" y="2483646"/>
+            <a:ext cx="2198960" cy="945354"/>
+          </a:xfrm>
+          <a:prstGeom prst="straightConnector1">
+            <a:avLst/>
+          </a:prstGeom>
+          <a:ln w="130175">
+            <a:solidFill>
+              <a:schemeClr val="accent5"/>
+            </a:solidFill>
+            <a:tailEnd type="triangle"/>
+          </a:ln>
+        </p:spPr>
+        <p:style>
+          <a:lnRef idx="1">
+            <a:schemeClr val="accent1"/>
+          </a:lnRef>
+          <a:fillRef idx="0">
+            <a:schemeClr val="accent1"/>
+          </a:fillRef>
+          <a:effectRef idx="0">
+            <a:schemeClr val="accent1"/>
+          </a:effectRef>
+          <a:fontRef idx="minor">
+            <a:schemeClr val="tx1"/>
+          </a:fontRef>
+        </p:style>
+      </p:cxnSp>
+      <p:sp>
+        <p:nvSpPr>
+          <p:cNvPr id="20" name="TextBox 19">
+            <a:extLst>
+              <a:ext uri="{FF2B5EF4-FFF2-40B4-BE49-F238E27FC236}">
+                <a16:creationId xmlns:a16="http://schemas.microsoft.com/office/drawing/2014/main" id="{4DD0C1B3-9F54-5A18-8EE0-82D0687263FC}"/>
+              </a:ext>
+            </a:extLst>
+          </p:cNvPr>
+          <p:cNvSpPr txBox="1"/>
+          <p:nvPr/>
+        </p:nvSpPr>
+        <p:spPr>
+          <a:xfrm>
+            <a:off x="2696547" y="5786768"/>
+            <a:ext cx="7137918" cy="523220"/>
+          </a:xfrm>
+          <a:prstGeom prst="rect">
+            <a:avLst/>
+          </a:prstGeom>
+          <a:noFill/>
+        </p:spPr>
+        <p:txBody>
+          <a:bodyPr rot="0" spcFirstLastPara="0" vertOverflow="overflow" horzOverflow="overflow" vert="horz" wrap="square" lIns="91440" tIns="45720" rIns="91440" bIns="45720" numCol="1" spcCol="0" rtlCol="0" fromWordArt="0" anchor="t" anchorCtr="0" forceAA="0" compatLnSpc="1">
+            <a:prstTxWarp prst="textNoShape">
+              <a:avLst/>
+            </a:prstTxWarp>
+            <a:spAutoFit/>
+          </a:bodyPr>
+          <a:lstStyle/>
+          <a:p>
+            <a:pPr algn="ctr"/>
+            <a:r>
+              <a:rPr lang="en-GB" sz="1400" b="0" dirty="0">
+                <a:solidFill>
+                  <a:srgbClr val="000000"/>
+                </a:solidFill>
+                <a:effectLst/>
+                <a:latin typeface="Fira Code Medium" pitchFamily="1" charset="0"/>
+              </a:rPr>
+              <a:t>NN: Noun, VB: Verb, JJ: Adjective</a:t>
+            </a:r>
+            <a:r>
+              <a:rPr lang="en-GB" sz="1400" dirty="0">
+                <a:solidFill>
+                  <a:srgbClr val="000000"/>
+                </a:solidFill>
+                <a:latin typeface="Fira Code Medium" pitchFamily="1" charset="0"/>
+              </a:rPr>
+              <a:t>, RB: </a:t>
+            </a:r>
+            <a:r>
+              <a:rPr lang="en-GB" sz="1400" b="0" dirty="0">
+                <a:solidFill>
+                  <a:srgbClr val="000000"/>
+                </a:solidFill>
+                <a:effectLst/>
+                <a:latin typeface="Fira Code Medium" pitchFamily="1" charset="0"/>
+              </a:rPr>
+              <a:t>Adverb, IN: Preposition</a:t>
+            </a:r>
+            <a:r>
+              <a:rPr lang="en-GB" sz="1400" dirty="0">
+                <a:solidFill>
+                  <a:srgbClr val="000000"/>
+                </a:solidFill>
+                <a:latin typeface="Fira Code Medium" pitchFamily="1" charset="0"/>
+              </a:rPr>
+              <a:t>, CC: </a:t>
+            </a:r>
+            <a:r>
+              <a:rPr lang="en-GB" sz="1400" b="0" dirty="0">
+                <a:solidFill>
+                  <a:srgbClr val="000000"/>
+                </a:solidFill>
+                <a:effectLst/>
+                <a:latin typeface="Fira Code Medium" pitchFamily="1" charset="0"/>
+              </a:rPr>
+              <a:t>Conjunction, PRP: Pronoun</a:t>
+            </a:r>
+            <a:r>
+              <a:rPr lang="en-GB" sz="1400" dirty="0">
+                <a:solidFill>
+                  <a:srgbClr val="000000"/>
+                </a:solidFill>
+                <a:latin typeface="Fira Code Medium" pitchFamily="1" charset="0"/>
+              </a:rPr>
+              <a:t>, INT: </a:t>
+            </a:r>
+            <a:r>
+              <a:rPr lang="en-GB" sz="1400" b="0" dirty="0">
+                <a:solidFill>
+                  <a:srgbClr val="000000"/>
+                </a:solidFill>
+                <a:effectLst/>
+                <a:latin typeface="Fira Code Medium" pitchFamily="1" charset="0"/>
+              </a:rPr>
+              <a:t>Interjection</a:t>
+            </a:r>
+          </a:p>
+        </p:txBody>
+      </p:sp>
+    </p:spTree>
+    <p:extLst>
+      <p:ext uri="{BB962C8B-B14F-4D97-AF65-F5344CB8AC3E}">
+        <p14:creationId xmlns:p14="http://schemas.microsoft.com/office/powerpoint/2010/main" val="4204311532"/>
       </p:ext>
     </p:extLst>
   </p:cSld>
@@ -11717,6 +10807,24 @@
 </file>
 
 <file path=customXml/item1.xml><?xml version="1.0" encoding="utf-8"?>
+<p:properties xmlns:p="http://schemas.microsoft.com/office/2006/metadata/properties" xmlns:xsi="http://www.w3.org/2001/XMLSchema-instance" xmlns:pc="http://schemas.microsoft.com/office/infopath/2007/PartnerControls">
+  <documentManagement>
+    <Status xmlns="71af3243-3dd4-4a8d-8c0d-dd76da1f02a5">Not started</Status>
+    <MediaServiceKeyPoints xmlns="71af3243-3dd4-4a8d-8c0d-dd76da1f02a5" xsi:nil="true"/>
+  </documentManagement>
+</p:properties>
+</file>
+
+<file path=customXml/item2.xml><?xml version="1.0" encoding="utf-8"?>
+<?mso-contentType ?>
+<FormTemplates xmlns="http://schemas.microsoft.com/sharepoint/v3/contenttype/forms">
+  <Display>DocumentLibraryForm</Display>
+  <Edit>DocumentLibraryForm</Edit>
+  <New>DocumentLibraryForm</New>
+</FormTemplates>
+</file>
+
+<file path=customXml/item3.xml><?xml version="1.0" encoding="utf-8"?>
 <ct:contentTypeSchema xmlns:ct="http://schemas.microsoft.com/office/2006/metadata/contentType" xmlns:ma="http://schemas.microsoft.com/office/2006/metadata/properties/metaAttributes" ct:_="" ma:_="" ma:contentTypeName="Document" ma:contentTypeID="0x01010079F111ED35F8CC479449609E8A0923A6" ma:contentTypeVersion="12" ma:contentTypeDescription="Create a new document." ma:contentTypeScope="" ma:versionID="426e97fa315356fffbdcd9876fe988c2">
   <xsd:schema xmlns:xsd="http://www.w3.org/2001/XMLSchema" xmlns:xs="http://www.w3.org/2001/XMLSchema" xmlns:p="http://schemas.microsoft.com/office/2006/metadata/properties" xmlns:ns2="71af3243-3dd4-4a8d-8c0d-dd76da1f02a5" xmlns:ns3="16c05727-aa75-4e4a-9b5f-8a80a1165891" targetNamespace="http://schemas.microsoft.com/office/2006/metadata/properties" ma:root="true" ma:fieldsID="14b8f0def80e6d70ce3def20c90759ae" ns2:_="" ns3:_="">
     <xsd:import namespace="71af3243-3dd4-4a8d-8c0d-dd76da1f02a5"/>
@@ -11937,25 +11045,25 @@
 </ct:contentTypeSchema>
 </file>
 
-<file path=customXml/item2.xml><?xml version="1.0" encoding="utf-8"?>
-<?mso-contentType ?>
-<FormTemplates xmlns="http://schemas.microsoft.com/sharepoint/v3/contenttype/forms">
-  <Display>DocumentLibraryForm</Display>
-  <Edit>DocumentLibraryForm</Edit>
-  <New>DocumentLibraryForm</New>
-</FormTemplates>
+<file path=customXml/itemProps1.xml><?xml version="1.0" encoding="utf-8"?>
+<ds:datastoreItem xmlns:ds="http://schemas.openxmlformats.org/officeDocument/2006/customXml" ds:itemID="{8002A8ED-1331-4C1D-8649-743D7BE164DD}">
+  <ds:schemaRefs>
+    <ds:schemaRef ds:uri="71af3243-3dd4-4a8d-8c0d-dd76da1f02a5"/>
+    <ds:schemaRef ds:uri="http://schemas.microsoft.com/office/2006/metadata/properties"/>
+    <ds:schemaRef ds:uri="http://schemas.microsoft.com/office/infopath/2007/PartnerControls"/>
+  </ds:schemaRefs>
+</ds:datastoreItem>
 </file>
 
-<file path=customXml/item3.xml><?xml version="1.0" encoding="utf-8"?>
-<p:properties xmlns:p="http://schemas.microsoft.com/office/2006/metadata/properties" xmlns:xsi="http://www.w3.org/2001/XMLSchema-instance" xmlns:pc="http://schemas.microsoft.com/office/infopath/2007/PartnerControls">
-  <documentManagement>
-    <Status xmlns="71af3243-3dd4-4a8d-8c0d-dd76da1f02a5">Not started</Status>
-    <MediaServiceKeyPoints xmlns="71af3243-3dd4-4a8d-8c0d-dd76da1f02a5" xsi:nil="true"/>
-  </documentManagement>
-</p:properties>
+<file path=customXml/itemProps2.xml><?xml version="1.0" encoding="utf-8"?>
+<ds:datastoreItem xmlns:ds="http://schemas.openxmlformats.org/officeDocument/2006/customXml" ds:itemID="{99E4EAC9-33DC-4CF0-BA31-C98F61CE4785}">
+  <ds:schemaRefs>
+    <ds:schemaRef ds:uri="http://schemas.microsoft.com/sharepoint/v3/contenttype/forms"/>
+  </ds:schemaRefs>
+</ds:datastoreItem>
 </file>
 
-<file path=customXml/itemProps1.xml><?xml version="1.0" encoding="utf-8"?>
+<file path=customXml/itemProps3.xml><?xml version="1.0" encoding="utf-8"?>
 <ds:datastoreItem xmlns:ds="http://schemas.openxmlformats.org/officeDocument/2006/customXml" ds:itemID="{99A06775-4FD5-4278-BDCC-E6FF131E966F}">
   <ds:schemaRefs>
     <ds:schemaRef ds:uri="16c05727-aa75-4e4a-9b5f-8a80a1165891"/>
@@ -11972,22 +11080,4 @@
     <ds:schemaRef ds:uri="http://www.w3.org/2001/XMLSchema"/>
   </ds:schemaRefs>
 </ds:datastoreItem>
-</file>
-
-<file path=customXml/itemProps2.xml><?xml version="1.0" encoding="utf-8"?>
-<ds:datastoreItem xmlns:ds="http://schemas.openxmlformats.org/officeDocument/2006/customXml" ds:itemID="{99E4EAC9-33DC-4CF0-BA31-C98F61CE4785}">
-  <ds:schemaRefs>
-    <ds:schemaRef ds:uri="http://schemas.microsoft.com/sharepoint/v3/contenttype/forms"/>
-  </ds:schemaRefs>
-</ds:datastoreItem>
-</file>
-
-<file path=customXml/itemProps3.xml><?xml version="1.0" encoding="utf-8"?>
-<ds:datastoreItem xmlns:ds="http://schemas.openxmlformats.org/officeDocument/2006/customXml" ds:itemID="{8002A8ED-1331-4C1D-8649-743D7BE164DD}">
-  <ds:schemaRefs>
-    <ds:schemaRef ds:uri="71af3243-3dd4-4a8d-8c0d-dd76da1f02a5"/>
-    <ds:schemaRef ds:uri="http://schemas.microsoft.com/office/2006/metadata/properties"/>
-    <ds:schemaRef ds:uri="http://schemas.microsoft.com/office/infopath/2007/PartnerControls"/>
-  </ds:schemaRefs>
-</ds:datastoreItem>
 </file>
--- a/Text Albumentation.pptx
+++ b/Text Albumentation.pptx
@@ -5,23 +5,25 @@
     <p:sldMasterId id="2147483648" r:id="rId4"/>
   </p:sldMasterIdLst>
   <p:notesMasterIdLst>
-    <p:notesMasterId r:id="rId16"/>
+    <p:notesMasterId r:id="rId18"/>
   </p:notesMasterIdLst>
   <p:handoutMasterIdLst>
-    <p:handoutMasterId r:id="rId17"/>
+    <p:handoutMasterId r:id="rId19"/>
   </p:handoutMasterIdLst>
   <p:sldIdLst>
     <p:sldId id="2448" r:id="rId5"/>
     <p:sldId id="2462" r:id="rId6"/>
     <p:sldId id="259" r:id="rId7"/>
-    <p:sldId id="2451" r:id="rId8"/>
+    <p:sldId id="2470" r:id="rId8"/>
     <p:sldId id="2457" r:id="rId9"/>
-    <p:sldId id="2432" r:id="rId10"/>
-    <p:sldId id="2466" r:id="rId11"/>
-    <p:sldId id="2467" r:id="rId12"/>
-    <p:sldId id="2468" r:id="rId13"/>
-    <p:sldId id="2456" r:id="rId14"/>
-    <p:sldId id="2436" r:id="rId15"/>
+    <p:sldId id="2464" r:id="rId10"/>
+    <p:sldId id="2451" r:id="rId11"/>
+    <p:sldId id="2432" r:id="rId12"/>
+    <p:sldId id="2466" r:id="rId13"/>
+    <p:sldId id="2467" r:id="rId14"/>
+    <p:sldId id="2468" r:id="rId15"/>
+    <p:sldId id="2469" r:id="rId16"/>
+    <p:sldId id="2436" r:id="rId17"/>
   </p:sldIdLst>
   <p:sldSz cx="12192000" cy="6858000"/>
   <p:notesSz cx="6858000" cy="9144000"/>
@@ -844,7 +846,7 @@
           <a:p>
             <a:fld id="{228B34ED-4CDD-41C9-90F7-D768D5559A6F}" type="slidenum">
               <a:rPr lang="en-US" smtClean="0"/>
-              <a:t>10</a:t>
+              <a:t>12</a:t>
             </a:fld>
             <a:endParaRPr lang="en-US"/>
           </a:p>
@@ -5441,6 +5443,14 @@
 <file path=ppt/slides/slide10.xml><?xml version="1.0" encoding="utf-8"?>
 <p:sld xmlns:a="http://schemas.openxmlformats.org/drawingml/2006/main" xmlns:r="http://schemas.openxmlformats.org/officeDocument/2006/relationships" xmlns:p="http://schemas.openxmlformats.org/presentationml/2006/main">
   <p:cSld>
+    <p:bg>
+      <p:bgPr>
+        <a:solidFill>
+          <a:schemeClr val="bg1"/>
+        </a:solidFill>
+        <a:effectLst/>
+      </p:bgPr>
+    </p:bg>
     <p:spTree>
       <p:nvGrpSpPr>
         <p:cNvPr id="1" name=""/>
@@ -5457,10 +5467,393 @@
       </p:grpSpPr>
       <p:sp>
         <p:nvSpPr>
-          <p:cNvPr id="2" name="Title 1">
-            <a:extLst>
-              <a:ext uri="{FF2B5EF4-FFF2-40B4-BE49-F238E27FC236}">
-                <a16:creationId xmlns:a16="http://schemas.microsoft.com/office/drawing/2014/main" id="{12CC3376-5069-4C7B-BE6B-A3776D1B47BA}"/>
+          <p:cNvPr id="10" name="Rectangle 9">
+            <a:extLst>
+              <a:ext uri="{FF2B5EF4-FFF2-40B4-BE49-F238E27FC236}">
+                <a16:creationId xmlns:a16="http://schemas.microsoft.com/office/drawing/2014/main" id="{2B566528-1B12-4246-9431-5C2D7D081168}"/>
+              </a:ext>
+              <a:ext uri="{C183D7F6-B498-43B3-948B-1728B52AA6E4}">
+                <adec:decorative xmlns:adec="http://schemas.microsoft.com/office/drawing/2017/decorative" val="1"/>
+              </a:ext>
+            </a:extLst>
+          </p:cNvPr>
+          <p:cNvSpPr>
+            <a:spLocks noGrp="1" noRot="1" noChangeAspect="1" noMove="1" noResize="1" noEditPoints="1" noAdjustHandles="1" noChangeArrowheads="1" noChangeShapeType="1" noTextEdit="1"/>
+          </p:cNvSpPr>
+          <p:nvPr>
+            <p:extLst>
+              <p:ext uri="{386F3935-93C4-4BCD-93E2-E3B085C9AB24}">
+                <p16:designElem xmlns:p16="http://schemas.microsoft.com/office/powerpoint/2015/main" val="1"/>
+              </p:ext>
+            </p:extLst>
+          </p:nvPr>
+        </p:nvSpPr>
+        <p:spPr>
+          <a:xfrm>
+            <a:off x="0" y="0"/>
+            <a:ext cx="12192000" cy="6858000"/>
+          </a:xfrm>
+          <a:prstGeom prst="rect">
+            <a:avLst/>
+          </a:prstGeom>
+          <a:solidFill>
+            <a:schemeClr val="bg1"/>
+          </a:solidFill>
+          <a:ln>
+            <a:noFill/>
+          </a:ln>
+        </p:spPr>
+        <p:style>
+          <a:lnRef idx="2">
+            <a:schemeClr val="accent1">
+              <a:shade val="50000"/>
+            </a:schemeClr>
+          </a:lnRef>
+          <a:fillRef idx="1">
+            <a:schemeClr val="accent1"/>
+          </a:fillRef>
+          <a:effectRef idx="0">
+            <a:schemeClr val="accent1"/>
+          </a:effectRef>
+          <a:fontRef idx="minor">
+            <a:schemeClr val="lt1"/>
+          </a:fontRef>
+        </p:style>
+        <p:txBody>
+          <a:bodyPr rtlCol="0" anchor="ctr"/>
+          <a:lstStyle/>
+          <a:p>
+            <a:pPr algn="ctr"/>
+            <a:endParaRPr lang="en-US"/>
+          </a:p>
+        </p:txBody>
+      </p:sp>
+      <p:grpSp>
+        <p:nvGrpSpPr>
+          <p:cNvPr id="12" name="Group 11">
+            <a:extLst>
+              <a:ext uri="{FF2B5EF4-FFF2-40B4-BE49-F238E27FC236}">
+                <a16:creationId xmlns:a16="http://schemas.microsoft.com/office/drawing/2014/main" id="{828A5161-06F1-46CF-8AD7-844680A59E13}"/>
+              </a:ext>
+              <a:ext uri="{C183D7F6-B498-43B3-948B-1728B52AA6E4}">
+                <adec:decorative xmlns:adec="http://schemas.microsoft.com/office/drawing/2017/decorative" val="1"/>
+              </a:ext>
+            </a:extLst>
+          </p:cNvPr>
+          <p:cNvGrpSpPr>
+            <a:grpSpLocks noGrp="1" noUngrp="1" noRot="1" noChangeAspect="1" noMove="1" noResize="1"/>
+          </p:cNvGrpSpPr>
+          <p:nvPr>
+            <p:extLst>
+              <p:ext uri="{386F3935-93C4-4BCD-93E2-E3B085C9AB24}">
+                <p16:designElem xmlns:p16="http://schemas.microsoft.com/office/powerpoint/2015/main" val="1"/>
+              </p:ext>
+            </p:extLst>
+          </p:nvPr>
+        </p:nvGrpSpPr>
+        <p:grpSpPr>
+          <a:xfrm>
+            <a:off x="0" y="4601497"/>
+            <a:ext cx="1014060" cy="2017580"/>
+            <a:chOff x="0" y="4601497"/>
+            <a:chExt cx="1014060" cy="2017580"/>
+          </a:xfrm>
+        </p:grpSpPr>
+        <p:sp>
+          <p:nvSpPr>
+            <p:cNvPr id="13" name="Isosceles Triangle 12">
+              <a:extLst>
+                <a:ext uri="{FF2B5EF4-FFF2-40B4-BE49-F238E27FC236}">
+                  <a16:creationId xmlns:a16="http://schemas.microsoft.com/office/drawing/2014/main" id="{D3F51FEB-38FB-4F6C-9F7B-2F2AFAB65463}"/>
+                </a:ext>
+                <a:ext uri="{C183D7F6-B498-43B3-948B-1728B52AA6E4}">
+                  <adec:decorative xmlns:adec="http://schemas.microsoft.com/office/drawing/2017/decorative" val="1"/>
+                </a:ext>
+              </a:extLst>
+            </p:cNvPr>
+            <p:cNvSpPr/>
+            <p:nvPr>
+              <p:extLst>
+                <p:ext uri="{386F3935-93C4-4BCD-93E2-E3B085C9AB24}">
+                  <p16:designElem xmlns:p16="http://schemas.microsoft.com/office/powerpoint/2015/main" val="1"/>
+                </p:ext>
+              </p:extLst>
+            </p:nvPr>
+          </p:nvSpPr>
+          <p:spPr>
+            <a:xfrm rot="5400000">
+              <a:off x="-501760" y="5103257"/>
+              <a:ext cx="2017580" cy="1014060"/>
+            </a:xfrm>
+            <a:prstGeom prst="triangle">
+              <a:avLst>
+                <a:gd name="adj" fmla="val 50000"/>
+              </a:avLst>
+            </a:prstGeom>
+            <a:solidFill>
+              <a:schemeClr val="accent1">
+                <a:alpha val="30000"/>
+              </a:schemeClr>
+            </a:solidFill>
+            <a:ln>
+              <a:noFill/>
+            </a:ln>
+          </p:spPr>
+          <p:style>
+            <a:lnRef idx="2">
+              <a:schemeClr val="accent1">
+                <a:shade val="50000"/>
+              </a:schemeClr>
+            </a:lnRef>
+            <a:fillRef idx="1">
+              <a:schemeClr val="accent1"/>
+            </a:fillRef>
+            <a:effectRef idx="0">
+              <a:schemeClr val="accent1"/>
+            </a:effectRef>
+            <a:fontRef idx="minor">
+              <a:schemeClr val="lt1"/>
+            </a:fontRef>
+          </p:style>
+          <p:txBody>
+            <a:bodyPr rtlCol="0" anchor="ctr"/>
+            <a:lstStyle/>
+            <a:p>
+              <a:pPr algn="ctr"/>
+              <a:endParaRPr lang="en-US"/>
+            </a:p>
+          </p:txBody>
+        </p:sp>
+        <p:sp>
+          <p:nvSpPr>
+            <p:cNvPr id="14" name="Rectangle 13">
+              <a:extLst>
+                <a:ext uri="{FF2B5EF4-FFF2-40B4-BE49-F238E27FC236}">
+                  <a16:creationId xmlns:a16="http://schemas.microsoft.com/office/drawing/2014/main" id="{1E547BA6-BAE0-43BB-A7CA-60F69CE252F0}"/>
+                </a:ext>
+                <a:ext uri="{C183D7F6-B498-43B3-948B-1728B52AA6E4}">
+                  <adec:decorative xmlns:adec="http://schemas.microsoft.com/office/drawing/2017/decorative" val="1"/>
+                </a:ext>
+              </a:extLst>
+            </p:cNvPr>
+            <p:cNvSpPr/>
+            <p:nvPr>
+              <p:extLst>
+                <p:ext uri="{386F3935-93C4-4BCD-93E2-E3B085C9AB24}">
+                  <p16:designElem xmlns:p16="http://schemas.microsoft.com/office/powerpoint/2015/main" val="1"/>
+                </p:ext>
+              </p:extLst>
+            </p:nvPr>
+          </p:nvSpPr>
+          <p:spPr>
+            <a:xfrm rot="2700000">
+              <a:off x="427916" y="5728708"/>
+              <a:ext cx="485578" cy="485578"/>
+            </a:xfrm>
+            <a:prstGeom prst="rect">
+              <a:avLst/>
+            </a:prstGeom>
+            <a:solidFill>
+              <a:schemeClr val="accent1">
+                <a:alpha val="30000"/>
+              </a:schemeClr>
+            </a:solidFill>
+            <a:ln>
+              <a:noFill/>
+            </a:ln>
+          </p:spPr>
+          <p:style>
+            <a:lnRef idx="2">
+              <a:schemeClr val="accent1">
+                <a:shade val="50000"/>
+              </a:schemeClr>
+            </a:lnRef>
+            <a:fillRef idx="1">
+              <a:schemeClr val="accent1"/>
+            </a:fillRef>
+            <a:effectRef idx="0">
+              <a:schemeClr val="accent1"/>
+            </a:effectRef>
+            <a:fontRef idx="minor">
+              <a:schemeClr val="lt1"/>
+            </a:fontRef>
+          </p:style>
+          <p:txBody>
+            <a:bodyPr rtlCol="0" anchor="ctr"/>
+            <a:lstStyle/>
+            <a:p>
+              <a:pPr algn="ctr"/>
+              <a:endParaRPr lang="en-US"/>
+            </a:p>
+          </p:txBody>
+        </p:sp>
+      </p:grpSp>
+      <p:grpSp>
+        <p:nvGrpSpPr>
+          <p:cNvPr id="16" name="Group 15">
+            <a:extLst>
+              <a:ext uri="{FF2B5EF4-FFF2-40B4-BE49-F238E27FC236}">
+                <a16:creationId xmlns:a16="http://schemas.microsoft.com/office/drawing/2014/main" id="{5995D10D-E9C9-47DB-AE7E-801FEF38F5C9}"/>
+              </a:ext>
+              <a:ext uri="{C183D7F6-B498-43B3-948B-1728B52AA6E4}">
+                <adec:decorative xmlns:adec="http://schemas.microsoft.com/office/drawing/2017/decorative" val="1"/>
+              </a:ext>
+            </a:extLst>
+          </p:cNvPr>
+          <p:cNvGrpSpPr>
+            <a:grpSpLocks noGrp="1" noUngrp="1" noRot="1" noChangeAspect="1" noMove="1" noResize="1"/>
+          </p:cNvGrpSpPr>
+          <p:nvPr>
+            <p:extLst>
+              <p:ext uri="{386F3935-93C4-4BCD-93E2-E3B085C9AB24}">
+                <p16:designElem xmlns:p16="http://schemas.microsoft.com/office/powerpoint/2015/main" val="1"/>
+              </p:ext>
+            </p:extLst>
+          </p:nvPr>
+        </p:nvGrpSpPr>
+        <p:grpSpPr>
+          <a:xfrm>
+            <a:off x="11219290" y="1"/>
+            <a:ext cx="972709" cy="1935307"/>
+            <a:chOff x="10918968" y="713127"/>
+            <a:chExt cx="1273032" cy="2532832"/>
+          </a:xfrm>
+        </p:grpSpPr>
+        <p:sp>
+          <p:nvSpPr>
+            <p:cNvPr id="17" name="Rectangle 16">
+              <a:extLst>
+                <a:ext uri="{FF2B5EF4-FFF2-40B4-BE49-F238E27FC236}">
+                  <a16:creationId xmlns:a16="http://schemas.microsoft.com/office/drawing/2014/main" id="{CC1A72C6-3DE4-4EC3-9AD5-9E0D40D8CE8A}"/>
+                </a:ext>
+                <a:ext uri="{C183D7F6-B498-43B3-948B-1728B52AA6E4}">
+                  <adec:decorative xmlns:adec="http://schemas.microsoft.com/office/drawing/2017/decorative" val="1"/>
+                </a:ext>
+              </a:extLst>
+            </p:cNvPr>
+            <p:cNvSpPr/>
+            <p:nvPr>
+              <p:extLst>
+                <p:ext uri="{386F3935-93C4-4BCD-93E2-E3B085C9AB24}">
+                  <p16:designElem xmlns:p16="http://schemas.microsoft.com/office/powerpoint/2015/main" val="1"/>
+                </p:ext>
+              </p:extLst>
+            </p:nvPr>
+          </p:nvSpPr>
+          <p:spPr>
+            <a:xfrm rot="2700000">
+              <a:off x="11052629" y="2120024"/>
+              <a:ext cx="645368" cy="645368"/>
+            </a:xfrm>
+            <a:prstGeom prst="rect">
+              <a:avLst/>
+            </a:prstGeom>
+            <a:solidFill>
+              <a:schemeClr val="accent4">
+                <a:alpha val="30000"/>
+              </a:schemeClr>
+            </a:solidFill>
+            <a:ln>
+              <a:noFill/>
+            </a:ln>
+          </p:spPr>
+          <p:style>
+            <a:lnRef idx="2">
+              <a:schemeClr val="accent1">
+                <a:shade val="50000"/>
+              </a:schemeClr>
+            </a:lnRef>
+            <a:fillRef idx="1">
+              <a:schemeClr val="accent1"/>
+            </a:fillRef>
+            <a:effectRef idx="0">
+              <a:schemeClr val="accent1"/>
+            </a:effectRef>
+            <a:fontRef idx="minor">
+              <a:schemeClr val="lt1"/>
+            </a:fontRef>
+          </p:style>
+          <p:txBody>
+            <a:bodyPr rtlCol="0" anchor="ctr"/>
+            <a:lstStyle/>
+            <a:p>
+              <a:pPr algn="ctr"/>
+              <a:endParaRPr lang="en-US"/>
+            </a:p>
+          </p:txBody>
+        </p:sp>
+        <p:sp>
+          <p:nvSpPr>
+            <p:cNvPr id="18" name="Isosceles Triangle 17">
+              <a:extLst>
+                <a:ext uri="{FF2B5EF4-FFF2-40B4-BE49-F238E27FC236}">
+                  <a16:creationId xmlns:a16="http://schemas.microsoft.com/office/drawing/2014/main" id="{0B0DA1F1-C391-4EDF-9FE0-23E86E137765}"/>
+                </a:ext>
+                <a:ext uri="{C183D7F6-B498-43B3-948B-1728B52AA6E4}">
+                  <adec:decorative xmlns:adec="http://schemas.microsoft.com/office/drawing/2017/decorative" val="1"/>
+                </a:ext>
+              </a:extLst>
+            </p:cNvPr>
+            <p:cNvSpPr/>
+            <p:nvPr>
+              <p:extLst>
+                <p:ext uri="{386F3935-93C4-4BCD-93E2-E3B085C9AB24}">
+                  <p16:designElem xmlns:p16="http://schemas.microsoft.com/office/powerpoint/2015/main" val="1"/>
+                </p:ext>
+              </p:extLst>
+            </p:nvPr>
+          </p:nvSpPr>
+          <p:spPr>
+            <a:xfrm rot="16200000">
+              <a:off x="10289068" y="1343027"/>
+              <a:ext cx="2532832" cy="1273032"/>
+            </a:xfrm>
+            <a:prstGeom prst="triangle">
+              <a:avLst>
+                <a:gd name="adj" fmla="val 50000"/>
+              </a:avLst>
+            </a:prstGeom>
+            <a:solidFill>
+              <a:schemeClr val="accent4">
+                <a:alpha val="30000"/>
+              </a:schemeClr>
+            </a:solidFill>
+            <a:ln>
+              <a:noFill/>
+            </a:ln>
+          </p:spPr>
+          <p:style>
+            <a:lnRef idx="2">
+              <a:schemeClr val="accent1">
+                <a:shade val="50000"/>
+              </a:schemeClr>
+            </a:lnRef>
+            <a:fillRef idx="1">
+              <a:schemeClr val="accent1"/>
+            </a:fillRef>
+            <a:effectRef idx="0">
+              <a:schemeClr val="accent1"/>
+            </a:effectRef>
+            <a:fontRef idx="minor">
+              <a:schemeClr val="lt1"/>
+            </a:fontRef>
+          </p:style>
+          <p:txBody>
+            <a:bodyPr rtlCol="0" anchor="ctr"/>
+            <a:lstStyle/>
+            <a:p>
+              <a:pPr algn="ctr"/>
+              <a:endParaRPr lang="en-US"/>
+            </a:p>
+          </p:txBody>
+        </p:sp>
+      </p:grpSp>
+      <p:sp>
+        <p:nvSpPr>
+          <p:cNvPr id="3" name="Slide Number Placeholder 2">
+            <a:extLst>
+              <a:ext uri="{FF2B5EF4-FFF2-40B4-BE49-F238E27FC236}">
+                <a16:creationId xmlns:a16="http://schemas.microsoft.com/office/drawing/2014/main" id="{FBDE7135-9153-4AEB-AC1F-4B951B7A76F2}"/>
               </a:ext>
             </a:extLst>
           </p:cNvPr>
@@ -5468,70 +5861,45 @@
             <a:spLocks noGrp="1"/>
           </p:cNvSpPr>
           <p:nvPr>
-            <p:ph type="title"/>
-          </p:nvPr>
-        </p:nvSpPr>
-        <p:spPr/>
-        <p:txBody>
-          <a:bodyPr/>
+            <p:ph type="sldNum" sz="quarter" idx="11"/>
+          </p:nvPr>
+        </p:nvSpPr>
+        <p:spPr>
+          <a:xfrm>
+            <a:off x="8805333" y="6356350"/>
+            <a:ext cx="2743200" cy="365125"/>
+          </a:xfrm>
+        </p:spPr>
+        <p:txBody>
+          <a:bodyPr vert="horz" lIns="91440" tIns="45720" rIns="91440" bIns="45720" rtlCol="0" anchor="ctr">
+            <a:normAutofit/>
+          </a:bodyPr>
           <a:lstStyle/>
           <a:p>
-            <a:r>
-              <a:rPr lang="en-US">
-                <a:cs typeface="Calibri Light"/>
-              </a:rPr>
-              <a:t>What's Next</a:t>
-            </a:r>
+            <a:pPr>
+              <a:spcAft>
+                <a:spcPts val="600"/>
+              </a:spcAft>
+            </a:pPr>
+            <a:fld id="{8C2E478F-E849-4A8C-AF1F-CBCC78A7CBFA}" type="slidenum">
+              <a:rPr lang="en-US" smtClean="0"/>
+              <a:pPr>
+                <a:spcAft>
+                  <a:spcPts val="600"/>
+                </a:spcAft>
+              </a:pPr>
+              <a:t>10</a:t>
+            </a:fld>
             <a:endParaRPr lang="en-US"/>
           </a:p>
         </p:txBody>
       </p:sp>
-      <p:pic>
-        <p:nvPicPr>
-          <p:cNvPr id="6" name="Picture Placeholder 5" descr="person staring at blueprints on a brick wall">
-            <a:extLst>
-              <a:ext uri="{FF2B5EF4-FFF2-40B4-BE49-F238E27FC236}">
-                <a16:creationId xmlns:a16="http://schemas.microsoft.com/office/drawing/2014/main" id="{C07C315A-7CD1-432C-92FA-6B62159B56CA}"/>
-              </a:ext>
-            </a:extLst>
-          </p:cNvPr>
-          <p:cNvPicPr>
-            <a:picLocks noGrp="1" noChangeAspect="1"/>
-          </p:cNvPicPr>
-          <p:nvPr>
-            <p:ph type="pic" sz="quarter" idx="14"/>
-          </p:nvPr>
-        </p:nvPicPr>
-        <p:blipFill rotWithShape="1">
-          <a:blip r:embed="rId3">
-            <a:extLst>
-              <a:ext uri="{BEBA8EAE-BF5A-486C-A8C5-ECC9F3942E4B}">
-                <a14:imgProps xmlns:a14="http://schemas.microsoft.com/office/drawing/2010/main">
-                  <a14:imgLayer r:embed="rId4">
-                    <a14:imgEffect>
-                      <a14:saturation sat="0"/>
-                    </a14:imgEffect>
-                  </a14:imgLayer>
-                </a14:imgProps>
-              </a:ext>
-            </a:extLst>
-          </a:blip>
-          <a:srcRect l="23552" t="1" r="23880" b="327"/>
-          <a:stretch/>
-        </p:blipFill>
-        <p:spPr>
-          <a:xfrm>
-            <a:off x="0" y="0"/>
-            <a:ext cx="5416550" cy="6858000"/>
-          </a:xfrm>
-        </p:spPr>
-      </p:pic>
-      <p:sp>
-        <p:nvSpPr>
-          <p:cNvPr id="14" name="Content Placeholder 13">
-            <a:extLst>
-              <a:ext uri="{FF2B5EF4-FFF2-40B4-BE49-F238E27FC236}">
-                <a16:creationId xmlns:a16="http://schemas.microsoft.com/office/drawing/2014/main" id="{79248A72-A597-48DF-A270-3389F5D209C0}"/>
+      <p:sp>
+        <p:nvSpPr>
+          <p:cNvPr id="8" name="Title 7">
+            <a:extLst>
+              <a:ext uri="{FF2B5EF4-FFF2-40B4-BE49-F238E27FC236}">
+                <a16:creationId xmlns:a16="http://schemas.microsoft.com/office/drawing/2014/main" id="{F8DB2305-A4BB-ED16-560A-F163014025D2}"/>
               </a:ext>
             </a:extLst>
           </p:cNvPr>
@@ -5539,93 +5907,216 @@
             <a:spLocks noGrp="1"/>
           </p:cNvSpPr>
           <p:nvPr>
-            <p:ph idx="1"/>
-          </p:nvPr>
-        </p:nvSpPr>
-        <p:spPr>
-          <a:xfrm>
-            <a:off x="6096000" y="1965745"/>
-            <a:ext cx="5021580" cy="3903546"/>
-          </a:xfrm>
-        </p:spPr>
-        <p:txBody>
-          <a:bodyPr vert="horz" lIns="91440" tIns="45720" rIns="91440" bIns="45720" rtlCol="0" anchor="t">
-            <a:normAutofit/>
+            <p:ph type="title"/>
+          </p:nvPr>
+        </p:nvSpPr>
+        <p:spPr>
+          <a:xfrm>
+            <a:off x="5215812" y="612037"/>
+            <a:ext cx="6777405" cy="884238"/>
+          </a:xfrm>
+        </p:spPr>
+        <p:txBody>
+          <a:bodyPr/>
+          <a:lstStyle/>
+          <a:p>
+            <a:r>
+              <a:rPr lang="en-US" dirty="0"/>
+              <a:t>NER Distribution</a:t>
+            </a:r>
+          </a:p>
+        </p:txBody>
+      </p:sp>
+      <p:pic>
+        <p:nvPicPr>
+          <p:cNvPr id="4" name="Picture 3">
+            <a:extLst>
+              <a:ext uri="{FF2B5EF4-FFF2-40B4-BE49-F238E27FC236}">
+                <a16:creationId xmlns:a16="http://schemas.microsoft.com/office/drawing/2014/main" id="{8B54775C-0FEA-9B6F-4299-0BD06C300A71}"/>
+              </a:ext>
+            </a:extLst>
+          </p:cNvPr>
+          <p:cNvPicPr>
+            <a:picLocks noChangeAspect="1"/>
+          </p:cNvPicPr>
+          <p:nvPr/>
+        </p:nvPicPr>
+        <p:blipFill>
+          <a:blip r:embed="rId2"/>
+          <a:stretch>
+            <a:fillRect/>
+          </a:stretch>
+        </p:blipFill>
+        <p:spPr>
+          <a:xfrm>
+            <a:off x="413296" y="2227985"/>
+            <a:ext cx="5468423" cy="3161233"/>
+          </a:xfrm>
+          <a:prstGeom prst="rect">
+            <a:avLst/>
+          </a:prstGeom>
+        </p:spPr>
+      </p:pic>
+      <p:pic>
+        <p:nvPicPr>
+          <p:cNvPr id="6" name="Picture 5">
+            <a:extLst>
+              <a:ext uri="{FF2B5EF4-FFF2-40B4-BE49-F238E27FC236}">
+                <a16:creationId xmlns:a16="http://schemas.microsoft.com/office/drawing/2014/main" id="{80DCF4F8-28C7-D3BF-0DAD-08822186A4B9}"/>
+              </a:ext>
+            </a:extLst>
+          </p:cNvPr>
+          <p:cNvPicPr>
+            <a:picLocks noChangeAspect="1"/>
+          </p:cNvPicPr>
+          <p:nvPr/>
+        </p:nvPicPr>
+        <p:blipFill>
+          <a:blip r:embed="rId3"/>
+          <a:stretch>
+            <a:fillRect/>
+          </a:stretch>
+        </p:blipFill>
+        <p:spPr>
+          <a:xfrm>
+            <a:off x="6578410" y="2227985"/>
+            <a:ext cx="5364947" cy="3313833"/>
+          </a:xfrm>
+          <a:prstGeom prst="rect">
+            <a:avLst/>
+          </a:prstGeom>
+        </p:spPr>
+      </p:pic>
+      <p:cxnSp>
+        <p:nvCxnSpPr>
+          <p:cNvPr id="9" name="Straight Arrow Connector 8">
+            <a:extLst>
+              <a:ext uri="{FF2B5EF4-FFF2-40B4-BE49-F238E27FC236}">
+                <a16:creationId xmlns:a16="http://schemas.microsoft.com/office/drawing/2014/main" id="{1C405E49-66EC-C06A-ABD2-0BD766AB46ED}"/>
+              </a:ext>
+            </a:extLst>
+          </p:cNvPr>
+          <p:cNvCxnSpPr>
+            <a:cxnSpLocks/>
+          </p:cNvCxnSpPr>
+          <p:nvPr/>
+        </p:nvCxnSpPr>
+        <p:spPr>
+          <a:xfrm>
+            <a:off x="5135418" y="2364509"/>
+            <a:ext cx="1616364" cy="1237673"/>
+          </a:xfrm>
+          <a:prstGeom prst="straightConnector1">
+            <a:avLst/>
+          </a:prstGeom>
+          <a:ln w="130175">
+            <a:solidFill>
+              <a:schemeClr val="accent5"/>
+            </a:solidFill>
+            <a:tailEnd type="triangle"/>
+          </a:ln>
+        </p:spPr>
+        <p:style>
+          <a:lnRef idx="1">
+            <a:schemeClr val="accent1"/>
+          </a:lnRef>
+          <a:fillRef idx="0">
+            <a:schemeClr val="accent1"/>
+          </a:fillRef>
+          <a:effectRef idx="0">
+            <a:schemeClr val="accent1"/>
+          </a:effectRef>
+          <a:fontRef idx="minor">
+            <a:schemeClr val="tx1"/>
+          </a:fontRef>
+        </p:style>
+      </p:cxnSp>
+      <p:sp>
+        <p:nvSpPr>
+          <p:cNvPr id="21" name="TextBox 20">
+            <a:extLst>
+              <a:ext uri="{FF2B5EF4-FFF2-40B4-BE49-F238E27FC236}">
+                <a16:creationId xmlns:a16="http://schemas.microsoft.com/office/drawing/2014/main" id="{EE167727-B1DF-B725-265C-2B004C11FBE1}"/>
+              </a:ext>
+            </a:extLst>
+          </p:cNvPr>
+          <p:cNvSpPr txBox="1"/>
+          <p:nvPr/>
+        </p:nvSpPr>
+        <p:spPr>
+          <a:xfrm>
+            <a:off x="1493812" y="1719864"/>
+            <a:ext cx="5389756" cy="430887"/>
+          </a:xfrm>
+          <a:prstGeom prst="rect">
+            <a:avLst/>
+          </a:prstGeom>
+          <a:noFill/>
+        </p:spPr>
+        <p:txBody>
+          <a:bodyPr rot="0" spcFirstLastPara="0" vertOverflow="overflow" horzOverflow="overflow" vert="horz" wrap="square" lIns="91440" tIns="45720" rIns="91440" bIns="45720" numCol="1" spcCol="0" rtlCol="0" fromWordArt="0" anchor="t" anchorCtr="0" forceAA="0" compatLnSpc="1">
+            <a:prstTxWarp prst="textNoShape">
+              <a:avLst/>
+            </a:prstTxWarp>
+            <a:spAutoFit/>
           </a:bodyPr>
           <a:lstStyle/>
           <a:p>
-            <a:pPr marL="285750" indent="-285750">
-              <a:lnSpc>
-                <a:spcPct val="100000"/>
-              </a:lnSpc>
-              <a:defRPr/>
-            </a:pPr>
-            <a:r>
-              <a:rPr lang="en-US" sz="1400" dirty="0"/>
-              <a:t>Finish the base clustering model</a:t>
-            </a:r>
-          </a:p>
-          <a:p>
-            <a:pPr marL="285750" indent="-285750">
-              <a:lnSpc>
-                <a:spcPct val="100000"/>
-              </a:lnSpc>
-              <a:defRPr/>
-            </a:pPr>
-            <a:r>
-              <a:rPr lang="en-US" sz="1400" dirty="0"/>
-              <a:t>Continue on NLP-Aug </a:t>
-            </a:r>
-            <a:r>
-              <a:rPr lang="en-US" sz="1400" dirty="0" err="1"/>
-              <a:t>Algorithmns</a:t>
-            </a:r>
-            <a:r>
-              <a:rPr lang="en-US" sz="1400" dirty="0"/>
-              <a:t>/packages</a:t>
-            </a:r>
-          </a:p>
-          <a:p>
-            <a:pPr marL="0" indent="0">
-              <a:buNone/>
-            </a:pPr>
-            <a:endParaRPr lang="en-US" sz="1400" dirty="0"/>
-          </a:p>
-        </p:txBody>
-      </p:sp>
-      <p:sp>
-        <p:nvSpPr>
-          <p:cNvPr id="16" name="Slide Number Placeholder 15">
-            <a:extLst>
-              <a:ext uri="{FF2B5EF4-FFF2-40B4-BE49-F238E27FC236}">
-                <a16:creationId xmlns:a16="http://schemas.microsoft.com/office/drawing/2014/main" id="{7FA57D11-A25F-4772-8E50-DDB68BE8CB69}"/>
-              </a:ext>
-            </a:extLst>
-          </p:cNvPr>
-          <p:cNvSpPr>
-            <a:spLocks noGrp="1"/>
-          </p:cNvSpPr>
-          <p:nvPr>
-            <p:ph type="sldNum" sz="quarter" idx="4"/>
-          </p:nvPr>
-        </p:nvSpPr>
-        <p:spPr/>
-        <p:txBody>
-          <a:bodyPr/>
+            <a:r>
+              <a:rPr lang="en-US" sz="2200" dirty="0">
+                <a:cs typeface="Calibri"/>
+              </a:rPr>
+              <a:t>Overall NER entities</a:t>
+            </a:r>
+            <a:endParaRPr lang="en-US" sz="2200" dirty="0"/>
+          </a:p>
+        </p:txBody>
+      </p:sp>
+      <p:sp>
+        <p:nvSpPr>
+          <p:cNvPr id="22" name="TextBox 21">
+            <a:extLst>
+              <a:ext uri="{FF2B5EF4-FFF2-40B4-BE49-F238E27FC236}">
+                <a16:creationId xmlns:a16="http://schemas.microsoft.com/office/drawing/2014/main" id="{014B2F0B-EA3C-4928-C446-7DBCB29BF415}"/>
+              </a:ext>
+            </a:extLst>
+          </p:cNvPr>
+          <p:cNvSpPr txBox="1"/>
+          <p:nvPr/>
+        </p:nvSpPr>
+        <p:spPr>
+          <a:xfrm>
+            <a:off x="7482055" y="1747475"/>
+            <a:ext cx="5389756" cy="430887"/>
+          </a:xfrm>
+          <a:prstGeom prst="rect">
+            <a:avLst/>
+          </a:prstGeom>
+          <a:noFill/>
+        </p:spPr>
+        <p:txBody>
+          <a:bodyPr rot="0" spcFirstLastPara="0" vertOverflow="overflow" horzOverflow="overflow" vert="horz" wrap="square" lIns="91440" tIns="45720" rIns="91440" bIns="45720" numCol="1" spcCol="0" rtlCol="0" fromWordArt="0" anchor="t" anchorCtr="0" forceAA="0" compatLnSpc="1">
+            <a:prstTxWarp prst="textNoShape">
+              <a:avLst/>
+            </a:prstTxWarp>
+            <a:spAutoFit/>
+          </a:bodyPr>
           <a:lstStyle/>
           <a:p>
-            <a:fld id="{8C2E478F-E849-4A8C-AF1F-CBCC78A7CBFA}" type="slidenum">
-              <a:rPr lang="en-US" smtClean="0"/>
-              <a:t>10</a:t>
-            </a:fld>
-            <a:endParaRPr lang="en-US"/>
+            <a:r>
+              <a:rPr lang="en-US" sz="2200" dirty="0">
+                <a:cs typeface="Calibri"/>
+              </a:rPr>
+              <a:t>Organizations</a:t>
+            </a:r>
+            <a:endParaRPr lang="en-US" sz="2200" dirty="0"/>
           </a:p>
         </p:txBody>
       </p:sp>
     </p:spTree>
     <p:extLst>
       <p:ext uri="{BB962C8B-B14F-4D97-AF65-F5344CB8AC3E}">
-        <p14:creationId xmlns:p14="http://schemas.microsoft.com/office/powerpoint/2010/main" val="3516891798"/>
+        <p14:creationId xmlns:p14="http://schemas.microsoft.com/office/powerpoint/2010/main" val="2869215878"/>
       </p:ext>
     </p:extLst>
   </p:cSld>
@@ -5660,6 +6151,1022 @@
           <a:chExt cx="0" cy="0"/>
         </a:xfrm>
       </p:grpSpPr>
+      <p:sp>
+        <p:nvSpPr>
+          <p:cNvPr id="10" name="Rectangle 9">
+            <a:extLst>
+              <a:ext uri="{FF2B5EF4-FFF2-40B4-BE49-F238E27FC236}">
+                <a16:creationId xmlns:a16="http://schemas.microsoft.com/office/drawing/2014/main" id="{2B566528-1B12-4246-9431-5C2D7D081168}"/>
+              </a:ext>
+              <a:ext uri="{C183D7F6-B498-43B3-948B-1728B52AA6E4}">
+                <adec:decorative xmlns:adec="http://schemas.microsoft.com/office/drawing/2017/decorative" val="1"/>
+              </a:ext>
+            </a:extLst>
+          </p:cNvPr>
+          <p:cNvSpPr>
+            <a:spLocks noGrp="1" noRot="1" noChangeAspect="1" noMove="1" noResize="1" noEditPoints="1" noAdjustHandles="1" noChangeArrowheads="1" noChangeShapeType="1" noTextEdit="1"/>
+          </p:cNvSpPr>
+          <p:nvPr>
+            <p:extLst>
+              <p:ext uri="{386F3935-93C4-4BCD-93E2-E3B085C9AB24}">
+                <p16:designElem xmlns:p16="http://schemas.microsoft.com/office/powerpoint/2015/main" val="1"/>
+              </p:ext>
+            </p:extLst>
+          </p:nvPr>
+        </p:nvSpPr>
+        <p:spPr>
+          <a:xfrm>
+            <a:off x="0" y="0"/>
+            <a:ext cx="12192000" cy="6858000"/>
+          </a:xfrm>
+          <a:prstGeom prst="rect">
+            <a:avLst/>
+          </a:prstGeom>
+          <a:solidFill>
+            <a:schemeClr val="bg1"/>
+          </a:solidFill>
+          <a:ln>
+            <a:noFill/>
+          </a:ln>
+        </p:spPr>
+        <p:style>
+          <a:lnRef idx="2">
+            <a:schemeClr val="accent1">
+              <a:shade val="50000"/>
+            </a:schemeClr>
+          </a:lnRef>
+          <a:fillRef idx="1">
+            <a:schemeClr val="accent1"/>
+          </a:fillRef>
+          <a:effectRef idx="0">
+            <a:schemeClr val="accent1"/>
+          </a:effectRef>
+          <a:fontRef idx="minor">
+            <a:schemeClr val="lt1"/>
+          </a:fontRef>
+        </p:style>
+        <p:txBody>
+          <a:bodyPr rtlCol="0" anchor="ctr"/>
+          <a:lstStyle/>
+          <a:p>
+            <a:pPr algn="ctr"/>
+            <a:endParaRPr lang="en-US"/>
+          </a:p>
+        </p:txBody>
+      </p:sp>
+      <p:grpSp>
+        <p:nvGrpSpPr>
+          <p:cNvPr id="12" name="Group 11">
+            <a:extLst>
+              <a:ext uri="{FF2B5EF4-FFF2-40B4-BE49-F238E27FC236}">
+                <a16:creationId xmlns:a16="http://schemas.microsoft.com/office/drawing/2014/main" id="{828A5161-06F1-46CF-8AD7-844680A59E13}"/>
+              </a:ext>
+              <a:ext uri="{C183D7F6-B498-43B3-948B-1728B52AA6E4}">
+                <adec:decorative xmlns:adec="http://schemas.microsoft.com/office/drawing/2017/decorative" val="1"/>
+              </a:ext>
+            </a:extLst>
+          </p:cNvPr>
+          <p:cNvGrpSpPr>
+            <a:grpSpLocks noGrp="1" noUngrp="1" noRot="1" noChangeAspect="1" noMove="1" noResize="1"/>
+          </p:cNvGrpSpPr>
+          <p:nvPr>
+            <p:extLst>
+              <p:ext uri="{386F3935-93C4-4BCD-93E2-E3B085C9AB24}">
+                <p16:designElem xmlns:p16="http://schemas.microsoft.com/office/powerpoint/2015/main" val="1"/>
+              </p:ext>
+            </p:extLst>
+          </p:nvPr>
+        </p:nvGrpSpPr>
+        <p:grpSpPr>
+          <a:xfrm>
+            <a:off x="0" y="4601497"/>
+            <a:ext cx="1014060" cy="2017580"/>
+            <a:chOff x="0" y="4601497"/>
+            <a:chExt cx="1014060" cy="2017580"/>
+          </a:xfrm>
+        </p:grpSpPr>
+        <p:sp>
+          <p:nvSpPr>
+            <p:cNvPr id="13" name="Isosceles Triangle 12">
+              <a:extLst>
+                <a:ext uri="{FF2B5EF4-FFF2-40B4-BE49-F238E27FC236}">
+                  <a16:creationId xmlns:a16="http://schemas.microsoft.com/office/drawing/2014/main" id="{D3F51FEB-38FB-4F6C-9F7B-2F2AFAB65463}"/>
+                </a:ext>
+                <a:ext uri="{C183D7F6-B498-43B3-948B-1728B52AA6E4}">
+                  <adec:decorative xmlns:adec="http://schemas.microsoft.com/office/drawing/2017/decorative" val="1"/>
+                </a:ext>
+              </a:extLst>
+            </p:cNvPr>
+            <p:cNvSpPr/>
+            <p:nvPr>
+              <p:extLst>
+                <p:ext uri="{386F3935-93C4-4BCD-93E2-E3B085C9AB24}">
+                  <p16:designElem xmlns:p16="http://schemas.microsoft.com/office/powerpoint/2015/main" val="1"/>
+                </p:ext>
+              </p:extLst>
+            </p:nvPr>
+          </p:nvSpPr>
+          <p:spPr>
+            <a:xfrm rot="5400000">
+              <a:off x="-501760" y="5103257"/>
+              <a:ext cx="2017580" cy="1014060"/>
+            </a:xfrm>
+            <a:prstGeom prst="triangle">
+              <a:avLst>
+                <a:gd name="adj" fmla="val 50000"/>
+              </a:avLst>
+            </a:prstGeom>
+            <a:solidFill>
+              <a:schemeClr val="accent1">
+                <a:alpha val="30000"/>
+              </a:schemeClr>
+            </a:solidFill>
+            <a:ln>
+              <a:noFill/>
+            </a:ln>
+          </p:spPr>
+          <p:style>
+            <a:lnRef idx="2">
+              <a:schemeClr val="accent1">
+                <a:shade val="50000"/>
+              </a:schemeClr>
+            </a:lnRef>
+            <a:fillRef idx="1">
+              <a:schemeClr val="accent1"/>
+            </a:fillRef>
+            <a:effectRef idx="0">
+              <a:schemeClr val="accent1"/>
+            </a:effectRef>
+            <a:fontRef idx="minor">
+              <a:schemeClr val="lt1"/>
+            </a:fontRef>
+          </p:style>
+          <p:txBody>
+            <a:bodyPr rtlCol="0" anchor="ctr"/>
+            <a:lstStyle/>
+            <a:p>
+              <a:pPr algn="ctr"/>
+              <a:endParaRPr lang="en-US"/>
+            </a:p>
+          </p:txBody>
+        </p:sp>
+        <p:sp>
+          <p:nvSpPr>
+            <p:cNvPr id="14" name="Rectangle 13">
+              <a:extLst>
+                <a:ext uri="{FF2B5EF4-FFF2-40B4-BE49-F238E27FC236}">
+                  <a16:creationId xmlns:a16="http://schemas.microsoft.com/office/drawing/2014/main" id="{1E547BA6-BAE0-43BB-A7CA-60F69CE252F0}"/>
+                </a:ext>
+                <a:ext uri="{C183D7F6-B498-43B3-948B-1728B52AA6E4}">
+                  <adec:decorative xmlns:adec="http://schemas.microsoft.com/office/drawing/2017/decorative" val="1"/>
+                </a:ext>
+              </a:extLst>
+            </p:cNvPr>
+            <p:cNvSpPr/>
+            <p:nvPr>
+              <p:extLst>
+                <p:ext uri="{386F3935-93C4-4BCD-93E2-E3B085C9AB24}">
+                  <p16:designElem xmlns:p16="http://schemas.microsoft.com/office/powerpoint/2015/main" val="1"/>
+                </p:ext>
+              </p:extLst>
+            </p:nvPr>
+          </p:nvSpPr>
+          <p:spPr>
+            <a:xfrm rot="2700000">
+              <a:off x="427916" y="5728708"/>
+              <a:ext cx="485578" cy="485578"/>
+            </a:xfrm>
+            <a:prstGeom prst="rect">
+              <a:avLst/>
+            </a:prstGeom>
+            <a:solidFill>
+              <a:schemeClr val="accent1">
+                <a:alpha val="30000"/>
+              </a:schemeClr>
+            </a:solidFill>
+            <a:ln>
+              <a:noFill/>
+            </a:ln>
+          </p:spPr>
+          <p:style>
+            <a:lnRef idx="2">
+              <a:schemeClr val="accent1">
+                <a:shade val="50000"/>
+              </a:schemeClr>
+            </a:lnRef>
+            <a:fillRef idx="1">
+              <a:schemeClr val="accent1"/>
+            </a:fillRef>
+            <a:effectRef idx="0">
+              <a:schemeClr val="accent1"/>
+            </a:effectRef>
+            <a:fontRef idx="minor">
+              <a:schemeClr val="lt1"/>
+            </a:fontRef>
+          </p:style>
+          <p:txBody>
+            <a:bodyPr rtlCol="0" anchor="ctr"/>
+            <a:lstStyle/>
+            <a:p>
+              <a:pPr algn="ctr"/>
+              <a:endParaRPr lang="en-US"/>
+            </a:p>
+          </p:txBody>
+        </p:sp>
+      </p:grpSp>
+      <p:grpSp>
+        <p:nvGrpSpPr>
+          <p:cNvPr id="16" name="Group 15">
+            <a:extLst>
+              <a:ext uri="{FF2B5EF4-FFF2-40B4-BE49-F238E27FC236}">
+                <a16:creationId xmlns:a16="http://schemas.microsoft.com/office/drawing/2014/main" id="{5995D10D-E9C9-47DB-AE7E-801FEF38F5C9}"/>
+              </a:ext>
+              <a:ext uri="{C183D7F6-B498-43B3-948B-1728B52AA6E4}">
+                <adec:decorative xmlns:adec="http://schemas.microsoft.com/office/drawing/2017/decorative" val="1"/>
+              </a:ext>
+            </a:extLst>
+          </p:cNvPr>
+          <p:cNvGrpSpPr>
+            <a:grpSpLocks noGrp="1" noUngrp="1" noRot="1" noChangeAspect="1" noMove="1" noResize="1"/>
+          </p:cNvGrpSpPr>
+          <p:nvPr>
+            <p:extLst>
+              <p:ext uri="{386F3935-93C4-4BCD-93E2-E3B085C9AB24}">
+                <p16:designElem xmlns:p16="http://schemas.microsoft.com/office/powerpoint/2015/main" val="1"/>
+              </p:ext>
+            </p:extLst>
+          </p:nvPr>
+        </p:nvGrpSpPr>
+        <p:grpSpPr>
+          <a:xfrm>
+            <a:off x="11219290" y="1"/>
+            <a:ext cx="972709" cy="1935307"/>
+            <a:chOff x="10918968" y="713127"/>
+            <a:chExt cx="1273032" cy="2532832"/>
+          </a:xfrm>
+        </p:grpSpPr>
+        <p:sp>
+          <p:nvSpPr>
+            <p:cNvPr id="17" name="Rectangle 16">
+              <a:extLst>
+                <a:ext uri="{FF2B5EF4-FFF2-40B4-BE49-F238E27FC236}">
+                  <a16:creationId xmlns:a16="http://schemas.microsoft.com/office/drawing/2014/main" id="{CC1A72C6-3DE4-4EC3-9AD5-9E0D40D8CE8A}"/>
+                </a:ext>
+                <a:ext uri="{C183D7F6-B498-43B3-948B-1728B52AA6E4}">
+                  <adec:decorative xmlns:adec="http://schemas.microsoft.com/office/drawing/2017/decorative" val="1"/>
+                </a:ext>
+              </a:extLst>
+            </p:cNvPr>
+            <p:cNvSpPr/>
+            <p:nvPr>
+              <p:extLst>
+                <p:ext uri="{386F3935-93C4-4BCD-93E2-E3B085C9AB24}">
+                  <p16:designElem xmlns:p16="http://schemas.microsoft.com/office/powerpoint/2015/main" val="1"/>
+                </p:ext>
+              </p:extLst>
+            </p:nvPr>
+          </p:nvSpPr>
+          <p:spPr>
+            <a:xfrm rot="2700000">
+              <a:off x="11052629" y="2120024"/>
+              <a:ext cx="645368" cy="645368"/>
+            </a:xfrm>
+            <a:prstGeom prst="rect">
+              <a:avLst/>
+            </a:prstGeom>
+            <a:solidFill>
+              <a:schemeClr val="accent4">
+                <a:alpha val="30000"/>
+              </a:schemeClr>
+            </a:solidFill>
+            <a:ln>
+              <a:noFill/>
+            </a:ln>
+          </p:spPr>
+          <p:style>
+            <a:lnRef idx="2">
+              <a:schemeClr val="accent1">
+                <a:shade val="50000"/>
+              </a:schemeClr>
+            </a:lnRef>
+            <a:fillRef idx="1">
+              <a:schemeClr val="accent1"/>
+            </a:fillRef>
+            <a:effectRef idx="0">
+              <a:schemeClr val="accent1"/>
+            </a:effectRef>
+            <a:fontRef idx="minor">
+              <a:schemeClr val="lt1"/>
+            </a:fontRef>
+          </p:style>
+          <p:txBody>
+            <a:bodyPr rtlCol="0" anchor="ctr"/>
+            <a:lstStyle/>
+            <a:p>
+              <a:pPr algn="ctr"/>
+              <a:endParaRPr lang="en-US"/>
+            </a:p>
+          </p:txBody>
+        </p:sp>
+        <p:sp>
+          <p:nvSpPr>
+            <p:cNvPr id="18" name="Isosceles Triangle 17">
+              <a:extLst>
+                <a:ext uri="{FF2B5EF4-FFF2-40B4-BE49-F238E27FC236}">
+                  <a16:creationId xmlns:a16="http://schemas.microsoft.com/office/drawing/2014/main" id="{0B0DA1F1-C391-4EDF-9FE0-23E86E137765}"/>
+                </a:ext>
+                <a:ext uri="{C183D7F6-B498-43B3-948B-1728B52AA6E4}">
+                  <adec:decorative xmlns:adec="http://schemas.microsoft.com/office/drawing/2017/decorative" val="1"/>
+                </a:ext>
+              </a:extLst>
+            </p:cNvPr>
+            <p:cNvSpPr/>
+            <p:nvPr>
+              <p:extLst>
+                <p:ext uri="{386F3935-93C4-4BCD-93E2-E3B085C9AB24}">
+                  <p16:designElem xmlns:p16="http://schemas.microsoft.com/office/powerpoint/2015/main" val="1"/>
+                </p:ext>
+              </p:extLst>
+            </p:nvPr>
+          </p:nvSpPr>
+          <p:spPr>
+            <a:xfrm rot="16200000">
+              <a:off x="10289068" y="1343027"/>
+              <a:ext cx="2532832" cy="1273032"/>
+            </a:xfrm>
+            <a:prstGeom prst="triangle">
+              <a:avLst>
+                <a:gd name="adj" fmla="val 50000"/>
+              </a:avLst>
+            </a:prstGeom>
+            <a:solidFill>
+              <a:schemeClr val="accent4">
+                <a:alpha val="30000"/>
+              </a:schemeClr>
+            </a:solidFill>
+            <a:ln>
+              <a:noFill/>
+            </a:ln>
+          </p:spPr>
+          <p:style>
+            <a:lnRef idx="2">
+              <a:schemeClr val="accent1">
+                <a:shade val="50000"/>
+              </a:schemeClr>
+            </a:lnRef>
+            <a:fillRef idx="1">
+              <a:schemeClr val="accent1"/>
+            </a:fillRef>
+            <a:effectRef idx="0">
+              <a:schemeClr val="accent1"/>
+            </a:effectRef>
+            <a:fontRef idx="minor">
+              <a:schemeClr val="lt1"/>
+            </a:fontRef>
+          </p:style>
+          <p:txBody>
+            <a:bodyPr rtlCol="0" anchor="ctr"/>
+            <a:lstStyle/>
+            <a:p>
+              <a:pPr algn="ctr"/>
+              <a:endParaRPr lang="en-US"/>
+            </a:p>
+          </p:txBody>
+        </p:sp>
+      </p:grpSp>
+      <p:sp>
+        <p:nvSpPr>
+          <p:cNvPr id="3" name="Slide Number Placeholder 2">
+            <a:extLst>
+              <a:ext uri="{FF2B5EF4-FFF2-40B4-BE49-F238E27FC236}">
+                <a16:creationId xmlns:a16="http://schemas.microsoft.com/office/drawing/2014/main" id="{FBDE7135-9153-4AEB-AC1F-4B951B7A76F2}"/>
+              </a:ext>
+            </a:extLst>
+          </p:cNvPr>
+          <p:cNvSpPr>
+            <a:spLocks noGrp="1"/>
+          </p:cNvSpPr>
+          <p:nvPr>
+            <p:ph type="sldNum" sz="quarter" idx="11"/>
+          </p:nvPr>
+        </p:nvSpPr>
+        <p:spPr>
+          <a:xfrm>
+            <a:off x="8805333" y="6356350"/>
+            <a:ext cx="2743200" cy="365125"/>
+          </a:xfrm>
+        </p:spPr>
+        <p:txBody>
+          <a:bodyPr vert="horz" lIns="91440" tIns="45720" rIns="91440" bIns="45720" rtlCol="0" anchor="ctr">
+            <a:normAutofit/>
+          </a:bodyPr>
+          <a:lstStyle/>
+          <a:p>
+            <a:pPr>
+              <a:spcAft>
+                <a:spcPts val="600"/>
+              </a:spcAft>
+            </a:pPr>
+            <a:fld id="{8C2E478F-E849-4A8C-AF1F-CBCC78A7CBFA}" type="slidenum">
+              <a:rPr lang="en-US" smtClean="0"/>
+              <a:pPr>
+                <a:spcAft>
+                  <a:spcPts val="600"/>
+                </a:spcAft>
+              </a:pPr>
+              <a:t>11</a:t>
+            </a:fld>
+            <a:endParaRPr lang="en-US"/>
+          </a:p>
+        </p:txBody>
+      </p:sp>
+      <p:sp>
+        <p:nvSpPr>
+          <p:cNvPr id="8" name="Title 7">
+            <a:extLst>
+              <a:ext uri="{FF2B5EF4-FFF2-40B4-BE49-F238E27FC236}">
+                <a16:creationId xmlns:a16="http://schemas.microsoft.com/office/drawing/2014/main" id="{F8DB2305-A4BB-ED16-560A-F163014025D2}"/>
+              </a:ext>
+            </a:extLst>
+          </p:cNvPr>
+          <p:cNvSpPr>
+            <a:spLocks noGrp="1"/>
+          </p:cNvSpPr>
+          <p:nvPr>
+            <p:ph type="title"/>
+          </p:nvPr>
+        </p:nvSpPr>
+        <p:spPr>
+          <a:xfrm>
+            <a:off x="5215812" y="612037"/>
+            <a:ext cx="6777405" cy="884238"/>
+          </a:xfrm>
+        </p:spPr>
+        <p:txBody>
+          <a:bodyPr/>
+          <a:lstStyle/>
+          <a:p>
+            <a:r>
+              <a:rPr lang="en-US" dirty="0"/>
+              <a:t>POS Distribution</a:t>
+            </a:r>
+          </a:p>
+        </p:txBody>
+      </p:sp>
+      <p:sp>
+        <p:nvSpPr>
+          <p:cNvPr id="21" name="TextBox 20">
+            <a:extLst>
+              <a:ext uri="{FF2B5EF4-FFF2-40B4-BE49-F238E27FC236}">
+                <a16:creationId xmlns:a16="http://schemas.microsoft.com/office/drawing/2014/main" id="{EE167727-B1DF-B725-265C-2B004C11FBE1}"/>
+              </a:ext>
+            </a:extLst>
+          </p:cNvPr>
+          <p:cNvSpPr txBox="1"/>
+          <p:nvPr/>
+        </p:nvSpPr>
+        <p:spPr>
+          <a:xfrm>
+            <a:off x="1941682" y="1691871"/>
+            <a:ext cx="2387723" cy="430887"/>
+          </a:xfrm>
+          <a:prstGeom prst="rect">
+            <a:avLst/>
+          </a:prstGeom>
+          <a:noFill/>
+        </p:spPr>
+        <p:txBody>
+          <a:bodyPr rot="0" spcFirstLastPara="0" vertOverflow="overflow" horzOverflow="overflow" vert="horz" wrap="square" lIns="91440" tIns="45720" rIns="91440" bIns="45720" numCol="1" spcCol="0" rtlCol="0" fromWordArt="0" anchor="t" anchorCtr="0" forceAA="0" compatLnSpc="1">
+            <a:prstTxWarp prst="textNoShape">
+              <a:avLst/>
+            </a:prstTxWarp>
+            <a:spAutoFit/>
+          </a:bodyPr>
+          <a:lstStyle/>
+          <a:p>
+            <a:r>
+              <a:rPr lang="en-US" sz="2200" dirty="0">
+                <a:cs typeface="Calibri"/>
+              </a:rPr>
+              <a:t>POS tags overall</a:t>
+            </a:r>
+            <a:endParaRPr lang="en-US" sz="2200" dirty="0"/>
+          </a:p>
+        </p:txBody>
+      </p:sp>
+      <p:sp>
+        <p:nvSpPr>
+          <p:cNvPr id="22" name="TextBox 21">
+            <a:extLst>
+              <a:ext uri="{FF2B5EF4-FFF2-40B4-BE49-F238E27FC236}">
+                <a16:creationId xmlns:a16="http://schemas.microsoft.com/office/drawing/2014/main" id="{014B2F0B-EA3C-4928-C446-7DBCB29BF415}"/>
+              </a:ext>
+            </a:extLst>
+          </p:cNvPr>
+          <p:cNvSpPr txBox="1"/>
+          <p:nvPr/>
+        </p:nvSpPr>
+        <p:spPr>
+          <a:xfrm>
+            <a:off x="7482055" y="1747475"/>
+            <a:ext cx="5389756" cy="430887"/>
+          </a:xfrm>
+          <a:prstGeom prst="rect">
+            <a:avLst/>
+          </a:prstGeom>
+          <a:noFill/>
+        </p:spPr>
+        <p:txBody>
+          <a:bodyPr rot="0" spcFirstLastPara="0" vertOverflow="overflow" horzOverflow="overflow" vert="horz" wrap="square" lIns="91440" tIns="45720" rIns="91440" bIns="45720" numCol="1" spcCol="0" rtlCol="0" fromWordArt="0" anchor="t" anchorCtr="0" forceAA="0" compatLnSpc="1">
+            <a:prstTxWarp prst="textNoShape">
+              <a:avLst/>
+            </a:prstTxWarp>
+            <a:spAutoFit/>
+          </a:bodyPr>
+          <a:lstStyle/>
+          <a:p>
+            <a:r>
+              <a:rPr lang="en-US" sz="2200" dirty="0">
+                <a:cs typeface="Calibri"/>
+              </a:rPr>
+              <a:t>Nouns (NN)</a:t>
+            </a:r>
+            <a:endParaRPr lang="en-US" sz="2200" dirty="0"/>
+          </a:p>
+        </p:txBody>
+      </p:sp>
+      <p:pic>
+        <p:nvPicPr>
+          <p:cNvPr id="5" name="Picture 4">
+            <a:extLst>
+              <a:ext uri="{FF2B5EF4-FFF2-40B4-BE49-F238E27FC236}">
+                <a16:creationId xmlns:a16="http://schemas.microsoft.com/office/drawing/2014/main" id="{6F2CF0D9-48FA-651A-E1D7-045FDD339867}"/>
+              </a:ext>
+            </a:extLst>
+          </p:cNvPr>
+          <p:cNvPicPr>
+            <a:picLocks noChangeAspect="1"/>
+          </p:cNvPicPr>
+          <p:nvPr/>
+        </p:nvPicPr>
+        <p:blipFill>
+          <a:blip r:embed="rId2"/>
+          <a:stretch>
+            <a:fillRect/>
+          </a:stretch>
+        </p:blipFill>
+        <p:spPr>
+          <a:xfrm>
+            <a:off x="1014060" y="2225044"/>
+            <a:ext cx="4920209" cy="3253898"/>
+          </a:xfrm>
+          <a:prstGeom prst="rect">
+            <a:avLst/>
+          </a:prstGeom>
+        </p:spPr>
+      </p:pic>
+      <p:pic>
+        <p:nvPicPr>
+          <p:cNvPr id="11" name="Picture 10">
+            <a:extLst>
+              <a:ext uri="{FF2B5EF4-FFF2-40B4-BE49-F238E27FC236}">
+                <a16:creationId xmlns:a16="http://schemas.microsoft.com/office/drawing/2014/main" id="{137B2189-9C7D-57B0-5270-0C61B8884F32}"/>
+              </a:ext>
+            </a:extLst>
+          </p:cNvPr>
+          <p:cNvPicPr>
+            <a:picLocks noChangeAspect="1"/>
+          </p:cNvPicPr>
+          <p:nvPr/>
+        </p:nvPicPr>
+        <p:blipFill>
+          <a:blip r:embed="rId3"/>
+          <a:stretch>
+            <a:fillRect/>
+          </a:stretch>
+        </p:blipFill>
+        <p:spPr>
+          <a:xfrm>
+            <a:off x="6485910" y="2224280"/>
+            <a:ext cx="5262178" cy="3198579"/>
+          </a:xfrm>
+          <a:prstGeom prst="rect">
+            <a:avLst/>
+          </a:prstGeom>
+        </p:spPr>
+      </p:pic>
+      <p:cxnSp>
+        <p:nvCxnSpPr>
+          <p:cNvPr id="15" name="Straight Arrow Connector 14">
+            <a:extLst>
+              <a:ext uri="{FF2B5EF4-FFF2-40B4-BE49-F238E27FC236}">
+                <a16:creationId xmlns:a16="http://schemas.microsoft.com/office/drawing/2014/main" id="{66794627-B153-DD07-0A3D-B07E4832CA41}"/>
+              </a:ext>
+            </a:extLst>
+          </p:cNvPr>
+          <p:cNvCxnSpPr>
+            <a:cxnSpLocks/>
+          </p:cNvCxnSpPr>
+          <p:nvPr/>
+        </p:nvCxnSpPr>
+        <p:spPr>
+          <a:xfrm>
+            <a:off x="4593726" y="2483646"/>
+            <a:ext cx="2198960" cy="945354"/>
+          </a:xfrm>
+          <a:prstGeom prst="straightConnector1">
+            <a:avLst/>
+          </a:prstGeom>
+          <a:ln w="130175">
+            <a:solidFill>
+              <a:schemeClr val="accent5"/>
+            </a:solidFill>
+            <a:tailEnd type="triangle"/>
+          </a:ln>
+        </p:spPr>
+        <p:style>
+          <a:lnRef idx="1">
+            <a:schemeClr val="accent1"/>
+          </a:lnRef>
+          <a:fillRef idx="0">
+            <a:schemeClr val="accent1"/>
+          </a:fillRef>
+          <a:effectRef idx="0">
+            <a:schemeClr val="accent1"/>
+          </a:effectRef>
+          <a:fontRef idx="minor">
+            <a:schemeClr val="tx1"/>
+          </a:fontRef>
+        </p:style>
+      </p:cxnSp>
+      <p:sp>
+        <p:nvSpPr>
+          <p:cNvPr id="20" name="TextBox 19">
+            <a:extLst>
+              <a:ext uri="{FF2B5EF4-FFF2-40B4-BE49-F238E27FC236}">
+                <a16:creationId xmlns:a16="http://schemas.microsoft.com/office/drawing/2014/main" id="{4DD0C1B3-9F54-5A18-8EE0-82D0687263FC}"/>
+              </a:ext>
+            </a:extLst>
+          </p:cNvPr>
+          <p:cNvSpPr txBox="1"/>
+          <p:nvPr/>
+        </p:nvSpPr>
+        <p:spPr>
+          <a:xfrm>
+            <a:off x="2696547" y="5786768"/>
+            <a:ext cx="7137918" cy="523220"/>
+          </a:xfrm>
+          <a:prstGeom prst="rect">
+            <a:avLst/>
+          </a:prstGeom>
+          <a:noFill/>
+        </p:spPr>
+        <p:txBody>
+          <a:bodyPr rot="0" spcFirstLastPara="0" vertOverflow="overflow" horzOverflow="overflow" vert="horz" wrap="square" lIns="91440" tIns="45720" rIns="91440" bIns="45720" numCol="1" spcCol="0" rtlCol="0" fromWordArt="0" anchor="t" anchorCtr="0" forceAA="0" compatLnSpc="1">
+            <a:prstTxWarp prst="textNoShape">
+              <a:avLst/>
+            </a:prstTxWarp>
+            <a:spAutoFit/>
+          </a:bodyPr>
+          <a:lstStyle/>
+          <a:p>
+            <a:pPr algn="ctr"/>
+            <a:r>
+              <a:rPr lang="en-GB" sz="1400" b="0" dirty="0">
+                <a:solidFill>
+                  <a:srgbClr val="000000"/>
+                </a:solidFill>
+                <a:effectLst/>
+                <a:latin typeface="Fira Code Medium" pitchFamily="1" charset="0"/>
+              </a:rPr>
+              <a:t>NN: Noun, VB: Verb, JJ: Adjective</a:t>
+            </a:r>
+            <a:r>
+              <a:rPr lang="en-GB" sz="1400" dirty="0">
+                <a:solidFill>
+                  <a:srgbClr val="000000"/>
+                </a:solidFill>
+                <a:latin typeface="Fira Code Medium" pitchFamily="1" charset="0"/>
+              </a:rPr>
+              <a:t>, RB: </a:t>
+            </a:r>
+            <a:r>
+              <a:rPr lang="en-GB" sz="1400" b="0" dirty="0">
+                <a:solidFill>
+                  <a:srgbClr val="000000"/>
+                </a:solidFill>
+                <a:effectLst/>
+                <a:latin typeface="Fira Code Medium" pitchFamily="1" charset="0"/>
+              </a:rPr>
+              <a:t>Adverb, IN: Preposition</a:t>
+            </a:r>
+            <a:r>
+              <a:rPr lang="en-GB" sz="1400" dirty="0">
+                <a:solidFill>
+                  <a:srgbClr val="000000"/>
+                </a:solidFill>
+                <a:latin typeface="Fira Code Medium" pitchFamily="1" charset="0"/>
+              </a:rPr>
+              <a:t>, CC: </a:t>
+            </a:r>
+            <a:r>
+              <a:rPr lang="en-GB" sz="1400" b="0" dirty="0">
+                <a:solidFill>
+                  <a:srgbClr val="000000"/>
+                </a:solidFill>
+                <a:effectLst/>
+                <a:latin typeface="Fira Code Medium" pitchFamily="1" charset="0"/>
+              </a:rPr>
+              <a:t>Conjunction, PRP: Pronoun</a:t>
+            </a:r>
+            <a:r>
+              <a:rPr lang="en-GB" sz="1400" dirty="0">
+                <a:solidFill>
+                  <a:srgbClr val="000000"/>
+                </a:solidFill>
+                <a:latin typeface="Fira Code Medium" pitchFamily="1" charset="0"/>
+              </a:rPr>
+              <a:t>, INT: </a:t>
+            </a:r>
+            <a:r>
+              <a:rPr lang="en-GB" sz="1400" b="0" dirty="0">
+                <a:solidFill>
+                  <a:srgbClr val="000000"/>
+                </a:solidFill>
+                <a:effectLst/>
+                <a:latin typeface="Fira Code Medium" pitchFamily="1" charset="0"/>
+              </a:rPr>
+              <a:t>Interjection</a:t>
+            </a:r>
+          </a:p>
+        </p:txBody>
+      </p:sp>
+    </p:spTree>
+    <p:extLst>
+      <p:ext uri="{BB962C8B-B14F-4D97-AF65-F5344CB8AC3E}">
+        <p14:creationId xmlns:p14="http://schemas.microsoft.com/office/powerpoint/2010/main" val="4204311532"/>
+      </p:ext>
+    </p:extLst>
+  </p:cSld>
+  <p:clrMapOvr>
+    <a:masterClrMapping/>
+  </p:clrMapOvr>
+</p:sld>
+</file>
+
+<file path=ppt/slides/slide12.xml><?xml version="1.0" encoding="utf-8"?>
+<p:sld xmlns:a="http://schemas.openxmlformats.org/drawingml/2006/main" xmlns:r="http://schemas.openxmlformats.org/officeDocument/2006/relationships" xmlns:p="http://schemas.openxmlformats.org/presentationml/2006/main">
+  <p:cSld>
+    <p:spTree>
+      <p:nvGrpSpPr>
+        <p:cNvPr id="1" name=""/>
+        <p:cNvGrpSpPr/>
+        <p:nvPr/>
+      </p:nvGrpSpPr>
+      <p:grpSpPr>
+        <a:xfrm>
+          <a:off x="0" y="0"/>
+          <a:ext cx="0" cy="0"/>
+          <a:chOff x="0" y="0"/>
+          <a:chExt cx="0" cy="0"/>
+        </a:xfrm>
+      </p:grpSpPr>
+      <p:sp>
+        <p:nvSpPr>
+          <p:cNvPr id="2" name="Title 1">
+            <a:extLst>
+              <a:ext uri="{FF2B5EF4-FFF2-40B4-BE49-F238E27FC236}">
+                <a16:creationId xmlns:a16="http://schemas.microsoft.com/office/drawing/2014/main" id="{12CC3376-5069-4C7B-BE6B-A3776D1B47BA}"/>
+              </a:ext>
+            </a:extLst>
+          </p:cNvPr>
+          <p:cNvSpPr>
+            <a:spLocks noGrp="1"/>
+          </p:cNvSpPr>
+          <p:nvPr>
+            <p:ph type="title"/>
+          </p:nvPr>
+        </p:nvSpPr>
+        <p:spPr/>
+        <p:txBody>
+          <a:bodyPr/>
+          <a:lstStyle/>
+          <a:p>
+            <a:r>
+              <a:rPr lang="en-US" dirty="0">
+                <a:cs typeface="Calibri Light"/>
+              </a:rPr>
+              <a:t>What's Next</a:t>
+            </a:r>
+            <a:endParaRPr lang="en-US" dirty="0"/>
+          </a:p>
+        </p:txBody>
+      </p:sp>
+      <p:pic>
+        <p:nvPicPr>
+          <p:cNvPr id="6" name="Picture Placeholder 5" descr="person staring at blueprints on a brick wall">
+            <a:extLst>
+              <a:ext uri="{FF2B5EF4-FFF2-40B4-BE49-F238E27FC236}">
+                <a16:creationId xmlns:a16="http://schemas.microsoft.com/office/drawing/2014/main" id="{C07C315A-7CD1-432C-92FA-6B62159B56CA}"/>
+              </a:ext>
+            </a:extLst>
+          </p:cNvPr>
+          <p:cNvPicPr>
+            <a:picLocks noGrp="1" noChangeAspect="1"/>
+          </p:cNvPicPr>
+          <p:nvPr>
+            <p:ph type="pic" sz="quarter" idx="14"/>
+          </p:nvPr>
+        </p:nvPicPr>
+        <p:blipFill rotWithShape="1">
+          <a:blip r:embed="rId3">
+            <a:extLst>
+              <a:ext uri="{BEBA8EAE-BF5A-486C-A8C5-ECC9F3942E4B}">
+                <a14:imgProps xmlns:a14="http://schemas.microsoft.com/office/drawing/2010/main">
+                  <a14:imgLayer r:embed="rId4">
+                    <a14:imgEffect>
+                      <a14:saturation sat="0"/>
+                    </a14:imgEffect>
+                  </a14:imgLayer>
+                </a14:imgProps>
+              </a:ext>
+            </a:extLst>
+          </a:blip>
+          <a:srcRect l="23552" t="1" r="23880" b="327"/>
+          <a:stretch/>
+        </p:blipFill>
+        <p:spPr>
+          <a:xfrm>
+            <a:off x="0" y="0"/>
+            <a:ext cx="5416550" cy="6858000"/>
+          </a:xfrm>
+        </p:spPr>
+      </p:pic>
+      <p:sp>
+        <p:nvSpPr>
+          <p:cNvPr id="14" name="Content Placeholder 13">
+            <a:extLst>
+              <a:ext uri="{FF2B5EF4-FFF2-40B4-BE49-F238E27FC236}">
+                <a16:creationId xmlns:a16="http://schemas.microsoft.com/office/drawing/2014/main" id="{79248A72-A597-48DF-A270-3389F5D209C0}"/>
+              </a:ext>
+            </a:extLst>
+          </p:cNvPr>
+          <p:cNvSpPr>
+            <a:spLocks noGrp="1"/>
+          </p:cNvSpPr>
+          <p:nvPr>
+            <p:ph idx="1"/>
+          </p:nvPr>
+        </p:nvSpPr>
+        <p:spPr>
+          <a:xfrm>
+            <a:off x="6096000" y="1965745"/>
+            <a:ext cx="5021580" cy="3903546"/>
+          </a:xfrm>
+        </p:spPr>
+        <p:txBody>
+          <a:bodyPr vert="horz" lIns="91440" tIns="45720" rIns="91440" bIns="45720" rtlCol="0" anchor="t">
+            <a:normAutofit/>
+          </a:bodyPr>
+          <a:lstStyle/>
+          <a:p>
+            <a:pPr marL="285750" indent="-285750">
+              <a:lnSpc>
+                <a:spcPct val="100000"/>
+              </a:lnSpc>
+            </a:pPr>
+            <a:r>
+              <a:rPr lang="en-US" sz="1800" dirty="0">
+                <a:cs typeface="Calibri"/>
+              </a:rPr>
+              <a:t>More data cleaning to limit input as non-blank, only English, and have no URLs.</a:t>
+            </a:r>
+          </a:p>
+          <a:p>
+            <a:pPr marL="285750" indent="-285750">
+              <a:lnSpc>
+                <a:spcPct val="100000"/>
+              </a:lnSpc>
+            </a:pPr>
+            <a:r>
+              <a:rPr lang="en-US" sz="1800" dirty="0"/>
+              <a:t>Fine tune the base model</a:t>
+            </a:r>
+          </a:p>
+          <a:p>
+            <a:pPr marL="285750" indent="-285750">
+              <a:lnSpc>
+                <a:spcPct val="100000"/>
+              </a:lnSpc>
+            </a:pPr>
+            <a:r>
+              <a:rPr lang="en-US" sz="1800" dirty="0"/>
+              <a:t>Implement code for augmentation techniques (described in previous slide)</a:t>
+            </a:r>
+            <a:endParaRPr lang="en-US" sz="1800" dirty="0">
+              <a:cs typeface="Calibri"/>
+            </a:endParaRPr>
+          </a:p>
+          <a:p>
+            <a:pPr marL="285750" indent="-285750">
+              <a:lnSpc>
+                <a:spcPct val="100000"/>
+              </a:lnSpc>
+            </a:pPr>
+            <a:r>
+              <a:rPr lang="en-US" sz="1800" dirty="0">
+                <a:cs typeface="Calibri"/>
+              </a:rPr>
+              <a:t>Generate augmented reviews using context synonyms, antonyms, etc.</a:t>
+            </a:r>
+          </a:p>
+          <a:p>
+            <a:pPr marL="285750" indent="-285750">
+              <a:lnSpc>
+                <a:spcPct val="100000"/>
+              </a:lnSpc>
+            </a:pPr>
+            <a:r>
+              <a:rPr lang="en-US" sz="1800" dirty="0">
+                <a:cs typeface="Calibri"/>
+              </a:rPr>
+              <a:t>Evaluate (either manually for a small random sample or the full dataset).</a:t>
+            </a:r>
+          </a:p>
+          <a:p>
+            <a:endParaRPr lang="en-US" sz="1400" dirty="0">
+              <a:cs typeface="Calibri" panose="020F0502020204030204"/>
+            </a:endParaRPr>
+          </a:p>
+        </p:txBody>
+      </p:sp>
+      <p:sp>
+        <p:nvSpPr>
+          <p:cNvPr id="16" name="Slide Number Placeholder 15">
+            <a:extLst>
+              <a:ext uri="{FF2B5EF4-FFF2-40B4-BE49-F238E27FC236}">
+                <a16:creationId xmlns:a16="http://schemas.microsoft.com/office/drawing/2014/main" id="{7FA57D11-A25F-4772-8E50-DDB68BE8CB69}"/>
+              </a:ext>
+            </a:extLst>
+          </p:cNvPr>
+          <p:cNvSpPr>
+            <a:spLocks noGrp="1"/>
+          </p:cNvSpPr>
+          <p:nvPr>
+            <p:ph type="sldNum" sz="quarter" idx="4"/>
+          </p:nvPr>
+        </p:nvSpPr>
+        <p:spPr/>
+        <p:txBody>
+          <a:bodyPr/>
+          <a:lstStyle/>
+          <a:p>
+            <a:fld id="{8C2E478F-E849-4A8C-AF1F-CBCC78A7CBFA}" type="slidenum">
+              <a:rPr lang="en-US" smtClean="0"/>
+              <a:t>12</a:t>
+            </a:fld>
+            <a:endParaRPr lang="en-US"/>
+          </a:p>
+        </p:txBody>
+      </p:sp>
+    </p:spTree>
+    <p:extLst>
+      <p:ext uri="{BB962C8B-B14F-4D97-AF65-F5344CB8AC3E}">
+        <p14:creationId xmlns:p14="http://schemas.microsoft.com/office/powerpoint/2010/main" val="2543813397"/>
+      </p:ext>
+    </p:extLst>
+  </p:cSld>
+  <p:clrMapOvr>
+    <a:masterClrMapping/>
+  </p:clrMapOvr>
+</p:sld>
+</file>
+
+<file path=ppt/slides/slide13.xml><?xml version="1.0" encoding="utf-8"?>
+<p:sld xmlns:a="http://schemas.openxmlformats.org/drawingml/2006/main" xmlns:r="http://schemas.openxmlformats.org/officeDocument/2006/relationships" xmlns:p="http://schemas.openxmlformats.org/presentationml/2006/main">
+  <p:cSld>
+    <p:bg>
+      <p:bgPr>
+        <a:solidFill>
+          <a:schemeClr val="bg1"/>
+        </a:solidFill>
+        <a:effectLst/>
+      </p:bgPr>
+    </p:bg>
+    <p:spTree>
+      <p:nvGrpSpPr>
+        <p:cNvPr id="1" name=""/>
+        <p:cNvGrpSpPr/>
+        <p:nvPr/>
+      </p:nvGrpSpPr>
+      <p:grpSpPr>
+        <a:xfrm>
+          <a:off x="0" y="0"/>
+          <a:ext cx="0" cy="0"/>
+          <a:chOff x="0" y="0"/>
+          <a:chExt cx="0" cy="0"/>
+        </a:xfrm>
+      </p:grpSpPr>
       <p:pic>
         <p:nvPicPr>
           <p:cNvPr id="40" name="Picture Placeholder 7" descr="abstract image">
@@ -5869,6 +7376,15 @@
           </a:p>
           <a:p>
             <a:r>
+              <a:rPr lang="en-US" dirty="0"/>
+              <a:t>THE YELP DATASET</a:t>
+            </a:r>
+            <a:endParaRPr lang="en-US" dirty="0">
+              <a:cs typeface="Calibri"/>
+            </a:endParaRPr>
+          </a:p>
+          <a:p>
+            <a:r>
               <a:rPr lang="en-US" dirty="0">
                 <a:cs typeface="Calibri"/>
               </a:rPr>
@@ -5878,16 +7394,18 @@
           </a:p>
           <a:p>
             <a:r>
-              <a:rPr lang="en-US" dirty="0"/>
-              <a:t>BASE MODEL</a:t>
-            </a:r>
-          </a:p>
-          <a:p>
-            <a:r>
               <a:rPr lang="en-US" dirty="0">
                 <a:cs typeface="Calibri"/>
               </a:rPr>
-              <a:t>NEXT STEPS</a:t>
+              <a:t>METHODS FOR AUGMENTATION</a:t>
+            </a:r>
+          </a:p>
+          <a:p>
+            <a:r>
+              <a:rPr lang="en-US" dirty="0">
+                <a:cs typeface="Calibri"/>
+              </a:rPr>
+              <a:t>WHAT’S NEXT</a:t>
             </a:r>
           </a:p>
           <a:p>
@@ -6078,8 +7596,8 @@
         </p:nvSpPr>
         <p:spPr>
           <a:xfrm>
-            <a:off x="6096000" y="2799617"/>
-            <a:ext cx="4646246" cy="2426403"/>
+            <a:off x="6095999" y="2583492"/>
+            <a:ext cx="5897217" cy="1838885"/>
           </a:xfrm>
         </p:spPr>
         <p:txBody>
@@ -6110,31 +7628,8 @@
               <a:rPr lang="en-US" dirty="0">
                 <a:cs typeface="Biome Light"/>
               </a:rPr>
-              <a:t>Avoid data collection by generating synthetic data</a:t>
-            </a:r>
-          </a:p>
-          <a:p>
-            <a:pPr marL="285750" indent="-285750">
-              <a:lnSpc>
-                <a:spcPct val="100000"/>
-              </a:lnSpc>
-            </a:pPr>
-            <a:r>
-              <a:rPr lang="en-US" dirty="0">
-                <a:cs typeface="Biome Light"/>
-              </a:rPr>
               <a:t>Boost model metrics for YELP reviews analysis</a:t>
             </a:r>
-          </a:p>
-          <a:p>
-            <a:pPr marL="285750" indent="-285750">
-              <a:lnSpc>
-                <a:spcPct val="100000"/>
-              </a:lnSpc>
-            </a:pPr>
-            <a:endParaRPr lang="en-US" dirty="0">
-              <a:cs typeface="Biome Light"/>
-            </a:endParaRPr>
           </a:p>
           <a:p>
             <a:pPr marL="0" indent="0">
@@ -6159,12 +7654,6 @@
               <a:cs typeface="Calibri"/>
             </a:endParaRPr>
           </a:p>
-          <a:p>
-            <a:pPr marL="0" indent="0">
-              <a:buNone/>
-            </a:pPr>
-            <a:endParaRPr lang="en-US" dirty="0"/>
-          </a:p>
         </p:txBody>
       </p:sp>
       <p:sp>
@@ -6193,6 +7682,461 @@
               <a:t>3</a:t>
             </a:fld>
             <a:endParaRPr lang="en-US"/>
+          </a:p>
+        </p:txBody>
+      </p:sp>
+      <p:sp>
+        <p:nvSpPr>
+          <p:cNvPr id="2" name="Text Placeholder 9">
+            <a:extLst>
+              <a:ext uri="{FF2B5EF4-FFF2-40B4-BE49-F238E27FC236}">
+                <a16:creationId xmlns:a16="http://schemas.microsoft.com/office/drawing/2014/main" id="{03AF29D4-AB57-F4B0-4165-AFF69907B961}"/>
+              </a:ext>
+            </a:extLst>
+          </p:cNvPr>
+          <p:cNvSpPr txBox="1">
+            <a:spLocks/>
+          </p:cNvSpPr>
+          <p:nvPr/>
+        </p:nvSpPr>
+        <p:spPr>
+          <a:xfrm>
+            <a:off x="6341914" y="4355847"/>
+            <a:ext cx="3017520" cy="464871"/>
+          </a:xfrm>
+          <a:prstGeom prst="rect">
+            <a:avLst/>
+          </a:prstGeom>
+          <a:gradFill flip="none" rotWithShape="1">
+            <a:gsLst>
+              <a:gs pos="0">
+                <a:schemeClr val="accent5"/>
+              </a:gs>
+              <a:gs pos="100000">
+                <a:schemeClr val="accent2">
+                  <a:lumMod val="97000"/>
+                  <a:lumOff val="3000"/>
+                </a:schemeClr>
+              </a:gs>
+              <a:gs pos="50000">
+                <a:schemeClr val="accent1"/>
+              </a:gs>
+            </a:gsLst>
+            <a:path path="circle">
+              <a:fillToRect l="100000" t="100000"/>
+            </a:path>
+            <a:tileRect r="-100000" b="-100000"/>
+          </a:gradFill>
+          <a:ln w="12700" cap="flat" cmpd="sng" algn="ctr">
+            <a:noFill/>
+            <a:prstDash val="solid"/>
+            <a:miter lim="800000"/>
+          </a:ln>
+          <a:effectLst/>
+        </p:spPr>
+        <p:txBody>
+          <a:bodyPr vert="horz" lIns="91440" tIns="45720" rIns="91440" bIns="45720" rtlCol="0" anchor="ctr">
+            <a:noAutofit/>
+          </a:bodyPr>
+          <a:lstStyle>
+            <a:lvl1pPr marL="0" indent="0" algn="ctr" defTabSz="914400" rtl="0" eaLnBrk="1" latinLnBrk="0" hangingPunct="1">
+              <a:lnSpc>
+                <a:spcPct val="100000"/>
+              </a:lnSpc>
+              <a:spcBef>
+                <a:spcPts val="0"/>
+              </a:spcBef>
+              <a:buFont typeface="Arial" panose="020B0604020202020204" pitchFamily="34" charset="0"/>
+              <a:buNone/>
+              <a:defRPr lang="en-US" sz="1400" kern="1200" spc="300" baseline="0" dirty="0">
+                <a:solidFill>
+                  <a:schemeClr val="lt1"/>
+                </a:solidFill>
+                <a:latin typeface="+mn-lt"/>
+                <a:ea typeface="+mn-ea"/>
+                <a:cs typeface="+mn-cs"/>
+              </a:defRPr>
+            </a:lvl1pPr>
+            <a:lvl2pPr marL="685800" indent="-228600" algn="l" defTabSz="914400" rtl="0" eaLnBrk="1" latinLnBrk="0" hangingPunct="1">
+              <a:lnSpc>
+                <a:spcPct val="150000"/>
+              </a:lnSpc>
+              <a:spcBef>
+                <a:spcPts val="500"/>
+              </a:spcBef>
+              <a:buFont typeface="Arial" panose="020B0604020202020204" pitchFamily="34" charset="0"/>
+              <a:buChar char="•"/>
+              <a:defRPr sz="1400" kern="1200">
+                <a:solidFill>
+                  <a:schemeClr val="lt1"/>
+                </a:solidFill>
+                <a:latin typeface="+mn-lt"/>
+                <a:ea typeface="+mn-ea"/>
+                <a:cs typeface="+mn-cs"/>
+              </a:defRPr>
+            </a:lvl2pPr>
+            <a:lvl3pPr marL="1143000" indent="-228600" algn="l" defTabSz="914400" rtl="0" eaLnBrk="1" latinLnBrk="0" hangingPunct="1">
+              <a:lnSpc>
+                <a:spcPct val="150000"/>
+              </a:lnSpc>
+              <a:spcBef>
+                <a:spcPts val="500"/>
+              </a:spcBef>
+              <a:buFont typeface="Arial" panose="020B0604020202020204" pitchFamily="34" charset="0"/>
+              <a:buChar char="•"/>
+              <a:defRPr sz="1400" kern="1200">
+                <a:solidFill>
+                  <a:schemeClr val="lt1"/>
+                </a:solidFill>
+                <a:latin typeface="+mn-lt"/>
+                <a:ea typeface="+mn-ea"/>
+                <a:cs typeface="+mn-cs"/>
+              </a:defRPr>
+            </a:lvl3pPr>
+            <a:lvl4pPr marL="1600200" indent="-228600" algn="l" defTabSz="914400" rtl="0" eaLnBrk="1" latinLnBrk="0" hangingPunct="1">
+              <a:lnSpc>
+                <a:spcPct val="150000"/>
+              </a:lnSpc>
+              <a:spcBef>
+                <a:spcPts val="500"/>
+              </a:spcBef>
+              <a:buFont typeface="Arial" panose="020B0604020202020204" pitchFamily="34" charset="0"/>
+              <a:buChar char="•"/>
+              <a:defRPr sz="1200" kern="1200">
+                <a:solidFill>
+                  <a:schemeClr val="lt1"/>
+                </a:solidFill>
+                <a:latin typeface="+mn-lt"/>
+                <a:ea typeface="+mn-ea"/>
+                <a:cs typeface="+mn-cs"/>
+              </a:defRPr>
+            </a:lvl4pPr>
+            <a:lvl5pPr marL="2057400" indent="-228600" algn="l" defTabSz="914400" rtl="0" eaLnBrk="1" latinLnBrk="0" hangingPunct="1">
+              <a:lnSpc>
+                <a:spcPct val="150000"/>
+              </a:lnSpc>
+              <a:spcBef>
+                <a:spcPts val="500"/>
+              </a:spcBef>
+              <a:buFont typeface="Arial" panose="020B0604020202020204" pitchFamily="34" charset="0"/>
+              <a:buChar char="•"/>
+              <a:defRPr sz="1200" kern="1200">
+                <a:solidFill>
+                  <a:schemeClr val="lt1"/>
+                </a:solidFill>
+                <a:latin typeface="+mn-lt"/>
+                <a:ea typeface="+mn-ea"/>
+                <a:cs typeface="+mn-cs"/>
+              </a:defRPr>
+            </a:lvl5pPr>
+            <a:lvl6pPr marL="2514600" indent="-228600" algn="l" defTabSz="914400" rtl="0" eaLnBrk="1" latinLnBrk="0" hangingPunct="1">
+              <a:lnSpc>
+                <a:spcPct val="90000"/>
+              </a:lnSpc>
+              <a:spcBef>
+                <a:spcPts val="500"/>
+              </a:spcBef>
+              <a:buFont typeface="Arial" panose="020B0604020202020204" pitchFamily="34" charset="0"/>
+              <a:buChar char="•"/>
+              <a:defRPr sz="1800" kern="1200">
+                <a:solidFill>
+                  <a:schemeClr val="lt1"/>
+                </a:solidFill>
+                <a:latin typeface="+mn-lt"/>
+                <a:ea typeface="+mn-ea"/>
+                <a:cs typeface="+mn-cs"/>
+              </a:defRPr>
+            </a:lvl6pPr>
+            <a:lvl7pPr marL="2971800" indent="-228600" algn="l" defTabSz="914400" rtl="0" eaLnBrk="1" latinLnBrk="0" hangingPunct="1">
+              <a:lnSpc>
+                <a:spcPct val="90000"/>
+              </a:lnSpc>
+              <a:spcBef>
+                <a:spcPts val="500"/>
+              </a:spcBef>
+              <a:buFont typeface="Arial" panose="020B0604020202020204" pitchFamily="34" charset="0"/>
+              <a:buChar char="•"/>
+              <a:defRPr sz="1800" kern="1200">
+                <a:solidFill>
+                  <a:schemeClr val="lt1"/>
+                </a:solidFill>
+                <a:latin typeface="+mn-lt"/>
+                <a:ea typeface="+mn-ea"/>
+                <a:cs typeface="+mn-cs"/>
+              </a:defRPr>
+            </a:lvl7pPr>
+            <a:lvl8pPr marL="3429000" indent="-228600" algn="l" defTabSz="914400" rtl="0" eaLnBrk="1" latinLnBrk="0" hangingPunct="1">
+              <a:lnSpc>
+                <a:spcPct val="90000"/>
+              </a:lnSpc>
+              <a:spcBef>
+                <a:spcPts val="500"/>
+              </a:spcBef>
+              <a:buFont typeface="Arial" panose="020B0604020202020204" pitchFamily="34" charset="0"/>
+              <a:buChar char="•"/>
+              <a:defRPr sz="1800" kern="1200">
+                <a:solidFill>
+                  <a:schemeClr val="lt1"/>
+                </a:solidFill>
+                <a:latin typeface="+mn-lt"/>
+                <a:ea typeface="+mn-ea"/>
+                <a:cs typeface="+mn-cs"/>
+              </a:defRPr>
+            </a:lvl8pPr>
+            <a:lvl9pPr marL="3886200" indent="-228600" algn="l" defTabSz="914400" rtl="0" eaLnBrk="1" latinLnBrk="0" hangingPunct="1">
+              <a:lnSpc>
+                <a:spcPct val="90000"/>
+              </a:lnSpc>
+              <a:spcBef>
+                <a:spcPts val="500"/>
+              </a:spcBef>
+              <a:buFont typeface="Arial" panose="020B0604020202020204" pitchFamily="34" charset="0"/>
+              <a:buChar char="•"/>
+              <a:defRPr sz="1800" kern="1200">
+                <a:solidFill>
+                  <a:schemeClr val="lt1"/>
+                </a:solidFill>
+                <a:latin typeface="+mn-lt"/>
+                <a:ea typeface="+mn-ea"/>
+                <a:cs typeface="+mn-cs"/>
+              </a:defRPr>
+            </a:lvl9pPr>
+          </a:lstStyle>
+          <a:p>
+            <a:r>
+              <a:rPr lang="en-US">
+                <a:cs typeface="Calibri"/>
+              </a:rPr>
+              <a:t>What type of data to use?</a:t>
+            </a:r>
+          </a:p>
+        </p:txBody>
+      </p:sp>
+      <p:sp>
+        <p:nvSpPr>
+          <p:cNvPr id="3" name="Content Placeholder 8">
+            <a:extLst>
+              <a:ext uri="{FF2B5EF4-FFF2-40B4-BE49-F238E27FC236}">
+                <a16:creationId xmlns:a16="http://schemas.microsoft.com/office/drawing/2014/main" id="{0929DAB7-434C-4678-8C85-8006BFAEA38A}"/>
+              </a:ext>
+            </a:extLst>
+          </p:cNvPr>
+          <p:cNvSpPr txBox="1">
+            <a:spLocks/>
+          </p:cNvSpPr>
+          <p:nvPr/>
+        </p:nvSpPr>
+        <p:spPr>
+          <a:xfrm>
+            <a:off x="6096000" y="5027424"/>
+            <a:ext cx="5897216" cy="1565650"/>
+          </a:xfrm>
+          <a:prstGeom prst="rect">
+            <a:avLst/>
+          </a:prstGeom>
+        </p:spPr>
+        <p:txBody>
+          <a:bodyPr vert="horz" lIns="91440" tIns="45720" rIns="91440" bIns="45720" rtlCol="0" anchor="t">
+            <a:normAutofit/>
+          </a:bodyPr>
+          <a:lstStyle>
+            <a:lvl1pPr marL="228600" indent="-228600" algn="l" defTabSz="914400" rtl="0" eaLnBrk="1" latinLnBrk="0" hangingPunct="1">
+              <a:lnSpc>
+                <a:spcPct val="150000"/>
+              </a:lnSpc>
+              <a:spcBef>
+                <a:spcPts val="1000"/>
+              </a:spcBef>
+              <a:buFont typeface="Arial" panose="020B0604020202020204" pitchFamily="34" charset="0"/>
+              <a:buChar char="•"/>
+              <a:defRPr sz="1600" kern="1200">
+                <a:solidFill>
+                  <a:schemeClr val="tx1"/>
+                </a:solidFill>
+                <a:latin typeface="+mn-lt"/>
+                <a:ea typeface="+mn-ea"/>
+                <a:cs typeface="+mn-cs"/>
+              </a:defRPr>
+            </a:lvl1pPr>
+            <a:lvl2pPr marL="685800" indent="-228600" algn="l" defTabSz="914400" rtl="0" eaLnBrk="1" latinLnBrk="0" hangingPunct="1">
+              <a:lnSpc>
+                <a:spcPct val="150000"/>
+              </a:lnSpc>
+              <a:spcBef>
+                <a:spcPts val="500"/>
+              </a:spcBef>
+              <a:buFont typeface="Arial" panose="020B0604020202020204" pitchFamily="34" charset="0"/>
+              <a:buChar char="•"/>
+              <a:defRPr sz="1400" kern="1200">
+                <a:solidFill>
+                  <a:schemeClr val="tx1"/>
+                </a:solidFill>
+                <a:latin typeface="+mn-lt"/>
+                <a:ea typeface="+mn-ea"/>
+                <a:cs typeface="+mn-cs"/>
+              </a:defRPr>
+            </a:lvl2pPr>
+            <a:lvl3pPr marL="1143000" indent="-228600" algn="l" defTabSz="914400" rtl="0" eaLnBrk="1" latinLnBrk="0" hangingPunct="1">
+              <a:lnSpc>
+                <a:spcPct val="150000"/>
+              </a:lnSpc>
+              <a:spcBef>
+                <a:spcPts val="500"/>
+              </a:spcBef>
+              <a:buFont typeface="Arial" panose="020B0604020202020204" pitchFamily="34" charset="0"/>
+              <a:buChar char="•"/>
+              <a:defRPr sz="1400" kern="1200">
+                <a:solidFill>
+                  <a:schemeClr val="tx1"/>
+                </a:solidFill>
+                <a:latin typeface="+mn-lt"/>
+                <a:ea typeface="+mn-ea"/>
+                <a:cs typeface="+mn-cs"/>
+              </a:defRPr>
+            </a:lvl3pPr>
+            <a:lvl4pPr marL="1600200" indent="-228600" algn="l" defTabSz="914400" rtl="0" eaLnBrk="1" latinLnBrk="0" hangingPunct="1">
+              <a:lnSpc>
+                <a:spcPct val="150000"/>
+              </a:lnSpc>
+              <a:spcBef>
+                <a:spcPts val="500"/>
+              </a:spcBef>
+              <a:buFont typeface="Arial" panose="020B0604020202020204" pitchFamily="34" charset="0"/>
+              <a:buChar char="•"/>
+              <a:defRPr sz="1200" kern="1200">
+                <a:solidFill>
+                  <a:schemeClr val="tx1"/>
+                </a:solidFill>
+                <a:latin typeface="+mn-lt"/>
+                <a:ea typeface="+mn-ea"/>
+                <a:cs typeface="+mn-cs"/>
+              </a:defRPr>
+            </a:lvl4pPr>
+            <a:lvl5pPr marL="2057400" indent="-228600" algn="l" defTabSz="914400" rtl="0" eaLnBrk="1" latinLnBrk="0" hangingPunct="1">
+              <a:lnSpc>
+                <a:spcPct val="150000"/>
+              </a:lnSpc>
+              <a:spcBef>
+                <a:spcPts val="500"/>
+              </a:spcBef>
+              <a:buFont typeface="Arial" panose="020B0604020202020204" pitchFamily="34" charset="0"/>
+              <a:buChar char="•"/>
+              <a:defRPr sz="1200" kern="1200">
+                <a:solidFill>
+                  <a:schemeClr val="tx1"/>
+                </a:solidFill>
+                <a:latin typeface="+mn-lt"/>
+                <a:ea typeface="+mn-ea"/>
+                <a:cs typeface="+mn-cs"/>
+              </a:defRPr>
+            </a:lvl5pPr>
+            <a:lvl6pPr marL="2514600" indent="-228600" algn="l" defTabSz="914400" rtl="0" eaLnBrk="1" latinLnBrk="0" hangingPunct="1">
+              <a:lnSpc>
+                <a:spcPct val="90000"/>
+              </a:lnSpc>
+              <a:spcBef>
+                <a:spcPts val="500"/>
+              </a:spcBef>
+              <a:buFont typeface="Arial" panose="020B0604020202020204" pitchFamily="34" charset="0"/>
+              <a:buChar char="•"/>
+              <a:defRPr sz="1800" kern="1200">
+                <a:solidFill>
+                  <a:schemeClr val="tx1"/>
+                </a:solidFill>
+                <a:latin typeface="+mn-lt"/>
+                <a:ea typeface="+mn-ea"/>
+                <a:cs typeface="+mn-cs"/>
+              </a:defRPr>
+            </a:lvl6pPr>
+            <a:lvl7pPr marL="2971800" indent="-228600" algn="l" defTabSz="914400" rtl="0" eaLnBrk="1" latinLnBrk="0" hangingPunct="1">
+              <a:lnSpc>
+                <a:spcPct val="90000"/>
+              </a:lnSpc>
+              <a:spcBef>
+                <a:spcPts val="500"/>
+              </a:spcBef>
+              <a:buFont typeface="Arial" panose="020B0604020202020204" pitchFamily="34" charset="0"/>
+              <a:buChar char="•"/>
+              <a:defRPr sz="1800" kern="1200">
+                <a:solidFill>
+                  <a:schemeClr val="tx1"/>
+                </a:solidFill>
+                <a:latin typeface="+mn-lt"/>
+                <a:ea typeface="+mn-ea"/>
+                <a:cs typeface="+mn-cs"/>
+              </a:defRPr>
+            </a:lvl7pPr>
+            <a:lvl8pPr marL="3429000" indent="-228600" algn="l" defTabSz="914400" rtl="0" eaLnBrk="1" latinLnBrk="0" hangingPunct="1">
+              <a:lnSpc>
+                <a:spcPct val="90000"/>
+              </a:lnSpc>
+              <a:spcBef>
+                <a:spcPts val="500"/>
+              </a:spcBef>
+              <a:buFont typeface="Arial" panose="020B0604020202020204" pitchFamily="34" charset="0"/>
+              <a:buChar char="•"/>
+              <a:defRPr sz="1800" kern="1200">
+                <a:solidFill>
+                  <a:schemeClr val="tx1"/>
+                </a:solidFill>
+                <a:latin typeface="+mn-lt"/>
+                <a:ea typeface="+mn-ea"/>
+                <a:cs typeface="+mn-cs"/>
+              </a:defRPr>
+            </a:lvl8pPr>
+            <a:lvl9pPr marL="3886200" indent="-228600" algn="l" defTabSz="914400" rtl="0" eaLnBrk="1" latinLnBrk="0" hangingPunct="1">
+              <a:lnSpc>
+                <a:spcPct val="90000"/>
+              </a:lnSpc>
+              <a:spcBef>
+                <a:spcPts val="500"/>
+              </a:spcBef>
+              <a:buFont typeface="Arial" panose="020B0604020202020204" pitchFamily="34" charset="0"/>
+              <a:buChar char="•"/>
+              <a:defRPr sz="1800" kern="1200">
+                <a:solidFill>
+                  <a:schemeClr val="tx1"/>
+                </a:solidFill>
+                <a:latin typeface="+mn-lt"/>
+                <a:ea typeface="+mn-ea"/>
+                <a:cs typeface="+mn-cs"/>
+              </a:defRPr>
+            </a:lvl9pPr>
+          </a:lstStyle>
+          <a:p>
+            <a:pPr marL="285750" indent="-285750">
+              <a:lnSpc>
+                <a:spcPct val="100000"/>
+              </a:lnSpc>
+            </a:pPr>
+            <a:r>
+              <a:rPr lang="en-US" dirty="0">
+                <a:cs typeface="Biome Light"/>
+              </a:rPr>
+              <a:t>Augmentation using a specific domain data might fail on data from different domain.</a:t>
+            </a:r>
+          </a:p>
+          <a:p>
+            <a:pPr marL="0" indent="0">
+              <a:lnSpc>
+                <a:spcPct val="100000"/>
+              </a:lnSpc>
+              <a:buFont typeface="Arial" panose="020B0604020202020204" pitchFamily="34" charset="0"/>
+              <a:buNone/>
+            </a:pPr>
+            <a:r>
+              <a:rPr lang="en-US" b="1" i="1" dirty="0">
+                <a:cs typeface="Calibri"/>
+              </a:rPr>
+              <a:t>By obtaining data which comprises of diverse domains might help in solving data imbalance issue in classification related augmentation.</a:t>
+            </a:r>
+          </a:p>
+          <a:p>
+            <a:pPr marL="0" indent="0">
+              <a:buFont typeface="Arial" panose="020B0604020202020204" pitchFamily="34" charset="0"/>
+              <a:buNone/>
+            </a:pPr>
+            <a:endParaRPr lang="en-US" dirty="0"/>
           </a:p>
         </p:txBody>
       </p:sp>
@@ -6226,12 +8170,94 @@
           <a:chExt cx="0" cy="0"/>
         </a:xfrm>
       </p:grpSpPr>
-      <p:sp>
-        <p:nvSpPr>
-          <p:cNvPr id="3" name="Title 2">
-            <a:extLst>
-              <a:ext uri="{FF2B5EF4-FFF2-40B4-BE49-F238E27FC236}">
-                <a16:creationId xmlns:a16="http://schemas.microsoft.com/office/drawing/2014/main" id="{1D24B42B-925B-494C-A986-BD85E8117E1E}"/>
+      <p:pic>
+        <p:nvPicPr>
+          <p:cNvPr id="5" name="Picture 6" descr="Diagram&#10;&#10;Description automatically generated">
+            <a:extLst>
+              <a:ext uri="{FF2B5EF4-FFF2-40B4-BE49-F238E27FC236}">
+                <a16:creationId xmlns:a16="http://schemas.microsoft.com/office/drawing/2014/main" id="{DD847C3B-0D2A-B0DD-AB5F-68B0030E11FB}"/>
+              </a:ext>
+            </a:extLst>
+          </p:cNvPr>
+          <p:cNvPicPr>
+            <a:picLocks noGrp="1" noChangeAspect="1"/>
+          </p:cNvPicPr>
+          <p:nvPr>
+            <p:ph type="pic" sz="quarter" idx="13"/>
+          </p:nvPr>
+        </p:nvPicPr>
+        <p:blipFill rotWithShape="1">
+          <a:blip r:embed="rId2"/>
+          <a:srcRect t="25570" b="15539"/>
+          <a:stretch/>
+        </p:blipFill>
+        <p:spPr>
+          <a:xfrm>
+            <a:off x="20" y="-1"/>
+            <a:ext cx="12191980" cy="3984912"/>
+          </a:xfrm>
+          <a:custGeom>
+            <a:avLst/>
+            <a:gdLst/>
+            <a:ahLst/>
+            <a:cxnLst/>
+            <a:rect l="l" t="t" r="r" b="b"/>
+            <a:pathLst>
+              <a:path w="12192000" h="3984912">
+                <a:moveTo>
+                  <a:pt x="0" y="0"/>
+                </a:moveTo>
+                <a:lnTo>
+                  <a:pt x="12192000" y="0"/>
+                </a:lnTo>
+                <a:lnTo>
+                  <a:pt x="12192000" y="566059"/>
+                </a:lnTo>
+                <a:lnTo>
+                  <a:pt x="12192000" y="794037"/>
+                </a:lnTo>
+                <a:lnTo>
+                  <a:pt x="12192000" y="2336800"/>
+                </a:lnTo>
+                <a:lnTo>
+                  <a:pt x="12192000" y="2631227"/>
+                </a:lnTo>
+                <a:lnTo>
+                  <a:pt x="12192000" y="3908712"/>
+                </a:lnTo>
+                <a:lnTo>
+                  <a:pt x="9439275" y="3984912"/>
+                </a:lnTo>
+                <a:lnTo>
+                  <a:pt x="5572127" y="3737262"/>
+                </a:lnTo>
+                <a:lnTo>
+                  <a:pt x="0" y="3908712"/>
+                </a:lnTo>
+                <a:lnTo>
+                  <a:pt x="0" y="2631227"/>
+                </a:lnTo>
+                <a:lnTo>
+                  <a:pt x="0" y="2336800"/>
+                </a:lnTo>
+                <a:lnTo>
+                  <a:pt x="0" y="794037"/>
+                </a:lnTo>
+                <a:lnTo>
+                  <a:pt x="0" y="566059"/>
+                </a:lnTo>
+                <a:close/>
+              </a:path>
+            </a:pathLst>
+          </a:custGeom>
+        </p:spPr>
+      </p:pic>
+      <p:sp>
+        <p:nvSpPr>
+          <p:cNvPr id="6" name="Slide Number Placeholder 5">
+            <a:extLst>
+              <a:ext uri="{FF2B5EF4-FFF2-40B4-BE49-F238E27FC236}">
+                <a16:creationId xmlns:a16="http://schemas.microsoft.com/office/drawing/2014/main" id="{FC6A5C12-E784-444E-B868-DE2AE85742BB}"/>
               </a:ext>
             </a:extLst>
           </p:cNvPr>
@@ -6239,13 +8265,369 @@
             <a:spLocks noGrp="1"/>
           </p:cNvSpPr>
           <p:nvPr>
+            <p:ph type="sldNum" sz="quarter" idx="12"/>
+          </p:nvPr>
+        </p:nvSpPr>
+        <p:spPr>
+          <a:xfrm>
+            <a:off x="8737600" y="466933"/>
+            <a:ext cx="2635250" cy="707886"/>
+          </a:xfrm>
+        </p:spPr>
+        <p:txBody>
+          <a:bodyPr vert="horz" lIns="91440" tIns="45720" rIns="91440" bIns="45720" rtlCol="0" anchor="ctr">
+            <a:normAutofit/>
+          </a:bodyPr>
+          <a:lstStyle/>
+          <a:p>
+            <a:pPr>
+              <a:lnSpc>
+                <a:spcPct val="90000"/>
+              </a:lnSpc>
+              <a:spcAft>
+                <a:spcPts val="600"/>
+              </a:spcAft>
+              <a:defRPr/>
+            </a:pPr>
+            <a:fld id="{8C2E478F-E849-4A8C-AF1F-CBCC78A7CBFA}" type="slidenum">
+              <a:rPr lang="en-US" sz="4400">
+                <a:solidFill>
+                  <a:srgbClr val="FFFFFF"/>
+                </a:solidFill>
+                <a:latin typeface="Calibri" panose="020F0502020204030204"/>
+              </a:rPr>
+              <a:pPr>
+                <a:lnSpc>
+                  <a:spcPct val="90000"/>
+                </a:lnSpc>
+                <a:spcAft>
+                  <a:spcPts val="600"/>
+                </a:spcAft>
+                <a:defRPr/>
+              </a:pPr>
+              <a:t>4</a:t>
+            </a:fld>
+            <a:endParaRPr lang="en-US" sz="4400">
+              <a:solidFill>
+                <a:srgbClr val="FFFFFF"/>
+              </a:solidFill>
+              <a:latin typeface="Calibri" panose="020F0502020204030204"/>
+            </a:endParaRPr>
+          </a:p>
+        </p:txBody>
+      </p:sp>
+      <p:sp>
+        <p:nvSpPr>
+          <p:cNvPr id="2" name="Text Placeholder 5">
+            <a:extLst>
+              <a:ext uri="{FF2B5EF4-FFF2-40B4-BE49-F238E27FC236}">
+                <a16:creationId xmlns:a16="http://schemas.microsoft.com/office/drawing/2014/main" id="{ABEA7024-58F3-EF1E-38BA-3F91284944F4}"/>
+              </a:ext>
+            </a:extLst>
+          </p:cNvPr>
+          <p:cNvSpPr txBox="1">
+            <a:spLocks/>
+          </p:cNvSpPr>
+          <p:nvPr/>
+        </p:nvSpPr>
+        <p:spPr>
+          <a:xfrm>
+            <a:off x="747145" y="4451845"/>
+            <a:ext cx="10624207" cy="1391833"/>
+          </a:xfrm>
+          <a:prstGeom prst="rect">
+            <a:avLst/>
+          </a:prstGeom>
+        </p:spPr>
+        <p:txBody>
+          <a:bodyPr vert="horz" lIns="91440" tIns="45720" rIns="91440" bIns="45720" rtlCol="0" anchor="t">
+            <a:normAutofit/>
+          </a:bodyPr>
+          <a:lstStyle>
+            <a:lvl1pPr marL="228600" indent="-228600" algn="l" defTabSz="914400" rtl="0" eaLnBrk="1" latinLnBrk="0" hangingPunct="1">
+              <a:lnSpc>
+                <a:spcPct val="150000"/>
+              </a:lnSpc>
+              <a:spcBef>
+                <a:spcPts val="1000"/>
+              </a:spcBef>
+              <a:buFont typeface="Arial" panose="020B0604020202020204" pitchFamily="34" charset="0"/>
+              <a:buChar char="•"/>
+              <a:defRPr sz="1600" kern="1200">
+                <a:solidFill>
+                  <a:schemeClr val="tx1"/>
+                </a:solidFill>
+                <a:latin typeface="+mn-lt"/>
+                <a:ea typeface="+mn-ea"/>
+                <a:cs typeface="+mn-cs"/>
+              </a:defRPr>
+            </a:lvl1pPr>
+            <a:lvl2pPr marL="685800" indent="-228600" algn="l" defTabSz="914400" rtl="0" eaLnBrk="1" latinLnBrk="0" hangingPunct="1">
+              <a:lnSpc>
+                <a:spcPct val="150000"/>
+              </a:lnSpc>
+              <a:spcBef>
+                <a:spcPts val="500"/>
+              </a:spcBef>
+              <a:buFont typeface="Arial" panose="020B0604020202020204" pitchFamily="34" charset="0"/>
+              <a:buChar char="•"/>
+              <a:defRPr sz="1400" kern="1200">
+                <a:solidFill>
+                  <a:schemeClr val="tx1"/>
+                </a:solidFill>
+                <a:latin typeface="+mn-lt"/>
+                <a:ea typeface="+mn-ea"/>
+                <a:cs typeface="+mn-cs"/>
+              </a:defRPr>
+            </a:lvl2pPr>
+            <a:lvl3pPr marL="1143000" indent="-228600" algn="l" defTabSz="914400" rtl="0" eaLnBrk="1" latinLnBrk="0" hangingPunct="1">
+              <a:lnSpc>
+                <a:spcPct val="150000"/>
+              </a:lnSpc>
+              <a:spcBef>
+                <a:spcPts val="500"/>
+              </a:spcBef>
+              <a:buFont typeface="Arial" panose="020B0604020202020204" pitchFamily="34" charset="0"/>
+              <a:buChar char="•"/>
+              <a:defRPr sz="1400" kern="1200">
+                <a:solidFill>
+                  <a:schemeClr val="tx1"/>
+                </a:solidFill>
+                <a:latin typeface="+mn-lt"/>
+                <a:ea typeface="+mn-ea"/>
+                <a:cs typeface="+mn-cs"/>
+              </a:defRPr>
+            </a:lvl3pPr>
+            <a:lvl4pPr marL="1600200" indent="-228600" algn="l" defTabSz="914400" rtl="0" eaLnBrk="1" latinLnBrk="0" hangingPunct="1">
+              <a:lnSpc>
+                <a:spcPct val="150000"/>
+              </a:lnSpc>
+              <a:spcBef>
+                <a:spcPts val="500"/>
+              </a:spcBef>
+              <a:buFont typeface="Arial" panose="020B0604020202020204" pitchFamily="34" charset="0"/>
+              <a:buChar char="•"/>
+              <a:defRPr sz="1200" kern="1200">
+                <a:solidFill>
+                  <a:schemeClr val="tx1"/>
+                </a:solidFill>
+                <a:latin typeface="+mn-lt"/>
+                <a:ea typeface="+mn-ea"/>
+                <a:cs typeface="+mn-cs"/>
+              </a:defRPr>
+            </a:lvl4pPr>
+            <a:lvl5pPr marL="2057400" indent="-228600" algn="l" defTabSz="914400" rtl="0" eaLnBrk="1" latinLnBrk="0" hangingPunct="1">
+              <a:lnSpc>
+                <a:spcPct val="150000"/>
+              </a:lnSpc>
+              <a:spcBef>
+                <a:spcPts val="500"/>
+              </a:spcBef>
+              <a:buFont typeface="Arial" panose="020B0604020202020204" pitchFamily="34" charset="0"/>
+              <a:buChar char="•"/>
+              <a:defRPr sz="1200" kern="1200">
+                <a:solidFill>
+                  <a:schemeClr val="tx1"/>
+                </a:solidFill>
+                <a:latin typeface="+mn-lt"/>
+                <a:ea typeface="+mn-ea"/>
+                <a:cs typeface="+mn-cs"/>
+              </a:defRPr>
+            </a:lvl5pPr>
+            <a:lvl6pPr marL="2514600" indent="-228600" algn="l" defTabSz="914400" rtl="0" eaLnBrk="1" latinLnBrk="0" hangingPunct="1">
+              <a:lnSpc>
+                <a:spcPct val="90000"/>
+              </a:lnSpc>
+              <a:spcBef>
+                <a:spcPts val="500"/>
+              </a:spcBef>
+              <a:buFont typeface="Arial" panose="020B0604020202020204" pitchFamily="34" charset="0"/>
+              <a:buChar char="•"/>
+              <a:defRPr sz="1800" kern="1200">
+                <a:solidFill>
+                  <a:schemeClr val="tx1"/>
+                </a:solidFill>
+                <a:latin typeface="+mn-lt"/>
+                <a:ea typeface="+mn-ea"/>
+                <a:cs typeface="+mn-cs"/>
+              </a:defRPr>
+            </a:lvl6pPr>
+            <a:lvl7pPr marL="2971800" indent="-228600" algn="l" defTabSz="914400" rtl="0" eaLnBrk="1" latinLnBrk="0" hangingPunct="1">
+              <a:lnSpc>
+                <a:spcPct val="90000"/>
+              </a:lnSpc>
+              <a:spcBef>
+                <a:spcPts val="500"/>
+              </a:spcBef>
+              <a:buFont typeface="Arial" panose="020B0604020202020204" pitchFamily="34" charset="0"/>
+              <a:buChar char="•"/>
+              <a:defRPr sz="1800" kern="1200">
+                <a:solidFill>
+                  <a:schemeClr val="tx1"/>
+                </a:solidFill>
+                <a:latin typeface="+mn-lt"/>
+                <a:ea typeface="+mn-ea"/>
+                <a:cs typeface="+mn-cs"/>
+              </a:defRPr>
+            </a:lvl7pPr>
+            <a:lvl8pPr marL="3429000" indent="-228600" algn="l" defTabSz="914400" rtl="0" eaLnBrk="1" latinLnBrk="0" hangingPunct="1">
+              <a:lnSpc>
+                <a:spcPct val="90000"/>
+              </a:lnSpc>
+              <a:spcBef>
+                <a:spcPts val="500"/>
+              </a:spcBef>
+              <a:buFont typeface="Arial" panose="020B0604020202020204" pitchFamily="34" charset="0"/>
+              <a:buChar char="•"/>
+              <a:defRPr sz="1800" kern="1200">
+                <a:solidFill>
+                  <a:schemeClr val="tx1"/>
+                </a:solidFill>
+                <a:latin typeface="+mn-lt"/>
+                <a:ea typeface="+mn-ea"/>
+                <a:cs typeface="+mn-cs"/>
+              </a:defRPr>
+            </a:lvl8pPr>
+            <a:lvl9pPr marL="3886200" indent="-228600" algn="l" defTabSz="914400" rtl="0" eaLnBrk="1" latinLnBrk="0" hangingPunct="1">
+              <a:lnSpc>
+                <a:spcPct val="90000"/>
+              </a:lnSpc>
+              <a:spcBef>
+                <a:spcPts val="500"/>
+              </a:spcBef>
+              <a:buFont typeface="Arial" panose="020B0604020202020204" pitchFamily="34" charset="0"/>
+              <a:buChar char="•"/>
+              <a:defRPr sz="1800" kern="1200">
+                <a:solidFill>
+                  <a:schemeClr val="tx1"/>
+                </a:solidFill>
+                <a:latin typeface="+mn-lt"/>
+                <a:ea typeface="+mn-ea"/>
+                <a:cs typeface="+mn-cs"/>
+              </a:defRPr>
+            </a:lvl9pPr>
+          </a:lstStyle>
+          <a:p>
+            <a:pPr marL="342900">
+              <a:lnSpc>
+                <a:spcPct val="90000"/>
+              </a:lnSpc>
+            </a:pPr>
+            <a:r>
+              <a:rPr lang="en-US" sz="1500" dirty="0"/>
+              <a:t>Yelp dataset contains user reviews on various businesses.</a:t>
+            </a:r>
+            <a:endParaRPr lang="en-US" sz="1500" dirty="0">
+              <a:cs typeface="Calibri"/>
+            </a:endParaRPr>
+          </a:p>
+          <a:p>
+            <a:pPr marL="342900">
+              <a:lnSpc>
+                <a:spcPct val="90000"/>
+              </a:lnSpc>
+            </a:pPr>
+            <a:r>
+              <a:rPr lang="en-US" sz="1500" dirty="0">
+                <a:cs typeface="Calibri"/>
+              </a:rPr>
+              <a:t>The reviews are long thus making augmentation more realistic.</a:t>
+            </a:r>
+          </a:p>
+          <a:p>
+            <a:pPr marL="342900">
+              <a:lnSpc>
+                <a:spcPct val="90000"/>
+              </a:lnSpc>
+            </a:pPr>
+            <a:r>
+              <a:rPr lang="en-US" sz="1500" dirty="0">
+                <a:cs typeface="Calibri"/>
+              </a:rPr>
+              <a:t>The dataset is huge, hence test-train-validation split can be diversified easily.</a:t>
+            </a:r>
+          </a:p>
+          <a:p>
+            <a:pPr marL="342900">
+              <a:lnSpc>
+                <a:spcPct val="90000"/>
+              </a:lnSpc>
+            </a:pPr>
+            <a:r>
+              <a:rPr lang="en-US" sz="1500" dirty="0">
+                <a:cs typeface="Calibri"/>
+              </a:rPr>
+              <a:t>Source: </a:t>
+            </a:r>
+            <a:r>
+              <a:rPr lang="en-US" sz="1500" dirty="0">
+                <a:ea typeface="+mn-lt"/>
+                <a:cs typeface="+mn-lt"/>
+              </a:rPr>
+              <a:t>Yelp</a:t>
+            </a:r>
+            <a:r>
+              <a:rPr lang="en-US" sz="1500" dirty="0">
+                <a:cs typeface="Calibri"/>
+              </a:rPr>
+              <a:t> Dataset. (2019). Yelp.com. https://www.yelp.com/dataset</a:t>
+            </a:r>
+            <a:endParaRPr lang="en-US" sz="600" dirty="0">
+              <a:cs typeface="Calibri" panose="020F0502020204030204"/>
+            </a:endParaRPr>
+          </a:p>
+        </p:txBody>
+      </p:sp>
+    </p:spTree>
+    <p:extLst>
+      <p:ext uri="{BB962C8B-B14F-4D97-AF65-F5344CB8AC3E}">
+        <p14:creationId xmlns:p14="http://schemas.microsoft.com/office/powerpoint/2010/main" val="1873987058"/>
+      </p:ext>
+    </p:extLst>
+  </p:cSld>
+  <p:clrMapOvr>
+    <a:masterClrMapping/>
+  </p:clrMapOvr>
+</p:sld>
+</file>
+
+<file path=ppt/slides/slide5.xml><?xml version="1.0" encoding="utf-8"?>
+<p:sld xmlns:a="http://schemas.openxmlformats.org/drawingml/2006/main" xmlns:r="http://schemas.openxmlformats.org/officeDocument/2006/relationships" xmlns:p="http://schemas.openxmlformats.org/presentationml/2006/main">
+  <p:cSld>
+    <p:spTree>
+      <p:nvGrpSpPr>
+        <p:cNvPr id="1" name=""/>
+        <p:cNvGrpSpPr/>
+        <p:nvPr/>
+      </p:nvGrpSpPr>
+      <p:grpSpPr>
+        <a:xfrm>
+          <a:off x="0" y="0"/>
+          <a:ext cx="0" cy="0"/>
+          <a:chOff x="0" y="0"/>
+          <a:chExt cx="0" cy="0"/>
+        </a:xfrm>
+      </p:grpSpPr>
+      <p:sp>
+        <p:nvSpPr>
+          <p:cNvPr id="3" name="Title 2">
+            <a:extLst>
+              <a:ext uri="{FF2B5EF4-FFF2-40B4-BE49-F238E27FC236}">
+                <a16:creationId xmlns:a16="http://schemas.microsoft.com/office/drawing/2014/main" id="{1D24B42B-925B-494C-A986-BD85E8117E1E}"/>
+              </a:ext>
+            </a:extLst>
+          </p:cNvPr>
+          <p:cNvSpPr>
+            <a:spLocks noGrp="1"/>
+          </p:cNvSpPr>
+          <p:nvPr>
             <p:ph type="title"/>
           </p:nvPr>
         </p:nvSpPr>
         <p:spPr>
           <a:xfrm>
-            <a:off x="6525491" y="73853"/>
-            <a:ext cx="5251450" cy="1051697"/>
+            <a:off x="6096000" y="412300"/>
+            <a:ext cx="5251450" cy="1171440"/>
           </a:xfrm>
         </p:spPr>
         <p:txBody>
@@ -6256,20 +8638,17 @@
           <a:p>
             <a:r>
               <a:rPr lang="en-US" dirty="0"/>
-              <a:t>ROADMAP</a:t>
-            </a:r>
-            <a:endParaRPr lang="en-US" dirty="0">
-              <a:cs typeface="Calibri Light"/>
-            </a:endParaRPr>
+              <a:t>THE YELP Data</a:t>
+            </a:r>
           </a:p>
         </p:txBody>
       </p:sp>
       <p:pic>
         <p:nvPicPr>
-          <p:cNvPr id="8" name="Picture Placeholder 7" descr="close up of computer code">
-            <a:extLst>
-              <a:ext uri="{FF2B5EF4-FFF2-40B4-BE49-F238E27FC236}">
-                <a16:creationId xmlns:a16="http://schemas.microsoft.com/office/drawing/2014/main" id="{A596BF19-CC58-4709-B5D6-3FC378FDC7BA}"/>
+          <p:cNvPr id="13" name="Picture Placeholder 12" descr="close up of computer on top of table against a brick wall">
+            <a:extLst>
+              <a:ext uri="{FF2B5EF4-FFF2-40B4-BE49-F238E27FC236}">
+                <a16:creationId xmlns:a16="http://schemas.microsoft.com/office/drawing/2014/main" id="{90BB9493-60B4-4B89-89CE-E1F8BF6C4D12}"/>
               </a:ext>
             </a:extLst>
           </p:cNvPr>
@@ -6281,7 +8660,7 @@
           </p:nvPr>
         </p:nvPicPr>
         <p:blipFill rotWithShape="1">
-          <a:blip r:embed="rId2">
+          <a:blip r:embed="rId2" cstate="email">
             <a:extLst>
               <a:ext uri="{BEBA8EAE-BF5A-486C-A8C5-ECC9F3942E4B}">
                 <a14:imgProps xmlns:a14="http://schemas.microsoft.com/office/drawing/2010/main">
@@ -6292,6 +8671,9 @@
                   </a14:imgLayer>
                 </a14:imgProps>
               </a:ext>
+              <a:ext uri="{28A0092B-C50C-407E-A947-70E740481C1C}">
+                <a14:useLocalDpi xmlns:a14="http://schemas.microsoft.com/office/drawing/2010/main"/>
+              </a:ext>
             </a:extLst>
           </a:blip>
           <a:srcRect l="20370" r="20370"/>
@@ -6301,10 +8683,10 @@
       </p:pic>
       <p:sp>
         <p:nvSpPr>
-          <p:cNvPr id="6" name="Slide Number Placeholder 5">
-            <a:extLst>
-              <a:ext uri="{FF2B5EF4-FFF2-40B4-BE49-F238E27FC236}">
-                <a16:creationId xmlns:a16="http://schemas.microsoft.com/office/drawing/2014/main" id="{FC6A5C12-E784-444E-B868-DE2AE85742BB}"/>
+          <p:cNvPr id="2" name="Slide Number Placeholder 1">
+            <a:extLst>
+              <a:ext uri="{FF2B5EF4-FFF2-40B4-BE49-F238E27FC236}">
+                <a16:creationId xmlns:a16="http://schemas.microsoft.com/office/drawing/2014/main" id="{948DD8A0-BD53-4DBF-949B-0D64D12DADA9}"/>
               </a:ext>
             </a:extLst>
           </p:cNvPr>
@@ -6322,7 +8704,1104 @@
           <a:p>
             <a:fld id="{8C2E478F-E849-4A8C-AF1F-CBCC78A7CBFA}" type="slidenum">
               <a:rPr lang="en-US" smtClean="0"/>
-              <a:t>4</a:t>
+              <a:t>5</a:t>
+            </a:fld>
+            <a:endParaRPr lang="en-US"/>
+          </a:p>
+        </p:txBody>
+      </p:sp>
+      <p:pic>
+        <p:nvPicPr>
+          <p:cNvPr id="6" name="Picture 6" descr="Table&#10;&#10;Description automatically generated">
+            <a:extLst>
+              <a:ext uri="{FF2B5EF4-FFF2-40B4-BE49-F238E27FC236}">
+                <a16:creationId xmlns:a16="http://schemas.microsoft.com/office/drawing/2014/main" id="{38B51C7C-65AC-9E06-C315-D8AE7638B0A7}"/>
+              </a:ext>
+            </a:extLst>
+          </p:cNvPr>
+          <p:cNvPicPr>
+            <a:picLocks noChangeAspect="1"/>
+          </p:cNvPicPr>
+          <p:nvPr/>
+        </p:nvPicPr>
+        <p:blipFill>
+          <a:blip r:embed="rId4"/>
+          <a:stretch>
+            <a:fillRect/>
+          </a:stretch>
+        </p:blipFill>
+        <p:spPr>
+          <a:xfrm>
+            <a:off x="3720" y="2456721"/>
+            <a:ext cx="12184563" cy="4239844"/>
+          </a:xfrm>
+          <a:prstGeom prst="rect">
+            <a:avLst/>
+          </a:prstGeom>
+        </p:spPr>
+      </p:pic>
+      <p:sp>
+        <p:nvSpPr>
+          <p:cNvPr id="4" name="Rectangle 3">
+            <a:extLst>
+              <a:ext uri="{FF2B5EF4-FFF2-40B4-BE49-F238E27FC236}">
+                <a16:creationId xmlns:a16="http://schemas.microsoft.com/office/drawing/2014/main" id="{CEA42E00-5767-4A3B-84B4-A351E2C5B46F}"/>
+              </a:ext>
+            </a:extLst>
+          </p:cNvPr>
+          <p:cNvSpPr/>
+          <p:nvPr/>
+        </p:nvSpPr>
+        <p:spPr>
+          <a:xfrm>
+            <a:off x="5292436" y="2456721"/>
+            <a:ext cx="1727200" cy="4239844"/>
+          </a:xfrm>
+          <a:prstGeom prst="rect">
+            <a:avLst/>
+          </a:prstGeom>
+          <a:solidFill>
+            <a:schemeClr val="accent1">
+              <a:alpha val="44000"/>
+            </a:schemeClr>
+          </a:solidFill>
+        </p:spPr>
+        <p:style>
+          <a:lnRef idx="2">
+            <a:schemeClr val="accent1">
+              <a:shade val="50000"/>
+            </a:schemeClr>
+          </a:lnRef>
+          <a:fillRef idx="1">
+            <a:schemeClr val="accent1"/>
+          </a:fillRef>
+          <a:effectRef idx="0">
+            <a:schemeClr val="accent1"/>
+          </a:effectRef>
+          <a:fontRef idx="minor">
+            <a:schemeClr val="lt1"/>
+          </a:fontRef>
+        </p:style>
+        <p:txBody>
+          <a:bodyPr rtlCol="0" anchor="ctr"/>
+          <a:lstStyle/>
+          <a:p>
+            <a:pPr algn="ctr"/>
+            <a:endParaRPr lang="en-KE"/>
+          </a:p>
+        </p:txBody>
+      </p:sp>
+      <p:sp>
+        <p:nvSpPr>
+          <p:cNvPr id="7" name="TextBox 6">
+            <a:extLst>
+              <a:ext uri="{FF2B5EF4-FFF2-40B4-BE49-F238E27FC236}">
+                <a16:creationId xmlns:a16="http://schemas.microsoft.com/office/drawing/2014/main" id="{9C1A9942-6A4E-D880-356F-8D31A31154FB}"/>
+              </a:ext>
+            </a:extLst>
+          </p:cNvPr>
+          <p:cNvSpPr txBox="1"/>
+          <p:nvPr/>
+        </p:nvSpPr>
+        <p:spPr>
+          <a:xfrm>
+            <a:off x="5771586" y="1688285"/>
+            <a:ext cx="5777683" cy="584775"/>
+          </a:xfrm>
+          <a:prstGeom prst="rect">
+            <a:avLst/>
+          </a:prstGeom>
+          <a:noFill/>
+        </p:spPr>
+        <p:txBody>
+          <a:bodyPr rot="0" spcFirstLastPara="0" vertOverflow="overflow" horzOverflow="overflow" vert="horz" wrap="square" lIns="91440" tIns="45720" rIns="91440" bIns="45720" numCol="1" spcCol="0" rtlCol="0" fromWordArt="0" anchor="t" anchorCtr="0" forceAA="0" compatLnSpc="1">
+            <a:prstTxWarp prst="textNoShape">
+              <a:avLst/>
+            </a:prstTxWarp>
+            <a:spAutoFit/>
+          </a:bodyPr>
+          <a:lstStyle/>
+          <a:p>
+            <a:pPr marL="285750" indent="-285750">
+              <a:buFont typeface="Arial"/>
+              <a:buChar char="•"/>
+            </a:pPr>
+            <a:r>
+              <a:rPr lang="en-US" sz="1600" dirty="0">
+                <a:cs typeface="Calibri"/>
+              </a:rPr>
+              <a:t>Useful Attributes: Text and Type</a:t>
+            </a:r>
+            <a:endParaRPr lang="en-US" dirty="0"/>
+          </a:p>
+          <a:p>
+            <a:pPr marL="285750" indent="-285750">
+              <a:buFont typeface="Arial"/>
+              <a:buChar char="•"/>
+            </a:pPr>
+            <a:r>
+              <a:rPr lang="en-US" sz="1600" dirty="0">
+                <a:cs typeface="Calibri"/>
+              </a:rPr>
+              <a:t>Use text to augment, use type for soft evaluation on target text.</a:t>
+            </a:r>
+          </a:p>
+        </p:txBody>
+      </p:sp>
+    </p:spTree>
+    <p:extLst>
+      <p:ext uri="{BB962C8B-B14F-4D97-AF65-F5344CB8AC3E}">
+        <p14:creationId xmlns:p14="http://schemas.microsoft.com/office/powerpoint/2010/main" val="3164405530"/>
+      </p:ext>
+    </p:extLst>
+  </p:cSld>
+  <p:clrMapOvr>
+    <a:masterClrMapping/>
+  </p:clrMapOvr>
+</p:sld>
+</file>
+
+<file path=ppt/slides/slide6.xml><?xml version="1.0" encoding="utf-8"?>
+<p:sld xmlns:a="http://schemas.openxmlformats.org/drawingml/2006/main" xmlns:r="http://schemas.openxmlformats.org/officeDocument/2006/relationships" xmlns:p="http://schemas.openxmlformats.org/presentationml/2006/main">
+  <p:cSld>
+    <p:spTree>
+      <p:nvGrpSpPr>
+        <p:cNvPr id="1" name=""/>
+        <p:cNvGrpSpPr/>
+        <p:nvPr/>
+      </p:nvGrpSpPr>
+      <p:grpSpPr>
+        <a:xfrm>
+          <a:off x="0" y="0"/>
+          <a:ext cx="0" cy="0"/>
+          <a:chOff x="0" y="0"/>
+          <a:chExt cx="0" cy="0"/>
+        </a:xfrm>
+      </p:grpSpPr>
+      <p:sp>
+        <p:nvSpPr>
+          <p:cNvPr id="3" name="Title 2">
+            <a:extLst>
+              <a:ext uri="{FF2B5EF4-FFF2-40B4-BE49-F238E27FC236}">
+                <a16:creationId xmlns:a16="http://schemas.microsoft.com/office/drawing/2014/main" id="{1D24B42B-925B-494C-A986-BD85E8117E1E}"/>
+              </a:ext>
+            </a:extLst>
+          </p:cNvPr>
+          <p:cNvSpPr>
+            <a:spLocks noGrp="1"/>
+          </p:cNvSpPr>
+          <p:nvPr>
+            <p:ph type="title"/>
+          </p:nvPr>
+        </p:nvSpPr>
+        <p:spPr>
+          <a:xfrm>
+            <a:off x="7320466" y="609600"/>
+            <a:ext cx="4140014" cy="1330839"/>
+          </a:xfrm>
+        </p:spPr>
+        <p:txBody>
+          <a:bodyPr vert="horz" lIns="91440" tIns="45720" rIns="91440" bIns="45720" rtlCol="0" anchor="ctr">
+            <a:normAutofit/>
+          </a:bodyPr>
+          <a:lstStyle/>
+          <a:p>
+            <a:pPr>
+              <a:lnSpc>
+                <a:spcPct val="90000"/>
+              </a:lnSpc>
+            </a:pPr>
+            <a:r>
+              <a:rPr lang="en-US" sz="4100"/>
+              <a:t>Augmentation Techniques</a:t>
+            </a:r>
+          </a:p>
+        </p:txBody>
+      </p:sp>
+      <p:pic>
+        <p:nvPicPr>
+          <p:cNvPr id="9" name="Picture 9" descr="A picture containing text, businesscard&#10;&#10;Description automatically generated">
+            <a:extLst>
+              <a:ext uri="{FF2B5EF4-FFF2-40B4-BE49-F238E27FC236}">
+                <a16:creationId xmlns:a16="http://schemas.microsoft.com/office/drawing/2014/main" id="{BBCBC460-64A8-48E5-B1FD-8A4858AB35B8}"/>
+              </a:ext>
+            </a:extLst>
+          </p:cNvPr>
+          <p:cNvPicPr>
+            <a:picLocks noGrp="1" noChangeAspect="1"/>
+          </p:cNvPicPr>
+          <p:nvPr>
+            <p:ph type="pic" sz="quarter" idx="13"/>
+          </p:nvPr>
+        </p:nvPicPr>
+        <p:blipFill rotWithShape="1">
+          <a:blip r:embed="rId2"/>
+          <a:srcRect r="-2" b="632"/>
+          <a:stretch/>
+        </p:blipFill>
+        <p:spPr>
+          <a:xfrm>
+            <a:off x="20" y="10"/>
+            <a:ext cx="6901711" cy="6857990"/>
+          </a:xfrm>
+          <a:custGeom>
+            <a:avLst/>
+            <a:gdLst/>
+            <a:ahLst/>
+            <a:cxnLst/>
+            <a:rect l="l" t="t" r="r" b="b"/>
+            <a:pathLst>
+              <a:path w="6901731" h="6858000">
+                <a:moveTo>
+                  <a:pt x="0" y="0"/>
+                </a:moveTo>
+                <a:lnTo>
+                  <a:pt x="6897896" y="5958"/>
+                </a:lnTo>
+                <a:lnTo>
+                  <a:pt x="6866823" y="62592"/>
+                </a:lnTo>
+                <a:lnTo>
+                  <a:pt x="6901731" y="89476"/>
+                </a:lnTo>
+                <a:lnTo>
+                  <a:pt x="6901731" y="103833"/>
+                </a:lnTo>
+                <a:lnTo>
+                  <a:pt x="6900034" y="110092"/>
+                </a:lnTo>
+                <a:lnTo>
+                  <a:pt x="6901731" y="113679"/>
+                </a:lnTo>
+                <a:lnTo>
+                  <a:pt x="6901731" y="405560"/>
+                </a:lnTo>
+                <a:lnTo>
+                  <a:pt x="6900456" y="429509"/>
+                </a:lnTo>
+                <a:cubicBezTo>
+                  <a:pt x="6892773" y="535647"/>
+                  <a:pt x="6878314" y="537918"/>
+                  <a:pt x="6886342" y="636808"/>
+                </a:cubicBezTo>
+                <a:cubicBezTo>
+                  <a:pt x="6892506" y="756883"/>
+                  <a:pt x="6864504" y="771443"/>
+                  <a:pt x="6851784" y="839073"/>
+                </a:cubicBezTo>
+                <a:cubicBezTo>
+                  <a:pt x="6838675" y="892655"/>
+                  <a:pt x="6864124" y="961738"/>
+                  <a:pt x="6845760" y="994930"/>
+                </a:cubicBezTo>
+                <a:cubicBezTo>
+                  <a:pt x="6833572" y="1024166"/>
+                  <a:pt x="6859282" y="1058905"/>
+                  <a:pt x="6845601" y="1112932"/>
+                </a:cubicBezTo>
+                <a:cubicBezTo>
+                  <a:pt x="6838700" y="1149910"/>
+                  <a:pt x="6829138" y="1151035"/>
+                  <a:pt x="6820235" y="1187433"/>
+                </a:cubicBezTo>
+                <a:cubicBezTo>
+                  <a:pt x="6815504" y="1196464"/>
+                  <a:pt x="6777707" y="1338549"/>
+                  <a:pt x="6759643" y="1337010"/>
+                </a:cubicBezTo>
+                <a:cubicBezTo>
+                  <a:pt x="6737660" y="1337296"/>
+                  <a:pt x="6760650" y="1396341"/>
+                  <a:pt x="6736375" y="1382272"/>
+                </a:cubicBezTo>
+                <a:cubicBezTo>
+                  <a:pt x="6755741" y="1415836"/>
+                  <a:pt x="6714675" y="1414567"/>
+                  <a:pt x="6701292" y="1432111"/>
+                </a:cubicBezTo>
+                <a:cubicBezTo>
+                  <a:pt x="6721110" y="1460185"/>
+                  <a:pt x="6692106" y="1490815"/>
+                  <a:pt x="6686578" y="1518624"/>
+                </a:cubicBezTo>
+                <a:cubicBezTo>
+                  <a:pt x="6682512" y="1567002"/>
+                  <a:pt x="6679579" y="1571443"/>
+                  <a:pt x="6670824" y="1607743"/>
+                </a:cubicBezTo>
+                <a:cubicBezTo>
+                  <a:pt x="6671133" y="1629590"/>
+                  <a:pt x="6663161" y="1656870"/>
+                  <a:pt x="6664392" y="1696405"/>
+                </a:cubicBezTo>
+                <a:cubicBezTo>
+                  <a:pt x="6655686" y="1770486"/>
+                  <a:pt x="6641938" y="1757082"/>
+                  <a:pt x="6642880" y="1812372"/>
+                </a:cubicBezTo>
+                <a:cubicBezTo>
+                  <a:pt x="6638579" y="1872475"/>
+                  <a:pt x="6619231" y="1825476"/>
+                  <a:pt x="6612547" y="1876437"/>
+                </a:cubicBezTo>
+                <a:cubicBezTo>
+                  <a:pt x="6600695" y="1913834"/>
+                  <a:pt x="6591061" y="1923231"/>
+                  <a:pt x="6571760" y="1953331"/>
+                </a:cubicBezTo>
+                <a:cubicBezTo>
+                  <a:pt x="6561039" y="1989021"/>
+                  <a:pt x="6544090" y="2087896"/>
+                  <a:pt x="6520213" y="2096455"/>
+                </a:cubicBezTo>
+                <a:lnTo>
+                  <a:pt x="6492461" y="2188148"/>
+                </a:lnTo>
+                <a:cubicBezTo>
+                  <a:pt x="6504372" y="2211333"/>
+                  <a:pt x="6489131" y="2253220"/>
+                  <a:pt x="6471854" y="2259117"/>
+                </a:cubicBezTo>
+                <a:cubicBezTo>
+                  <a:pt x="6466151" y="2287829"/>
+                  <a:pt x="6440452" y="2301346"/>
+                  <a:pt x="6439832" y="2328334"/>
+                </a:cubicBezTo>
+                <a:cubicBezTo>
+                  <a:pt x="6431013" y="2351201"/>
+                  <a:pt x="6444250" y="2396409"/>
+                  <a:pt x="6425162" y="2408211"/>
+                </a:cubicBezTo>
+                <a:lnTo>
+                  <a:pt x="6417221" y="2427382"/>
+                </a:lnTo>
+                <a:lnTo>
+                  <a:pt x="6425030" y="2464387"/>
+                </a:lnTo>
+                <a:lnTo>
+                  <a:pt x="6406293" y="2472223"/>
+                </a:lnTo>
+                <a:cubicBezTo>
+                  <a:pt x="6406862" y="2477277"/>
+                  <a:pt x="6406486" y="2491723"/>
+                  <a:pt x="6405400" y="2493547"/>
+                </a:cubicBezTo>
+                <a:lnTo>
+                  <a:pt x="6374829" y="2532070"/>
+                </a:lnTo>
+                <a:cubicBezTo>
+                  <a:pt x="6374597" y="2545374"/>
+                  <a:pt x="6360976" y="2563797"/>
+                  <a:pt x="6350864" y="2577422"/>
+                </a:cubicBezTo>
+                <a:cubicBezTo>
+                  <a:pt x="6327056" y="2632768"/>
+                  <a:pt x="6341262" y="2616275"/>
+                  <a:pt x="6329174" y="2663854"/>
+                </a:cubicBezTo>
+                <a:cubicBezTo>
+                  <a:pt x="6326303" y="2703642"/>
+                  <a:pt x="6332854" y="2709643"/>
+                  <a:pt x="6315095" y="2741507"/>
+                </a:cubicBezTo>
+                <a:cubicBezTo>
+                  <a:pt x="6319921" y="2740191"/>
+                  <a:pt x="6321925" y="2742004"/>
+                  <a:pt x="6322463" y="2745641"/>
+                </a:cubicBezTo>
+                <a:cubicBezTo>
+                  <a:pt x="6322245" y="2747982"/>
+                  <a:pt x="6322027" y="2750323"/>
+                  <a:pt x="6321808" y="2752663"/>
+                </a:cubicBezTo>
+                <a:lnTo>
+                  <a:pt x="6314569" y="2756718"/>
+                </a:lnTo>
+                <a:cubicBezTo>
+                  <a:pt x="6289324" y="2773686"/>
+                  <a:pt x="6317551" y="2780051"/>
+                  <a:pt x="6315211" y="2811618"/>
+                </a:cubicBezTo>
+                <a:cubicBezTo>
+                  <a:pt x="6315620" y="2826627"/>
+                  <a:pt x="6296047" y="2885298"/>
+                  <a:pt x="6302211" y="2882314"/>
+                </a:cubicBezTo>
+                <a:lnTo>
+                  <a:pt x="6286167" y="2949597"/>
+                </a:lnTo>
+                <a:cubicBezTo>
+                  <a:pt x="6286401" y="2994618"/>
+                  <a:pt x="6286615" y="2971464"/>
+                  <a:pt x="6287037" y="3008578"/>
+                </a:cubicBezTo>
+                <a:cubicBezTo>
+                  <a:pt x="6293795" y="3029535"/>
+                  <a:pt x="6274405" y="3114154"/>
+                  <a:pt x="6259150" y="3123139"/>
+                </a:cubicBezTo>
+                <a:cubicBezTo>
+                  <a:pt x="6250085" y="3189063"/>
+                  <a:pt x="6269067" y="3151280"/>
+                  <a:pt x="6272249" y="3227854"/>
+                </a:cubicBezTo>
+                <a:cubicBezTo>
+                  <a:pt x="6278775" y="3295842"/>
+                  <a:pt x="6289216" y="3303765"/>
+                  <a:pt x="6292288" y="3378383"/>
+                </a:cubicBezTo>
+                <a:cubicBezTo>
+                  <a:pt x="6303894" y="3395995"/>
+                  <a:pt x="6287498" y="3432581"/>
+                  <a:pt x="6288328" y="3459618"/>
+                </a:cubicBezTo>
+                <a:cubicBezTo>
+                  <a:pt x="6289158" y="3486653"/>
+                  <a:pt x="6299937" y="3538735"/>
+                  <a:pt x="6297272" y="3540603"/>
+                </a:cubicBezTo>
+                <a:cubicBezTo>
+                  <a:pt x="6296849" y="3577379"/>
+                  <a:pt x="6294184" y="3587943"/>
+                  <a:pt x="6291001" y="3638374"/>
+                </a:cubicBezTo>
+                <a:cubicBezTo>
+                  <a:pt x="6283026" y="3666794"/>
+                  <a:pt x="6265833" y="3731744"/>
+                  <a:pt x="6283592" y="3763609"/>
+                </a:cubicBezTo>
+                <a:cubicBezTo>
+                  <a:pt x="6264286" y="3758340"/>
+                  <a:pt x="6290177" y="3803150"/>
+                  <a:pt x="6274068" y="3814506"/>
+                </a:cubicBezTo>
+                <a:cubicBezTo>
+                  <a:pt x="6260645" y="3821643"/>
+                  <a:pt x="6265372" y="3836902"/>
+                  <a:pt x="6262850" y="3850454"/>
+                </a:cubicBezTo>
+                <a:cubicBezTo>
+                  <a:pt x="6250418" y="3863479"/>
+                  <a:pt x="6250660" y="3955243"/>
+                  <a:pt x="6257357" y="3975474"/>
+                </a:cubicBezTo>
+                <a:cubicBezTo>
+                  <a:pt x="6245091" y="4036737"/>
+                  <a:pt x="6237535" y="4029237"/>
+                  <a:pt x="6257889" y="4073155"/>
+                </a:cubicBezTo>
+                <a:cubicBezTo>
+                  <a:pt x="6259272" y="4085906"/>
+                  <a:pt x="6239882" y="4116397"/>
+                  <a:pt x="6237441" y="4126638"/>
+                </a:cubicBezTo>
+                <a:lnTo>
+                  <a:pt x="6245587" y="4172738"/>
+                </a:lnTo>
+                <a:lnTo>
+                  <a:pt x="6235772" y="4176721"/>
+                </a:lnTo>
+                <a:lnTo>
+                  <a:pt x="6233287" y="4195136"/>
+                </a:lnTo>
+                <a:lnTo>
+                  <a:pt x="6234619" y="4280850"/>
+                </a:lnTo>
+                <a:cubicBezTo>
+                  <a:pt x="6239453" y="4320763"/>
+                  <a:pt x="6223309" y="4337596"/>
+                  <a:pt x="6219318" y="4402526"/>
+                </a:cubicBezTo>
+                <a:cubicBezTo>
+                  <a:pt x="6205466" y="4516209"/>
+                  <a:pt x="6216183" y="4588729"/>
+                  <a:pt x="6216810" y="4651172"/>
+                </a:cubicBezTo>
+                <a:cubicBezTo>
+                  <a:pt x="6217673" y="4756959"/>
+                  <a:pt x="6228654" y="4824005"/>
+                  <a:pt x="6225945" y="4916779"/>
+                </a:cubicBezTo>
+                <a:cubicBezTo>
+                  <a:pt x="6217032" y="4993010"/>
+                  <a:pt x="6264271" y="4984591"/>
+                  <a:pt x="6230174" y="5051379"/>
+                </a:cubicBezTo>
+                <a:cubicBezTo>
+                  <a:pt x="6235713" y="5056951"/>
+                  <a:pt x="6239420" y="5163714"/>
+                  <a:pt x="6242600" y="5170879"/>
+                </a:cubicBezTo>
+                <a:lnTo>
+                  <a:pt x="6235996" y="5216428"/>
+                </a:lnTo>
+                <a:lnTo>
+                  <a:pt x="6214638" y="5285298"/>
+                </a:lnTo>
+                <a:cubicBezTo>
+                  <a:pt x="6211392" y="5297492"/>
+                  <a:pt x="6225576" y="5312063"/>
+                  <a:pt x="6228432" y="5317696"/>
+                </a:cubicBezTo>
+                <a:lnTo>
+                  <a:pt x="6246496" y="5398787"/>
+                </a:lnTo>
+                <a:lnTo>
+                  <a:pt x="6244793" y="5399530"/>
+                </a:lnTo>
+                <a:lnTo>
+                  <a:pt x="6241695" y="5406948"/>
+                </a:lnTo>
+                <a:lnTo>
+                  <a:pt x="6267461" y="5499413"/>
+                </a:lnTo>
+                <a:cubicBezTo>
+                  <a:pt x="6285387" y="5533848"/>
+                  <a:pt x="6284888" y="5550029"/>
+                  <a:pt x="6295987" y="5582659"/>
+                </a:cubicBezTo>
+                <a:cubicBezTo>
+                  <a:pt x="6311253" y="5681724"/>
+                  <a:pt x="6295439" y="5695558"/>
+                  <a:pt x="6364803" y="5784263"/>
+                </a:cubicBezTo>
+                <a:cubicBezTo>
+                  <a:pt x="6379348" y="5818651"/>
+                  <a:pt x="6412475" y="5906802"/>
+                  <a:pt x="6423050" y="5922637"/>
+                </a:cubicBezTo>
+                <a:cubicBezTo>
+                  <a:pt x="6445210" y="5973612"/>
+                  <a:pt x="6468179" y="6023873"/>
+                  <a:pt x="6497767" y="6090108"/>
+                </a:cubicBezTo>
+                <a:cubicBezTo>
+                  <a:pt x="6571895" y="6150548"/>
+                  <a:pt x="6572491" y="6236583"/>
+                  <a:pt x="6606710" y="6281543"/>
+                </a:cubicBezTo>
+                <a:cubicBezTo>
+                  <a:pt x="6633675" y="6335892"/>
+                  <a:pt x="6654357" y="6388782"/>
+                  <a:pt x="6667540" y="6443715"/>
+                </a:cubicBezTo>
+                <a:cubicBezTo>
+                  <a:pt x="6685192" y="6466826"/>
+                  <a:pt x="6650500" y="6508701"/>
+                  <a:pt x="6659722" y="6550105"/>
+                </a:cubicBezTo>
+                <a:cubicBezTo>
+                  <a:pt x="6665926" y="6645044"/>
+                  <a:pt x="6669126" y="6627536"/>
+                  <a:pt x="6671805" y="6687397"/>
+                </a:cubicBezTo>
+                <a:cubicBezTo>
+                  <a:pt x="6682671" y="6733683"/>
+                  <a:pt x="6665210" y="6772117"/>
+                  <a:pt x="6669658" y="6806602"/>
+                </a:cubicBezTo>
+                <a:cubicBezTo>
+                  <a:pt x="6661174" y="6812658"/>
+                  <a:pt x="6667097" y="6831470"/>
+                  <a:pt x="6675783" y="6850325"/>
+                </a:cubicBezTo>
+                <a:lnTo>
+                  <a:pt x="6679704" y="6858000"/>
+                </a:lnTo>
+                <a:lnTo>
+                  <a:pt x="4532241" y="6858000"/>
+                </a:lnTo>
+                <a:lnTo>
+                  <a:pt x="1208596" y="6858000"/>
+                </a:lnTo>
+                <a:lnTo>
+                  <a:pt x="0" y="6858000"/>
+                </a:lnTo>
+                <a:close/>
+              </a:path>
+            </a:pathLst>
+          </a:custGeom>
+        </p:spPr>
+      </p:pic>
+      <p:sp>
+        <p:nvSpPr>
+          <p:cNvPr id="5" name="TextBox 4">
+            <a:extLst>
+              <a:ext uri="{FF2B5EF4-FFF2-40B4-BE49-F238E27FC236}">
+                <a16:creationId xmlns:a16="http://schemas.microsoft.com/office/drawing/2014/main" id="{9F3E140D-0E03-5ECB-0164-C1423C944FCA}"/>
+              </a:ext>
+            </a:extLst>
+          </p:cNvPr>
+          <p:cNvSpPr txBox="1"/>
+          <p:nvPr/>
+        </p:nvSpPr>
+        <p:spPr>
+          <a:xfrm>
+            <a:off x="7320465" y="2194102"/>
+            <a:ext cx="4140013" cy="2897204"/>
+          </a:xfrm>
+          <a:prstGeom prst="rect">
+            <a:avLst/>
+          </a:prstGeom>
+        </p:spPr>
+        <p:txBody>
+          <a:bodyPr rot="0" spcFirstLastPara="0" vertOverflow="overflow" horzOverflow="overflow" vert="horz" lIns="91440" tIns="45720" rIns="91440" bIns="45720" numCol="1" spcCol="0" rtlCol="0" fromWordArt="0" anchor="t" anchorCtr="0" forceAA="0" compatLnSpc="1">
+            <a:prstTxWarp prst="textNoShape">
+              <a:avLst/>
+            </a:prstTxWarp>
+            <a:normAutofit/>
+          </a:bodyPr>
+          <a:lstStyle/>
+          <a:p>
+            <a:pPr marL="285750" indent="-228600">
+              <a:lnSpc>
+                <a:spcPct val="90000"/>
+              </a:lnSpc>
+              <a:spcAft>
+                <a:spcPts val="600"/>
+              </a:spcAft>
+              <a:buFont typeface="Arial" panose="020B0604020202020204" pitchFamily="34" charset="0"/>
+              <a:buChar char="•"/>
+            </a:pPr>
+            <a:r>
+              <a:rPr lang="en-US" sz="2000" dirty="0"/>
+              <a:t>Random Insertion, Deletion, and Swap [1].</a:t>
+            </a:r>
+            <a:endParaRPr lang="en-US" sz="2000" dirty="0">
+              <a:cs typeface="Calibri"/>
+            </a:endParaRPr>
+          </a:p>
+          <a:p>
+            <a:pPr marL="285750" indent="-228600">
+              <a:lnSpc>
+                <a:spcPct val="90000"/>
+              </a:lnSpc>
+              <a:spcAft>
+                <a:spcPts val="600"/>
+              </a:spcAft>
+              <a:buFont typeface="Arial" panose="020B0604020202020204" pitchFamily="34" charset="0"/>
+              <a:buChar char="•"/>
+            </a:pPr>
+            <a:r>
+              <a:rPr lang="en-US" sz="2000" dirty="0">
+                <a:cs typeface="Calibri"/>
+              </a:rPr>
+              <a:t>Adding synthetic noise [2].</a:t>
+            </a:r>
+          </a:p>
+          <a:p>
+            <a:pPr marL="285750" indent="-228600">
+              <a:lnSpc>
+                <a:spcPct val="90000"/>
+              </a:lnSpc>
+              <a:spcAft>
+                <a:spcPts val="600"/>
+              </a:spcAft>
+              <a:buFont typeface="Arial" panose="020B0604020202020204" pitchFamily="34" charset="0"/>
+              <a:buChar char="•"/>
+            </a:pPr>
+            <a:r>
+              <a:rPr lang="en-US" sz="2000" dirty="0">
+                <a:cs typeface="Calibri"/>
+              </a:rPr>
+              <a:t>Keyword Replacement [3]</a:t>
+            </a:r>
+          </a:p>
+          <a:p>
+            <a:pPr marL="742950" lvl="1" indent="-228600">
+              <a:lnSpc>
+                <a:spcPct val="90000"/>
+              </a:lnSpc>
+              <a:spcAft>
+                <a:spcPts val="600"/>
+              </a:spcAft>
+              <a:buFont typeface="Arial" panose="020B0604020202020204" pitchFamily="34" charset="0"/>
+              <a:buChar char="•"/>
+            </a:pPr>
+            <a:r>
+              <a:rPr lang="en-US" sz="2000" dirty="0">
+                <a:cs typeface="Calibri"/>
+              </a:rPr>
+              <a:t>Synonyms</a:t>
+            </a:r>
+          </a:p>
+          <a:p>
+            <a:pPr marL="742950" lvl="1" indent="-228600">
+              <a:lnSpc>
+                <a:spcPct val="90000"/>
+              </a:lnSpc>
+              <a:spcAft>
+                <a:spcPts val="600"/>
+              </a:spcAft>
+              <a:buFont typeface="Arial" panose="020B0604020202020204" pitchFamily="34" charset="0"/>
+              <a:buChar char="•"/>
+            </a:pPr>
+            <a:r>
+              <a:rPr lang="en-US" sz="2000" dirty="0">
+                <a:cs typeface="Calibri"/>
+              </a:rPr>
+              <a:t>Hyponyms</a:t>
+            </a:r>
+          </a:p>
+          <a:p>
+            <a:pPr marL="742950" lvl="1" indent="-228600">
+              <a:lnSpc>
+                <a:spcPct val="90000"/>
+              </a:lnSpc>
+              <a:spcAft>
+                <a:spcPts val="600"/>
+              </a:spcAft>
+              <a:buFont typeface="Arial" panose="020B0604020202020204" pitchFamily="34" charset="0"/>
+              <a:buChar char="•"/>
+            </a:pPr>
+            <a:r>
+              <a:rPr lang="en-US" sz="2000" dirty="0">
+                <a:cs typeface="Calibri"/>
+              </a:rPr>
+              <a:t>Hypernyms</a:t>
+            </a:r>
+          </a:p>
+          <a:p>
+            <a:pPr marL="285750" indent="-228600">
+              <a:lnSpc>
+                <a:spcPct val="90000"/>
+              </a:lnSpc>
+              <a:spcAft>
+                <a:spcPts val="600"/>
+              </a:spcAft>
+              <a:buFont typeface="Arial" panose="020B0604020202020204" pitchFamily="34" charset="0"/>
+              <a:buChar char="•"/>
+            </a:pPr>
+            <a:endParaRPr lang="en-US" sz="2000" dirty="0">
+              <a:cs typeface="Calibri"/>
+            </a:endParaRPr>
+          </a:p>
+        </p:txBody>
+      </p:sp>
+      <p:sp>
+        <p:nvSpPr>
+          <p:cNvPr id="2" name="Slide Number Placeholder 1">
+            <a:extLst>
+              <a:ext uri="{FF2B5EF4-FFF2-40B4-BE49-F238E27FC236}">
+                <a16:creationId xmlns:a16="http://schemas.microsoft.com/office/drawing/2014/main" id="{948DD8A0-BD53-4DBF-949B-0D64D12DADA9}"/>
+              </a:ext>
+            </a:extLst>
+          </p:cNvPr>
+          <p:cNvSpPr>
+            <a:spLocks noGrp="1"/>
+          </p:cNvSpPr>
+          <p:nvPr>
+            <p:ph type="sldNum" sz="quarter" idx="12"/>
+          </p:nvPr>
+        </p:nvSpPr>
+        <p:spPr>
+          <a:xfrm>
+            <a:off x="8610600" y="6356350"/>
+            <a:ext cx="2743200" cy="365125"/>
+          </a:xfrm>
+        </p:spPr>
+        <p:txBody>
+          <a:bodyPr vert="horz" lIns="91440" tIns="45720" rIns="91440" bIns="45720" rtlCol="0" anchor="ctr">
+            <a:normAutofit/>
+          </a:bodyPr>
+          <a:lstStyle/>
+          <a:p>
+            <a:pPr>
+              <a:spcAft>
+                <a:spcPts val="600"/>
+              </a:spcAft>
+              <a:defRPr/>
+            </a:pPr>
+            <a:fld id="{8C2E478F-E849-4A8C-AF1F-CBCC78A7CBFA}" type="slidenum">
+              <a:rPr lang="en-US" sz="1000">
+                <a:solidFill>
+                  <a:schemeClr val="tx1">
+                    <a:lumMod val="50000"/>
+                    <a:lumOff val="50000"/>
+                  </a:schemeClr>
+                </a:solidFill>
+                <a:latin typeface="Calibri" panose="020F0502020204030204"/>
+              </a:rPr>
+              <a:pPr>
+                <a:spcAft>
+                  <a:spcPts val="600"/>
+                </a:spcAft>
+                <a:defRPr/>
+              </a:pPr>
+              <a:t>6</a:t>
+            </a:fld>
+            <a:endParaRPr lang="en-US" sz="1000">
+              <a:solidFill>
+                <a:schemeClr val="tx1">
+                  <a:lumMod val="50000"/>
+                  <a:lumOff val="50000"/>
+                </a:schemeClr>
+              </a:solidFill>
+              <a:latin typeface="Calibri" panose="020F0502020204030204"/>
+            </a:endParaRPr>
+          </a:p>
+        </p:txBody>
+      </p:sp>
+      <p:sp>
+        <p:nvSpPr>
+          <p:cNvPr id="10" name="TextBox 9">
+            <a:extLst>
+              <a:ext uri="{FF2B5EF4-FFF2-40B4-BE49-F238E27FC236}">
+                <a16:creationId xmlns:a16="http://schemas.microsoft.com/office/drawing/2014/main" id="{A615BA73-8635-0B8C-1573-45DB2AB77392}"/>
+              </a:ext>
+            </a:extLst>
+          </p:cNvPr>
+          <p:cNvSpPr txBox="1"/>
+          <p:nvPr/>
+        </p:nvSpPr>
+        <p:spPr>
+          <a:xfrm>
+            <a:off x="7403592" y="4965011"/>
+            <a:ext cx="4140013" cy="1678005"/>
+          </a:xfrm>
+          <a:prstGeom prst="rect">
+            <a:avLst/>
+          </a:prstGeom>
+        </p:spPr>
+        <p:txBody>
+          <a:bodyPr rot="0" spcFirstLastPara="0" vertOverflow="overflow" horzOverflow="overflow" vert="horz" lIns="91440" tIns="45720" rIns="91440" bIns="45720" numCol="1" spcCol="0" rtlCol="0" fromWordArt="0" anchor="t" anchorCtr="0" forceAA="0" compatLnSpc="1">
+            <a:prstTxWarp prst="textNoShape">
+              <a:avLst/>
+            </a:prstTxWarp>
+            <a:normAutofit/>
+          </a:bodyPr>
+          <a:lstStyle/>
+          <a:p>
+            <a:pPr marL="57150">
+              <a:lnSpc>
+                <a:spcPct val="90000"/>
+              </a:lnSpc>
+              <a:spcAft>
+                <a:spcPts val="600"/>
+              </a:spcAft>
+            </a:pPr>
+            <a:r>
+              <a:rPr lang="en-US" sz="1400" dirty="0">
+                <a:ea typeface="+mn-lt"/>
+                <a:cs typeface="+mn-lt"/>
+              </a:rPr>
+              <a:t>[1] (Wei and Zou, 2019) </a:t>
+            </a:r>
+            <a:r>
+              <a:rPr lang="en-US" sz="1400" dirty="0">
+                <a:ea typeface="+mn-lt"/>
+                <a:cs typeface="+mn-lt"/>
+                <a:hlinkClick r:id="rId3"/>
+              </a:rPr>
+              <a:t>https://aclanthology.org/D19-1670/</a:t>
+            </a:r>
+            <a:endParaRPr lang="en-US" sz="1400" dirty="0">
+              <a:ea typeface="+mn-lt"/>
+              <a:cs typeface="+mn-lt"/>
+            </a:endParaRPr>
+          </a:p>
+          <a:p>
+            <a:pPr marL="57150">
+              <a:lnSpc>
+                <a:spcPct val="90000"/>
+              </a:lnSpc>
+              <a:spcAft>
+                <a:spcPts val="600"/>
+              </a:spcAft>
+            </a:pPr>
+            <a:r>
+              <a:rPr lang="en-US" sz="1400" dirty="0">
+                <a:cs typeface="Calibri" panose="020F0502020204030204"/>
+              </a:rPr>
+              <a:t>[2] (</a:t>
+            </a:r>
+            <a:r>
+              <a:rPr lang="en-US" sz="1400" dirty="0" err="1">
+                <a:cs typeface="Calibri" panose="020F0502020204030204"/>
+              </a:rPr>
+              <a:t>Belinkov</a:t>
+            </a:r>
+            <a:r>
+              <a:rPr lang="en-US" sz="1400" dirty="0">
+                <a:cs typeface="Calibri" panose="020F0502020204030204"/>
+              </a:rPr>
+              <a:t> and Bisk, 2017) </a:t>
+            </a:r>
+            <a:r>
+              <a:rPr lang="en-US" sz="1400" dirty="0" err="1">
+                <a:cs typeface="Calibri" panose="020F0502020204030204"/>
+              </a:rPr>
+              <a:t>arXiv</a:t>
+            </a:r>
+            <a:r>
+              <a:rPr lang="en-US" sz="1400" dirty="0">
+                <a:cs typeface="Calibri" panose="020F0502020204030204"/>
+              </a:rPr>
+              <a:t> preprint arXiv:1711.02173</a:t>
+            </a:r>
+          </a:p>
+          <a:p>
+            <a:pPr marL="57150">
+              <a:lnSpc>
+                <a:spcPct val="90000"/>
+              </a:lnSpc>
+              <a:spcAft>
+                <a:spcPts val="600"/>
+              </a:spcAft>
+            </a:pPr>
+            <a:r>
+              <a:rPr lang="en-US" sz="1400" dirty="0">
+                <a:cs typeface="Calibri" panose="020F0502020204030204"/>
+              </a:rPr>
+              <a:t>[3] (Toutanova et al., 2003) </a:t>
+            </a:r>
+          </a:p>
+          <a:p>
+            <a:pPr marL="57150">
+              <a:lnSpc>
+                <a:spcPct val="90000"/>
+              </a:lnSpc>
+              <a:spcAft>
+                <a:spcPts val="600"/>
+              </a:spcAft>
+            </a:pPr>
+            <a:r>
+              <a:rPr lang="en-US" sz="1400" dirty="0">
+                <a:cs typeface="Calibri" panose="020F0502020204030204"/>
+              </a:rPr>
+              <a:t>https://dl.acm.org/doi/10.3115/1073445.1073478</a:t>
+            </a:r>
+            <a:endParaRPr lang="en-US"/>
+          </a:p>
+        </p:txBody>
+      </p:sp>
+    </p:spTree>
+    <p:extLst>
+      <p:ext uri="{BB962C8B-B14F-4D97-AF65-F5344CB8AC3E}">
+        <p14:creationId xmlns:p14="http://schemas.microsoft.com/office/powerpoint/2010/main" val="4247778396"/>
+      </p:ext>
+    </p:extLst>
+  </p:cSld>
+  <p:clrMapOvr>
+    <a:masterClrMapping/>
+  </p:clrMapOvr>
+</p:sld>
+</file>
+
+<file path=ppt/slides/slide7.xml><?xml version="1.0" encoding="utf-8"?>
+<p:sld xmlns:a="http://schemas.openxmlformats.org/drawingml/2006/main" xmlns:r="http://schemas.openxmlformats.org/officeDocument/2006/relationships" xmlns:p="http://schemas.openxmlformats.org/presentationml/2006/main">
+  <p:cSld>
+    <p:spTree>
+      <p:nvGrpSpPr>
+        <p:cNvPr id="1" name=""/>
+        <p:cNvGrpSpPr/>
+        <p:nvPr/>
+      </p:nvGrpSpPr>
+      <p:grpSpPr>
+        <a:xfrm>
+          <a:off x="0" y="0"/>
+          <a:ext cx="0" cy="0"/>
+          <a:chOff x="0" y="0"/>
+          <a:chExt cx="0" cy="0"/>
+        </a:xfrm>
+      </p:grpSpPr>
+      <p:sp>
+        <p:nvSpPr>
+          <p:cNvPr id="3" name="Title 2">
+            <a:extLst>
+              <a:ext uri="{FF2B5EF4-FFF2-40B4-BE49-F238E27FC236}">
+                <a16:creationId xmlns:a16="http://schemas.microsoft.com/office/drawing/2014/main" id="{1D24B42B-925B-494C-A986-BD85E8117E1E}"/>
+              </a:ext>
+            </a:extLst>
+          </p:cNvPr>
+          <p:cNvSpPr>
+            <a:spLocks noGrp="1"/>
+          </p:cNvSpPr>
+          <p:nvPr>
+            <p:ph type="title"/>
+          </p:nvPr>
+        </p:nvSpPr>
+        <p:spPr>
+          <a:xfrm>
+            <a:off x="6525491" y="73853"/>
+            <a:ext cx="5251450" cy="1051697"/>
+          </a:xfrm>
+        </p:spPr>
+        <p:txBody>
+          <a:bodyPr>
+            <a:normAutofit/>
+          </a:bodyPr>
+          <a:lstStyle/>
+          <a:p>
+            <a:r>
+              <a:rPr lang="en-US" dirty="0"/>
+              <a:t>ROADMAP</a:t>
+            </a:r>
+            <a:endParaRPr lang="en-US" dirty="0">
+              <a:cs typeface="Calibri Light"/>
+            </a:endParaRPr>
+          </a:p>
+        </p:txBody>
+      </p:sp>
+      <p:pic>
+        <p:nvPicPr>
+          <p:cNvPr id="8" name="Picture Placeholder 7" descr="close up of computer code">
+            <a:extLst>
+              <a:ext uri="{FF2B5EF4-FFF2-40B4-BE49-F238E27FC236}">
+                <a16:creationId xmlns:a16="http://schemas.microsoft.com/office/drawing/2014/main" id="{A596BF19-CC58-4709-B5D6-3FC378FDC7BA}"/>
+              </a:ext>
+            </a:extLst>
+          </p:cNvPr>
+          <p:cNvPicPr>
+            <a:picLocks noGrp="1" noChangeAspect="1"/>
+          </p:cNvPicPr>
+          <p:nvPr>
+            <p:ph type="pic" sz="quarter" idx="13"/>
+          </p:nvPr>
+        </p:nvPicPr>
+        <p:blipFill rotWithShape="1">
+          <a:blip r:embed="rId2">
+            <a:extLst>
+              <a:ext uri="{BEBA8EAE-BF5A-486C-A8C5-ECC9F3942E4B}">
+                <a14:imgProps xmlns:a14="http://schemas.microsoft.com/office/drawing/2010/main">
+                  <a14:imgLayer r:embed="rId3">
+                    <a14:imgEffect>
+                      <a14:saturation sat="0"/>
+                    </a14:imgEffect>
+                  </a14:imgLayer>
+                </a14:imgProps>
+              </a:ext>
+            </a:extLst>
+          </a:blip>
+          <a:srcRect l="20370" r="20370"/>
+          <a:stretch/>
+        </p:blipFill>
+        <p:spPr/>
+      </p:pic>
+      <p:sp>
+        <p:nvSpPr>
+          <p:cNvPr id="6" name="Slide Number Placeholder 5">
+            <a:extLst>
+              <a:ext uri="{FF2B5EF4-FFF2-40B4-BE49-F238E27FC236}">
+                <a16:creationId xmlns:a16="http://schemas.microsoft.com/office/drawing/2014/main" id="{FC6A5C12-E784-444E-B868-DE2AE85742BB}"/>
+              </a:ext>
+            </a:extLst>
+          </p:cNvPr>
+          <p:cNvSpPr>
+            <a:spLocks noGrp="1"/>
+          </p:cNvSpPr>
+          <p:nvPr>
+            <p:ph type="sldNum" sz="quarter" idx="12"/>
+          </p:nvPr>
+        </p:nvSpPr>
+        <p:spPr/>
+        <p:txBody>
+          <a:bodyPr/>
+          <a:lstStyle/>
+          <a:p>
+            <a:fld id="{8C2E478F-E849-4A8C-AF1F-CBCC78A7CBFA}" type="slidenum">
+              <a:rPr lang="en-US" smtClean="0"/>
+              <a:t>7</a:t>
             </a:fld>
             <a:endParaRPr lang="en-US"/>
           </a:p>
@@ -6815,467 +10294,7 @@
 </p:sld>
 </file>
 
-<file path=ppt/slides/slide5.xml><?xml version="1.0" encoding="utf-8"?>
-<p:sld xmlns:a="http://schemas.openxmlformats.org/drawingml/2006/main" xmlns:r="http://schemas.openxmlformats.org/officeDocument/2006/relationships" xmlns:p="http://schemas.openxmlformats.org/presentationml/2006/main">
-  <p:cSld>
-    <p:spTree>
-      <p:nvGrpSpPr>
-        <p:cNvPr id="1" name=""/>
-        <p:cNvGrpSpPr/>
-        <p:nvPr/>
-      </p:nvGrpSpPr>
-      <p:grpSpPr>
-        <a:xfrm>
-          <a:off x="0" y="0"/>
-          <a:ext cx="0" cy="0"/>
-          <a:chOff x="0" y="0"/>
-          <a:chExt cx="0" cy="0"/>
-        </a:xfrm>
-      </p:grpSpPr>
-      <p:sp>
-        <p:nvSpPr>
-          <p:cNvPr id="3" name="Title 2">
-            <a:extLst>
-              <a:ext uri="{FF2B5EF4-FFF2-40B4-BE49-F238E27FC236}">
-                <a16:creationId xmlns:a16="http://schemas.microsoft.com/office/drawing/2014/main" id="{1D24B42B-925B-494C-A986-BD85E8117E1E}"/>
-              </a:ext>
-            </a:extLst>
-          </p:cNvPr>
-          <p:cNvSpPr>
-            <a:spLocks noGrp="1"/>
-          </p:cNvSpPr>
-          <p:nvPr>
-            <p:ph type="title"/>
-          </p:nvPr>
-        </p:nvSpPr>
-        <p:spPr>
-          <a:xfrm>
-            <a:off x="6096000" y="412300"/>
-            <a:ext cx="5251450" cy="1171440"/>
-          </a:xfrm>
-        </p:spPr>
-        <p:txBody>
-          <a:bodyPr>
-            <a:normAutofit/>
-          </a:bodyPr>
-          <a:lstStyle/>
-          <a:p>
-            <a:r>
-              <a:rPr lang="en-US" dirty="0"/>
-              <a:t>THE Data</a:t>
-            </a:r>
-          </a:p>
-        </p:txBody>
-      </p:sp>
-      <p:pic>
-        <p:nvPicPr>
-          <p:cNvPr id="13" name="Picture Placeholder 12" descr="close up of computer on top of table against a brick wall">
-            <a:extLst>
-              <a:ext uri="{FF2B5EF4-FFF2-40B4-BE49-F238E27FC236}">
-                <a16:creationId xmlns:a16="http://schemas.microsoft.com/office/drawing/2014/main" id="{90BB9493-60B4-4B89-89CE-E1F8BF6C4D12}"/>
-              </a:ext>
-            </a:extLst>
-          </p:cNvPr>
-          <p:cNvPicPr>
-            <a:picLocks noGrp="1" noChangeAspect="1"/>
-          </p:cNvPicPr>
-          <p:nvPr>
-            <p:ph type="pic" sz="quarter" idx="13"/>
-          </p:nvPr>
-        </p:nvPicPr>
-        <p:blipFill rotWithShape="1">
-          <a:blip r:embed="rId2" cstate="email">
-            <a:extLst>
-              <a:ext uri="{BEBA8EAE-BF5A-486C-A8C5-ECC9F3942E4B}">
-                <a14:imgProps xmlns:a14="http://schemas.microsoft.com/office/drawing/2010/main">
-                  <a14:imgLayer r:embed="rId3">
-                    <a14:imgEffect>
-                      <a14:saturation sat="0"/>
-                    </a14:imgEffect>
-                  </a14:imgLayer>
-                </a14:imgProps>
-              </a:ext>
-              <a:ext uri="{28A0092B-C50C-407E-A947-70E740481C1C}">
-                <a14:useLocalDpi xmlns:a14="http://schemas.microsoft.com/office/drawing/2010/main"/>
-              </a:ext>
-            </a:extLst>
-          </a:blip>
-          <a:srcRect l="20370" r="20370"/>
-          <a:stretch/>
-        </p:blipFill>
-        <p:spPr/>
-      </p:pic>
-      <p:sp>
-        <p:nvSpPr>
-          <p:cNvPr id="2" name="Slide Number Placeholder 1">
-            <a:extLst>
-              <a:ext uri="{FF2B5EF4-FFF2-40B4-BE49-F238E27FC236}">
-                <a16:creationId xmlns:a16="http://schemas.microsoft.com/office/drawing/2014/main" id="{948DD8A0-BD53-4DBF-949B-0D64D12DADA9}"/>
-              </a:ext>
-            </a:extLst>
-          </p:cNvPr>
-          <p:cNvSpPr>
-            <a:spLocks noGrp="1"/>
-          </p:cNvSpPr>
-          <p:nvPr>
-            <p:ph type="sldNum" sz="quarter" idx="12"/>
-          </p:nvPr>
-        </p:nvSpPr>
-        <p:spPr/>
-        <p:txBody>
-          <a:bodyPr/>
-          <a:lstStyle/>
-          <a:p>
-            <a:fld id="{8C2E478F-E849-4A8C-AF1F-CBCC78A7CBFA}" type="slidenum">
-              <a:rPr lang="en-US" smtClean="0"/>
-              <a:t>5</a:t>
-            </a:fld>
-            <a:endParaRPr lang="en-US"/>
-          </a:p>
-        </p:txBody>
-      </p:sp>
-      <p:sp>
-        <p:nvSpPr>
-          <p:cNvPr id="8" name="Text Placeholder 5">
-            <a:extLst>
-              <a:ext uri="{FF2B5EF4-FFF2-40B4-BE49-F238E27FC236}">
-                <a16:creationId xmlns:a16="http://schemas.microsoft.com/office/drawing/2014/main" id="{8FA32CBF-11CF-4ECB-275D-98D996166113}"/>
-              </a:ext>
-            </a:extLst>
-          </p:cNvPr>
-          <p:cNvSpPr txBox="1">
-            <a:spLocks/>
-          </p:cNvSpPr>
-          <p:nvPr/>
-        </p:nvSpPr>
-        <p:spPr>
-          <a:xfrm>
-            <a:off x="6093420" y="1950105"/>
-            <a:ext cx="4114800" cy="3798888"/>
-          </a:xfrm>
-          <a:prstGeom prst="rect">
-            <a:avLst/>
-          </a:prstGeom>
-        </p:spPr>
-        <p:txBody>
-          <a:bodyPr vert="horz" lIns="91440" tIns="45720" rIns="91440" bIns="45720" rtlCol="0" anchor="t">
-            <a:noAutofit/>
-          </a:bodyPr>
-          <a:lstStyle>
-            <a:lvl1pPr marL="228600" indent="-228600" algn="l" defTabSz="914400" rtl="0" eaLnBrk="1" latinLnBrk="0" hangingPunct="1">
-              <a:lnSpc>
-                <a:spcPct val="150000"/>
-              </a:lnSpc>
-              <a:spcBef>
-                <a:spcPts val="1000"/>
-              </a:spcBef>
-              <a:buFont typeface="Arial" panose="020B0604020202020204" pitchFamily="34" charset="0"/>
-              <a:buChar char="•"/>
-              <a:defRPr sz="1600" kern="1200">
-                <a:solidFill>
-                  <a:schemeClr val="tx1"/>
-                </a:solidFill>
-                <a:latin typeface="+mn-lt"/>
-                <a:ea typeface="+mn-ea"/>
-                <a:cs typeface="+mn-cs"/>
-              </a:defRPr>
-            </a:lvl1pPr>
-            <a:lvl2pPr marL="685800" indent="-228600" algn="l" defTabSz="914400" rtl="0" eaLnBrk="1" latinLnBrk="0" hangingPunct="1">
-              <a:lnSpc>
-                <a:spcPct val="150000"/>
-              </a:lnSpc>
-              <a:spcBef>
-                <a:spcPts val="500"/>
-              </a:spcBef>
-              <a:buFont typeface="Arial" panose="020B0604020202020204" pitchFamily="34" charset="0"/>
-              <a:buChar char="•"/>
-              <a:defRPr sz="1400" kern="1200">
-                <a:solidFill>
-                  <a:schemeClr val="tx1"/>
-                </a:solidFill>
-                <a:latin typeface="+mn-lt"/>
-                <a:ea typeface="+mn-ea"/>
-                <a:cs typeface="+mn-cs"/>
-              </a:defRPr>
-            </a:lvl2pPr>
-            <a:lvl3pPr marL="1143000" indent="-228600" algn="l" defTabSz="914400" rtl="0" eaLnBrk="1" latinLnBrk="0" hangingPunct="1">
-              <a:lnSpc>
-                <a:spcPct val="150000"/>
-              </a:lnSpc>
-              <a:spcBef>
-                <a:spcPts val="500"/>
-              </a:spcBef>
-              <a:buFont typeface="Arial" panose="020B0604020202020204" pitchFamily="34" charset="0"/>
-              <a:buChar char="•"/>
-              <a:defRPr sz="1400" kern="1200">
-                <a:solidFill>
-                  <a:schemeClr val="tx1"/>
-                </a:solidFill>
-                <a:latin typeface="+mn-lt"/>
-                <a:ea typeface="+mn-ea"/>
-                <a:cs typeface="+mn-cs"/>
-              </a:defRPr>
-            </a:lvl3pPr>
-            <a:lvl4pPr marL="1600200" indent="-228600" algn="l" defTabSz="914400" rtl="0" eaLnBrk="1" latinLnBrk="0" hangingPunct="1">
-              <a:lnSpc>
-                <a:spcPct val="150000"/>
-              </a:lnSpc>
-              <a:spcBef>
-                <a:spcPts val="500"/>
-              </a:spcBef>
-              <a:buFont typeface="Arial" panose="020B0604020202020204" pitchFamily="34" charset="0"/>
-              <a:buChar char="•"/>
-              <a:defRPr sz="1200" kern="1200">
-                <a:solidFill>
-                  <a:schemeClr val="tx1"/>
-                </a:solidFill>
-                <a:latin typeface="+mn-lt"/>
-                <a:ea typeface="+mn-ea"/>
-                <a:cs typeface="+mn-cs"/>
-              </a:defRPr>
-            </a:lvl4pPr>
-            <a:lvl5pPr marL="2057400" indent="-228600" algn="l" defTabSz="914400" rtl="0" eaLnBrk="1" latinLnBrk="0" hangingPunct="1">
-              <a:lnSpc>
-                <a:spcPct val="150000"/>
-              </a:lnSpc>
-              <a:spcBef>
-                <a:spcPts val="500"/>
-              </a:spcBef>
-              <a:buFont typeface="Arial" panose="020B0604020202020204" pitchFamily="34" charset="0"/>
-              <a:buChar char="•"/>
-              <a:defRPr sz="1200" kern="1200">
-                <a:solidFill>
-                  <a:schemeClr val="tx1"/>
-                </a:solidFill>
-                <a:latin typeface="+mn-lt"/>
-                <a:ea typeface="+mn-ea"/>
-                <a:cs typeface="+mn-cs"/>
-              </a:defRPr>
-            </a:lvl5pPr>
-            <a:lvl6pPr marL="2514600" indent="-228600" algn="l" defTabSz="914400" rtl="0" eaLnBrk="1" latinLnBrk="0" hangingPunct="1">
-              <a:lnSpc>
-                <a:spcPct val="90000"/>
-              </a:lnSpc>
-              <a:spcBef>
-                <a:spcPts val="500"/>
-              </a:spcBef>
-              <a:buFont typeface="Arial" panose="020B0604020202020204" pitchFamily="34" charset="0"/>
-              <a:buChar char="•"/>
-              <a:defRPr sz="1800" kern="1200">
-                <a:solidFill>
-                  <a:schemeClr val="tx1"/>
-                </a:solidFill>
-                <a:latin typeface="+mn-lt"/>
-                <a:ea typeface="+mn-ea"/>
-                <a:cs typeface="+mn-cs"/>
-              </a:defRPr>
-            </a:lvl6pPr>
-            <a:lvl7pPr marL="2971800" indent="-228600" algn="l" defTabSz="914400" rtl="0" eaLnBrk="1" latinLnBrk="0" hangingPunct="1">
-              <a:lnSpc>
-                <a:spcPct val="90000"/>
-              </a:lnSpc>
-              <a:spcBef>
-                <a:spcPts val="500"/>
-              </a:spcBef>
-              <a:buFont typeface="Arial" panose="020B0604020202020204" pitchFamily="34" charset="0"/>
-              <a:buChar char="•"/>
-              <a:defRPr sz="1800" kern="1200">
-                <a:solidFill>
-                  <a:schemeClr val="tx1"/>
-                </a:solidFill>
-                <a:latin typeface="+mn-lt"/>
-                <a:ea typeface="+mn-ea"/>
-                <a:cs typeface="+mn-cs"/>
-              </a:defRPr>
-            </a:lvl7pPr>
-            <a:lvl8pPr marL="3429000" indent="-228600" algn="l" defTabSz="914400" rtl="0" eaLnBrk="1" latinLnBrk="0" hangingPunct="1">
-              <a:lnSpc>
-                <a:spcPct val="90000"/>
-              </a:lnSpc>
-              <a:spcBef>
-                <a:spcPts val="500"/>
-              </a:spcBef>
-              <a:buFont typeface="Arial" panose="020B0604020202020204" pitchFamily="34" charset="0"/>
-              <a:buChar char="•"/>
-              <a:defRPr sz="1800" kern="1200">
-                <a:solidFill>
-                  <a:schemeClr val="tx1"/>
-                </a:solidFill>
-                <a:latin typeface="+mn-lt"/>
-                <a:ea typeface="+mn-ea"/>
-                <a:cs typeface="+mn-cs"/>
-              </a:defRPr>
-            </a:lvl8pPr>
-            <a:lvl9pPr marL="3886200" indent="-228600" algn="l" defTabSz="914400" rtl="0" eaLnBrk="1" latinLnBrk="0" hangingPunct="1">
-              <a:lnSpc>
-                <a:spcPct val="90000"/>
-              </a:lnSpc>
-              <a:spcBef>
-                <a:spcPts val="500"/>
-              </a:spcBef>
-              <a:buFont typeface="Arial" panose="020B0604020202020204" pitchFamily="34" charset="0"/>
-              <a:buChar char="•"/>
-              <a:defRPr sz="1800" kern="1200">
-                <a:solidFill>
-                  <a:schemeClr val="tx1"/>
-                </a:solidFill>
-                <a:latin typeface="+mn-lt"/>
-                <a:ea typeface="+mn-ea"/>
-                <a:cs typeface="+mn-cs"/>
-              </a:defRPr>
-            </a:lvl9pPr>
-          </a:lstStyle>
-          <a:p>
-            <a:pPr marL="0" indent="0">
-              <a:buNone/>
-            </a:pPr>
-            <a:endParaRPr lang="en-US" dirty="0">
-              <a:cs typeface="Calibri"/>
-            </a:endParaRPr>
-          </a:p>
-          <a:p>
-            <a:endParaRPr lang="en-US">
-              <a:cs typeface="Calibri"/>
-            </a:endParaRPr>
-          </a:p>
-        </p:txBody>
-      </p:sp>
-      <p:sp>
-        <p:nvSpPr>
-          <p:cNvPr id="5" name="TextBox 4">
-            <a:extLst>
-              <a:ext uri="{FF2B5EF4-FFF2-40B4-BE49-F238E27FC236}">
-                <a16:creationId xmlns:a16="http://schemas.microsoft.com/office/drawing/2014/main" id="{9F3E140D-0E03-5ECB-0164-C1423C944FCA}"/>
-              </a:ext>
-            </a:extLst>
-          </p:cNvPr>
-          <p:cNvSpPr txBox="1"/>
-          <p:nvPr/>
-        </p:nvSpPr>
-        <p:spPr>
-          <a:xfrm>
-            <a:off x="5687121" y="1923585"/>
-            <a:ext cx="5389756" cy="430887"/>
-          </a:xfrm>
-          <a:prstGeom prst="rect">
-            <a:avLst/>
-          </a:prstGeom>
-          <a:noFill/>
-        </p:spPr>
-        <p:txBody>
-          <a:bodyPr rot="0" spcFirstLastPara="0" vertOverflow="overflow" horzOverflow="overflow" vert="horz" wrap="square" lIns="91440" tIns="45720" rIns="91440" bIns="45720" numCol="1" spcCol="0" rtlCol="0" fromWordArt="0" anchor="t" anchorCtr="0" forceAA="0" compatLnSpc="1">
-            <a:prstTxWarp prst="textNoShape">
-              <a:avLst/>
-            </a:prstTxWarp>
-            <a:spAutoFit/>
-          </a:bodyPr>
-          <a:lstStyle/>
-          <a:p>
-            <a:r>
-              <a:rPr lang="en-US" sz="2200" dirty="0">
-                <a:cs typeface="Calibri"/>
-              </a:rPr>
-              <a:t>Yelp Reviews</a:t>
-            </a:r>
-            <a:endParaRPr lang="en-US" sz="2200" dirty="0"/>
-          </a:p>
-        </p:txBody>
-      </p:sp>
-      <p:pic>
-        <p:nvPicPr>
-          <p:cNvPr id="6" name="Picture 6" descr="Table&#10;&#10;Description automatically generated">
-            <a:extLst>
-              <a:ext uri="{FF2B5EF4-FFF2-40B4-BE49-F238E27FC236}">
-                <a16:creationId xmlns:a16="http://schemas.microsoft.com/office/drawing/2014/main" id="{38B51C7C-65AC-9E06-C315-D8AE7638B0A7}"/>
-              </a:ext>
-            </a:extLst>
-          </p:cNvPr>
-          <p:cNvPicPr>
-            <a:picLocks noChangeAspect="1"/>
-          </p:cNvPicPr>
-          <p:nvPr/>
-        </p:nvPicPr>
-        <p:blipFill>
-          <a:blip r:embed="rId4"/>
-          <a:stretch>
-            <a:fillRect/>
-          </a:stretch>
-        </p:blipFill>
-        <p:spPr>
-          <a:xfrm>
-            <a:off x="3720" y="2456721"/>
-            <a:ext cx="12184563" cy="4239844"/>
-          </a:xfrm>
-          <a:prstGeom prst="rect">
-            <a:avLst/>
-          </a:prstGeom>
-        </p:spPr>
-      </p:pic>
-      <p:sp>
-        <p:nvSpPr>
-          <p:cNvPr id="4" name="Rectangle 3">
-            <a:extLst>
-              <a:ext uri="{FF2B5EF4-FFF2-40B4-BE49-F238E27FC236}">
-                <a16:creationId xmlns:a16="http://schemas.microsoft.com/office/drawing/2014/main" id="{CEA42E00-5767-4A3B-84B4-A351E2C5B46F}"/>
-              </a:ext>
-            </a:extLst>
-          </p:cNvPr>
-          <p:cNvSpPr/>
-          <p:nvPr/>
-        </p:nvSpPr>
-        <p:spPr>
-          <a:xfrm>
-            <a:off x="5292436" y="2456721"/>
-            <a:ext cx="1727200" cy="4239844"/>
-          </a:xfrm>
-          <a:prstGeom prst="rect">
-            <a:avLst/>
-          </a:prstGeom>
-          <a:solidFill>
-            <a:schemeClr val="accent1">
-              <a:alpha val="44000"/>
-            </a:schemeClr>
-          </a:solidFill>
-        </p:spPr>
-        <p:style>
-          <a:lnRef idx="2">
-            <a:schemeClr val="accent1">
-              <a:shade val="50000"/>
-            </a:schemeClr>
-          </a:lnRef>
-          <a:fillRef idx="1">
-            <a:schemeClr val="accent1"/>
-          </a:fillRef>
-          <a:effectRef idx="0">
-            <a:schemeClr val="accent1"/>
-          </a:effectRef>
-          <a:fontRef idx="minor">
-            <a:schemeClr val="lt1"/>
-          </a:fontRef>
-        </p:style>
-        <p:txBody>
-          <a:bodyPr rtlCol="0" anchor="ctr"/>
-          <a:lstStyle/>
-          <a:p>
-            <a:pPr algn="ctr"/>
-            <a:endParaRPr lang="en-KE"/>
-          </a:p>
-        </p:txBody>
-      </p:sp>
-    </p:spTree>
-    <p:extLst>
-      <p:ext uri="{BB962C8B-B14F-4D97-AF65-F5344CB8AC3E}">
-        <p14:creationId xmlns:p14="http://schemas.microsoft.com/office/powerpoint/2010/main" val="3164405530"/>
-      </p:ext>
-    </p:extLst>
-  </p:cSld>
-  <p:clrMapOvr>
-    <a:masterClrMapping/>
-  </p:clrMapOvr>
-</p:sld>
-</file>
-
-<file path=ppt/slides/slide6.xml><?xml version="1.0" encoding="utf-8"?>
+<file path=ppt/slides/slide8.xml><?xml version="1.0" encoding="utf-8"?>
 <p:sld xmlns:a="http://schemas.openxmlformats.org/drawingml/2006/main" xmlns:r="http://schemas.openxmlformats.org/officeDocument/2006/relationships" xmlns:p="http://schemas.openxmlformats.org/presentationml/2006/main">
   <p:cSld>
     <p:bg>
@@ -7723,7 +10742,7 @@
                   <a:spcPts val="600"/>
                 </a:spcAft>
               </a:pPr>
-              <a:t>6</a:t>
+              <a:t>8</a:t>
             </a:fld>
             <a:endParaRPr lang="en-US"/>
           </a:p>
@@ -7917,7 +10936,7 @@
 </p:sld>
 </file>
 
-<file path=ppt/slides/slide7.xml><?xml version="1.0" encoding="utf-8"?>
+<file path=ppt/slides/slide9.xml><?xml version="1.0" encoding="utf-8"?>
 <p:sld xmlns:a="http://schemas.openxmlformats.org/drawingml/2006/main" xmlns:r="http://schemas.openxmlformats.org/officeDocument/2006/relationships" xmlns:p="http://schemas.openxmlformats.org/presentationml/2006/main">
   <p:cSld>
     <p:bg>
@@ -8365,7 +11384,7 @@
                   <a:spcPts val="600"/>
                 </a:spcAft>
               </a:pPr>
-              <a:t>7</a:t>
+              <a:t>9</a:t>
             </a:fld>
             <a:endParaRPr lang="en-US"/>
           </a:p>
@@ -8438,1480 +11457,6 @@
     <p:extLst>
       <p:ext uri="{BB962C8B-B14F-4D97-AF65-F5344CB8AC3E}">
         <p14:creationId xmlns:p14="http://schemas.microsoft.com/office/powerpoint/2010/main" val="1301487660"/>
-      </p:ext>
-    </p:extLst>
-  </p:cSld>
-  <p:clrMapOvr>
-    <a:masterClrMapping/>
-  </p:clrMapOvr>
-</p:sld>
-</file>
-
-<file path=ppt/slides/slide8.xml><?xml version="1.0" encoding="utf-8"?>
-<p:sld xmlns:a="http://schemas.openxmlformats.org/drawingml/2006/main" xmlns:r="http://schemas.openxmlformats.org/officeDocument/2006/relationships" xmlns:p="http://schemas.openxmlformats.org/presentationml/2006/main">
-  <p:cSld>
-    <p:bg>
-      <p:bgPr>
-        <a:solidFill>
-          <a:schemeClr val="bg1"/>
-        </a:solidFill>
-        <a:effectLst/>
-      </p:bgPr>
-    </p:bg>
-    <p:spTree>
-      <p:nvGrpSpPr>
-        <p:cNvPr id="1" name=""/>
-        <p:cNvGrpSpPr/>
-        <p:nvPr/>
-      </p:nvGrpSpPr>
-      <p:grpSpPr>
-        <a:xfrm>
-          <a:off x="0" y="0"/>
-          <a:ext cx="0" cy="0"/>
-          <a:chOff x="0" y="0"/>
-          <a:chExt cx="0" cy="0"/>
-        </a:xfrm>
-      </p:grpSpPr>
-      <p:sp>
-        <p:nvSpPr>
-          <p:cNvPr id="10" name="Rectangle 9">
-            <a:extLst>
-              <a:ext uri="{FF2B5EF4-FFF2-40B4-BE49-F238E27FC236}">
-                <a16:creationId xmlns:a16="http://schemas.microsoft.com/office/drawing/2014/main" id="{2B566528-1B12-4246-9431-5C2D7D081168}"/>
-              </a:ext>
-              <a:ext uri="{C183D7F6-B498-43B3-948B-1728B52AA6E4}">
-                <adec:decorative xmlns:adec="http://schemas.microsoft.com/office/drawing/2017/decorative" val="1"/>
-              </a:ext>
-            </a:extLst>
-          </p:cNvPr>
-          <p:cNvSpPr>
-            <a:spLocks noGrp="1" noRot="1" noChangeAspect="1" noMove="1" noResize="1" noEditPoints="1" noAdjustHandles="1" noChangeArrowheads="1" noChangeShapeType="1" noTextEdit="1"/>
-          </p:cNvSpPr>
-          <p:nvPr>
-            <p:extLst>
-              <p:ext uri="{386F3935-93C4-4BCD-93E2-E3B085C9AB24}">
-                <p16:designElem xmlns:p16="http://schemas.microsoft.com/office/powerpoint/2015/main" val="1"/>
-              </p:ext>
-            </p:extLst>
-          </p:nvPr>
-        </p:nvSpPr>
-        <p:spPr>
-          <a:xfrm>
-            <a:off x="0" y="0"/>
-            <a:ext cx="12192000" cy="6858000"/>
-          </a:xfrm>
-          <a:prstGeom prst="rect">
-            <a:avLst/>
-          </a:prstGeom>
-          <a:solidFill>
-            <a:schemeClr val="bg1"/>
-          </a:solidFill>
-          <a:ln>
-            <a:noFill/>
-          </a:ln>
-        </p:spPr>
-        <p:style>
-          <a:lnRef idx="2">
-            <a:schemeClr val="accent1">
-              <a:shade val="50000"/>
-            </a:schemeClr>
-          </a:lnRef>
-          <a:fillRef idx="1">
-            <a:schemeClr val="accent1"/>
-          </a:fillRef>
-          <a:effectRef idx="0">
-            <a:schemeClr val="accent1"/>
-          </a:effectRef>
-          <a:fontRef idx="minor">
-            <a:schemeClr val="lt1"/>
-          </a:fontRef>
-        </p:style>
-        <p:txBody>
-          <a:bodyPr rtlCol="0" anchor="ctr"/>
-          <a:lstStyle/>
-          <a:p>
-            <a:pPr algn="ctr"/>
-            <a:endParaRPr lang="en-US"/>
-          </a:p>
-        </p:txBody>
-      </p:sp>
-      <p:grpSp>
-        <p:nvGrpSpPr>
-          <p:cNvPr id="12" name="Group 11">
-            <a:extLst>
-              <a:ext uri="{FF2B5EF4-FFF2-40B4-BE49-F238E27FC236}">
-                <a16:creationId xmlns:a16="http://schemas.microsoft.com/office/drawing/2014/main" id="{828A5161-06F1-46CF-8AD7-844680A59E13}"/>
-              </a:ext>
-              <a:ext uri="{C183D7F6-B498-43B3-948B-1728B52AA6E4}">
-                <adec:decorative xmlns:adec="http://schemas.microsoft.com/office/drawing/2017/decorative" val="1"/>
-              </a:ext>
-            </a:extLst>
-          </p:cNvPr>
-          <p:cNvGrpSpPr>
-            <a:grpSpLocks noGrp="1" noUngrp="1" noRot="1" noChangeAspect="1" noMove="1" noResize="1"/>
-          </p:cNvGrpSpPr>
-          <p:nvPr>
-            <p:extLst>
-              <p:ext uri="{386F3935-93C4-4BCD-93E2-E3B085C9AB24}">
-                <p16:designElem xmlns:p16="http://schemas.microsoft.com/office/powerpoint/2015/main" val="1"/>
-              </p:ext>
-            </p:extLst>
-          </p:nvPr>
-        </p:nvGrpSpPr>
-        <p:grpSpPr>
-          <a:xfrm>
-            <a:off x="0" y="4601497"/>
-            <a:ext cx="1014060" cy="2017580"/>
-            <a:chOff x="0" y="4601497"/>
-            <a:chExt cx="1014060" cy="2017580"/>
-          </a:xfrm>
-        </p:grpSpPr>
-        <p:sp>
-          <p:nvSpPr>
-            <p:cNvPr id="13" name="Isosceles Triangle 12">
-              <a:extLst>
-                <a:ext uri="{FF2B5EF4-FFF2-40B4-BE49-F238E27FC236}">
-                  <a16:creationId xmlns:a16="http://schemas.microsoft.com/office/drawing/2014/main" id="{D3F51FEB-38FB-4F6C-9F7B-2F2AFAB65463}"/>
-                </a:ext>
-                <a:ext uri="{C183D7F6-B498-43B3-948B-1728B52AA6E4}">
-                  <adec:decorative xmlns:adec="http://schemas.microsoft.com/office/drawing/2017/decorative" val="1"/>
-                </a:ext>
-              </a:extLst>
-            </p:cNvPr>
-            <p:cNvSpPr/>
-            <p:nvPr>
-              <p:extLst>
-                <p:ext uri="{386F3935-93C4-4BCD-93E2-E3B085C9AB24}">
-                  <p16:designElem xmlns:p16="http://schemas.microsoft.com/office/powerpoint/2015/main" val="1"/>
-                </p:ext>
-              </p:extLst>
-            </p:nvPr>
-          </p:nvSpPr>
-          <p:spPr>
-            <a:xfrm rot="5400000">
-              <a:off x="-501760" y="5103257"/>
-              <a:ext cx="2017580" cy="1014060"/>
-            </a:xfrm>
-            <a:prstGeom prst="triangle">
-              <a:avLst>
-                <a:gd name="adj" fmla="val 50000"/>
-              </a:avLst>
-            </a:prstGeom>
-            <a:solidFill>
-              <a:schemeClr val="accent1">
-                <a:alpha val="30000"/>
-              </a:schemeClr>
-            </a:solidFill>
-            <a:ln>
-              <a:noFill/>
-            </a:ln>
-          </p:spPr>
-          <p:style>
-            <a:lnRef idx="2">
-              <a:schemeClr val="accent1">
-                <a:shade val="50000"/>
-              </a:schemeClr>
-            </a:lnRef>
-            <a:fillRef idx="1">
-              <a:schemeClr val="accent1"/>
-            </a:fillRef>
-            <a:effectRef idx="0">
-              <a:schemeClr val="accent1"/>
-            </a:effectRef>
-            <a:fontRef idx="minor">
-              <a:schemeClr val="lt1"/>
-            </a:fontRef>
-          </p:style>
-          <p:txBody>
-            <a:bodyPr rtlCol="0" anchor="ctr"/>
-            <a:lstStyle/>
-            <a:p>
-              <a:pPr algn="ctr"/>
-              <a:endParaRPr lang="en-US"/>
-            </a:p>
-          </p:txBody>
-        </p:sp>
-        <p:sp>
-          <p:nvSpPr>
-            <p:cNvPr id="14" name="Rectangle 13">
-              <a:extLst>
-                <a:ext uri="{FF2B5EF4-FFF2-40B4-BE49-F238E27FC236}">
-                  <a16:creationId xmlns:a16="http://schemas.microsoft.com/office/drawing/2014/main" id="{1E547BA6-BAE0-43BB-A7CA-60F69CE252F0}"/>
-                </a:ext>
-                <a:ext uri="{C183D7F6-B498-43B3-948B-1728B52AA6E4}">
-                  <adec:decorative xmlns:adec="http://schemas.microsoft.com/office/drawing/2017/decorative" val="1"/>
-                </a:ext>
-              </a:extLst>
-            </p:cNvPr>
-            <p:cNvSpPr/>
-            <p:nvPr>
-              <p:extLst>
-                <p:ext uri="{386F3935-93C4-4BCD-93E2-E3B085C9AB24}">
-                  <p16:designElem xmlns:p16="http://schemas.microsoft.com/office/powerpoint/2015/main" val="1"/>
-                </p:ext>
-              </p:extLst>
-            </p:nvPr>
-          </p:nvSpPr>
-          <p:spPr>
-            <a:xfrm rot="2700000">
-              <a:off x="427916" y="5728708"/>
-              <a:ext cx="485578" cy="485578"/>
-            </a:xfrm>
-            <a:prstGeom prst="rect">
-              <a:avLst/>
-            </a:prstGeom>
-            <a:solidFill>
-              <a:schemeClr val="accent1">
-                <a:alpha val="30000"/>
-              </a:schemeClr>
-            </a:solidFill>
-            <a:ln>
-              <a:noFill/>
-            </a:ln>
-          </p:spPr>
-          <p:style>
-            <a:lnRef idx="2">
-              <a:schemeClr val="accent1">
-                <a:shade val="50000"/>
-              </a:schemeClr>
-            </a:lnRef>
-            <a:fillRef idx="1">
-              <a:schemeClr val="accent1"/>
-            </a:fillRef>
-            <a:effectRef idx="0">
-              <a:schemeClr val="accent1"/>
-            </a:effectRef>
-            <a:fontRef idx="minor">
-              <a:schemeClr val="lt1"/>
-            </a:fontRef>
-          </p:style>
-          <p:txBody>
-            <a:bodyPr rtlCol="0" anchor="ctr"/>
-            <a:lstStyle/>
-            <a:p>
-              <a:pPr algn="ctr"/>
-              <a:endParaRPr lang="en-US"/>
-            </a:p>
-          </p:txBody>
-        </p:sp>
-      </p:grpSp>
-      <p:grpSp>
-        <p:nvGrpSpPr>
-          <p:cNvPr id="16" name="Group 15">
-            <a:extLst>
-              <a:ext uri="{FF2B5EF4-FFF2-40B4-BE49-F238E27FC236}">
-                <a16:creationId xmlns:a16="http://schemas.microsoft.com/office/drawing/2014/main" id="{5995D10D-E9C9-47DB-AE7E-801FEF38F5C9}"/>
-              </a:ext>
-              <a:ext uri="{C183D7F6-B498-43B3-948B-1728B52AA6E4}">
-                <adec:decorative xmlns:adec="http://schemas.microsoft.com/office/drawing/2017/decorative" val="1"/>
-              </a:ext>
-            </a:extLst>
-          </p:cNvPr>
-          <p:cNvGrpSpPr>
-            <a:grpSpLocks noGrp="1" noUngrp="1" noRot="1" noChangeAspect="1" noMove="1" noResize="1"/>
-          </p:cNvGrpSpPr>
-          <p:nvPr>
-            <p:extLst>
-              <p:ext uri="{386F3935-93C4-4BCD-93E2-E3B085C9AB24}">
-                <p16:designElem xmlns:p16="http://schemas.microsoft.com/office/powerpoint/2015/main" val="1"/>
-              </p:ext>
-            </p:extLst>
-          </p:nvPr>
-        </p:nvGrpSpPr>
-        <p:grpSpPr>
-          <a:xfrm>
-            <a:off x="11219290" y="1"/>
-            <a:ext cx="972709" cy="1935307"/>
-            <a:chOff x="10918968" y="713127"/>
-            <a:chExt cx="1273032" cy="2532832"/>
-          </a:xfrm>
-        </p:grpSpPr>
-        <p:sp>
-          <p:nvSpPr>
-            <p:cNvPr id="17" name="Rectangle 16">
-              <a:extLst>
-                <a:ext uri="{FF2B5EF4-FFF2-40B4-BE49-F238E27FC236}">
-                  <a16:creationId xmlns:a16="http://schemas.microsoft.com/office/drawing/2014/main" id="{CC1A72C6-3DE4-4EC3-9AD5-9E0D40D8CE8A}"/>
-                </a:ext>
-                <a:ext uri="{C183D7F6-B498-43B3-948B-1728B52AA6E4}">
-                  <adec:decorative xmlns:adec="http://schemas.microsoft.com/office/drawing/2017/decorative" val="1"/>
-                </a:ext>
-              </a:extLst>
-            </p:cNvPr>
-            <p:cNvSpPr/>
-            <p:nvPr>
-              <p:extLst>
-                <p:ext uri="{386F3935-93C4-4BCD-93E2-E3B085C9AB24}">
-                  <p16:designElem xmlns:p16="http://schemas.microsoft.com/office/powerpoint/2015/main" val="1"/>
-                </p:ext>
-              </p:extLst>
-            </p:nvPr>
-          </p:nvSpPr>
-          <p:spPr>
-            <a:xfrm rot="2700000">
-              <a:off x="11052629" y="2120024"/>
-              <a:ext cx="645368" cy="645368"/>
-            </a:xfrm>
-            <a:prstGeom prst="rect">
-              <a:avLst/>
-            </a:prstGeom>
-            <a:solidFill>
-              <a:schemeClr val="accent4">
-                <a:alpha val="30000"/>
-              </a:schemeClr>
-            </a:solidFill>
-            <a:ln>
-              <a:noFill/>
-            </a:ln>
-          </p:spPr>
-          <p:style>
-            <a:lnRef idx="2">
-              <a:schemeClr val="accent1">
-                <a:shade val="50000"/>
-              </a:schemeClr>
-            </a:lnRef>
-            <a:fillRef idx="1">
-              <a:schemeClr val="accent1"/>
-            </a:fillRef>
-            <a:effectRef idx="0">
-              <a:schemeClr val="accent1"/>
-            </a:effectRef>
-            <a:fontRef idx="minor">
-              <a:schemeClr val="lt1"/>
-            </a:fontRef>
-          </p:style>
-          <p:txBody>
-            <a:bodyPr rtlCol="0" anchor="ctr"/>
-            <a:lstStyle/>
-            <a:p>
-              <a:pPr algn="ctr"/>
-              <a:endParaRPr lang="en-US"/>
-            </a:p>
-          </p:txBody>
-        </p:sp>
-        <p:sp>
-          <p:nvSpPr>
-            <p:cNvPr id="18" name="Isosceles Triangle 17">
-              <a:extLst>
-                <a:ext uri="{FF2B5EF4-FFF2-40B4-BE49-F238E27FC236}">
-                  <a16:creationId xmlns:a16="http://schemas.microsoft.com/office/drawing/2014/main" id="{0B0DA1F1-C391-4EDF-9FE0-23E86E137765}"/>
-                </a:ext>
-                <a:ext uri="{C183D7F6-B498-43B3-948B-1728B52AA6E4}">
-                  <adec:decorative xmlns:adec="http://schemas.microsoft.com/office/drawing/2017/decorative" val="1"/>
-                </a:ext>
-              </a:extLst>
-            </p:cNvPr>
-            <p:cNvSpPr/>
-            <p:nvPr>
-              <p:extLst>
-                <p:ext uri="{386F3935-93C4-4BCD-93E2-E3B085C9AB24}">
-                  <p16:designElem xmlns:p16="http://schemas.microsoft.com/office/powerpoint/2015/main" val="1"/>
-                </p:ext>
-              </p:extLst>
-            </p:nvPr>
-          </p:nvSpPr>
-          <p:spPr>
-            <a:xfrm rot="16200000">
-              <a:off x="10289068" y="1343027"/>
-              <a:ext cx="2532832" cy="1273032"/>
-            </a:xfrm>
-            <a:prstGeom prst="triangle">
-              <a:avLst>
-                <a:gd name="adj" fmla="val 50000"/>
-              </a:avLst>
-            </a:prstGeom>
-            <a:solidFill>
-              <a:schemeClr val="accent4">
-                <a:alpha val="30000"/>
-              </a:schemeClr>
-            </a:solidFill>
-            <a:ln>
-              <a:noFill/>
-            </a:ln>
-          </p:spPr>
-          <p:style>
-            <a:lnRef idx="2">
-              <a:schemeClr val="accent1">
-                <a:shade val="50000"/>
-              </a:schemeClr>
-            </a:lnRef>
-            <a:fillRef idx="1">
-              <a:schemeClr val="accent1"/>
-            </a:fillRef>
-            <a:effectRef idx="0">
-              <a:schemeClr val="accent1"/>
-            </a:effectRef>
-            <a:fontRef idx="minor">
-              <a:schemeClr val="lt1"/>
-            </a:fontRef>
-          </p:style>
-          <p:txBody>
-            <a:bodyPr rtlCol="0" anchor="ctr"/>
-            <a:lstStyle/>
-            <a:p>
-              <a:pPr algn="ctr"/>
-              <a:endParaRPr lang="en-US"/>
-            </a:p>
-          </p:txBody>
-        </p:sp>
-      </p:grpSp>
-      <p:sp>
-        <p:nvSpPr>
-          <p:cNvPr id="3" name="Slide Number Placeholder 2">
-            <a:extLst>
-              <a:ext uri="{FF2B5EF4-FFF2-40B4-BE49-F238E27FC236}">
-                <a16:creationId xmlns:a16="http://schemas.microsoft.com/office/drawing/2014/main" id="{FBDE7135-9153-4AEB-AC1F-4B951B7A76F2}"/>
-              </a:ext>
-            </a:extLst>
-          </p:cNvPr>
-          <p:cNvSpPr>
-            <a:spLocks noGrp="1"/>
-          </p:cNvSpPr>
-          <p:nvPr>
-            <p:ph type="sldNum" sz="quarter" idx="11"/>
-          </p:nvPr>
-        </p:nvSpPr>
-        <p:spPr>
-          <a:xfrm>
-            <a:off x="8805333" y="6356350"/>
-            <a:ext cx="2743200" cy="365125"/>
-          </a:xfrm>
-        </p:spPr>
-        <p:txBody>
-          <a:bodyPr vert="horz" lIns="91440" tIns="45720" rIns="91440" bIns="45720" rtlCol="0" anchor="ctr">
-            <a:normAutofit/>
-          </a:bodyPr>
-          <a:lstStyle/>
-          <a:p>
-            <a:pPr>
-              <a:spcAft>
-                <a:spcPts val="600"/>
-              </a:spcAft>
-            </a:pPr>
-            <a:fld id="{8C2E478F-E849-4A8C-AF1F-CBCC78A7CBFA}" type="slidenum">
-              <a:rPr lang="en-US" smtClean="0"/>
-              <a:pPr>
-                <a:spcAft>
-                  <a:spcPts val="600"/>
-                </a:spcAft>
-              </a:pPr>
-              <a:t>8</a:t>
-            </a:fld>
-            <a:endParaRPr lang="en-US"/>
-          </a:p>
-        </p:txBody>
-      </p:sp>
-      <p:sp>
-        <p:nvSpPr>
-          <p:cNvPr id="8" name="Title 7">
-            <a:extLst>
-              <a:ext uri="{FF2B5EF4-FFF2-40B4-BE49-F238E27FC236}">
-                <a16:creationId xmlns:a16="http://schemas.microsoft.com/office/drawing/2014/main" id="{F8DB2305-A4BB-ED16-560A-F163014025D2}"/>
-              </a:ext>
-            </a:extLst>
-          </p:cNvPr>
-          <p:cNvSpPr>
-            <a:spLocks noGrp="1"/>
-          </p:cNvSpPr>
-          <p:nvPr>
-            <p:ph type="title"/>
-          </p:nvPr>
-        </p:nvSpPr>
-        <p:spPr>
-          <a:xfrm>
-            <a:off x="5215812" y="612037"/>
-            <a:ext cx="6777405" cy="884238"/>
-          </a:xfrm>
-        </p:spPr>
-        <p:txBody>
-          <a:bodyPr/>
-          <a:lstStyle/>
-          <a:p>
-            <a:r>
-              <a:rPr lang="en-US" dirty="0"/>
-              <a:t>NER Distribution</a:t>
-            </a:r>
-          </a:p>
-        </p:txBody>
-      </p:sp>
-      <p:pic>
-        <p:nvPicPr>
-          <p:cNvPr id="4" name="Picture 3">
-            <a:extLst>
-              <a:ext uri="{FF2B5EF4-FFF2-40B4-BE49-F238E27FC236}">
-                <a16:creationId xmlns:a16="http://schemas.microsoft.com/office/drawing/2014/main" id="{8B54775C-0FEA-9B6F-4299-0BD06C300A71}"/>
-              </a:ext>
-            </a:extLst>
-          </p:cNvPr>
-          <p:cNvPicPr>
-            <a:picLocks noChangeAspect="1"/>
-          </p:cNvPicPr>
-          <p:nvPr/>
-        </p:nvPicPr>
-        <p:blipFill>
-          <a:blip r:embed="rId2"/>
-          <a:stretch>
-            <a:fillRect/>
-          </a:stretch>
-        </p:blipFill>
-        <p:spPr>
-          <a:xfrm>
-            <a:off x="413296" y="2227985"/>
-            <a:ext cx="5468423" cy="3161233"/>
-          </a:xfrm>
-          <a:prstGeom prst="rect">
-            <a:avLst/>
-          </a:prstGeom>
-        </p:spPr>
-      </p:pic>
-      <p:pic>
-        <p:nvPicPr>
-          <p:cNvPr id="6" name="Picture 5">
-            <a:extLst>
-              <a:ext uri="{FF2B5EF4-FFF2-40B4-BE49-F238E27FC236}">
-                <a16:creationId xmlns:a16="http://schemas.microsoft.com/office/drawing/2014/main" id="{80DCF4F8-28C7-D3BF-0DAD-08822186A4B9}"/>
-              </a:ext>
-            </a:extLst>
-          </p:cNvPr>
-          <p:cNvPicPr>
-            <a:picLocks noChangeAspect="1"/>
-          </p:cNvPicPr>
-          <p:nvPr/>
-        </p:nvPicPr>
-        <p:blipFill>
-          <a:blip r:embed="rId3"/>
-          <a:stretch>
-            <a:fillRect/>
-          </a:stretch>
-        </p:blipFill>
-        <p:spPr>
-          <a:xfrm>
-            <a:off x="6578410" y="2227985"/>
-            <a:ext cx="5364947" cy="3313833"/>
-          </a:xfrm>
-          <a:prstGeom prst="rect">
-            <a:avLst/>
-          </a:prstGeom>
-        </p:spPr>
-      </p:pic>
-      <p:cxnSp>
-        <p:nvCxnSpPr>
-          <p:cNvPr id="9" name="Straight Arrow Connector 8">
-            <a:extLst>
-              <a:ext uri="{FF2B5EF4-FFF2-40B4-BE49-F238E27FC236}">
-                <a16:creationId xmlns:a16="http://schemas.microsoft.com/office/drawing/2014/main" id="{1C405E49-66EC-C06A-ABD2-0BD766AB46ED}"/>
-              </a:ext>
-            </a:extLst>
-          </p:cNvPr>
-          <p:cNvCxnSpPr>
-            <a:cxnSpLocks/>
-          </p:cNvCxnSpPr>
-          <p:nvPr/>
-        </p:nvCxnSpPr>
-        <p:spPr>
-          <a:xfrm>
-            <a:off x="5135418" y="2364509"/>
-            <a:ext cx="1616364" cy="1237673"/>
-          </a:xfrm>
-          <a:prstGeom prst="straightConnector1">
-            <a:avLst/>
-          </a:prstGeom>
-          <a:ln w="130175">
-            <a:solidFill>
-              <a:schemeClr val="accent5"/>
-            </a:solidFill>
-            <a:tailEnd type="triangle"/>
-          </a:ln>
-        </p:spPr>
-        <p:style>
-          <a:lnRef idx="1">
-            <a:schemeClr val="accent1"/>
-          </a:lnRef>
-          <a:fillRef idx="0">
-            <a:schemeClr val="accent1"/>
-          </a:fillRef>
-          <a:effectRef idx="0">
-            <a:schemeClr val="accent1"/>
-          </a:effectRef>
-          <a:fontRef idx="minor">
-            <a:schemeClr val="tx1"/>
-          </a:fontRef>
-        </p:style>
-      </p:cxnSp>
-      <p:sp>
-        <p:nvSpPr>
-          <p:cNvPr id="21" name="TextBox 20">
-            <a:extLst>
-              <a:ext uri="{FF2B5EF4-FFF2-40B4-BE49-F238E27FC236}">
-                <a16:creationId xmlns:a16="http://schemas.microsoft.com/office/drawing/2014/main" id="{EE167727-B1DF-B725-265C-2B004C11FBE1}"/>
-              </a:ext>
-            </a:extLst>
-          </p:cNvPr>
-          <p:cNvSpPr txBox="1"/>
-          <p:nvPr/>
-        </p:nvSpPr>
-        <p:spPr>
-          <a:xfrm>
-            <a:off x="1493812" y="1719864"/>
-            <a:ext cx="5389756" cy="430887"/>
-          </a:xfrm>
-          <a:prstGeom prst="rect">
-            <a:avLst/>
-          </a:prstGeom>
-          <a:noFill/>
-        </p:spPr>
-        <p:txBody>
-          <a:bodyPr rot="0" spcFirstLastPara="0" vertOverflow="overflow" horzOverflow="overflow" vert="horz" wrap="square" lIns="91440" tIns="45720" rIns="91440" bIns="45720" numCol="1" spcCol="0" rtlCol="0" fromWordArt="0" anchor="t" anchorCtr="0" forceAA="0" compatLnSpc="1">
-            <a:prstTxWarp prst="textNoShape">
-              <a:avLst/>
-            </a:prstTxWarp>
-            <a:spAutoFit/>
-          </a:bodyPr>
-          <a:lstStyle/>
-          <a:p>
-            <a:r>
-              <a:rPr lang="en-US" sz="2200" dirty="0">
-                <a:cs typeface="Calibri"/>
-              </a:rPr>
-              <a:t>Overall NER entities</a:t>
-            </a:r>
-            <a:endParaRPr lang="en-US" sz="2200" dirty="0"/>
-          </a:p>
-        </p:txBody>
-      </p:sp>
-      <p:sp>
-        <p:nvSpPr>
-          <p:cNvPr id="22" name="TextBox 21">
-            <a:extLst>
-              <a:ext uri="{FF2B5EF4-FFF2-40B4-BE49-F238E27FC236}">
-                <a16:creationId xmlns:a16="http://schemas.microsoft.com/office/drawing/2014/main" id="{014B2F0B-EA3C-4928-C446-7DBCB29BF415}"/>
-              </a:ext>
-            </a:extLst>
-          </p:cNvPr>
-          <p:cNvSpPr txBox="1"/>
-          <p:nvPr/>
-        </p:nvSpPr>
-        <p:spPr>
-          <a:xfrm>
-            <a:off x="7482055" y="1747475"/>
-            <a:ext cx="5389756" cy="430887"/>
-          </a:xfrm>
-          <a:prstGeom prst="rect">
-            <a:avLst/>
-          </a:prstGeom>
-          <a:noFill/>
-        </p:spPr>
-        <p:txBody>
-          <a:bodyPr rot="0" spcFirstLastPara="0" vertOverflow="overflow" horzOverflow="overflow" vert="horz" wrap="square" lIns="91440" tIns="45720" rIns="91440" bIns="45720" numCol="1" spcCol="0" rtlCol="0" fromWordArt="0" anchor="t" anchorCtr="0" forceAA="0" compatLnSpc="1">
-            <a:prstTxWarp prst="textNoShape">
-              <a:avLst/>
-            </a:prstTxWarp>
-            <a:spAutoFit/>
-          </a:bodyPr>
-          <a:lstStyle/>
-          <a:p>
-            <a:r>
-              <a:rPr lang="en-US" sz="2200" dirty="0">
-                <a:cs typeface="Calibri"/>
-              </a:rPr>
-              <a:t>Organizations</a:t>
-            </a:r>
-            <a:endParaRPr lang="en-US" sz="2200" dirty="0"/>
-          </a:p>
-        </p:txBody>
-      </p:sp>
-    </p:spTree>
-    <p:extLst>
-      <p:ext uri="{BB962C8B-B14F-4D97-AF65-F5344CB8AC3E}">
-        <p14:creationId xmlns:p14="http://schemas.microsoft.com/office/powerpoint/2010/main" val="2869215878"/>
-      </p:ext>
-    </p:extLst>
-  </p:cSld>
-  <p:clrMapOvr>
-    <a:masterClrMapping/>
-  </p:clrMapOvr>
-</p:sld>
-</file>
-
-<file path=ppt/slides/slide9.xml><?xml version="1.0" encoding="utf-8"?>
-<p:sld xmlns:a="http://schemas.openxmlformats.org/drawingml/2006/main" xmlns:r="http://schemas.openxmlformats.org/officeDocument/2006/relationships" xmlns:p="http://schemas.openxmlformats.org/presentationml/2006/main">
-  <p:cSld>
-    <p:bg>
-      <p:bgPr>
-        <a:solidFill>
-          <a:schemeClr val="bg1"/>
-        </a:solidFill>
-        <a:effectLst/>
-      </p:bgPr>
-    </p:bg>
-    <p:spTree>
-      <p:nvGrpSpPr>
-        <p:cNvPr id="1" name=""/>
-        <p:cNvGrpSpPr/>
-        <p:nvPr/>
-      </p:nvGrpSpPr>
-      <p:grpSpPr>
-        <a:xfrm>
-          <a:off x="0" y="0"/>
-          <a:ext cx="0" cy="0"/>
-          <a:chOff x="0" y="0"/>
-          <a:chExt cx="0" cy="0"/>
-        </a:xfrm>
-      </p:grpSpPr>
-      <p:sp>
-        <p:nvSpPr>
-          <p:cNvPr id="10" name="Rectangle 9">
-            <a:extLst>
-              <a:ext uri="{FF2B5EF4-FFF2-40B4-BE49-F238E27FC236}">
-                <a16:creationId xmlns:a16="http://schemas.microsoft.com/office/drawing/2014/main" id="{2B566528-1B12-4246-9431-5C2D7D081168}"/>
-              </a:ext>
-              <a:ext uri="{C183D7F6-B498-43B3-948B-1728B52AA6E4}">
-                <adec:decorative xmlns:adec="http://schemas.microsoft.com/office/drawing/2017/decorative" val="1"/>
-              </a:ext>
-            </a:extLst>
-          </p:cNvPr>
-          <p:cNvSpPr>
-            <a:spLocks noGrp="1" noRot="1" noChangeAspect="1" noMove="1" noResize="1" noEditPoints="1" noAdjustHandles="1" noChangeArrowheads="1" noChangeShapeType="1" noTextEdit="1"/>
-          </p:cNvSpPr>
-          <p:nvPr>
-            <p:extLst>
-              <p:ext uri="{386F3935-93C4-4BCD-93E2-E3B085C9AB24}">
-                <p16:designElem xmlns:p16="http://schemas.microsoft.com/office/powerpoint/2015/main" val="1"/>
-              </p:ext>
-            </p:extLst>
-          </p:nvPr>
-        </p:nvSpPr>
-        <p:spPr>
-          <a:xfrm>
-            <a:off x="0" y="0"/>
-            <a:ext cx="12192000" cy="6858000"/>
-          </a:xfrm>
-          <a:prstGeom prst="rect">
-            <a:avLst/>
-          </a:prstGeom>
-          <a:solidFill>
-            <a:schemeClr val="bg1"/>
-          </a:solidFill>
-          <a:ln>
-            <a:noFill/>
-          </a:ln>
-        </p:spPr>
-        <p:style>
-          <a:lnRef idx="2">
-            <a:schemeClr val="accent1">
-              <a:shade val="50000"/>
-            </a:schemeClr>
-          </a:lnRef>
-          <a:fillRef idx="1">
-            <a:schemeClr val="accent1"/>
-          </a:fillRef>
-          <a:effectRef idx="0">
-            <a:schemeClr val="accent1"/>
-          </a:effectRef>
-          <a:fontRef idx="minor">
-            <a:schemeClr val="lt1"/>
-          </a:fontRef>
-        </p:style>
-        <p:txBody>
-          <a:bodyPr rtlCol="0" anchor="ctr"/>
-          <a:lstStyle/>
-          <a:p>
-            <a:pPr algn="ctr"/>
-            <a:endParaRPr lang="en-US"/>
-          </a:p>
-        </p:txBody>
-      </p:sp>
-      <p:grpSp>
-        <p:nvGrpSpPr>
-          <p:cNvPr id="12" name="Group 11">
-            <a:extLst>
-              <a:ext uri="{FF2B5EF4-FFF2-40B4-BE49-F238E27FC236}">
-                <a16:creationId xmlns:a16="http://schemas.microsoft.com/office/drawing/2014/main" id="{828A5161-06F1-46CF-8AD7-844680A59E13}"/>
-              </a:ext>
-              <a:ext uri="{C183D7F6-B498-43B3-948B-1728B52AA6E4}">
-                <adec:decorative xmlns:adec="http://schemas.microsoft.com/office/drawing/2017/decorative" val="1"/>
-              </a:ext>
-            </a:extLst>
-          </p:cNvPr>
-          <p:cNvGrpSpPr>
-            <a:grpSpLocks noGrp="1" noUngrp="1" noRot="1" noChangeAspect="1" noMove="1" noResize="1"/>
-          </p:cNvGrpSpPr>
-          <p:nvPr>
-            <p:extLst>
-              <p:ext uri="{386F3935-93C4-4BCD-93E2-E3B085C9AB24}">
-                <p16:designElem xmlns:p16="http://schemas.microsoft.com/office/powerpoint/2015/main" val="1"/>
-              </p:ext>
-            </p:extLst>
-          </p:nvPr>
-        </p:nvGrpSpPr>
-        <p:grpSpPr>
-          <a:xfrm>
-            <a:off x="0" y="4601497"/>
-            <a:ext cx="1014060" cy="2017580"/>
-            <a:chOff x="0" y="4601497"/>
-            <a:chExt cx="1014060" cy="2017580"/>
-          </a:xfrm>
-        </p:grpSpPr>
-        <p:sp>
-          <p:nvSpPr>
-            <p:cNvPr id="13" name="Isosceles Triangle 12">
-              <a:extLst>
-                <a:ext uri="{FF2B5EF4-FFF2-40B4-BE49-F238E27FC236}">
-                  <a16:creationId xmlns:a16="http://schemas.microsoft.com/office/drawing/2014/main" id="{D3F51FEB-38FB-4F6C-9F7B-2F2AFAB65463}"/>
-                </a:ext>
-                <a:ext uri="{C183D7F6-B498-43B3-948B-1728B52AA6E4}">
-                  <adec:decorative xmlns:adec="http://schemas.microsoft.com/office/drawing/2017/decorative" val="1"/>
-                </a:ext>
-              </a:extLst>
-            </p:cNvPr>
-            <p:cNvSpPr/>
-            <p:nvPr>
-              <p:extLst>
-                <p:ext uri="{386F3935-93C4-4BCD-93E2-E3B085C9AB24}">
-                  <p16:designElem xmlns:p16="http://schemas.microsoft.com/office/powerpoint/2015/main" val="1"/>
-                </p:ext>
-              </p:extLst>
-            </p:nvPr>
-          </p:nvSpPr>
-          <p:spPr>
-            <a:xfrm rot="5400000">
-              <a:off x="-501760" y="5103257"/>
-              <a:ext cx="2017580" cy="1014060"/>
-            </a:xfrm>
-            <a:prstGeom prst="triangle">
-              <a:avLst>
-                <a:gd name="adj" fmla="val 50000"/>
-              </a:avLst>
-            </a:prstGeom>
-            <a:solidFill>
-              <a:schemeClr val="accent1">
-                <a:alpha val="30000"/>
-              </a:schemeClr>
-            </a:solidFill>
-            <a:ln>
-              <a:noFill/>
-            </a:ln>
-          </p:spPr>
-          <p:style>
-            <a:lnRef idx="2">
-              <a:schemeClr val="accent1">
-                <a:shade val="50000"/>
-              </a:schemeClr>
-            </a:lnRef>
-            <a:fillRef idx="1">
-              <a:schemeClr val="accent1"/>
-            </a:fillRef>
-            <a:effectRef idx="0">
-              <a:schemeClr val="accent1"/>
-            </a:effectRef>
-            <a:fontRef idx="minor">
-              <a:schemeClr val="lt1"/>
-            </a:fontRef>
-          </p:style>
-          <p:txBody>
-            <a:bodyPr rtlCol="0" anchor="ctr"/>
-            <a:lstStyle/>
-            <a:p>
-              <a:pPr algn="ctr"/>
-              <a:endParaRPr lang="en-US"/>
-            </a:p>
-          </p:txBody>
-        </p:sp>
-        <p:sp>
-          <p:nvSpPr>
-            <p:cNvPr id="14" name="Rectangle 13">
-              <a:extLst>
-                <a:ext uri="{FF2B5EF4-FFF2-40B4-BE49-F238E27FC236}">
-                  <a16:creationId xmlns:a16="http://schemas.microsoft.com/office/drawing/2014/main" id="{1E547BA6-BAE0-43BB-A7CA-60F69CE252F0}"/>
-                </a:ext>
-                <a:ext uri="{C183D7F6-B498-43B3-948B-1728B52AA6E4}">
-                  <adec:decorative xmlns:adec="http://schemas.microsoft.com/office/drawing/2017/decorative" val="1"/>
-                </a:ext>
-              </a:extLst>
-            </p:cNvPr>
-            <p:cNvSpPr/>
-            <p:nvPr>
-              <p:extLst>
-                <p:ext uri="{386F3935-93C4-4BCD-93E2-E3B085C9AB24}">
-                  <p16:designElem xmlns:p16="http://schemas.microsoft.com/office/powerpoint/2015/main" val="1"/>
-                </p:ext>
-              </p:extLst>
-            </p:nvPr>
-          </p:nvSpPr>
-          <p:spPr>
-            <a:xfrm rot="2700000">
-              <a:off x="427916" y="5728708"/>
-              <a:ext cx="485578" cy="485578"/>
-            </a:xfrm>
-            <a:prstGeom prst="rect">
-              <a:avLst/>
-            </a:prstGeom>
-            <a:solidFill>
-              <a:schemeClr val="accent1">
-                <a:alpha val="30000"/>
-              </a:schemeClr>
-            </a:solidFill>
-            <a:ln>
-              <a:noFill/>
-            </a:ln>
-          </p:spPr>
-          <p:style>
-            <a:lnRef idx="2">
-              <a:schemeClr val="accent1">
-                <a:shade val="50000"/>
-              </a:schemeClr>
-            </a:lnRef>
-            <a:fillRef idx="1">
-              <a:schemeClr val="accent1"/>
-            </a:fillRef>
-            <a:effectRef idx="0">
-              <a:schemeClr val="accent1"/>
-            </a:effectRef>
-            <a:fontRef idx="minor">
-              <a:schemeClr val="lt1"/>
-            </a:fontRef>
-          </p:style>
-          <p:txBody>
-            <a:bodyPr rtlCol="0" anchor="ctr"/>
-            <a:lstStyle/>
-            <a:p>
-              <a:pPr algn="ctr"/>
-              <a:endParaRPr lang="en-US"/>
-            </a:p>
-          </p:txBody>
-        </p:sp>
-      </p:grpSp>
-      <p:grpSp>
-        <p:nvGrpSpPr>
-          <p:cNvPr id="16" name="Group 15">
-            <a:extLst>
-              <a:ext uri="{FF2B5EF4-FFF2-40B4-BE49-F238E27FC236}">
-                <a16:creationId xmlns:a16="http://schemas.microsoft.com/office/drawing/2014/main" id="{5995D10D-E9C9-47DB-AE7E-801FEF38F5C9}"/>
-              </a:ext>
-              <a:ext uri="{C183D7F6-B498-43B3-948B-1728B52AA6E4}">
-                <adec:decorative xmlns:adec="http://schemas.microsoft.com/office/drawing/2017/decorative" val="1"/>
-              </a:ext>
-            </a:extLst>
-          </p:cNvPr>
-          <p:cNvGrpSpPr>
-            <a:grpSpLocks noGrp="1" noUngrp="1" noRot="1" noChangeAspect="1" noMove="1" noResize="1"/>
-          </p:cNvGrpSpPr>
-          <p:nvPr>
-            <p:extLst>
-              <p:ext uri="{386F3935-93C4-4BCD-93E2-E3B085C9AB24}">
-                <p16:designElem xmlns:p16="http://schemas.microsoft.com/office/powerpoint/2015/main" val="1"/>
-              </p:ext>
-            </p:extLst>
-          </p:nvPr>
-        </p:nvGrpSpPr>
-        <p:grpSpPr>
-          <a:xfrm>
-            <a:off x="11219290" y="1"/>
-            <a:ext cx="972709" cy="1935307"/>
-            <a:chOff x="10918968" y="713127"/>
-            <a:chExt cx="1273032" cy="2532832"/>
-          </a:xfrm>
-        </p:grpSpPr>
-        <p:sp>
-          <p:nvSpPr>
-            <p:cNvPr id="17" name="Rectangle 16">
-              <a:extLst>
-                <a:ext uri="{FF2B5EF4-FFF2-40B4-BE49-F238E27FC236}">
-                  <a16:creationId xmlns:a16="http://schemas.microsoft.com/office/drawing/2014/main" id="{CC1A72C6-3DE4-4EC3-9AD5-9E0D40D8CE8A}"/>
-                </a:ext>
-                <a:ext uri="{C183D7F6-B498-43B3-948B-1728B52AA6E4}">
-                  <adec:decorative xmlns:adec="http://schemas.microsoft.com/office/drawing/2017/decorative" val="1"/>
-                </a:ext>
-              </a:extLst>
-            </p:cNvPr>
-            <p:cNvSpPr/>
-            <p:nvPr>
-              <p:extLst>
-                <p:ext uri="{386F3935-93C4-4BCD-93E2-E3B085C9AB24}">
-                  <p16:designElem xmlns:p16="http://schemas.microsoft.com/office/powerpoint/2015/main" val="1"/>
-                </p:ext>
-              </p:extLst>
-            </p:nvPr>
-          </p:nvSpPr>
-          <p:spPr>
-            <a:xfrm rot="2700000">
-              <a:off x="11052629" y="2120024"/>
-              <a:ext cx="645368" cy="645368"/>
-            </a:xfrm>
-            <a:prstGeom prst="rect">
-              <a:avLst/>
-            </a:prstGeom>
-            <a:solidFill>
-              <a:schemeClr val="accent4">
-                <a:alpha val="30000"/>
-              </a:schemeClr>
-            </a:solidFill>
-            <a:ln>
-              <a:noFill/>
-            </a:ln>
-          </p:spPr>
-          <p:style>
-            <a:lnRef idx="2">
-              <a:schemeClr val="accent1">
-                <a:shade val="50000"/>
-              </a:schemeClr>
-            </a:lnRef>
-            <a:fillRef idx="1">
-              <a:schemeClr val="accent1"/>
-            </a:fillRef>
-            <a:effectRef idx="0">
-              <a:schemeClr val="accent1"/>
-            </a:effectRef>
-            <a:fontRef idx="minor">
-              <a:schemeClr val="lt1"/>
-            </a:fontRef>
-          </p:style>
-          <p:txBody>
-            <a:bodyPr rtlCol="0" anchor="ctr"/>
-            <a:lstStyle/>
-            <a:p>
-              <a:pPr algn="ctr"/>
-              <a:endParaRPr lang="en-US"/>
-            </a:p>
-          </p:txBody>
-        </p:sp>
-        <p:sp>
-          <p:nvSpPr>
-            <p:cNvPr id="18" name="Isosceles Triangle 17">
-              <a:extLst>
-                <a:ext uri="{FF2B5EF4-FFF2-40B4-BE49-F238E27FC236}">
-                  <a16:creationId xmlns:a16="http://schemas.microsoft.com/office/drawing/2014/main" id="{0B0DA1F1-C391-4EDF-9FE0-23E86E137765}"/>
-                </a:ext>
-                <a:ext uri="{C183D7F6-B498-43B3-948B-1728B52AA6E4}">
-                  <adec:decorative xmlns:adec="http://schemas.microsoft.com/office/drawing/2017/decorative" val="1"/>
-                </a:ext>
-              </a:extLst>
-            </p:cNvPr>
-            <p:cNvSpPr/>
-            <p:nvPr>
-              <p:extLst>
-                <p:ext uri="{386F3935-93C4-4BCD-93E2-E3B085C9AB24}">
-                  <p16:designElem xmlns:p16="http://schemas.microsoft.com/office/powerpoint/2015/main" val="1"/>
-                </p:ext>
-              </p:extLst>
-            </p:nvPr>
-          </p:nvSpPr>
-          <p:spPr>
-            <a:xfrm rot="16200000">
-              <a:off x="10289068" y="1343027"/>
-              <a:ext cx="2532832" cy="1273032"/>
-            </a:xfrm>
-            <a:prstGeom prst="triangle">
-              <a:avLst>
-                <a:gd name="adj" fmla="val 50000"/>
-              </a:avLst>
-            </a:prstGeom>
-            <a:solidFill>
-              <a:schemeClr val="accent4">
-                <a:alpha val="30000"/>
-              </a:schemeClr>
-            </a:solidFill>
-            <a:ln>
-              <a:noFill/>
-            </a:ln>
-          </p:spPr>
-          <p:style>
-            <a:lnRef idx="2">
-              <a:schemeClr val="accent1">
-                <a:shade val="50000"/>
-              </a:schemeClr>
-            </a:lnRef>
-            <a:fillRef idx="1">
-              <a:schemeClr val="accent1"/>
-            </a:fillRef>
-            <a:effectRef idx="0">
-              <a:schemeClr val="accent1"/>
-            </a:effectRef>
-            <a:fontRef idx="minor">
-              <a:schemeClr val="lt1"/>
-            </a:fontRef>
-          </p:style>
-          <p:txBody>
-            <a:bodyPr rtlCol="0" anchor="ctr"/>
-            <a:lstStyle/>
-            <a:p>
-              <a:pPr algn="ctr"/>
-              <a:endParaRPr lang="en-US"/>
-            </a:p>
-          </p:txBody>
-        </p:sp>
-      </p:grpSp>
-      <p:sp>
-        <p:nvSpPr>
-          <p:cNvPr id="3" name="Slide Number Placeholder 2">
-            <a:extLst>
-              <a:ext uri="{FF2B5EF4-FFF2-40B4-BE49-F238E27FC236}">
-                <a16:creationId xmlns:a16="http://schemas.microsoft.com/office/drawing/2014/main" id="{FBDE7135-9153-4AEB-AC1F-4B951B7A76F2}"/>
-              </a:ext>
-            </a:extLst>
-          </p:cNvPr>
-          <p:cNvSpPr>
-            <a:spLocks noGrp="1"/>
-          </p:cNvSpPr>
-          <p:nvPr>
-            <p:ph type="sldNum" sz="quarter" idx="11"/>
-          </p:nvPr>
-        </p:nvSpPr>
-        <p:spPr>
-          <a:xfrm>
-            <a:off x="8805333" y="6356350"/>
-            <a:ext cx="2743200" cy="365125"/>
-          </a:xfrm>
-        </p:spPr>
-        <p:txBody>
-          <a:bodyPr vert="horz" lIns="91440" tIns="45720" rIns="91440" bIns="45720" rtlCol="0" anchor="ctr">
-            <a:normAutofit/>
-          </a:bodyPr>
-          <a:lstStyle/>
-          <a:p>
-            <a:pPr>
-              <a:spcAft>
-                <a:spcPts val="600"/>
-              </a:spcAft>
-            </a:pPr>
-            <a:fld id="{8C2E478F-E849-4A8C-AF1F-CBCC78A7CBFA}" type="slidenum">
-              <a:rPr lang="en-US" smtClean="0"/>
-              <a:pPr>
-                <a:spcAft>
-                  <a:spcPts val="600"/>
-                </a:spcAft>
-              </a:pPr>
-              <a:t>9</a:t>
-            </a:fld>
-            <a:endParaRPr lang="en-US"/>
-          </a:p>
-        </p:txBody>
-      </p:sp>
-      <p:sp>
-        <p:nvSpPr>
-          <p:cNvPr id="8" name="Title 7">
-            <a:extLst>
-              <a:ext uri="{FF2B5EF4-FFF2-40B4-BE49-F238E27FC236}">
-                <a16:creationId xmlns:a16="http://schemas.microsoft.com/office/drawing/2014/main" id="{F8DB2305-A4BB-ED16-560A-F163014025D2}"/>
-              </a:ext>
-            </a:extLst>
-          </p:cNvPr>
-          <p:cNvSpPr>
-            <a:spLocks noGrp="1"/>
-          </p:cNvSpPr>
-          <p:nvPr>
-            <p:ph type="title"/>
-          </p:nvPr>
-        </p:nvSpPr>
-        <p:spPr>
-          <a:xfrm>
-            <a:off x="5215812" y="612037"/>
-            <a:ext cx="6777405" cy="884238"/>
-          </a:xfrm>
-        </p:spPr>
-        <p:txBody>
-          <a:bodyPr/>
-          <a:lstStyle/>
-          <a:p>
-            <a:r>
-              <a:rPr lang="en-US" dirty="0"/>
-              <a:t>POS Distribution</a:t>
-            </a:r>
-          </a:p>
-        </p:txBody>
-      </p:sp>
-      <p:sp>
-        <p:nvSpPr>
-          <p:cNvPr id="21" name="TextBox 20">
-            <a:extLst>
-              <a:ext uri="{FF2B5EF4-FFF2-40B4-BE49-F238E27FC236}">
-                <a16:creationId xmlns:a16="http://schemas.microsoft.com/office/drawing/2014/main" id="{EE167727-B1DF-B725-265C-2B004C11FBE1}"/>
-              </a:ext>
-            </a:extLst>
-          </p:cNvPr>
-          <p:cNvSpPr txBox="1"/>
-          <p:nvPr/>
-        </p:nvSpPr>
-        <p:spPr>
-          <a:xfrm>
-            <a:off x="1941682" y="1691871"/>
-            <a:ext cx="2387723" cy="430887"/>
-          </a:xfrm>
-          <a:prstGeom prst="rect">
-            <a:avLst/>
-          </a:prstGeom>
-          <a:noFill/>
-        </p:spPr>
-        <p:txBody>
-          <a:bodyPr rot="0" spcFirstLastPara="0" vertOverflow="overflow" horzOverflow="overflow" vert="horz" wrap="square" lIns="91440" tIns="45720" rIns="91440" bIns="45720" numCol="1" spcCol="0" rtlCol="0" fromWordArt="0" anchor="t" anchorCtr="0" forceAA="0" compatLnSpc="1">
-            <a:prstTxWarp prst="textNoShape">
-              <a:avLst/>
-            </a:prstTxWarp>
-            <a:spAutoFit/>
-          </a:bodyPr>
-          <a:lstStyle/>
-          <a:p>
-            <a:r>
-              <a:rPr lang="en-US" sz="2200" dirty="0">
-                <a:cs typeface="Calibri"/>
-              </a:rPr>
-              <a:t>POS tags overall</a:t>
-            </a:r>
-            <a:endParaRPr lang="en-US" sz="2200" dirty="0"/>
-          </a:p>
-        </p:txBody>
-      </p:sp>
-      <p:sp>
-        <p:nvSpPr>
-          <p:cNvPr id="22" name="TextBox 21">
-            <a:extLst>
-              <a:ext uri="{FF2B5EF4-FFF2-40B4-BE49-F238E27FC236}">
-                <a16:creationId xmlns:a16="http://schemas.microsoft.com/office/drawing/2014/main" id="{014B2F0B-EA3C-4928-C446-7DBCB29BF415}"/>
-              </a:ext>
-            </a:extLst>
-          </p:cNvPr>
-          <p:cNvSpPr txBox="1"/>
-          <p:nvPr/>
-        </p:nvSpPr>
-        <p:spPr>
-          <a:xfrm>
-            <a:off x="7482055" y="1747475"/>
-            <a:ext cx="5389756" cy="430887"/>
-          </a:xfrm>
-          <a:prstGeom prst="rect">
-            <a:avLst/>
-          </a:prstGeom>
-          <a:noFill/>
-        </p:spPr>
-        <p:txBody>
-          <a:bodyPr rot="0" spcFirstLastPara="0" vertOverflow="overflow" horzOverflow="overflow" vert="horz" wrap="square" lIns="91440" tIns="45720" rIns="91440" bIns="45720" numCol="1" spcCol="0" rtlCol="0" fromWordArt="0" anchor="t" anchorCtr="0" forceAA="0" compatLnSpc="1">
-            <a:prstTxWarp prst="textNoShape">
-              <a:avLst/>
-            </a:prstTxWarp>
-            <a:spAutoFit/>
-          </a:bodyPr>
-          <a:lstStyle/>
-          <a:p>
-            <a:r>
-              <a:rPr lang="en-US" sz="2200" dirty="0">
-                <a:cs typeface="Calibri"/>
-              </a:rPr>
-              <a:t>Nouns (NN)</a:t>
-            </a:r>
-            <a:endParaRPr lang="en-US" sz="2200" dirty="0"/>
-          </a:p>
-        </p:txBody>
-      </p:sp>
-      <p:pic>
-        <p:nvPicPr>
-          <p:cNvPr id="5" name="Picture 4">
-            <a:extLst>
-              <a:ext uri="{FF2B5EF4-FFF2-40B4-BE49-F238E27FC236}">
-                <a16:creationId xmlns:a16="http://schemas.microsoft.com/office/drawing/2014/main" id="{6F2CF0D9-48FA-651A-E1D7-045FDD339867}"/>
-              </a:ext>
-            </a:extLst>
-          </p:cNvPr>
-          <p:cNvPicPr>
-            <a:picLocks noChangeAspect="1"/>
-          </p:cNvPicPr>
-          <p:nvPr/>
-        </p:nvPicPr>
-        <p:blipFill>
-          <a:blip r:embed="rId2"/>
-          <a:stretch>
-            <a:fillRect/>
-          </a:stretch>
-        </p:blipFill>
-        <p:spPr>
-          <a:xfrm>
-            <a:off x="1014060" y="2225044"/>
-            <a:ext cx="4920209" cy="3253898"/>
-          </a:xfrm>
-          <a:prstGeom prst="rect">
-            <a:avLst/>
-          </a:prstGeom>
-        </p:spPr>
-      </p:pic>
-      <p:pic>
-        <p:nvPicPr>
-          <p:cNvPr id="11" name="Picture 10">
-            <a:extLst>
-              <a:ext uri="{FF2B5EF4-FFF2-40B4-BE49-F238E27FC236}">
-                <a16:creationId xmlns:a16="http://schemas.microsoft.com/office/drawing/2014/main" id="{137B2189-9C7D-57B0-5270-0C61B8884F32}"/>
-              </a:ext>
-            </a:extLst>
-          </p:cNvPr>
-          <p:cNvPicPr>
-            <a:picLocks noChangeAspect="1"/>
-          </p:cNvPicPr>
-          <p:nvPr/>
-        </p:nvPicPr>
-        <p:blipFill>
-          <a:blip r:embed="rId3"/>
-          <a:stretch>
-            <a:fillRect/>
-          </a:stretch>
-        </p:blipFill>
-        <p:spPr>
-          <a:xfrm>
-            <a:off x="6485910" y="2224280"/>
-            <a:ext cx="5262178" cy="3198579"/>
-          </a:xfrm>
-          <a:prstGeom prst="rect">
-            <a:avLst/>
-          </a:prstGeom>
-        </p:spPr>
-      </p:pic>
-      <p:cxnSp>
-        <p:nvCxnSpPr>
-          <p:cNvPr id="15" name="Straight Arrow Connector 14">
-            <a:extLst>
-              <a:ext uri="{FF2B5EF4-FFF2-40B4-BE49-F238E27FC236}">
-                <a16:creationId xmlns:a16="http://schemas.microsoft.com/office/drawing/2014/main" id="{66794627-B153-DD07-0A3D-B07E4832CA41}"/>
-              </a:ext>
-            </a:extLst>
-          </p:cNvPr>
-          <p:cNvCxnSpPr>
-            <a:cxnSpLocks/>
-          </p:cNvCxnSpPr>
-          <p:nvPr/>
-        </p:nvCxnSpPr>
-        <p:spPr>
-          <a:xfrm>
-            <a:off x="4593726" y="2483646"/>
-            <a:ext cx="2198960" cy="945354"/>
-          </a:xfrm>
-          <a:prstGeom prst="straightConnector1">
-            <a:avLst/>
-          </a:prstGeom>
-          <a:ln w="130175">
-            <a:solidFill>
-              <a:schemeClr val="accent5"/>
-            </a:solidFill>
-            <a:tailEnd type="triangle"/>
-          </a:ln>
-        </p:spPr>
-        <p:style>
-          <a:lnRef idx="1">
-            <a:schemeClr val="accent1"/>
-          </a:lnRef>
-          <a:fillRef idx="0">
-            <a:schemeClr val="accent1"/>
-          </a:fillRef>
-          <a:effectRef idx="0">
-            <a:schemeClr val="accent1"/>
-          </a:effectRef>
-          <a:fontRef idx="minor">
-            <a:schemeClr val="tx1"/>
-          </a:fontRef>
-        </p:style>
-      </p:cxnSp>
-      <p:sp>
-        <p:nvSpPr>
-          <p:cNvPr id="20" name="TextBox 19">
-            <a:extLst>
-              <a:ext uri="{FF2B5EF4-FFF2-40B4-BE49-F238E27FC236}">
-                <a16:creationId xmlns:a16="http://schemas.microsoft.com/office/drawing/2014/main" id="{4DD0C1B3-9F54-5A18-8EE0-82D0687263FC}"/>
-              </a:ext>
-            </a:extLst>
-          </p:cNvPr>
-          <p:cNvSpPr txBox="1"/>
-          <p:nvPr/>
-        </p:nvSpPr>
-        <p:spPr>
-          <a:xfrm>
-            <a:off x="2696547" y="5786768"/>
-            <a:ext cx="7137918" cy="523220"/>
-          </a:xfrm>
-          <a:prstGeom prst="rect">
-            <a:avLst/>
-          </a:prstGeom>
-          <a:noFill/>
-        </p:spPr>
-        <p:txBody>
-          <a:bodyPr rot="0" spcFirstLastPara="0" vertOverflow="overflow" horzOverflow="overflow" vert="horz" wrap="square" lIns="91440" tIns="45720" rIns="91440" bIns="45720" numCol="1" spcCol="0" rtlCol="0" fromWordArt="0" anchor="t" anchorCtr="0" forceAA="0" compatLnSpc="1">
-            <a:prstTxWarp prst="textNoShape">
-              <a:avLst/>
-            </a:prstTxWarp>
-            <a:spAutoFit/>
-          </a:bodyPr>
-          <a:lstStyle/>
-          <a:p>
-            <a:pPr algn="ctr"/>
-            <a:r>
-              <a:rPr lang="en-GB" sz="1400" b="0" dirty="0">
-                <a:solidFill>
-                  <a:srgbClr val="000000"/>
-                </a:solidFill>
-                <a:effectLst/>
-                <a:latin typeface="Fira Code Medium" pitchFamily="1" charset="0"/>
-              </a:rPr>
-              <a:t>NN: Noun, VB: Verb, JJ: Adjective</a:t>
-            </a:r>
-            <a:r>
-              <a:rPr lang="en-GB" sz="1400" dirty="0">
-                <a:solidFill>
-                  <a:srgbClr val="000000"/>
-                </a:solidFill>
-                <a:latin typeface="Fira Code Medium" pitchFamily="1" charset="0"/>
-              </a:rPr>
-              <a:t>, RB: </a:t>
-            </a:r>
-            <a:r>
-              <a:rPr lang="en-GB" sz="1400" b="0" dirty="0">
-                <a:solidFill>
-                  <a:srgbClr val="000000"/>
-                </a:solidFill>
-                <a:effectLst/>
-                <a:latin typeface="Fira Code Medium" pitchFamily="1" charset="0"/>
-              </a:rPr>
-              <a:t>Adverb, IN: Preposition</a:t>
-            </a:r>
-            <a:r>
-              <a:rPr lang="en-GB" sz="1400" dirty="0">
-                <a:solidFill>
-                  <a:srgbClr val="000000"/>
-                </a:solidFill>
-                <a:latin typeface="Fira Code Medium" pitchFamily="1" charset="0"/>
-              </a:rPr>
-              <a:t>, CC: </a:t>
-            </a:r>
-            <a:r>
-              <a:rPr lang="en-GB" sz="1400" b="0" dirty="0">
-                <a:solidFill>
-                  <a:srgbClr val="000000"/>
-                </a:solidFill>
-                <a:effectLst/>
-                <a:latin typeface="Fira Code Medium" pitchFamily="1" charset="0"/>
-              </a:rPr>
-              <a:t>Conjunction, PRP: Pronoun</a:t>
-            </a:r>
-            <a:r>
-              <a:rPr lang="en-GB" sz="1400" dirty="0">
-                <a:solidFill>
-                  <a:srgbClr val="000000"/>
-                </a:solidFill>
-                <a:latin typeface="Fira Code Medium" pitchFamily="1" charset="0"/>
-              </a:rPr>
-              <a:t>, INT: </a:t>
-            </a:r>
-            <a:r>
-              <a:rPr lang="en-GB" sz="1400" b="0" dirty="0">
-                <a:solidFill>
-                  <a:srgbClr val="000000"/>
-                </a:solidFill>
-                <a:effectLst/>
-                <a:latin typeface="Fira Code Medium" pitchFamily="1" charset="0"/>
-              </a:rPr>
-              <a:t>Interjection</a:t>
-            </a:r>
-          </a:p>
-        </p:txBody>
-      </p:sp>
-    </p:spTree>
-    <p:extLst>
-      <p:ext uri="{BB962C8B-B14F-4D97-AF65-F5344CB8AC3E}">
-        <p14:creationId xmlns:p14="http://schemas.microsoft.com/office/powerpoint/2010/main" val="4204311532"/>
       </p:ext>
     </p:extLst>
   </p:cSld>
@@ -10807,15 +12352,6 @@
 </file>
 
 <file path=customXml/item1.xml><?xml version="1.0" encoding="utf-8"?>
-<p:properties xmlns:p="http://schemas.microsoft.com/office/2006/metadata/properties" xmlns:xsi="http://www.w3.org/2001/XMLSchema-instance" xmlns:pc="http://schemas.microsoft.com/office/infopath/2007/PartnerControls">
-  <documentManagement>
-    <Status xmlns="71af3243-3dd4-4a8d-8c0d-dd76da1f02a5">Not started</Status>
-    <MediaServiceKeyPoints xmlns="71af3243-3dd4-4a8d-8c0d-dd76da1f02a5" xsi:nil="true"/>
-  </documentManagement>
-</p:properties>
-</file>
-
-<file path=customXml/item2.xml><?xml version="1.0" encoding="utf-8"?>
 <?mso-contentType ?>
 <FormTemplates xmlns="http://schemas.microsoft.com/sharepoint/v3/contenttype/forms">
   <Display>DocumentLibraryForm</Display>
@@ -10824,7 +12360,7 @@
 </FormTemplates>
 </file>
 
-<file path=customXml/item3.xml><?xml version="1.0" encoding="utf-8"?>
+<file path=customXml/item2.xml><?xml version="1.0" encoding="utf-8"?>
 <ct:contentTypeSchema xmlns:ct="http://schemas.microsoft.com/office/2006/metadata/contentType" xmlns:ma="http://schemas.microsoft.com/office/2006/metadata/properties/metaAttributes" ct:_="" ma:_="" ma:contentTypeName="Document" ma:contentTypeID="0x01010079F111ED35F8CC479449609E8A0923A6" ma:contentTypeVersion="12" ma:contentTypeDescription="Create a new document." ma:contentTypeScope="" ma:versionID="426e97fa315356fffbdcd9876fe988c2">
   <xsd:schema xmlns:xsd="http://www.w3.org/2001/XMLSchema" xmlns:xs="http://www.w3.org/2001/XMLSchema" xmlns:p="http://schemas.microsoft.com/office/2006/metadata/properties" xmlns:ns2="71af3243-3dd4-4a8d-8c0d-dd76da1f02a5" xmlns:ns3="16c05727-aa75-4e4a-9b5f-8a80a1165891" targetNamespace="http://schemas.microsoft.com/office/2006/metadata/properties" ma:root="true" ma:fieldsID="14b8f0def80e6d70ce3def20c90759ae" ns2:_="" ns3:_="">
     <xsd:import namespace="71af3243-3dd4-4a8d-8c0d-dd76da1f02a5"/>
@@ -11045,17 +12581,16 @@
 </ct:contentTypeSchema>
 </file>
 
-<file path=customXml/itemProps1.xml><?xml version="1.0" encoding="utf-8"?>
-<ds:datastoreItem xmlns:ds="http://schemas.openxmlformats.org/officeDocument/2006/customXml" ds:itemID="{8002A8ED-1331-4C1D-8649-743D7BE164DD}">
-  <ds:schemaRefs>
-    <ds:schemaRef ds:uri="71af3243-3dd4-4a8d-8c0d-dd76da1f02a5"/>
-    <ds:schemaRef ds:uri="http://schemas.microsoft.com/office/2006/metadata/properties"/>
-    <ds:schemaRef ds:uri="http://schemas.microsoft.com/office/infopath/2007/PartnerControls"/>
-  </ds:schemaRefs>
-</ds:datastoreItem>
+<file path=customXml/item3.xml><?xml version="1.0" encoding="utf-8"?>
+<p:properties xmlns:p="http://schemas.microsoft.com/office/2006/metadata/properties" xmlns:xsi="http://www.w3.org/2001/XMLSchema-instance" xmlns:pc="http://schemas.microsoft.com/office/infopath/2007/PartnerControls">
+  <documentManagement>
+    <Status xmlns="71af3243-3dd4-4a8d-8c0d-dd76da1f02a5">Not started</Status>
+    <MediaServiceKeyPoints xmlns="71af3243-3dd4-4a8d-8c0d-dd76da1f02a5" xsi:nil="true"/>
+  </documentManagement>
+</p:properties>
 </file>
 
-<file path=customXml/itemProps2.xml><?xml version="1.0" encoding="utf-8"?>
+<file path=customXml/itemProps1.xml><?xml version="1.0" encoding="utf-8"?>
 <ds:datastoreItem xmlns:ds="http://schemas.openxmlformats.org/officeDocument/2006/customXml" ds:itemID="{99E4EAC9-33DC-4CF0-BA31-C98F61CE4785}">
   <ds:schemaRefs>
     <ds:schemaRef ds:uri="http://schemas.microsoft.com/sharepoint/v3/contenttype/forms"/>
@@ -11063,7 +12598,7 @@
 </ds:datastoreItem>
 </file>
 
-<file path=customXml/itemProps3.xml><?xml version="1.0" encoding="utf-8"?>
+<file path=customXml/itemProps2.xml><?xml version="1.0" encoding="utf-8"?>
 <ds:datastoreItem xmlns:ds="http://schemas.openxmlformats.org/officeDocument/2006/customXml" ds:itemID="{99A06775-4FD5-4278-BDCC-E6FF131E966F}">
   <ds:schemaRefs>
     <ds:schemaRef ds:uri="16c05727-aa75-4e4a-9b5f-8a80a1165891"/>
@@ -11080,4 +12615,14 @@
     <ds:schemaRef ds:uri="http://www.w3.org/2001/XMLSchema"/>
   </ds:schemaRefs>
 </ds:datastoreItem>
+</file>
+
+<file path=customXml/itemProps3.xml><?xml version="1.0" encoding="utf-8"?>
+<ds:datastoreItem xmlns:ds="http://schemas.openxmlformats.org/officeDocument/2006/customXml" ds:itemID="{8002A8ED-1331-4C1D-8649-743D7BE164DD}">
+  <ds:schemaRefs>
+    <ds:schemaRef ds:uri="71af3243-3dd4-4a8d-8c0d-dd76da1f02a5"/>
+    <ds:schemaRef ds:uri="http://schemas.microsoft.com/office/2006/metadata/properties"/>
+    <ds:schemaRef ds:uri="http://schemas.microsoft.com/office/infopath/2007/PartnerControls"/>
+  </ds:schemaRefs>
+</ds:datastoreItem>
 </file>